--- a/lectures/13.1-3/lecture13.2.pptx
+++ b/lectures/13.1-3/lecture13.2.pptx
@@ -5,7 +5,7 @@
     <p:sldMasterId id="2147483648" r:id="rId1"/>
   </p:sldMasterIdLst>
   <p:notesMasterIdLst>
-    <p:notesMasterId r:id="rId29"/>
+    <p:notesMasterId r:id="rId16"/>
   </p:notesMasterIdLst>
   <p:sldIdLst>
     <p:sldId id="256" r:id="rId2"/>
@@ -18,23 +18,10 @@
     <p:sldId id="288" r:id="rId9"/>
     <p:sldId id="287" r:id="rId10"/>
     <p:sldId id="289" r:id="rId11"/>
-    <p:sldId id="257" r:id="rId12"/>
-    <p:sldId id="268" r:id="rId13"/>
-    <p:sldId id="258" r:id="rId14"/>
-    <p:sldId id="259" r:id="rId15"/>
-    <p:sldId id="269" r:id="rId16"/>
-    <p:sldId id="260" r:id="rId17"/>
-    <p:sldId id="261" r:id="rId18"/>
-    <p:sldId id="270" r:id="rId19"/>
-    <p:sldId id="262" r:id="rId20"/>
-    <p:sldId id="263" r:id="rId21"/>
-    <p:sldId id="264" r:id="rId22"/>
-    <p:sldId id="265" r:id="rId23"/>
-    <p:sldId id="266" r:id="rId24"/>
-    <p:sldId id="267" r:id="rId25"/>
-    <p:sldId id="275" r:id="rId26"/>
-    <p:sldId id="271" r:id="rId27"/>
-    <p:sldId id="272" r:id="rId28"/>
+    <p:sldId id="258" r:id="rId12"/>
+    <p:sldId id="260" r:id="rId13"/>
+    <p:sldId id="268" r:id="rId14"/>
+    <p:sldId id="291" r:id="rId15"/>
   </p:sldIdLst>
   <p:sldSz cx="12192000" cy="6858000"/>
   <p:notesSz cx="6858000" cy="9144000"/>
@@ -223,7 +210,7 @@
           <a:p>
             <a:fld id="{248031C6-E4B0-0444-A4A8-9CCE96EC2C9C}" type="datetimeFigureOut">
               <a:rPr lang="en-GB" smtClean="0"/>
-              <a:t>10/12/2019</a:t>
+              <a:t>11/12/2019</a:t>
             </a:fld>
             <a:endParaRPr lang="en-GB"/>
           </a:p>
@@ -640,7 +627,7 @@
           <a:p>
             <a:fld id="{66665395-52C5-5E4B-BB20-CD4E0BBC9899}" type="datetimeFigureOut">
               <a:rPr lang="en-GB" smtClean="0"/>
-              <a:t>10/12/2019</a:t>
+              <a:t>11/12/2019</a:t>
             </a:fld>
             <a:endParaRPr lang="en-GB"/>
           </a:p>
@@ -840,7 +827,7 @@
           <a:p>
             <a:fld id="{66665395-52C5-5E4B-BB20-CD4E0BBC9899}" type="datetimeFigureOut">
               <a:rPr lang="en-GB" smtClean="0"/>
-              <a:t>10/12/2019</a:t>
+              <a:t>11/12/2019</a:t>
             </a:fld>
             <a:endParaRPr lang="en-GB"/>
           </a:p>
@@ -1050,7 +1037,7 @@
           <a:p>
             <a:fld id="{66665395-52C5-5E4B-BB20-CD4E0BBC9899}" type="datetimeFigureOut">
               <a:rPr lang="en-GB" smtClean="0"/>
-              <a:t>10/12/2019</a:t>
+              <a:t>11/12/2019</a:t>
             </a:fld>
             <a:endParaRPr lang="en-GB"/>
           </a:p>
@@ -1250,7 +1237,7 @@
           <a:p>
             <a:fld id="{66665395-52C5-5E4B-BB20-CD4E0BBC9899}" type="datetimeFigureOut">
               <a:rPr lang="en-GB" smtClean="0"/>
-              <a:t>10/12/2019</a:t>
+              <a:t>11/12/2019</a:t>
             </a:fld>
             <a:endParaRPr lang="en-GB"/>
           </a:p>
@@ -1526,7 +1513,7 @@
           <a:p>
             <a:fld id="{66665395-52C5-5E4B-BB20-CD4E0BBC9899}" type="datetimeFigureOut">
               <a:rPr lang="en-GB" smtClean="0"/>
-              <a:t>10/12/2019</a:t>
+              <a:t>11/12/2019</a:t>
             </a:fld>
             <a:endParaRPr lang="en-GB"/>
           </a:p>
@@ -1794,7 +1781,7 @@
           <a:p>
             <a:fld id="{66665395-52C5-5E4B-BB20-CD4E0BBC9899}" type="datetimeFigureOut">
               <a:rPr lang="en-GB" smtClean="0"/>
-              <a:t>10/12/2019</a:t>
+              <a:t>11/12/2019</a:t>
             </a:fld>
             <a:endParaRPr lang="en-GB"/>
           </a:p>
@@ -2209,7 +2196,7 @@
           <a:p>
             <a:fld id="{66665395-52C5-5E4B-BB20-CD4E0BBC9899}" type="datetimeFigureOut">
               <a:rPr lang="en-GB" smtClean="0"/>
-              <a:t>10/12/2019</a:t>
+              <a:t>11/12/2019</a:t>
             </a:fld>
             <a:endParaRPr lang="en-GB"/>
           </a:p>
@@ -2351,7 +2338,7 @@
           <a:p>
             <a:fld id="{66665395-52C5-5E4B-BB20-CD4E0BBC9899}" type="datetimeFigureOut">
               <a:rPr lang="en-GB" smtClean="0"/>
-              <a:t>10/12/2019</a:t>
+              <a:t>11/12/2019</a:t>
             </a:fld>
             <a:endParaRPr lang="en-GB"/>
           </a:p>
@@ -2464,7 +2451,7 @@
           <a:p>
             <a:fld id="{66665395-52C5-5E4B-BB20-CD4E0BBC9899}" type="datetimeFigureOut">
               <a:rPr lang="en-GB" smtClean="0"/>
-              <a:t>10/12/2019</a:t>
+              <a:t>11/12/2019</a:t>
             </a:fld>
             <a:endParaRPr lang="en-GB"/>
           </a:p>
@@ -2777,7 +2764,7 @@
           <a:p>
             <a:fld id="{66665395-52C5-5E4B-BB20-CD4E0BBC9899}" type="datetimeFigureOut">
               <a:rPr lang="en-GB" smtClean="0"/>
-              <a:t>10/12/2019</a:t>
+              <a:t>11/12/2019</a:t>
             </a:fld>
             <a:endParaRPr lang="en-GB"/>
           </a:p>
@@ -3066,7 +3053,7 @@
           <a:p>
             <a:fld id="{66665395-52C5-5E4B-BB20-CD4E0BBC9899}" type="datetimeFigureOut">
               <a:rPr lang="en-GB" smtClean="0"/>
-              <a:t>10/12/2019</a:t>
+              <a:t>11/12/2019</a:t>
             </a:fld>
             <a:endParaRPr lang="en-GB"/>
           </a:p>
@@ -3309,7 +3296,7 @@
           <a:p>
             <a:fld id="{66665395-52C5-5E4B-BB20-CD4E0BBC9899}" type="datetimeFigureOut">
               <a:rPr lang="en-GB" smtClean="0"/>
-              <a:t>10/12/2019</a:t>
+              <a:t>11/12/2019</a:t>
             </a:fld>
             <a:endParaRPr lang="en-GB"/>
           </a:p>
@@ -6169,7 +6156,7 @@
         <p:spPr>
           <a:xfrm>
             <a:off x="7033216" y="5406586"/>
-            <a:ext cx="4689425" cy="369332"/>
+            <a:ext cx="4761112" cy="369332"/>
           </a:xfrm>
           <a:prstGeom prst="rect">
             <a:avLst/>
@@ -6248,7 +6235,7 @@
             </a:r>
             <a:r>
               <a:rPr lang="en-GB" dirty="0" err="1"/>
-              <a:t>bræt</a:t>
+              <a:t>plade</a:t>
             </a:r>
             <a:r>
               <a:rPr lang="en-GB" dirty="0"/>
@@ -6426,14 +6413,6 @@
 <file path=ppt/slides/slide11.xml><?xml version="1.0" encoding="utf-8"?>
 <p:sld xmlns:a="http://schemas.openxmlformats.org/drawingml/2006/main" xmlns:r="http://schemas.openxmlformats.org/officeDocument/2006/relationships" xmlns:p="http://schemas.openxmlformats.org/presentationml/2006/main">
   <p:cSld>
-    <p:bg>
-      <p:bgPr>
-        <a:solidFill>
-          <a:schemeClr val="bg1"/>
-        </a:solidFill>
-        <a:effectLst/>
-      </p:bgPr>
-    </p:bg>
     <p:spTree>
       <p:nvGrpSpPr>
         <p:cNvPr id="1" name=""/>
@@ -6453,7 +6432,7 @@
           <p:cNvPr id="2" name="Title 1">
             <a:extLst>
               <a:ext uri="{FF2B5EF4-FFF2-40B4-BE49-F238E27FC236}">
-                <a16:creationId xmlns:a16="http://schemas.microsoft.com/office/drawing/2014/main" id="{6B7B5506-8EDB-D847-8FE9-3643EB4D4F62}"/>
+                <a16:creationId xmlns:a16="http://schemas.microsoft.com/office/drawing/2014/main" id="{3487E008-6D31-5A43-B5AF-BF660B8F7E2E}"/>
               </a:ext>
             </a:extLst>
           </p:cNvPr>
@@ -6464,47 +6443,25 @@
             <p:ph type="title"/>
           </p:nvPr>
         </p:nvSpPr>
-        <p:spPr>
-          <a:xfrm>
-            <a:off x="394854" y="-63044"/>
-            <a:ext cx="9860769" cy="905743"/>
-          </a:xfrm>
-        </p:spPr>
+        <p:spPr/>
         <p:txBody>
-          <a:bodyPr>
-            <a:normAutofit/>
-          </a:bodyPr>
+          <a:bodyPr/>
           <a:lstStyle/>
           <a:p>
             <a:r>
-              <a:rPr lang="da-DK" dirty="0"/>
-              <a:t>UML = </a:t>
-            </a:r>
-            <a:r>
-              <a:rPr lang="da-DK" dirty="0" err="1"/>
-              <a:t>Unified</a:t>
-            </a:r>
-            <a:r>
-              <a:rPr lang="da-DK" dirty="0"/>
-              <a:t> </a:t>
-            </a:r>
-            <a:r>
-              <a:rPr lang="da-DK" dirty="0" err="1"/>
-              <a:t>Modelling</a:t>
-            </a:r>
-            <a:r>
-              <a:rPr lang="da-DK" dirty="0"/>
-              <a:t> Language</a:t>
-            </a:r>
+              <a:rPr lang="en-GB" dirty="0" err="1"/>
+              <a:t>Relationer</a:t>
+            </a:r>
+            <a:endParaRPr lang="en-GB" dirty="0"/>
           </a:p>
         </p:txBody>
       </p:sp>
       <p:sp>
         <p:nvSpPr>
-          <p:cNvPr id="5" name="Content Placeholder 4">
+          <p:cNvPr id="3" name="Content Placeholder 2">
             <a:extLst>
               <a:ext uri="{FF2B5EF4-FFF2-40B4-BE49-F238E27FC236}">
-                <a16:creationId xmlns:a16="http://schemas.microsoft.com/office/drawing/2014/main" id="{92BC9DF3-A597-4D4D-8FD3-DA5EDC4F42C0}"/>
+                <a16:creationId xmlns:a16="http://schemas.microsoft.com/office/drawing/2014/main" id="{878D0AC2-ED14-3D48-BE48-3F5572957793}"/>
               </a:ext>
             </a:extLst>
           </p:cNvPr>
@@ -6515,46 +6472,132 @@
             <p:ph idx="1"/>
           </p:nvPr>
         </p:nvSpPr>
-        <p:spPr>
-          <a:xfrm>
-            <a:off x="551329" y="860815"/>
-            <a:ext cx="4522694" cy="612775"/>
-          </a:xfrm>
-        </p:spPr>
+        <p:spPr/>
+        <p:txBody>
+          <a:bodyPr>
+            <a:normAutofit/>
+          </a:bodyPr>
+          <a:lstStyle/>
+          <a:p>
+            <a:r>
+              <a:rPr lang="da-DK" dirty="0" err="1"/>
+              <a:t>Nedarvning</a:t>
+            </a:r>
+            <a:r>
+              <a:rPr lang="da-DK" dirty="0"/>
+              <a:t>: ‘is-a’</a:t>
+            </a:r>
+          </a:p>
+          <a:p>
+            <a:r>
+              <a:rPr lang="da-DK" dirty="0"/>
+              <a:t>Association: ‘has-a’</a:t>
+            </a:r>
+          </a:p>
+          <a:p>
+            <a:pPr lvl="1"/>
+            <a:r>
+              <a:rPr lang="da-DK" dirty="0"/>
+              <a:t>Association - Host ’kender til’ gæst </a:t>
+            </a:r>
+          </a:p>
+          <a:p>
+            <a:pPr lvl="1"/>
+            <a:r>
+              <a:rPr lang="da-DK" dirty="0" err="1"/>
+              <a:t>Aggregation</a:t>
+            </a:r>
+            <a:r>
+              <a:rPr lang="da-DK" dirty="0"/>
+              <a:t> - Host ’har kopi af’ gæst </a:t>
+            </a:r>
+          </a:p>
+          <a:p>
+            <a:pPr lvl="1"/>
+            <a:r>
+              <a:rPr lang="da-DK" dirty="0" err="1"/>
+              <a:t>Composition</a:t>
+            </a:r>
+            <a:r>
+              <a:rPr lang="da-DK" dirty="0"/>
+              <a:t> - Host ’opretter afhængig og har kopi af’ gæst. </a:t>
+            </a:r>
+            <a:r>
+              <a:rPr lang="da-DK" dirty="0" err="1"/>
+              <a:t>Når</a:t>
+            </a:r>
+            <a:r>
+              <a:rPr lang="da-DK" dirty="0"/>
+              <a:t> host slettes slettes gæst </a:t>
+            </a:r>
+            <a:r>
+              <a:rPr lang="da-DK" dirty="0" err="1"/>
+              <a:t>ligesa</a:t>
+            </a:r>
+            <a:r>
+              <a:rPr lang="da-DK" dirty="0"/>
+              <a:t>̊. </a:t>
+            </a:r>
+          </a:p>
+          <a:p>
+            <a:endParaRPr lang="en-GB" dirty="0"/>
+          </a:p>
+        </p:txBody>
+      </p:sp>
+    </p:spTree>
+    <p:extLst>
+      <p:ext uri="{BB962C8B-B14F-4D97-AF65-F5344CB8AC3E}">
+        <p14:creationId xmlns:p14="http://schemas.microsoft.com/office/powerpoint/2010/main" val="3714348307"/>
+      </p:ext>
+    </p:extLst>
+  </p:cSld>
+  <p:clrMapOvr>
+    <a:masterClrMapping/>
+  </p:clrMapOvr>
+</p:sld>
+</file>
+
+<file path=ppt/slides/slide12.xml><?xml version="1.0" encoding="utf-8"?>
+<p:sld xmlns:a="http://schemas.openxmlformats.org/drawingml/2006/main" xmlns:r="http://schemas.openxmlformats.org/officeDocument/2006/relationships" xmlns:p="http://schemas.openxmlformats.org/presentationml/2006/main">
+  <p:cSld>
+    <p:spTree>
+      <p:nvGrpSpPr>
+        <p:cNvPr id="1" name=""/>
+        <p:cNvGrpSpPr/>
+        <p:nvPr/>
+      </p:nvGrpSpPr>
+      <p:grpSpPr>
+        <a:xfrm>
+          <a:off x="0" y="0"/>
+          <a:ext cx="0" cy="0"/>
+          <a:chOff x="0" y="0"/>
+          <a:chExt cx="0" cy="0"/>
+        </a:xfrm>
+      </p:grpSpPr>
+      <p:sp>
+        <p:nvSpPr>
+          <p:cNvPr id="2" name="Title 1">
+            <a:extLst>
+              <a:ext uri="{FF2B5EF4-FFF2-40B4-BE49-F238E27FC236}">
+                <a16:creationId xmlns:a16="http://schemas.microsoft.com/office/drawing/2014/main" id="{4C3459D4-A895-7645-B68C-325D8478CA88}"/>
+              </a:ext>
+            </a:extLst>
+          </p:cNvPr>
+          <p:cNvSpPr>
+            <a:spLocks noGrp="1"/>
+          </p:cNvSpPr>
+          <p:nvPr>
+            <p:ph type="title"/>
+          </p:nvPr>
+        </p:nvSpPr>
+        <p:spPr/>
         <p:txBody>
           <a:bodyPr/>
           <a:lstStyle/>
           <a:p>
-            <a:pPr marL="0" indent="0">
-              <a:buNone/>
-            </a:pPr>
             <a:r>
               <a:rPr lang="en-GB" dirty="0" err="1"/>
-              <a:t>Opgave</a:t>
-            </a:r>
-            <a:r>
-              <a:rPr lang="en-GB" dirty="0"/>
-              <a:t> 10g: </a:t>
-            </a:r>
-            <a:r>
-              <a:rPr lang="en-GB" dirty="0" err="1"/>
-              <a:t>Ulve</a:t>
-            </a:r>
-            <a:r>
-              <a:rPr lang="en-GB" dirty="0"/>
-              <a:t> </a:t>
-            </a:r>
-            <a:r>
-              <a:rPr lang="en-GB" dirty="0" err="1"/>
-              <a:t>og</a:t>
-            </a:r>
-            <a:r>
-              <a:rPr lang="en-GB" dirty="0"/>
-              <a:t> </a:t>
-            </a:r>
-            <a:r>
-              <a:rPr lang="en-GB" dirty="0" err="1"/>
-              <a:t>elge</a:t>
+              <a:t>Relationsgrafik</a:t>
             </a:r>
             <a:endParaRPr lang="en-GB" dirty="0"/>
           </a:p>
@@ -6562,10 +6605,10 @@
       </p:sp>
       <p:pic>
         <p:nvPicPr>
-          <p:cNvPr id="20" name="Picture 19">
+          <p:cNvPr id="4" name="Picture 3">
             <a:extLst>
               <a:ext uri="{FF2B5EF4-FFF2-40B4-BE49-F238E27FC236}">
-                <a16:creationId xmlns:a16="http://schemas.microsoft.com/office/drawing/2014/main" id="{C2F9991E-AB85-0948-829C-00E80C4586EE}"/>
+                <a16:creationId xmlns:a16="http://schemas.microsoft.com/office/drawing/2014/main" id="{D9D6C4E6-06B3-4C41-8F96-404F7AF65F64}"/>
               </a:ext>
             </a:extLst>
           </p:cNvPr>
@@ -6582,223 +6625,28 @@
         </p:blipFill>
         <p:spPr>
           <a:xfrm>
-            <a:off x="0" y="1536052"/>
-            <a:ext cx="5938520" cy="2489200"/>
+            <a:off x="1334994" y="2261719"/>
+            <a:ext cx="9100568" cy="3726703"/>
           </a:xfrm>
           <a:prstGeom prst="rect">
             <a:avLst/>
           </a:prstGeom>
-          <a:ln>
-            <a:solidFill>
-              <a:schemeClr val="accent1"/>
-            </a:solidFill>
-          </a:ln>
-        </p:spPr>
-      </p:pic>
-      <p:pic>
-        <p:nvPicPr>
-          <p:cNvPr id="22" name="Picture 21">
-            <a:extLst>
-              <a:ext uri="{FF2B5EF4-FFF2-40B4-BE49-F238E27FC236}">
-                <a16:creationId xmlns:a16="http://schemas.microsoft.com/office/drawing/2014/main" id="{B9C355E6-7222-E14A-9A8D-F3C7ACAEE66A}"/>
-              </a:ext>
-            </a:extLst>
-          </p:cNvPr>
-          <p:cNvPicPr>
-            <a:picLocks noChangeAspect="1"/>
-          </p:cNvPicPr>
-          <p:nvPr/>
-        </p:nvPicPr>
-        <p:blipFill>
-          <a:blip r:embed="rId3"/>
-          <a:stretch>
-            <a:fillRect/>
-          </a:stretch>
-        </p:blipFill>
-        <p:spPr>
-          <a:xfrm>
-            <a:off x="6308986" y="1536052"/>
-            <a:ext cx="5885180" cy="2435860"/>
-          </a:xfrm>
-          <a:prstGeom prst="rect">
-            <a:avLst/>
-          </a:prstGeom>
-          <a:ln>
-            <a:solidFill>
-              <a:schemeClr val="accent1"/>
-            </a:solidFill>
-          </a:ln>
-        </p:spPr>
-      </p:pic>
-      <p:pic>
-        <p:nvPicPr>
-          <p:cNvPr id="23" name="Picture 22">
-            <a:extLst>
-              <a:ext uri="{FF2B5EF4-FFF2-40B4-BE49-F238E27FC236}">
-                <a16:creationId xmlns:a16="http://schemas.microsoft.com/office/drawing/2014/main" id="{00E36336-C6B9-9049-8C26-B89E5F93A8F0}"/>
-              </a:ext>
-            </a:extLst>
-          </p:cNvPr>
-          <p:cNvPicPr>
-            <a:picLocks noChangeAspect="1"/>
-          </p:cNvPicPr>
-          <p:nvPr/>
-        </p:nvPicPr>
-        <p:blipFill>
-          <a:blip r:embed="rId4"/>
-          <a:stretch>
-            <a:fillRect/>
-          </a:stretch>
-        </p:blipFill>
-        <p:spPr>
-          <a:xfrm>
-            <a:off x="3206750" y="4315460"/>
-            <a:ext cx="5831840" cy="2542540"/>
-          </a:xfrm>
-          <a:prstGeom prst="rect">
-            <a:avLst/>
-          </a:prstGeom>
-          <a:ln>
-            <a:solidFill>
-              <a:schemeClr val="accent1"/>
-            </a:solidFill>
-          </a:ln>
         </p:spPr>
       </p:pic>
     </p:spTree>
     <p:extLst>
       <p:ext uri="{BB962C8B-B14F-4D97-AF65-F5344CB8AC3E}">
-        <p14:creationId xmlns:p14="http://schemas.microsoft.com/office/powerpoint/2010/main" val="4121573176"/>
+        <p14:creationId xmlns:p14="http://schemas.microsoft.com/office/powerpoint/2010/main" val="800765970"/>
       </p:ext>
     </p:extLst>
   </p:cSld>
   <p:clrMapOvr>
     <a:masterClrMapping/>
   </p:clrMapOvr>
-  <p:timing>
-    <p:tnLst>
-      <p:par>
-        <p:cTn id="1" dur="indefinite" restart="never" nodeType="tmRoot">
-          <p:childTnLst>
-            <p:seq concurrent="1" nextAc="seek">
-              <p:cTn id="2" dur="indefinite" nodeType="mainSeq">
-                <p:childTnLst>
-                  <p:par>
-                    <p:cTn id="3" fill="hold">
-                      <p:stCondLst>
-                        <p:cond delay="indefinite"/>
-                      </p:stCondLst>
-                      <p:childTnLst>
-                        <p:par>
-                          <p:cTn id="4" fill="hold">
-                            <p:stCondLst>
-                              <p:cond delay="0"/>
-                            </p:stCondLst>
-                            <p:childTnLst>
-                              <p:par>
-                                <p:cTn id="5" presetID="1" presetClass="entr" presetSubtype="0" fill="hold" nodeType="clickEffect">
-                                  <p:stCondLst>
-                                    <p:cond delay="0"/>
-                                  </p:stCondLst>
-                                  <p:childTnLst>
-                                    <p:set>
-                                      <p:cBhvr>
-                                        <p:cTn id="6" dur="1" fill="hold">
-                                          <p:stCondLst>
-                                            <p:cond delay="0"/>
-                                          </p:stCondLst>
-                                        </p:cTn>
-                                        <p:tgtEl>
-                                          <p:spTgt spid="22"/>
-                                        </p:tgtEl>
-                                        <p:attrNameLst>
-                                          <p:attrName>style.visibility</p:attrName>
-                                        </p:attrNameLst>
-                                      </p:cBhvr>
-                                      <p:to>
-                                        <p:strVal val="visible"/>
-                                      </p:to>
-                                    </p:set>
-                                  </p:childTnLst>
-                                </p:cTn>
-                              </p:par>
-                            </p:childTnLst>
-                          </p:cTn>
-                        </p:par>
-                      </p:childTnLst>
-                    </p:cTn>
-                  </p:par>
-                  <p:par>
-                    <p:cTn id="7" fill="hold">
-                      <p:stCondLst>
-                        <p:cond delay="indefinite"/>
-                      </p:stCondLst>
-                      <p:childTnLst>
-                        <p:par>
-                          <p:cTn id="8" fill="hold">
-                            <p:stCondLst>
-                              <p:cond delay="0"/>
-                            </p:stCondLst>
-                            <p:childTnLst>
-                              <p:par>
-                                <p:cTn id="9" presetID="1" presetClass="entr" presetSubtype="0" fill="hold" nodeType="clickEffect">
-                                  <p:stCondLst>
-                                    <p:cond delay="0"/>
-                                  </p:stCondLst>
-                                  <p:childTnLst>
-                                    <p:set>
-                                      <p:cBhvr>
-                                        <p:cTn id="10" dur="1" fill="hold">
-                                          <p:stCondLst>
-                                            <p:cond delay="0"/>
-                                          </p:stCondLst>
-                                        </p:cTn>
-                                        <p:tgtEl>
-                                          <p:spTgt spid="23"/>
-                                        </p:tgtEl>
-                                        <p:attrNameLst>
-                                          <p:attrName>style.visibility</p:attrName>
-                                        </p:attrNameLst>
-                                      </p:cBhvr>
-                                      <p:to>
-                                        <p:strVal val="visible"/>
-                                      </p:to>
-                                    </p:set>
-                                  </p:childTnLst>
-                                </p:cTn>
-                              </p:par>
-                            </p:childTnLst>
-                          </p:cTn>
-                        </p:par>
-                      </p:childTnLst>
-                    </p:cTn>
-                  </p:par>
-                </p:childTnLst>
-              </p:cTn>
-              <p:prevCondLst>
-                <p:cond evt="onPrev" delay="0">
-                  <p:tgtEl>
-                    <p:sldTgt/>
-                  </p:tgtEl>
-                </p:cond>
-              </p:prevCondLst>
-              <p:nextCondLst>
-                <p:cond evt="onNext" delay="0">
-                  <p:tgtEl>
-                    <p:sldTgt/>
-                  </p:tgtEl>
-                </p:cond>
-              </p:nextCondLst>
-            </p:seq>
-          </p:childTnLst>
-        </p:cTn>
-      </p:par>
-    </p:tnLst>
-  </p:timing>
 </p:sld>
 </file>
 
-<file path=ppt/slides/slide12.xml><?xml version="1.0" encoding="utf-8"?>
+<file path=ppt/slides/slide13.xml><?xml version="1.0" encoding="utf-8"?>
 <p:sld xmlns:a="http://schemas.openxmlformats.org/drawingml/2006/main" xmlns:r="http://schemas.openxmlformats.org/officeDocument/2006/relationships" xmlns:p="http://schemas.openxmlformats.org/presentationml/2006/main">
   <p:cSld>
     <p:bg>
@@ -6863,12 +6711,327 @@
           </a:p>
         </p:txBody>
       </p:sp>
+      <p:sp>
+        <p:nvSpPr>
+          <p:cNvPr id="3" name="TextBox 2">
+            <a:extLst>
+              <a:ext uri="{FF2B5EF4-FFF2-40B4-BE49-F238E27FC236}">
+                <a16:creationId xmlns:a16="http://schemas.microsoft.com/office/drawing/2014/main" id="{5CA1A933-F928-BD4C-A92A-3703E5080AEF}"/>
+              </a:ext>
+            </a:extLst>
+          </p:cNvPr>
+          <p:cNvSpPr txBox="1"/>
+          <p:nvPr/>
+        </p:nvSpPr>
+        <p:spPr>
+          <a:xfrm>
+            <a:off x="356099" y="1292707"/>
+            <a:ext cx="6843540" cy="3539430"/>
+          </a:xfrm>
+          <a:prstGeom prst="rect">
+            <a:avLst/>
+          </a:prstGeom>
+          <a:noFill/>
+          <a:ln>
+            <a:solidFill>
+              <a:schemeClr val="accent1"/>
+            </a:solidFill>
+          </a:ln>
+        </p:spPr>
+        <p:txBody>
+          <a:bodyPr wrap="none" rtlCol="0">
+            <a:spAutoFit/>
+          </a:bodyPr>
+          <a:lstStyle/>
+          <a:p>
+            <a:r>
+              <a:rPr lang="en-GB" sz="1400" dirty="0">
+                <a:latin typeface="Lucida Sans Typewriter" panose="020B0509030504030204" pitchFamily="49" charset="77"/>
+              </a:rPr>
+              <a:t>\</a:t>
+            </a:r>
+            <a:r>
+              <a:rPr lang="en-GB" sz="1400" dirty="0" err="1">
+                <a:latin typeface="Lucida Sans Typewriter" panose="020B0509030504030204" pitchFamily="49" charset="77"/>
+              </a:rPr>
+              <a:t>documentclass</a:t>
+            </a:r>
+            <a:r>
+              <a:rPr lang="en-GB" sz="1400" dirty="0">
+                <a:latin typeface="Lucida Sans Typewriter" panose="020B0509030504030204" pitchFamily="49" charset="77"/>
+              </a:rPr>
+              <a:t>{article}</a:t>
+            </a:r>
+          </a:p>
+          <a:p>
+            <a:r>
+              <a:rPr lang="en-GB" sz="1400" dirty="0">
+                <a:latin typeface="Lucida Sans Typewriter" panose="020B0509030504030204" pitchFamily="49" charset="77"/>
+              </a:rPr>
+              <a:t>\</a:t>
+            </a:r>
+            <a:r>
+              <a:rPr lang="en-GB" sz="1400" dirty="0" err="1">
+                <a:latin typeface="Lucida Sans Typewriter" panose="020B0509030504030204" pitchFamily="49" charset="77"/>
+              </a:rPr>
+              <a:t>usepackage</a:t>
+            </a:r>
+            <a:r>
+              <a:rPr lang="en-GB" sz="1400" dirty="0">
+                <a:latin typeface="Lucida Sans Typewriter" panose="020B0509030504030204" pitchFamily="49" charset="77"/>
+              </a:rPr>
+              <a:t>[</a:t>
+            </a:r>
+            <a:r>
+              <a:rPr lang="en-GB" sz="1400" dirty="0" err="1">
+                <a:latin typeface="Lucida Sans Typewriter" panose="020B0509030504030204" pitchFamily="49" charset="77"/>
+              </a:rPr>
+              <a:t>school,simplified</a:t>
+            </a:r>
+            <a:r>
+              <a:rPr lang="en-GB" sz="1400" dirty="0">
+                <a:latin typeface="Lucida Sans Typewriter" panose="020B0509030504030204" pitchFamily="49" charset="77"/>
+              </a:rPr>
+              <a:t>]{</a:t>
+            </a:r>
+            <a:r>
+              <a:rPr lang="en-GB" sz="1400" dirty="0" err="1">
+                <a:latin typeface="Lucida Sans Typewriter" panose="020B0509030504030204" pitchFamily="49" charset="77"/>
+              </a:rPr>
+              <a:t>pgf-umlcd</a:t>
+            </a:r>
+            <a:r>
+              <a:rPr lang="en-GB" sz="1400" dirty="0">
+                <a:latin typeface="Lucida Sans Typewriter" panose="020B0509030504030204" pitchFamily="49" charset="77"/>
+              </a:rPr>
+              <a:t>}</a:t>
+            </a:r>
+          </a:p>
+          <a:p>
+            <a:endParaRPr lang="en-GB" sz="1400" dirty="0">
+              <a:latin typeface="Lucida Sans Typewriter" panose="020B0509030504030204" pitchFamily="49" charset="77"/>
+            </a:endParaRPr>
+          </a:p>
+          <a:p>
+            <a:r>
+              <a:rPr lang="en-GB" sz="1400" dirty="0">
+                <a:latin typeface="Lucida Sans Typewriter" panose="020B0509030504030204" pitchFamily="49" charset="77"/>
+              </a:rPr>
+              <a:t>\begin{document}</a:t>
+            </a:r>
+          </a:p>
+          <a:p>
+            <a:r>
+              <a:rPr lang="en-GB" sz="1400" dirty="0">
+                <a:latin typeface="Lucida Sans Typewriter" panose="020B0509030504030204" pitchFamily="49" charset="77"/>
+              </a:rPr>
+              <a:t>\begin{</a:t>
+            </a:r>
+            <a:r>
+              <a:rPr lang="en-GB" sz="1400" dirty="0" err="1">
+                <a:latin typeface="Lucida Sans Typewriter" panose="020B0509030504030204" pitchFamily="49" charset="77"/>
+              </a:rPr>
+              <a:t>tikzpicture</a:t>
+            </a:r>
+            <a:r>
+              <a:rPr lang="en-GB" sz="1400" dirty="0">
+                <a:latin typeface="Lucida Sans Typewriter" panose="020B0509030504030204" pitchFamily="49" charset="77"/>
+              </a:rPr>
+              <a:t>}</a:t>
+            </a:r>
+          </a:p>
+          <a:p>
+            <a:r>
+              <a:rPr lang="en-GB" sz="1400" dirty="0">
+                <a:latin typeface="Lucida Sans Typewriter" panose="020B0509030504030204" pitchFamily="49" charset="77"/>
+              </a:rPr>
+              <a:t>  \begin{class}[text width=5em, text height=1em]{spiller}{0,0}</a:t>
+            </a:r>
+          </a:p>
+          <a:p>
+            <a:r>
+              <a:rPr lang="en-GB" sz="1400" dirty="0">
+                <a:latin typeface="Lucida Sans Typewriter" panose="020B0509030504030204" pitchFamily="49" charset="77"/>
+              </a:rPr>
+              <a:t>  \end{class}</a:t>
+            </a:r>
+          </a:p>
+          <a:p>
+            <a:r>
+              <a:rPr lang="en-GB" sz="1400" dirty="0">
+                <a:latin typeface="Lucida Sans Typewriter" panose="020B0509030504030204" pitchFamily="49" charset="77"/>
+              </a:rPr>
+              <a:t>  \begin{class}[text width=5em, text height=1em]{</a:t>
+            </a:r>
+            <a:r>
+              <a:rPr lang="en-GB" sz="1400" dirty="0" err="1">
+                <a:latin typeface="Lucida Sans Typewriter" panose="020B0509030504030204" pitchFamily="49" charset="77"/>
+              </a:rPr>
+              <a:t>plade</a:t>
+            </a:r>
+            <a:r>
+              <a:rPr lang="en-GB" sz="1400" dirty="0">
+                <a:latin typeface="Lucida Sans Typewriter" panose="020B0509030504030204" pitchFamily="49" charset="77"/>
+              </a:rPr>
+              <a:t>}{-2,-2}</a:t>
+            </a:r>
+          </a:p>
+          <a:p>
+            <a:r>
+              <a:rPr lang="en-GB" sz="1400" dirty="0">
+                <a:latin typeface="Lucida Sans Typewriter" panose="020B0509030504030204" pitchFamily="49" charset="77"/>
+              </a:rPr>
+              <a:t>   \end{class}</a:t>
+            </a:r>
+          </a:p>
+          <a:p>
+            <a:r>
+              <a:rPr lang="en-GB" sz="1400" dirty="0">
+                <a:latin typeface="Lucida Sans Typewriter" panose="020B0509030504030204" pitchFamily="49" charset="77"/>
+              </a:rPr>
+              <a:t>   \begin{class}[text width=5em, text height=1em]{</a:t>
+            </a:r>
+            <a:r>
+              <a:rPr lang="en-GB" sz="1400" dirty="0" err="1">
+                <a:latin typeface="Lucida Sans Typewriter" panose="020B0509030504030204" pitchFamily="49" charset="77"/>
+              </a:rPr>
+              <a:t>skib</a:t>
+            </a:r>
+            <a:r>
+              <a:rPr lang="en-GB" sz="1400" dirty="0">
+                <a:latin typeface="Lucida Sans Typewriter" panose="020B0509030504030204" pitchFamily="49" charset="77"/>
+              </a:rPr>
+              <a:t>}{2,-2}</a:t>
+            </a:r>
+          </a:p>
+          <a:p>
+            <a:r>
+              <a:rPr lang="en-GB" sz="1400" dirty="0">
+                <a:latin typeface="Lucida Sans Typewriter" panose="020B0509030504030204" pitchFamily="49" charset="77"/>
+              </a:rPr>
+              <a:t>   \end{class}</a:t>
+            </a:r>
+          </a:p>
+          <a:p>
+            <a:r>
+              <a:rPr lang="en-GB" sz="1400" dirty="0">
+                <a:latin typeface="Lucida Sans Typewriter" panose="020B0509030504030204" pitchFamily="49" charset="77"/>
+              </a:rPr>
+              <a:t>  \composition{spiller}{}{}{</a:t>
+            </a:r>
+            <a:r>
+              <a:rPr lang="en-GB" sz="1400" dirty="0" err="1">
+                <a:latin typeface="Lucida Sans Typewriter" panose="020B0509030504030204" pitchFamily="49" charset="77"/>
+              </a:rPr>
+              <a:t>plade</a:t>
+            </a:r>
+            <a:r>
+              <a:rPr lang="en-GB" sz="1400" dirty="0">
+                <a:latin typeface="Lucida Sans Typewriter" panose="020B0509030504030204" pitchFamily="49" charset="77"/>
+              </a:rPr>
+              <a:t>}</a:t>
+            </a:r>
+          </a:p>
+          <a:p>
+            <a:r>
+              <a:rPr lang="en-GB" sz="1400" dirty="0">
+                <a:latin typeface="Lucida Sans Typewriter" panose="020B0509030504030204" pitchFamily="49" charset="77"/>
+              </a:rPr>
+              <a:t>  \</a:t>
+            </a:r>
+            <a:r>
+              <a:rPr lang="en-GB" sz="1400" dirty="0" err="1">
+                <a:latin typeface="Lucida Sans Typewriter" panose="020B0509030504030204" pitchFamily="49" charset="77"/>
+              </a:rPr>
+              <a:t>unidirectionalAssociation</a:t>
+            </a:r>
+            <a:r>
+              <a:rPr lang="en-GB" sz="1400" dirty="0">
+                <a:latin typeface="Lucida Sans Typewriter" panose="020B0509030504030204" pitchFamily="49" charset="77"/>
+              </a:rPr>
+              <a:t>{</a:t>
+            </a:r>
+            <a:r>
+              <a:rPr lang="en-GB" sz="1400" dirty="0" err="1">
+                <a:latin typeface="Lucida Sans Typewriter" panose="020B0509030504030204" pitchFamily="49" charset="77"/>
+              </a:rPr>
+              <a:t>plade</a:t>
+            </a:r>
+            <a:r>
+              <a:rPr lang="en-GB" sz="1400" dirty="0">
+                <a:latin typeface="Lucida Sans Typewriter" panose="020B0509030504030204" pitchFamily="49" charset="77"/>
+              </a:rPr>
+              <a:t>}{}{}{</a:t>
+            </a:r>
+            <a:r>
+              <a:rPr lang="en-GB" sz="1400" dirty="0" err="1">
+                <a:latin typeface="Lucida Sans Typewriter" panose="020B0509030504030204" pitchFamily="49" charset="77"/>
+              </a:rPr>
+              <a:t>skib</a:t>
+            </a:r>
+            <a:r>
+              <a:rPr lang="en-GB" sz="1400" dirty="0">
+                <a:latin typeface="Lucida Sans Typewriter" panose="020B0509030504030204" pitchFamily="49" charset="77"/>
+              </a:rPr>
+              <a:t>}</a:t>
+            </a:r>
+          </a:p>
+          <a:p>
+            <a:r>
+              <a:rPr lang="en-GB" sz="1400" dirty="0">
+                <a:latin typeface="Lucida Sans Typewriter" panose="020B0509030504030204" pitchFamily="49" charset="77"/>
+              </a:rPr>
+              <a:t>  \composition{spiller}{}{}{</a:t>
+            </a:r>
+            <a:r>
+              <a:rPr lang="en-GB" sz="1400" dirty="0" err="1">
+                <a:latin typeface="Lucida Sans Typewriter" panose="020B0509030504030204" pitchFamily="49" charset="77"/>
+              </a:rPr>
+              <a:t>skib</a:t>
+            </a:r>
+            <a:r>
+              <a:rPr lang="en-GB" sz="1400" dirty="0">
+                <a:latin typeface="Lucida Sans Typewriter" panose="020B0509030504030204" pitchFamily="49" charset="77"/>
+              </a:rPr>
+              <a:t>}</a:t>
+            </a:r>
+          </a:p>
+          <a:p>
+            <a:r>
+              <a:rPr lang="en-GB" sz="1400" dirty="0">
+                <a:latin typeface="Lucida Sans Typewriter" panose="020B0509030504030204" pitchFamily="49" charset="77"/>
+              </a:rPr>
+              <a:t>\end{</a:t>
+            </a:r>
+            <a:r>
+              <a:rPr lang="en-GB" sz="1400" dirty="0" err="1">
+                <a:latin typeface="Lucida Sans Typewriter" panose="020B0509030504030204" pitchFamily="49" charset="77"/>
+              </a:rPr>
+              <a:t>tikzpicture</a:t>
+            </a:r>
+            <a:r>
+              <a:rPr lang="en-GB" sz="1400" dirty="0">
+                <a:latin typeface="Lucida Sans Typewriter" panose="020B0509030504030204" pitchFamily="49" charset="77"/>
+              </a:rPr>
+              <a:t>}</a:t>
+            </a:r>
+          </a:p>
+          <a:p>
+            <a:r>
+              <a:rPr lang="en-GB" sz="1400" dirty="0">
+                <a:latin typeface="Lucida Sans Typewriter" panose="020B0509030504030204" pitchFamily="49" charset="77"/>
+              </a:rPr>
+              <a:t>\end{document}</a:t>
+            </a:r>
+          </a:p>
+        </p:txBody>
+      </p:sp>
       <p:pic>
         <p:nvPicPr>
-          <p:cNvPr id="23" name="Picture 22">
+          <p:cNvPr id="7" name="Picture 6">
             <a:extLst>
               <a:ext uri="{FF2B5EF4-FFF2-40B4-BE49-F238E27FC236}">
-                <a16:creationId xmlns:a16="http://schemas.microsoft.com/office/drawing/2014/main" id="{00E36336-C6B9-9049-8C26-B89E5F93A8F0}"/>
+                <a16:creationId xmlns:a16="http://schemas.microsoft.com/office/drawing/2014/main" id="{4E4AA5EE-A0E6-3A40-BC5C-D880ECF3CD51}"/>
               </a:ext>
             </a:extLst>
           </p:cNvPr>
@@ -6885,25 +7048,20 @@
         </p:blipFill>
         <p:spPr>
           <a:xfrm>
-            <a:off x="5898777" y="1292707"/>
-            <a:ext cx="5831840" cy="2542540"/>
+            <a:off x="7416420" y="1924812"/>
+            <a:ext cx="4470400" cy="2019300"/>
           </a:xfrm>
           <a:prstGeom prst="rect">
             <a:avLst/>
           </a:prstGeom>
-          <a:ln>
-            <a:solidFill>
-              <a:schemeClr val="accent1"/>
-            </a:solidFill>
-          </a:ln>
         </p:spPr>
       </p:pic>
       <p:sp>
         <p:nvSpPr>
-          <p:cNvPr id="3" name="TextBox 2">
+          <p:cNvPr id="8" name="TextBox 7">
             <a:extLst>
               <a:ext uri="{FF2B5EF4-FFF2-40B4-BE49-F238E27FC236}">
-                <a16:creationId xmlns:a16="http://schemas.microsoft.com/office/drawing/2014/main" id="{5CA1A933-F928-BD4C-A92A-3703E5080AEF}"/>
+                <a16:creationId xmlns:a16="http://schemas.microsoft.com/office/drawing/2014/main" id="{852DF4C8-2C7E-0149-926D-97822CBF3AD7}"/>
               </a:ext>
             </a:extLst>
           </p:cNvPr>
@@ -6912,18 +7070,13 @@
         </p:nvSpPr>
         <p:spPr>
           <a:xfrm>
-            <a:off x="599939" y="1292707"/>
-            <a:ext cx="4953600" cy="4801314"/>
+            <a:off x="2182368" y="5729584"/>
+            <a:ext cx="8230458" cy="369332"/>
           </a:xfrm>
           <a:prstGeom prst="rect">
             <a:avLst/>
           </a:prstGeom>
           <a:noFill/>
-          <a:ln>
-            <a:solidFill>
-              <a:schemeClr val="accent1"/>
-            </a:solidFill>
-          </a:ln>
         </p:spPr>
         <p:txBody>
           <a:bodyPr wrap="none" rtlCol="0">
@@ -6933,37 +7086,39 @@
           <a:p>
             <a:r>
               <a:rPr lang="en-GB" dirty="0"/>
-              <a:t>\</a:t>
+              <a:t>http://</a:t>
             </a:r>
             <a:r>
               <a:rPr lang="en-GB" dirty="0" err="1"/>
-              <a:t>documentclass</a:t>
+              <a:t>mirrors.dotsrc.org</a:t>
             </a:r>
             <a:r>
               <a:rPr lang="en-GB" dirty="0"/>
-              <a:t>{article}</a:t>
-            </a:r>
-          </a:p>
-          <a:p>
+              <a:t>/</a:t>
+            </a:r>
+            <a:r>
+              <a:rPr lang="en-GB" dirty="0" err="1"/>
+              <a:t>ctan</a:t>
+            </a:r>
             <a:r>
               <a:rPr lang="en-GB" dirty="0"/>
-              <a:t>\</a:t>
+              <a:t>/graphics/</a:t>
             </a:r>
             <a:r>
               <a:rPr lang="en-GB" dirty="0" err="1"/>
-              <a:t>usepackage</a:t>
+              <a:t>pgf</a:t>
             </a:r>
             <a:r>
               <a:rPr lang="en-GB" dirty="0"/>
-              <a:t>[</a:t>
+              <a:t>/</a:t>
             </a:r>
             <a:r>
               <a:rPr lang="en-GB" dirty="0" err="1"/>
-              <a:t>school,simplified</a:t>
+              <a:t>contrib</a:t>
             </a:r>
             <a:r>
               <a:rPr lang="en-GB" dirty="0"/>
-              <a:t>]{</a:t>
+              <a:t>/</a:t>
             </a:r>
             <a:r>
               <a:rPr lang="en-GB" dirty="0" err="1"/>
@@ -6971,111 +7126,13 @@
             </a:r>
             <a:r>
               <a:rPr lang="en-GB" dirty="0"/>
-              <a:t>}</a:t>
-            </a:r>
-          </a:p>
-          <a:p>
+              <a:t>/</a:t>
+            </a:r>
+            <a:r>
+              <a:rPr lang="en-GB" dirty="0" err="1"/>
+              <a:t>pgf-umlcd-manual.pdf</a:t>
+            </a:r>
             <a:endParaRPr lang="en-GB" dirty="0"/>
-          </a:p>
-          <a:p>
-            <a:r>
-              <a:rPr lang="en-GB" dirty="0"/>
-              <a:t>\begin{document}</a:t>
-            </a:r>
-          </a:p>
-          <a:p>
-            <a:r>
-              <a:rPr lang="en-GB" dirty="0"/>
-              <a:t>\begin{</a:t>
-            </a:r>
-            <a:r>
-              <a:rPr lang="en-GB" dirty="0" err="1"/>
-              <a:t>tikzpicture</a:t>
-            </a:r>
-            <a:r>
-              <a:rPr lang="en-GB" dirty="0"/>
-              <a:t>}</a:t>
-            </a:r>
-          </a:p>
-          <a:p>
-            <a:r>
-              <a:rPr lang="en-GB" dirty="0"/>
-              <a:t>  \begin{class}[text width=5cm]{animal}{0,0}</a:t>
-            </a:r>
-          </a:p>
-          <a:p>
-            <a:r>
-              <a:rPr lang="en-GB" dirty="0"/>
-              <a:t>  \end{class}</a:t>
-            </a:r>
-          </a:p>
-          <a:p>
-            <a:r>
-              <a:rPr lang="en-GB" dirty="0"/>
-              <a:t>  \begin{class}[text width=5cm]{moose}{-3,-2}</a:t>
-            </a:r>
-          </a:p>
-          <a:p>
-            <a:r>
-              <a:rPr lang="en-GB" dirty="0"/>
-              <a:t>    \inherit{animal}</a:t>
-            </a:r>
-          </a:p>
-          <a:p>
-            <a:r>
-              <a:rPr lang="en-GB" dirty="0"/>
-              <a:t>  \end{class}</a:t>
-            </a:r>
-          </a:p>
-          <a:p>
-            <a:r>
-              <a:rPr lang="en-GB" dirty="0"/>
-              <a:t>  \begin{class}[text width=5cm]{wolf}{3,-2}</a:t>
-            </a:r>
-          </a:p>
-          <a:p>
-            <a:r>
-              <a:rPr lang="en-GB" dirty="0"/>
-              <a:t>    \inherit{animal}</a:t>
-            </a:r>
-          </a:p>
-          <a:p>
-            <a:r>
-              <a:rPr lang="en-GB" dirty="0"/>
-              <a:t>  \end{class}</a:t>
-            </a:r>
-          </a:p>
-          <a:p>
-            <a:r>
-              <a:rPr lang="en-GB" dirty="0"/>
-              <a:t>  \begin{class}[text width=5cm]{environment}{0,-4}</a:t>
-            </a:r>
-          </a:p>
-          <a:p>
-            <a:r>
-              <a:rPr lang="en-GB" dirty="0"/>
-              <a:t>  \end{class}</a:t>
-            </a:r>
-          </a:p>
-          <a:p>
-            <a:r>
-              <a:rPr lang="en-GB" dirty="0"/>
-              <a:t>\end{</a:t>
-            </a:r>
-            <a:r>
-              <a:rPr lang="en-GB" dirty="0" err="1"/>
-              <a:t>tikzpicture</a:t>
-            </a:r>
-            <a:r>
-              <a:rPr lang="en-GB" dirty="0"/>
-              <a:t>}</a:t>
-            </a:r>
-          </a:p>
-          <a:p>
-            <a:r>
-              <a:rPr lang="en-GB" dirty="0"/>
-              <a:t>\end{document}</a:t>
-            </a:r>
           </a:p>
         </p:txBody>
       </p:sp>
@@ -7083,155 +7140,6 @@
     <p:extLst>
       <p:ext uri="{BB962C8B-B14F-4D97-AF65-F5344CB8AC3E}">
         <p14:creationId xmlns:p14="http://schemas.microsoft.com/office/powerpoint/2010/main" val="1368046164"/>
-      </p:ext>
-    </p:extLst>
-  </p:cSld>
-  <p:clrMapOvr>
-    <a:masterClrMapping/>
-  </p:clrMapOvr>
-</p:sld>
-</file>
-
-<file path=ppt/slides/slide13.xml><?xml version="1.0" encoding="utf-8"?>
-<p:sld xmlns:a="http://schemas.openxmlformats.org/drawingml/2006/main" xmlns:r="http://schemas.openxmlformats.org/officeDocument/2006/relationships" xmlns:p="http://schemas.openxmlformats.org/presentationml/2006/main">
-  <p:cSld>
-    <p:spTree>
-      <p:nvGrpSpPr>
-        <p:cNvPr id="1" name=""/>
-        <p:cNvGrpSpPr/>
-        <p:nvPr/>
-      </p:nvGrpSpPr>
-      <p:grpSpPr>
-        <a:xfrm>
-          <a:off x="0" y="0"/>
-          <a:ext cx="0" cy="0"/>
-          <a:chOff x="0" y="0"/>
-          <a:chExt cx="0" cy="0"/>
-        </a:xfrm>
-      </p:grpSpPr>
-      <p:sp>
-        <p:nvSpPr>
-          <p:cNvPr id="2" name="Title 1">
-            <a:extLst>
-              <a:ext uri="{FF2B5EF4-FFF2-40B4-BE49-F238E27FC236}">
-                <a16:creationId xmlns:a16="http://schemas.microsoft.com/office/drawing/2014/main" id="{3487E008-6D31-5A43-B5AF-BF660B8F7E2E}"/>
-              </a:ext>
-            </a:extLst>
-          </p:cNvPr>
-          <p:cNvSpPr>
-            <a:spLocks noGrp="1"/>
-          </p:cNvSpPr>
-          <p:nvPr>
-            <p:ph type="title"/>
-          </p:nvPr>
-        </p:nvSpPr>
-        <p:spPr/>
-        <p:txBody>
-          <a:bodyPr/>
-          <a:lstStyle/>
-          <a:p>
-            <a:r>
-              <a:rPr lang="en-GB" dirty="0" err="1"/>
-              <a:t>Associationer</a:t>
-            </a:r>
-            <a:endParaRPr lang="en-GB" dirty="0"/>
-          </a:p>
-        </p:txBody>
-      </p:sp>
-      <p:sp>
-        <p:nvSpPr>
-          <p:cNvPr id="3" name="Content Placeholder 2">
-            <a:extLst>
-              <a:ext uri="{FF2B5EF4-FFF2-40B4-BE49-F238E27FC236}">
-                <a16:creationId xmlns:a16="http://schemas.microsoft.com/office/drawing/2014/main" id="{878D0AC2-ED14-3D48-BE48-3F5572957793}"/>
-              </a:ext>
-            </a:extLst>
-          </p:cNvPr>
-          <p:cNvSpPr>
-            <a:spLocks noGrp="1"/>
-          </p:cNvSpPr>
-          <p:nvPr>
-            <p:ph idx="1"/>
-          </p:nvPr>
-        </p:nvSpPr>
-        <p:spPr/>
-        <p:txBody>
-          <a:bodyPr>
-            <a:normAutofit/>
-          </a:bodyPr>
-          <a:lstStyle/>
-          <a:p>
-            <a:r>
-              <a:rPr lang="da-DK" dirty="0"/>
-              <a:t>Association </a:t>
-            </a:r>
-            <a:br>
-              <a:rPr lang="da-DK" dirty="0"/>
-            </a:br>
-            <a:r>
-              <a:rPr lang="da-DK" dirty="0"/>
-              <a:t>Host ’kender til’ gæst </a:t>
-            </a:r>
-          </a:p>
-          <a:p>
-            <a:r>
-              <a:rPr lang="da-DK" dirty="0" err="1"/>
-              <a:t>Aggregation</a:t>
-            </a:r>
-            <a:r>
-              <a:rPr lang="da-DK" dirty="0"/>
-              <a:t> </a:t>
-            </a:r>
-            <a:br>
-              <a:rPr lang="da-DK" dirty="0"/>
-            </a:br>
-            <a:r>
-              <a:rPr lang="da-DK" dirty="0"/>
-              <a:t>Host ’har kopi af’ gæst </a:t>
-            </a:r>
-          </a:p>
-          <a:p>
-            <a:r>
-              <a:rPr lang="da-DK" dirty="0" err="1"/>
-              <a:t>Composition</a:t>
-            </a:r>
-            <a:r>
-              <a:rPr lang="da-DK" dirty="0"/>
-              <a:t> </a:t>
-            </a:r>
-            <a:br>
-              <a:rPr lang="da-DK" dirty="0"/>
-            </a:br>
-            <a:r>
-              <a:rPr lang="da-DK" dirty="0"/>
-              <a:t>Host ’opretter afhængig og har kopi af’ gæst. </a:t>
-            </a:r>
-            <a:r>
-              <a:rPr lang="da-DK" dirty="0" err="1"/>
-              <a:t>Når</a:t>
-            </a:r>
-            <a:r>
-              <a:rPr lang="da-DK" dirty="0"/>
-              <a:t> host slettes slettes gæst </a:t>
-            </a:r>
-            <a:r>
-              <a:rPr lang="da-DK" dirty="0" err="1"/>
-              <a:t>ligesa</a:t>
-            </a:r>
-            <a:r>
-              <a:rPr lang="da-DK" dirty="0"/>
-              <a:t>̊. </a:t>
-            </a:r>
-          </a:p>
-          <a:p>
-            <a:endParaRPr lang="en-GB" dirty="0"/>
-          </a:p>
-        </p:txBody>
-      </p:sp>
-    </p:spTree>
-    <p:extLst>
-      <p:ext uri="{BB962C8B-B14F-4D97-AF65-F5344CB8AC3E}">
-        <p14:creationId xmlns:p14="http://schemas.microsoft.com/office/powerpoint/2010/main" val="3714348307"/>
       </p:ext>
     </p:extLst>
   </p:cSld>
@@ -7263,7 +7171,7 @@
           <p:cNvPr id="2" name="Title 1">
             <a:extLst>
               <a:ext uri="{FF2B5EF4-FFF2-40B4-BE49-F238E27FC236}">
-                <a16:creationId xmlns:a16="http://schemas.microsoft.com/office/drawing/2014/main" id="{4DD56F80-2727-3440-BFBB-EDCA6F2FCFF4}"/>
+                <a16:creationId xmlns:a16="http://schemas.microsoft.com/office/drawing/2014/main" id="{3CDCCBFB-3F82-5643-9375-A226D1C598B8}"/>
               </a:ext>
             </a:extLst>
           </p:cNvPr>
@@ -7279,99 +7187,16 @@
           <a:bodyPr/>
           <a:lstStyle/>
           <a:p>
-            <a:r>
-              <a:rPr lang="en-GB" dirty="0" err="1"/>
-              <a:t>Komposition</a:t>
-            </a:r>
-            <a:r>
-              <a:rPr lang="en-GB" dirty="0"/>
-              <a:t>: ‘</a:t>
-            </a:r>
-            <a:r>
-              <a:rPr lang="en-GB" dirty="0" err="1"/>
-              <a:t>Ejer</a:t>
-            </a:r>
-            <a:r>
-              <a:rPr lang="en-GB" dirty="0"/>
-              <a:t> </a:t>
-            </a:r>
-            <a:r>
-              <a:rPr lang="en-GB" dirty="0" err="1"/>
-              <a:t>objekt</a:t>
-            </a:r>
-            <a:r>
-              <a:rPr lang="en-GB" dirty="0"/>
-              <a:t>’</a:t>
-            </a:r>
+            <a:endParaRPr lang="en-GB"/>
           </a:p>
         </p:txBody>
       </p:sp>
-      <p:pic>
-        <p:nvPicPr>
-          <p:cNvPr id="4" name="Picture 3">
+      <p:sp>
+        <p:nvSpPr>
+          <p:cNvPr id="3" name="Content Placeholder 2">
             <a:extLst>
               <a:ext uri="{FF2B5EF4-FFF2-40B4-BE49-F238E27FC236}">
-                <a16:creationId xmlns:a16="http://schemas.microsoft.com/office/drawing/2014/main" id="{175BD403-24CC-FA49-AFF6-C80C07738D02}"/>
-              </a:ext>
-            </a:extLst>
-          </p:cNvPr>
-          <p:cNvPicPr>
-            <a:picLocks noChangeAspect="1"/>
-          </p:cNvPicPr>
-          <p:nvPr/>
-        </p:nvPicPr>
-        <p:blipFill>
-          <a:blip r:embed="rId2"/>
-          <a:stretch>
-            <a:fillRect/>
-          </a:stretch>
-        </p:blipFill>
-        <p:spPr>
-          <a:xfrm>
-            <a:off x="2576606" y="2429062"/>
-            <a:ext cx="6362700" cy="2838450"/>
-          </a:xfrm>
-          <a:prstGeom prst="rect">
-            <a:avLst/>
-          </a:prstGeom>
-        </p:spPr>
-      </p:pic>
-    </p:spTree>
-    <p:extLst>
-      <p:ext uri="{BB962C8B-B14F-4D97-AF65-F5344CB8AC3E}">
-        <p14:creationId xmlns:p14="http://schemas.microsoft.com/office/powerpoint/2010/main" val="523177301"/>
-      </p:ext>
-    </p:extLst>
-  </p:cSld>
-  <p:clrMapOvr>
-    <a:masterClrMapping/>
-  </p:clrMapOvr>
-</p:sld>
-</file>
-
-<file path=ppt/slides/slide15.xml><?xml version="1.0" encoding="utf-8"?>
-<p:sld xmlns:a="http://schemas.openxmlformats.org/drawingml/2006/main" xmlns:r="http://schemas.openxmlformats.org/officeDocument/2006/relationships" xmlns:p="http://schemas.openxmlformats.org/presentationml/2006/main">
-  <p:cSld>
-    <p:spTree>
-      <p:nvGrpSpPr>
-        <p:cNvPr id="1" name=""/>
-        <p:cNvGrpSpPr/>
-        <p:nvPr/>
-      </p:nvGrpSpPr>
-      <p:grpSpPr>
-        <a:xfrm>
-          <a:off x="0" y="0"/>
-          <a:ext cx="0" cy="0"/>
-          <a:chOff x="0" y="0"/>
-          <a:chExt cx="0" cy="0"/>
-        </a:xfrm>
-      </p:grpSpPr>
-      <p:sp>
-        <p:nvSpPr>
-          <p:cNvPr id="2" name="Title 1">
-            <a:extLst>
-              <a:ext uri="{FF2B5EF4-FFF2-40B4-BE49-F238E27FC236}">
-                <a16:creationId xmlns:a16="http://schemas.microsoft.com/office/drawing/2014/main" id="{4DD56F80-2727-3440-BFBB-EDCA6F2FCFF4}"/>
+                <a16:creationId xmlns:a16="http://schemas.microsoft.com/office/drawing/2014/main" id="{68FF5571-952C-1044-BAC6-DF11C1ABC36D}"/>
               </a:ext>
             </a:extLst>
           </p:cNvPr>
@@ -7379,310 +7204,7 @@
             <a:spLocks noGrp="1"/>
           </p:cNvSpPr>
           <p:nvPr>
-            <p:ph type="title"/>
-          </p:nvPr>
-        </p:nvSpPr>
-        <p:spPr>
-          <a:xfrm>
-            <a:off x="571500" y="101197"/>
-            <a:ext cx="10515600" cy="1325563"/>
-          </a:xfrm>
-        </p:spPr>
-        <p:txBody>
-          <a:bodyPr/>
-          <a:lstStyle/>
-          <a:p>
-            <a:r>
-              <a:rPr lang="en-GB" dirty="0" err="1"/>
-              <a:t>Associationer</a:t>
-            </a:r>
-            <a:r>
-              <a:rPr lang="en-GB" dirty="0"/>
-              <a:t> </a:t>
-            </a:r>
-            <a:r>
-              <a:rPr lang="en-GB" dirty="0" err="1"/>
-              <a:t>i</a:t>
-            </a:r>
-            <a:r>
-              <a:rPr lang="en-GB" dirty="0"/>
-              <a:t> </a:t>
-            </a:r>
-            <a:r>
-              <a:rPr lang="en-GB" dirty="0" err="1"/>
-              <a:t>LaTeX</a:t>
-            </a:r>
-            <a:endParaRPr lang="en-GB" dirty="0"/>
-          </a:p>
-        </p:txBody>
-      </p:sp>
-      <p:pic>
-        <p:nvPicPr>
-          <p:cNvPr id="4" name="Picture 3">
-            <a:extLst>
-              <a:ext uri="{FF2B5EF4-FFF2-40B4-BE49-F238E27FC236}">
-                <a16:creationId xmlns:a16="http://schemas.microsoft.com/office/drawing/2014/main" id="{175BD403-24CC-FA49-AFF6-C80C07738D02}"/>
-              </a:ext>
-            </a:extLst>
-          </p:cNvPr>
-          <p:cNvPicPr>
-            <a:picLocks noChangeAspect="1"/>
-          </p:cNvPicPr>
-          <p:nvPr/>
-        </p:nvPicPr>
-        <p:blipFill>
-          <a:blip r:embed="rId2"/>
-          <a:stretch>
-            <a:fillRect/>
-          </a:stretch>
-        </p:blipFill>
-        <p:spPr>
-          <a:xfrm>
-            <a:off x="5829300" y="1292707"/>
-            <a:ext cx="6362700" cy="2838450"/>
-          </a:xfrm>
-          <a:prstGeom prst="rect">
-            <a:avLst/>
-          </a:prstGeom>
-        </p:spPr>
-      </p:pic>
-      <p:sp>
-        <p:nvSpPr>
-          <p:cNvPr id="5" name="TextBox 4">
-            <a:extLst>
-              <a:ext uri="{FF2B5EF4-FFF2-40B4-BE49-F238E27FC236}">
-                <a16:creationId xmlns:a16="http://schemas.microsoft.com/office/drawing/2014/main" id="{8F971644-8966-0B4E-9279-D4A822D4BE39}"/>
-              </a:ext>
-            </a:extLst>
-          </p:cNvPr>
-          <p:cNvSpPr txBox="1"/>
-          <p:nvPr/>
-        </p:nvSpPr>
-        <p:spPr>
-          <a:xfrm>
-            <a:off x="599939" y="1292707"/>
-            <a:ext cx="5060488" cy="5355312"/>
-          </a:xfrm>
-          <a:prstGeom prst="rect">
-            <a:avLst/>
-          </a:prstGeom>
-          <a:noFill/>
-          <a:ln>
-            <a:solidFill>
-              <a:schemeClr val="accent1"/>
-            </a:solidFill>
-          </a:ln>
-        </p:spPr>
-        <p:txBody>
-          <a:bodyPr wrap="none" rtlCol="0">
-            <a:spAutoFit/>
-          </a:bodyPr>
-          <a:lstStyle/>
-          <a:p>
-            <a:r>
-              <a:rPr lang="en-GB" dirty="0"/>
-              <a:t>\</a:t>
-            </a:r>
-            <a:r>
-              <a:rPr lang="en-GB" dirty="0" err="1"/>
-              <a:t>documentclass</a:t>
-            </a:r>
-            <a:r>
-              <a:rPr lang="en-GB" dirty="0"/>
-              <a:t>{article}</a:t>
-            </a:r>
-          </a:p>
-          <a:p>
-            <a:r>
-              <a:rPr lang="en-GB" dirty="0"/>
-              <a:t>\</a:t>
-            </a:r>
-            <a:r>
-              <a:rPr lang="en-GB" dirty="0" err="1"/>
-              <a:t>usepackage</a:t>
-            </a:r>
-            <a:r>
-              <a:rPr lang="en-GB" dirty="0"/>
-              <a:t>[</a:t>
-            </a:r>
-            <a:r>
-              <a:rPr lang="en-GB" dirty="0" err="1"/>
-              <a:t>school,simplified</a:t>
-            </a:r>
-            <a:r>
-              <a:rPr lang="en-GB" dirty="0"/>
-              <a:t>]{</a:t>
-            </a:r>
-            <a:r>
-              <a:rPr lang="en-GB" dirty="0" err="1"/>
-              <a:t>pgf-umlcd</a:t>
-            </a:r>
-            <a:r>
-              <a:rPr lang="en-GB" dirty="0"/>
-              <a:t>}</a:t>
-            </a:r>
-          </a:p>
-          <a:p>
-            <a:endParaRPr lang="en-GB" dirty="0"/>
-          </a:p>
-          <a:p>
-            <a:r>
-              <a:rPr lang="en-GB" dirty="0"/>
-              <a:t>\begin{document}</a:t>
-            </a:r>
-          </a:p>
-          <a:p>
-            <a:r>
-              <a:rPr lang="en-GB" dirty="0"/>
-              <a:t>\begin{</a:t>
-            </a:r>
-            <a:r>
-              <a:rPr lang="en-GB" dirty="0" err="1"/>
-              <a:t>tikzpicture</a:t>
-            </a:r>
-            <a:r>
-              <a:rPr lang="en-GB" dirty="0"/>
-              <a:t>}</a:t>
-            </a:r>
-          </a:p>
-          <a:p>
-            <a:r>
-              <a:rPr lang="en-GB" dirty="0"/>
-              <a:t>  \begin{class}[text width=5cm]{animal}{0,0}</a:t>
-            </a:r>
-          </a:p>
-          <a:p>
-            <a:r>
-              <a:rPr lang="en-GB" dirty="0"/>
-              <a:t>  \end{class}</a:t>
-            </a:r>
-          </a:p>
-          <a:p>
-            <a:r>
-              <a:rPr lang="en-GB" dirty="0"/>
-              <a:t>  \begin{class}[text width=5cm]{moose}{-3,-2}</a:t>
-            </a:r>
-          </a:p>
-          <a:p>
-            <a:r>
-              <a:rPr lang="en-GB" dirty="0"/>
-              <a:t>    \inherit{animal}</a:t>
-            </a:r>
-          </a:p>
-          <a:p>
-            <a:r>
-              <a:rPr lang="en-GB" dirty="0"/>
-              <a:t>  \end{class}</a:t>
-            </a:r>
-          </a:p>
-          <a:p>
-            <a:r>
-              <a:rPr lang="en-GB" dirty="0"/>
-              <a:t>  \begin{class}[text width=5cm]{wolf}{3,-2}</a:t>
-            </a:r>
-          </a:p>
-          <a:p>
-            <a:r>
-              <a:rPr lang="en-GB" dirty="0"/>
-              <a:t>    \inherit{animal}</a:t>
-            </a:r>
-          </a:p>
-          <a:p>
-            <a:r>
-              <a:rPr lang="en-GB" dirty="0"/>
-              <a:t>  \end{class}</a:t>
-            </a:r>
-          </a:p>
-          <a:p>
-            <a:r>
-              <a:rPr lang="en-GB" dirty="0"/>
-              <a:t>  \begin{class}[text width=5cm]{environment}{0,-4}</a:t>
-            </a:r>
-          </a:p>
-          <a:p>
-            <a:r>
-              <a:rPr lang="en-GB" dirty="0"/>
-              <a:t>  \end{class}</a:t>
-            </a:r>
-          </a:p>
-          <a:p>
-            <a:r>
-              <a:rPr lang="en-GB" dirty="0"/>
-              <a:t>  \composition{environment}{}{}{moose}</a:t>
-            </a:r>
-          </a:p>
-          <a:p>
-            <a:r>
-              <a:rPr lang="en-GB" dirty="0"/>
-              <a:t>  \composition{environment}{}{}{wolf}</a:t>
-            </a:r>
-          </a:p>
-          <a:p>
-            <a:r>
-              <a:rPr lang="en-GB" dirty="0"/>
-              <a:t>\end{</a:t>
-            </a:r>
-            <a:r>
-              <a:rPr lang="en-GB" dirty="0" err="1"/>
-              <a:t>tikzpicture</a:t>
-            </a:r>
-            <a:r>
-              <a:rPr lang="en-GB" dirty="0"/>
-              <a:t>}</a:t>
-            </a:r>
-          </a:p>
-          <a:p>
-            <a:r>
-              <a:rPr lang="en-GB" dirty="0"/>
-              <a:t>\end{document}</a:t>
-            </a:r>
-          </a:p>
-        </p:txBody>
-      </p:sp>
-    </p:spTree>
-    <p:extLst>
-      <p:ext uri="{BB962C8B-B14F-4D97-AF65-F5344CB8AC3E}">
-        <p14:creationId xmlns:p14="http://schemas.microsoft.com/office/powerpoint/2010/main" val="1061029940"/>
-      </p:ext>
-    </p:extLst>
-  </p:cSld>
-  <p:clrMapOvr>
-    <a:masterClrMapping/>
-  </p:clrMapOvr>
-</p:sld>
-</file>
-
-<file path=ppt/slides/slide16.xml><?xml version="1.0" encoding="utf-8"?>
-<p:sld xmlns:a="http://schemas.openxmlformats.org/drawingml/2006/main" xmlns:r="http://schemas.openxmlformats.org/officeDocument/2006/relationships" xmlns:p="http://schemas.openxmlformats.org/presentationml/2006/main">
-  <p:cSld>
-    <p:spTree>
-      <p:nvGrpSpPr>
-        <p:cNvPr id="1" name=""/>
-        <p:cNvGrpSpPr/>
-        <p:nvPr/>
-      </p:nvGrpSpPr>
-      <p:grpSpPr>
-        <a:xfrm>
-          <a:off x="0" y="0"/>
-          <a:ext cx="0" cy="0"/>
-          <a:chOff x="0" y="0"/>
-          <a:chExt cx="0" cy="0"/>
-        </a:xfrm>
-      </p:grpSpPr>
-      <p:sp>
-        <p:nvSpPr>
-          <p:cNvPr id="2" name="Title 1">
-            <a:extLst>
-              <a:ext uri="{FF2B5EF4-FFF2-40B4-BE49-F238E27FC236}">
-                <a16:creationId xmlns:a16="http://schemas.microsoft.com/office/drawing/2014/main" id="{4C3459D4-A895-7645-B68C-325D8478CA88}"/>
-              </a:ext>
-            </a:extLst>
-          </p:cNvPr>
-          <p:cNvSpPr>
-            <a:spLocks noGrp="1"/>
-          </p:cNvSpPr>
-          <p:nvPr>
-            <p:ph type="title"/>
+            <p:ph idx="1"/>
           </p:nvPr>
         </p:nvSpPr>
         <p:spPr/>
@@ -7691,434 +7213,8 @@
           <a:lstStyle/>
           <a:p>
             <a:r>
-              <a:rPr lang="en-GB" dirty="0" err="1"/>
-              <a:t>Relationsgrafik</a:t>
-            </a:r>
-            <a:endParaRPr lang="en-GB" dirty="0"/>
-          </a:p>
-        </p:txBody>
-      </p:sp>
-      <p:pic>
-        <p:nvPicPr>
-          <p:cNvPr id="4" name="Picture 3">
-            <a:extLst>
-              <a:ext uri="{FF2B5EF4-FFF2-40B4-BE49-F238E27FC236}">
-                <a16:creationId xmlns:a16="http://schemas.microsoft.com/office/drawing/2014/main" id="{D9D6C4E6-06B3-4C41-8F96-404F7AF65F64}"/>
-              </a:ext>
-            </a:extLst>
-          </p:cNvPr>
-          <p:cNvPicPr>
-            <a:picLocks noChangeAspect="1"/>
-          </p:cNvPicPr>
-          <p:nvPr/>
-        </p:nvPicPr>
-        <p:blipFill>
-          <a:blip r:embed="rId2"/>
-          <a:stretch>
-            <a:fillRect/>
-          </a:stretch>
-        </p:blipFill>
-        <p:spPr>
-          <a:xfrm>
-            <a:off x="1334994" y="2261719"/>
-            <a:ext cx="9100568" cy="3726703"/>
-          </a:xfrm>
-          <a:prstGeom prst="rect">
-            <a:avLst/>
-          </a:prstGeom>
-        </p:spPr>
-      </p:pic>
-    </p:spTree>
-    <p:extLst>
-      <p:ext uri="{BB962C8B-B14F-4D97-AF65-F5344CB8AC3E}">
-        <p14:creationId xmlns:p14="http://schemas.microsoft.com/office/powerpoint/2010/main" val="800765970"/>
-      </p:ext>
-    </p:extLst>
-  </p:cSld>
-  <p:clrMapOvr>
-    <a:masterClrMapping/>
-  </p:clrMapOvr>
-</p:sld>
-</file>
-
-<file path=ppt/slides/slide17.xml><?xml version="1.0" encoding="utf-8"?>
-<p:sld xmlns:a="http://schemas.openxmlformats.org/drawingml/2006/main" xmlns:r="http://schemas.openxmlformats.org/officeDocument/2006/relationships" xmlns:p="http://schemas.openxmlformats.org/presentationml/2006/main">
-  <p:cSld>
-    <p:spTree>
-      <p:nvGrpSpPr>
-        <p:cNvPr id="1" name=""/>
-        <p:cNvGrpSpPr/>
-        <p:nvPr/>
-      </p:nvGrpSpPr>
-      <p:grpSpPr>
-        <a:xfrm>
-          <a:off x="0" y="0"/>
-          <a:ext cx="0" cy="0"/>
-          <a:chOff x="0" y="0"/>
-          <a:chExt cx="0" cy="0"/>
-        </a:xfrm>
-      </p:grpSpPr>
-      <p:sp>
-        <p:nvSpPr>
-          <p:cNvPr id="2" name="Title 1">
-            <a:extLst>
-              <a:ext uri="{FF2B5EF4-FFF2-40B4-BE49-F238E27FC236}">
-                <a16:creationId xmlns:a16="http://schemas.microsoft.com/office/drawing/2014/main" id="{AB6D9F05-D26E-6843-8827-D2C486952B39}"/>
-              </a:ext>
-            </a:extLst>
-          </p:cNvPr>
-          <p:cNvSpPr>
-            <a:spLocks noGrp="1"/>
-          </p:cNvSpPr>
-          <p:nvPr>
-            <p:ph type="title"/>
-          </p:nvPr>
-        </p:nvSpPr>
-        <p:spPr/>
-        <p:txBody>
-          <a:bodyPr/>
-          <a:lstStyle/>
-          <a:p>
-            <a:r>
-              <a:rPr lang="en-GB" dirty="0" err="1"/>
-              <a:t>Egenskaber</a:t>
-            </a:r>
-            <a:r>
               <a:rPr lang="en-GB" dirty="0"/>
-              <a:t> </a:t>
-            </a:r>
-            <a:r>
-              <a:rPr lang="en-GB" dirty="0" err="1"/>
-              <a:t>og</a:t>
-            </a:r>
-            <a:r>
-              <a:rPr lang="en-GB" dirty="0"/>
-              <a:t> </a:t>
-            </a:r>
-            <a:r>
-              <a:rPr lang="en-GB" dirty="0" err="1"/>
-              <a:t>metoder</a:t>
-            </a:r>
-            <a:endParaRPr lang="en-GB" dirty="0"/>
-          </a:p>
-        </p:txBody>
-      </p:sp>
-      <p:pic>
-        <p:nvPicPr>
-          <p:cNvPr id="4" name="Picture 3">
-            <a:extLst>
-              <a:ext uri="{FF2B5EF4-FFF2-40B4-BE49-F238E27FC236}">
-                <a16:creationId xmlns:a16="http://schemas.microsoft.com/office/drawing/2014/main" id="{7D57F37E-9031-6445-8EF7-8184F174E5C9}"/>
-              </a:ext>
-            </a:extLst>
-          </p:cNvPr>
-          <p:cNvPicPr>
-            <a:picLocks noChangeAspect="1"/>
-          </p:cNvPicPr>
-          <p:nvPr/>
-        </p:nvPicPr>
-        <p:blipFill>
-          <a:blip r:embed="rId2"/>
-          <a:stretch>
-            <a:fillRect/>
-          </a:stretch>
-        </p:blipFill>
-        <p:spPr>
-          <a:xfrm>
-            <a:off x="1231227" y="1825625"/>
-            <a:ext cx="10122573" cy="3867428"/>
-          </a:xfrm>
-          <a:prstGeom prst="rect">
-            <a:avLst/>
-          </a:prstGeom>
-        </p:spPr>
-      </p:pic>
-    </p:spTree>
-    <p:extLst>
-      <p:ext uri="{BB962C8B-B14F-4D97-AF65-F5344CB8AC3E}">
-        <p14:creationId xmlns:p14="http://schemas.microsoft.com/office/powerpoint/2010/main" val="392787530"/>
-      </p:ext>
-    </p:extLst>
-  </p:cSld>
-  <p:clrMapOvr>
-    <a:masterClrMapping/>
-  </p:clrMapOvr>
-</p:sld>
-</file>
-
-<file path=ppt/slides/slide18.xml><?xml version="1.0" encoding="utf-8"?>
-<p:sld xmlns:a="http://schemas.openxmlformats.org/drawingml/2006/main" xmlns:r="http://schemas.openxmlformats.org/officeDocument/2006/relationships" xmlns:p="http://schemas.openxmlformats.org/presentationml/2006/main">
-  <p:cSld>
-    <p:spTree>
-      <p:nvGrpSpPr>
-        <p:cNvPr id="1" name=""/>
-        <p:cNvGrpSpPr/>
-        <p:nvPr/>
-      </p:nvGrpSpPr>
-      <p:grpSpPr>
-        <a:xfrm>
-          <a:off x="0" y="0"/>
-          <a:ext cx="0" cy="0"/>
-          <a:chOff x="0" y="0"/>
-          <a:chExt cx="0" cy="0"/>
-        </a:xfrm>
-      </p:grpSpPr>
-      <p:sp>
-        <p:nvSpPr>
-          <p:cNvPr id="2" name="Title 1">
-            <a:extLst>
-              <a:ext uri="{FF2B5EF4-FFF2-40B4-BE49-F238E27FC236}">
-                <a16:creationId xmlns:a16="http://schemas.microsoft.com/office/drawing/2014/main" id="{AB6D9F05-D26E-6843-8827-D2C486952B39}"/>
-              </a:ext>
-            </a:extLst>
-          </p:cNvPr>
-          <p:cNvSpPr>
-            <a:spLocks noGrp="1"/>
-          </p:cNvSpPr>
-          <p:nvPr>
-            <p:ph type="title"/>
-          </p:nvPr>
-        </p:nvSpPr>
-        <p:spPr/>
-        <p:txBody>
-          <a:bodyPr/>
-          <a:lstStyle/>
-          <a:p>
-            <a:r>
-              <a:rPr lang="en-GB" dirty="0" err="1"/>
-              <a:t>Egenskaber</a:t>
-            </a:r>
-            <a:r>
-              <a:rPr lang="en-GB" dirty="0"/>
-              <a:t> </a:t>
-            </a:r>
-            <a:r>
-              <a:rPr lang="en-GB" dirty="0" err="1"/>
-              <a:t>og</a:t>
-            </a:r>
-            <a:r>
-              <a:rPr lang="en-GB" dirty="0"/>
-              <a:t> </a:t>
-            </a:r>
-            <a:r>
-              <a:rPr lang="en-GB" dirty="0" err="1"/>
-              <a:t>metoder</a:t>
-            </a:r>
-            <a:r>
-              <a:rPr lang="en-GB" dirty="0"/>
-              <a:t> </a:t>
-            </a:r>
-            <a:r>
-              <a:rPr lang="en-GB" dirty="0" err="1"/>
-              <a:t>i</a:t>
-            </a:r>
-            <a:r>
-              <a:rPr lang="en-GB" dirty="0"/>
-              <a:t> </a:t>
-            </a:r>
-            <a:r>
-              <a:rPr lang="en-GB" dirty="0" err="1"/>
-              <a:t>LaTeX</a:t>
-            </a:r>
-            <a:endParaRPr lang="en-GB" dirty="0"/>
-          </a:p>
-        </p:txBody>
-      </p:sp>
-      <p:pic>
-        <p:nvPicPr>
-          <p:cNvPr id="4" name="Picture 3">
-            <a:extLst>
-              <a:ext uri="{FF2B5EF4-FFF2-40B4-BE49-F238E27FC236}">
-                <a16:creationId xmlns:a16="http://schemas.microsoft.com/office/drawing/2014/main" id="{7D57F37E-9031-6445-8EF7-8184F174E5C9}"/>
-              </a:ext>
-            </a:extLst>
-          </p:cNvPr>
-          <p:cNvPicPr>
-            <a:picLocks noChangeAspect="1"/>
-          </p:cNvPicPr>
-          <p:nvPr/>
-        </p:nvPicPr>
-        <p:blipFill>
-          <a:blip r:embed="rId2"/>
-          <a:stretch>
-            <a:fillRect/>
-          </a:stretch>
-        </p:blipFill>
-        <p:spPr>
-          <a:xfrm>
-            <a:off x="6954075" y="1934489"/>
-            <a:ext cx="5076564" cy="1939551"/>
-          </a:xfrm>
-          <a:prstGeom prst="rect">
-            <a:avLst/>
-          </a:prstGeom>
-        </p:spPr>
-      </p:pic>
-      <p:sp>
-        <p:nvSpPr>
-          <p:cNvPr id="5" name="TextBox 4">
-            <a:extLst>
-              <a:ext uri="{FF2B5EF4-FFF2-40B4-BE49-F238E27FC236}">
-                <a16:creationId xmlns:a16="http://schemas.microsoft.com/office/drawing/2014/main" id="{E1F96693-19E4-D447-A146-1F829413CEC1}"/>
-              </a:ext>
-            </a:extLst>
-          </p:cNvPr>
-          <p:cNvSpPr txBox="1"/>
-          <p:nvPr/>
-        </p:nvSpPr>
-        <p:spPr>
-          <a:xfrm>
-            <a:off x="658390" y="1934489"/>
-            <a:ext cx="5618846" cy="4524315"/>
-          </a:xfrm>
-          <a:prstGeom prst="rect">
-            <a:avLst/>
-          </a:prstGeom>
-          <a:noFill/>
-          <a:ln>
-            <a:solidFill>
-              <a:schemeClr val="accent1"/>
-            </a:solidFill>
-          </a:ln>
-        </p:spPr>
-        <p:txBody>
-          <a:bodyPr wrap="none" rtlCol="0">
-            <a:spAutoFit/>
-          </a:bodyPr>
-          <a:lstStyle/>
-          <a:p>
-            <a:r>
-              <a:rPr lang="en-GB" dirty="0"/>
-              <a:t>\</a:t>
-            </a:r>
-            <a:r>
-              <a:rPr lang="en-GB" dirty="0" err="1"/>
-              <a:t>documentclass</a:t>
-            </a:r>
-            <a:r>
-              <a:rPr lang="en-GB" dirty="0"/>
-              <a:t>{article}</a:t>
-            </a:r>
-          </a:p>
-          <a:p>
-            <a:r>
-              <a:rPr lang="en-GB" dirty="0"/>
-              <a:t>\</a:t>
-            </a:r>
-            <a:r>
-              <a:rPr lang="en-GB" dirty="0" err="1"/>
-              <a:t>usepackage</a:t>
-            </a:r>
-            <a:r>
-              <a:rPr lang="en-GB" dirty="0"/>
-              <a:t>[</a:t>
-            </a:r>
-            <a:r>
-              <a:rPr lang="en-GB" dirty="0" err="1"/>
-              <a:t>school,simplified</a:t>
-            </a:r>
-            <a:r>
-              <a:rPr lang="en-GB" dirty="0"/>
-              <a:t>]{</a:t>
-            </a:r>
-            <a:r>
-              <a:rPr lang="en-GB" dirty="0" err="1"/>
-              <a:t>pgf-umlcd</a:t>
-            </a:r>
-            <a:r>
-              <a:rPr lang="en-GB" dirty="0"/>
-              <a:t>}</a:t>
-            </a:r>
-          </a:p>
-          <a:p>
-            <a:endParaRPr lang="en-GB" dirty="0"/>
-          </a:p>
-          <a:p>
-            <a:r>
-              <a:rPr lang="en-GB" dirty="0"/>
-              <a:t>\begin{document}</a:t>
-            </a:r>
-          </a:p>
-          <a:p>
-            <a:r>
-              <a:rPr lang="en-GB" dirty="0"/>
-              <a:t>\begin{</a:t>
-            </a:r>
-            <a:r>
-              <a:rPr lang="en-GB" dirty="0" err="1"/>
-              <a:t>tikzpicture</a:t>
-            </a:r>
-            <a:r>
-              <a:rPr lang="en-GB" dirty="0"/>
-              <a:t>}</a:t>
-            </a:r>
-          </a:p>
-          <a:p>
-            <a:r>
-              <a:rPr lang="en-GB" dirty="0"/>
-              <a:t>  \begin{class}[text width=10cm]{animal}{0,0}</a:t>
-            </a:r>
-          </a:p>
-          <a:p>
-            <a:r>
-              <a:rPr lang="en-GB" dirty="0"/>
-              <a:t>    \attribute{symbol : symbol}</a:t>
-            </a:r>
-          </a:p>
-          <a:p>
-            <a:r>
-              <a:rPr lang="en-GB" dirty="0"/>
-              <a:t>    \attribute{position : position option with set}</a:t>
-            </a:r>
-          </a:p>
-          <a:p>
-            <a:r>
-              <a:rPr lang="en-GB" dirty="0"/>
-              <a:t>    \attribute{reproduction : </a:t>
-            </a:r>
-            <a:r>
-              <a:rPr lang="en-GB" dirty="0" err="1"/>
-              <a:t>int</a:t>
-            </a:r>
-            <a:r>
-              <a:rPr lang="en-GB" dirty="0"/>
-              <a:t>}</a:t>
-            </a:r>
-          </a:p>
-          <a:p>
-            <a:r>
-              <a:rPr lang="en-GB" dirty="0"/>
-              <a:t>    \operation{new (</a:t>
-            </a:r>
-            <a:r>
-              <a:rPr lang="en-GB" dirty="0" err="1"/>
-              <a:t>symb</a:t>
-            </a:r>
-            <a:r>
-              <a:rPr lang="en-GB" dirty="0"/>
-              <a:t> * </a:t>
-            </a:r>
-            <a:r>
-              <a:rPr lang="en-GB" dirty="0" err="1"/>
-              <a:t>repLen</a:t>
-            </a:r>
-            <a:r>
-              <a:rPr lang="en-GB" dirty="0"/>
-              <a:t> : symbol * </a:t>
-            </a:r>
-            <a:r>
-              <a:rPr lang="en-GB" dirty="0" err="1"/>
-              <a:t>int</a:t>
-            </a:r>
-            <a:r>
-              <a:rPr lang="en-GB" dirty="0"/>
-              <a:t>) : animal}</a:t>
-            </a:r>
-          </a:p>
-          <a:p>
-            <a:r>
-              <a:rPr lang="en-GB" dirty="0"/>
-              <a:t>    \operation{</a:t>
+              <a:t>Override </a:t>
             </a:r>
             <a:r>
               <a:rPr lang="en-GB" dirty="0" err="1"/>
@@ -8126,61 +7222,33 @@
             </a:r>
             <a:r>
               <a:rPr lang="en-GB" dirty="0"/>
-              <a:t>  unit : string}</a:t>
+              <a:t>()</a:t>
             </a:r>
           </a:p>
           <a:p>
             <a:r>
               <a:rPr lang="en-GB" dirty="0"/>
-              <a:t>    \operation{</a:t>
-            </a:r>
-            <a:r>
-              <a:rPr lang="en-GB" dirty="0" err="1"/>
-              <a:t>resetReproduction</a:t>
-            </a:r>
+              <a:t>Overload, currying</a:t>
+            </a:r>
+          </a:p>
+          <a:p>
             <a:r>
               <a:rPr lang="en-GB" dirty="0"/>
-              <a:t>  unit : unit}</a:t>
+              <a:t>Simple to complicated class-design</a:t>
             </a:r>
           </a:p>
           <a:p>
             <a:r>
               <a:rPr lang="en-GB" dirty="0"/>
-              <a:t>    \operation{</a:t>
-            </a:r>
-            <a:r>
-              <a:rPr lang="en-GB" dirty="0" err="1"/>
-              <a:t>updateReproduction</a:t>
+              <a:t>Since opponent’s board is copied, no need for the players to </a:t>
+            </a:r>
+            <a:r>
+              <a:rPr lang="en-GB"/>
+              <a:t>know associate </a:t>
             </a:r>
             <a:r>
               <a:rPr lang="en-GB" dirty="0"/>
-              <a:t>  unit : unit}</a:t>
-            </a:r>
-          </a:p>
-          <a:p>
-            <a:r>
-              <a:rPr lang="en-GB" dirty="0"/>
-              <a:t>  \end{class}</a:t>
-            </a:r>
-          </a:p>
-          <a:p>
-            <a:r>
-              <a:rPr lang="en-GB" dirty="0"/>
-              <a:t>\end{</a:t>
-            </a:r>
-            <a:r>
-              <a:rPr lang="en-GB" dirty="0" err="1"/>
-              <a:t>tikzpicture</a:t>
-            </a:r>
-            <a:r>
-              <a:rPr lang="en-GB" dirty="0"/>
-              <a:t>}</a:t>
-            </a:r>
-          </a:p>
-          <a:p>
-            <a:r>
-              <a:rPr lang="en-GB" dirty="0"/>
-              <a:t>\end{document}</a:t>
+              <a:t>the opponent.</a:t>
             </a:r>
           </a:p>
         </p:txBody>
@@ -8188,177 +7256,7 @@
     </p:spTree>
     <p:extLst>
       <p:ext uri="{BB962C8B-B14F-4D97-AF65-F5344CB8AC3E}">
-        <p14:creationId xmlns:p14="http://schemas.microsoft.com/office/powerpoint/2010/main" val="3013114699"/>
-      </p:ext>
-    </p:extLst>
-  </p:cSld>
-  <p:clrMapOvr>
-    <a:masterClrMapping/>
-  </p:clrMapOvr>
-</p:sld>
-</file>
-
-<file path=ppt/slides/slide19.xml><?xml version="1.0" encoding="utf-8"?>
-<p:sld xmlns:a="http://schemas.openxmlformats.org/drawingml/2006/main" xmlns:r="http://schemas.openxmlformats.org/officeDocument/2006/relationships" xmlns:p="http://schemas.openxmlformats.org/presentationml/2006/main">
-  <p:cSld>
-    <p:spTree>
-      <p:nvGrpSpPr>
-        <p:cNvPr id="1" name=""/>
-        <p:cNvGrpSpPr/>
-        <p:nvPr/>
-      </p:nvGrpSpPr>
-      <p:grpSpPr>
-        <a:xfrm>
-          <a:off x="0" y="0"/>
-          <a:ext cx="0" cy="0"/>
-          <a:chOff x="0" y="0"/>
-          <a:chExt cx="0" cy="0"/>
-        </a:xfrm>
-      </p:grpSpPr>
-      <p:sp>
-        <p:nvSpPr>
-          <p:cNvPr id="2" name="Title 1">
-            <a:extLst>
-              <a:ext uri="{FF2B5EF4-FFF2-40B4-BE49-F238E27FC236}">
-                <a16:creationId xmlns:a16="http://schemas.microsoft.com/office/drawing/2014/main" id="{FC54B7AA-8BB3-7E48-A72E-6294B5A00AA3}"/>
-              </a:ext>
-            </a:extLst>
-          </p:cNvPr>
-          <p:cNvSpPr>
-            <a:spLocks noGrp="1"/>
-          </p:cNvSpPr>
-          <p:nvPr>
-            <p:ph type="title"/>
-          </p:nvPr>
-        </p:nvSpPr>
-        <p:spPr/>
-        <p:txBody>
-          <a:bodyPr/>
-          <a:lstStyle/>
-          <a:p>
-            <a:r>
-              <a:rPr lang="en-GB" dirty="0" err="1"/>
-              <a:t>Opgave</a:t>
-            </a:r>
-            <a:r>
-              <a:rPr lang="en-GB" dirty="0"/>
-              <a:t>: </a:t>
-            </a:r>
-            <a:r>
-              <a:rPr lang="en-GB" dirty="0" err="1"/>
-              <a:t>Lav</a:t>
-            </a:r>
-            <a:r>
-              <a:rPr lang="en-GB" dirty="0"/>
-              <a:t> UML diagram for </a:t>
-            </a:r>
-            <a:r>
-              <a:rPr lang="en-GB" dirty="0" err="1"/>
-              <a:t>animalSmall</a:t>
-            </a:r>
-            <a:endParaRPr lang="en-GB" dirty="0"/>
-          </a:p>
-        </p:txBody>
-      </p:sp>
-      <p:pic>
-        <p:nvPicPr>
-          <p:cNvPr id="5" name="Picture 4">
-            <a:extLst>
-              <a:ext uri="{FF2B5EF4-FFF2-40B4-BE49-F238E27FC236}">
-                <a16:creationId xmlns:a16="http://schemas.microsoft.com/office/drawing/2014/main" id="{AA2D00EB-984B-454D-8A5C-F5037FF4857E}"/>
-              </a:ext>
-            </a:extLst>
-          </p:cNvPr>
-          <p:cNvPicPr>
-            <a:picLocks noChangeAspect="1"/>
-          </p:cNvPicPr>
-          <p:nvPr/>
-        </p:nvPicPr>
-        <p:blipFill>
-          <a:blip r:embed="rId2"/>
-          <a:stretch>
-            <a:fillRect/>
-          </a:stretch>
-        </p:blipFill>
-        <p:spPr>
-          <a:xfrm>
-            <a:off x="2881743" y="4136229"/>
-            <a:ext cx="6113553" cy="2503514"/>
-          </a:xfrm>
-          <a:prstGeom prst="rect">
-            <a:avLst/>
-          </a:prstGeom>
-        </p:spPr>
-      </p:pic>
-      <p:pic>
-        <p:nvPicPr>
-          <p:cNvPr id="6" name="Picture 5">
-            <a:extLst>
-              <a:ext uri="{FF2B5EF4-FFF2-40B4-BE49-F238E27FC236}">
-                <a16:creationId xmlns:a16="http://schemas.microsoft.com/office/drawing/2014/main" id="{622E99B3-7174-DD4D-BC47-3F61AECE1782}"/>
-              </a:ext>
-            </a:extLst>
-          </p:cNvPr>
-          <p:cNvPicPr>
-            <a:picLocks noChangeAspect="1"/>
-          </p:cNvPicPr>
-          <p:nvPr/>
-        </p:nvPicPr>
-        <p:blipFill>
-          <a:blip r:embed="rId3"/>
-          <a:stretch>
-            <a:fillRect/>
-          </a:stretch>
-        </p:blipFill>
-        <p:spPr>
-          <a:xfrm>
-            <a:off x="6411509" y="1632657"/>
-            <a:ext cx="5780491" cy="2208493"/>
-          </a:xfrm>
-          <a:prstGeom prst="rect">
-            <a:avLst/>
-          </a:prstGeom>
-        </p:spPr>
-      </p:pic>
-      <p:pic>
-        <p:nvPicPr>
-          <p:cNvPr id="7" name="Picture 6">
-            <a:extLst>
-              <a:ext uri="{FF2B5EF4-FFF2-40B4-BE49-F238E27FC236}">
-                <a16:creationId xmlns:a16="http://schemas.microsoft.com/office/drawing/2014/main" id="{163C6E32-DFD8-454D-9207-BBBB0B69CF65}"/>
-              </a:ext>
-            </a:extLst>
-          </p:cNvPr>
-          <p:cNvPicPr>
-            <a:picLocks noChangeAspect="1"/>
-          </p:cNvPicPr>
-          <p:nvPr/>
-        </p:nvPicPr>
-        <p:blipFill>
-          <a:blip r:embed="rId4"/>
-          <a:stretch>
-            <a:fillRect/>
-          </a:stretch>
-        </p:blipFill>
-        <p:spPr>
-          <a:xfrm>
-            <a:off x="0" y="1512094"/>
-            <a:ext cx="5938520" cy="2489200"/>
-          </a:xfrm>
-          <a:prstGeom prst="rect">
-            <a:avLst/>
-          </a:prstGeom>
-          <a:ln>
-            <a:solidFill>
-              <a:schemeClr val="accent1"/>
-            </a:solidFill>
-          </a:ln>
-        </p:spPr>
-      </p:pic>
-    </p:spTree>
-    <p:extLst>
-      <p:ext uri="{BB962C8B-B14F-4D97-AF65-F5344CB8AC3E}">
-        <p14:creationId xmlns:p14="http://schemas.microsoft.com/office/powerpoint/2010/main" val="34110647"/>
+        <p14:creationId xmlns:p14="http://schemas.microsoft.com/office/powerpoint/2010/main" val="3345976999"/>
       </p:ext>
     </p:extLst>
   </p:cSld>
@@ -8541,3200 +7439,6 @@
     <p:extLst>
       <p:ext uri="{BB962C8B-B14F-4D97-AF65-F5344CB8AC3E}">
         <p14:creationId xmlns:p14="http://schemas.microsoft.com/office/powerpoint/2010/main" val="2403641384"/>
-      </p:ext>
-    </p:extLst>
-  </p:cSld>
-  <p:clrMapOvr>
-    <a:masterClrMapping/>
-  </p:clrMapOvr>
-</p:sld>
-</file>
-
-<file path=ppt/slides/slide20.xml><?xml version="1.0" encoding="utf-8"?>
-<p:sld xmlns:a="http://schemas.openxmlformats.org/drawingml/2006/main" xmlns:r="http://schemas.openxmlformats.org/officeDocument/2006/relationships" xmlns:p="http://schemas.openxmlformats.org/presentationml/2006/main">
-  <p:cSld>
-    <p:spTree>
-      <p:nvGrpSpPr>
-        <p:cNvPr id="1" name=""/>
-        <p:cNvGrpSpPr/>
-        <p:nvPr/>
-      </p:nvGrpSpPr>
-      <p:grpSpPr>
-        <a:xfrm>
-          <a:off x="0" y="0"/>
-          <a:ext cx="0" cy="0"/>
-          <a:chOff x="0" y="0"/>
-          <a:chExt cx="0" cy="0"/>
-        </a:xfrm>
-      </p:grpSpPr>
-      <p:pic>
-        <p:nvPicPr>
-          <p:cNvPr id="2" name="Picture 1">
-            <a:extLst>
-              <a:ext uri="{FF2B5EF4-FFF2-40B4-BE49-F238E27FC236}">
-                <a16:creationId xmlns:a16="http://schemas.microsoft.com/office/drawing/2014/main" id="{7B916113-A407-1B4B-AC88-CF6DDEE2618C}"/>
-              </a:ext>
-            </a:extLst>
-          </p:cNvPr>
-          <p:cNvPicPr>
-            <a:picLocks noChangeAspect="1"/>
-          </p:cNvPicPr>
-          <p:nvPr/>
-        </p:nvPicPr>
-        <p:blipFill>
-          <a:blip r:embed="rId2"/>
-          <a:stretch>
-            <a:fillRect/>
-          </a:stretch>
-        </p:blipFill>
-        <p:spPr>
-          <a:xfrm>
-            <a:off x="2330320" y="281912"/>
-            <a:ext cx="7531359" cy="6294175"/>
-          </a:xfrm>
-          <a:prstGeom prst="rect">
-            <a:avLst/>
-          </a:prstGeom>
-        </p:spPr>
-      </p:pic>
-    </p:spTree>
-    <p:extLst>
-      <p:ext uri="{BB962C8B-B14F-4D97-AF65-F5344CB8AC3E}">
-        <p14:creationId xmlns:p14="http://schemas.microsoft.com/office/powerpoint/2010/main" val="556198153"/>
-      </p:ext>
-    </p:extLst>
-  </p:cSld>
-  <p:clrMapOvr>
-    <a:masterClrMapping/>
-  </p:clrMapOvr>
-</p:sld>
-</file>
-
-<file path=ppt/slides/slide21.xml><?xml version="1.0" encoding="utf-8"?>
-<p:sld xmlns:a="http://schemas.openxmlformats.org/drawingml/2006/main" xmlns:r="http://schemas.openxmlformats.org/officeDocument/2006/relationships" xmlns:p="http://schemas.openxmlformats.org/presentationml/2006/main">
-  <p:cSld>
-    <p:spTree>
-      <p:nvGrpSpPr>
-        <p:cNvPr id="1" name=""/>
-        <p:cNvGrpSpPr/>
-        <p:nvPr/>
-      </p:nvGrpSpPr>
-      <p:grpSpPr>
-        <a:xfrm>
-          <a:off x="0" y="0"/>
-          <a:ext cx="0" cy="0"/>
-          <a:chOff x="0" y="0"/>
-          <a:chExt cx="0" cy="0"/>
-        </a:xfrm>
-      </p:grpSpPr>
-      <p:sp>
-        <p:nvSpPr>
-          <p:cNvPr id="2" name="Title 1">
-            <a:extLst>
-              <a:ext uri="{FF2B5EF4-FFF2-40B4-BE49-F238E27FC236}">
-                <a16:creationId xmlns:a16="http://schemas.microsoft.com/office/drawing/2014/main" id="{3DDD8F69-A5F5-A440-B6C3-31CD08D9894F}"/>
-              </a:ext>
-            </a:extLst>
-          </p:cNvPr>
-          <p:cNvSpPr>
-            <a:spLocks noGrp="1"/>
-          </p:cNvSpPr>
-          <p:nvPr>
-            <p:ph type="title"/>
-          </p:nvPr>
-        </p:nvSpPr>
-        <p:spPr/>
-        <p:txBody>
-          <a:bodyPr/>
-          <a:lstStyle/>
-          <a:p>
-            <a:r>
-              <a:rPr lang="en-GB" dirty="0"/>
-              <a:t>Design </a:t>
-            </a:r>
-            <a:r>
-              <a:rPr lang="en-GB" dirty="0" err="1"/>
-              <a:t>efter</a:t>
-            </a:r>
-            <a:r>
-              <a:rPr lang="en-GB" dirty="0"/>
-              <a:t> </a:t>
-            </a:r>
-            <a:r>
-              <a:rPr lang="en-GB" dirty="0" err="1"/>
-              <a:t>navne</a:t>
-            </a:r>
-            <a:r>
-              <a:rPr lang="en-GB" dirty="0"/>
-              <a:t>- </a:t>
-            </a:r>
-            <a:r>
-              <a:rPr lang="en-GB" dirty="0" err="1"/>
-              <a:t>og</a:t>
-            </a:r>
-            <a:r>
-              <a:rPr lang="en-GB" dirty="0"/>
-              <a:t> </a:t>
-            </a:r>
-            <a:r>
-              <a:rPr lang="en-GB" dirty="0" err="1"/>
-              <a:t>udsagsord</a:t>
-            </a:r>
-            <a:endParaRPr lang="en-GB" dirty="0"/>
-          </a:p>
-        </p:txBody>
-      </p:sp>
-      <p:sp>
-        <p:nvSpPr>
-          <p:cNvPr id="3" name="Content Placeholder 2">
-            <a:extLst>
-              <a:ext uri="{FF2B5EF4-FFF2-40B4-BE49-F238E27FC236}">
-                <a16:creationId xmlns:a16="http://schemas.microsoft.com/office/drawing/2014/main" id="{59E1CE74-0F34-5645-B910-493A3C4203A0}"/>
-              </a:ext>
-            </a:extLst>
-          </p:cNvPr>
-          <p:cNvSpPr>
-            <a:spLocks noGrp="1"/>
-          </p:cNvSpPr>
-          <p:nvPr>
-            <p:ph idx="1"/>
-          </p:nvPr>
-        </p:nvSpPr>
-        <p:spPr>
-          <a:xfrm>
-            <a:off x="502024" y="1470212"/>
-            <a:ext cx="11187952" cy="5558117"/>
-          </a:xfrm>
-        </p:spPr>
-        <p:txBody>
-          <a:bodyPr>
-            <a:normAutofit fontScale="92500" lnSpcReduction="10000"/>
-          </a:bodyPr>
-          <a:lstStyle/>
-          <a:p>
-            <a:pPr marL="0" indent="0">
-              <a:buNone/>
-            </a:pPr>
-            <a:r>
-              <a:rPr lang="da-DK" dirty="0" err="1"/>
-              <a:t>Use</a:t>
-            </a:r>
-            <a:r>
-              <a:rPr lang="da-DK" dirty="0"/>
-              <a:t>-case: kortspillet krig</a:t>
-            </a:r>
-          </a:p>
-          <a:p>
-            <a:pPr marL="0" indent="0">
-              <a:buNone/>
-            </a:pPr>
-            <a:endParaRPr lang="da-DK" dirty="0"/>
-          </a:p>
-          <a:p>
-            <a:pPr marL="0" indent="0">
-              <a:buNone/>
-            </a:pPr>
-            <a:r>
-              <a:rPr lang="da-DK" dirty="0"/>
-              <a:t>Hver spiller får 26 kort, der placeres foran spilleren i én bunke med billedsiden nedad. Spillerne vender nu begge det øverste kort. Den, der har det højeste kort, vinder modstanderens kort. </a:t>
-            </a:r>
-          </a:p>
-          <a:p>
-            <a:pPr marL="0" indent="0">
-              <a:buNone/>
-            </a:pPr>
-            <a:endParaRPr lang="da-DK" dirty="0"/>
-          </a:p>
-          <a:p>
-            <a:pPr marL="0" indent="0">
-              <a:buNone/>
-            </a:pPr>
-            <a:r>
-              <a:rPr lang="da-DK" dirty="0"/>
-              <a:t>Når spillerne vender kort af samme værdi, bliver der krig. Begge lægger nu yderligere 3 kort frem og der tredje afgør, hvem der vinder krigen. Vinderen tager alle de vendte kort fra modstanderen. Hvis det tredje kort ved hver spiller har samme værdi igen, fortsætter krigen og der vendes yderligere 3 kort (6 i alt pr. spiller). </a:t>
-            </a:r>
-          </a:p>
-          <a:p>
-            <a:pPr marL="0" indent="0">
-              <a:buNone/>
-            </a:pPr>
-            <a:endParaRPr lang="da-DK" dirty="0"/>
-          </a:p>
-          <a:p>
-            <a:pPr marL="0" indent="0">
-              <a:buNone/>
-            </a:pPr>
-            <a:r>
-              <a:rPr lang="da-DK" dirty="0"/>
-              <a:t>Vundne kort placeres med bagsiden opad i bunden af vinderens kortstak. Der fortsættes til én af spillerne har vundet alle modstanderens kort.</a:t>
-            </a:r>
-          </a:p>
-          <a:p>
-            <a:pPr marL="0" indent="0">
-              <a:buNone/>
-            </a:pPr>
-            <a:endParaRPr lang="da-DK" dirty="0"/>
-          </a:p>
-          <a:p>
-            <a:pPr marL="0" indent="0">
-              <a:buNone/>
-            </a:pPr>
-            <a:endParaRPr lang="en-GB" dirty="0"/>
-          </a:p>
-        </p:txBody>
-      </p:sp>
-    </p:spTree>
-    <p:extLst>
-      <p:ext uri="{BB962C8B-B14F-4D97-AF65-F5344CB8AC3E}">
-        <p14:creationId xmlns:p14="http://schemas.microsoft.com/office/powerpoint/2010/main" val="2026205560"/>
-      </p:ext>
-    </p:extLst>
-  </p:cSld>
-  <p:clrMapOvr>
-    <a:masterClrMapping/>
-  </p:clrMapOvr>
-</p:sld>
-</file>
-
-<file path=ppt/slides/slide22.xml><?xml version="1.0" encoding="utf-8"?>
-<p:sld xmlns:a="http://schemas.openxmlformats.org/drawingml/2006/main" xmlns:r="http://schemas.openxmlformats.org/officeDocument/2006/relationships" xmlns:p="http://schemas.openxmlformats.org/presentationml/2006/main">
-  <p:cSld>
-    <p:spTree>
-      <p:nvGrpSpPr>
-        <p:cNvPr id="1" name=""/>
-        <p:cNvGrpSpPr/>
-        <p:nvPr/>
-      </p:nvGrpSpPr>
-      <p:grpSpPr>
-        <a:xfrm>
-          <a:off x="0" y="0"/>
-          <a:ext cx="0" cy="0"/>
-          <a:chOff x="0" y="0"/>
-          <a:chExt cx="0" cy="0"/>
-        </a:xfrm>
-      </p:grpSpPr>
-      <p:sp>
-        <p:nvSpPr>
-          <p:cNvPr id="2" name="Title 1">
-            <a:extLst>
-              <a:ext uri="{FF2B5EF4-FFF2-40B4-BE49-F238E27FC236}">
-                <a16:creationId xmlns:a16="http://schemas.microsoft.com/office/drawing/2014/main" id="{3DDD8F69-A5F5-A440-B6C3-31CD08D9894F}"/>
-              </a:ext>
-            </a:extLst>
-          </p:cNvPr>
-          <p:cNvSpPr>
-            <a:spLocks noGrp="1"/>
-          </p:cNvSpPr>
-          <p:nvPr>
-            <p:ph type="title"/>
-          </p:nvPr>
-        </p:nvSpPr>
-        <p:spPr/>
-        <p:txBody>
-          <a:bodyPr/>
-          <a:lstStyle/>
-          <a:p>
-            <a:r>
-              <a:rPr lang="en-GB" dirty="0"/>
-              <a:t>Design </a:t>
-            </a:r>
-            <a:r>
-              <a:rPr lang="en-GB" dirty="0" err="1"/>
-              <a:t>efter</a:t>
-            </a:r>
-            <a:r>
-              <a:rPr lang="en-GB" dirty="0"/>
-              <a:t> </a:t>
-            </a:r>
-            <a:r>
-              <a:rPr lang="en-GB" dirty="0" err="1">
-                <a:highlight>
-                  <a:srgbClr val="00FF00"/>
-                </a:highlight>
-              </a:rPr>
-              <a:t>navne</a:t>
-            </a:r>
-            <a:r>
-              <a:rPr lang="en-GB" dirty="0">
-                <a:highlight>
-                  <a:srgbClr val="00FF00"/>
-                </a:highlight>
-              </a:rPr>
-              <a:t>-</a:t>
-            </a:r>
-            <a:r>
-              <a:rPr lang="en-GB" dirty="0"/>
-              <a:t> </a:t>
-            </a:r>
-            <a:r>
-              <a:rPr lang="en-GB" dirty="0" err="1"/>
-              <a:t>og</a:t>
-            </a:r>
-            <a:r>
-              <a:rPr lang="en-GB" dirty="0"/>
-              <a:t> </a:t>
-            </a:r>
-            <a:r>
-              <a:rPr lang="en-GB" dirty="0" err="1"/>
-              <a:t>udsagsord</a:t>
-            </a:r>
-            <a:endParaRPr lang="en-GB" dirty="0"/>
-          </a:p>
-        </p:txBody>
-      </p:sp>
-      <p:sp>
-        <p:nvSpPr>
-          <p:cNvPr id="3" name="Content Placeholder 2">
-            <a:extLst>
-              <a:ext uri="{FF2B5EF4-FFF2-40B4-BE49-F238E27FC236}">
-                <a16:creationId xmlns:a16="http://schemas.microsoft.com/office/drawing/2014/main" id="{59E1CE74-0F34-5645-B910-493A3C4203A0}"/>
-              </a:ext>
-            </a:extLst>
-          </p:cNvPr>
-          <p:cNvSpPr>
-            <a:spLocks noGrp="1"/>
-          </p:cNvSpPr>
-          <p:nvPr>
-            <p:ph idx="1"/>
-          </p:nvPr>
-        </p:nvSpPr>
-        <p:spPr>
-          <a:xfrm>
-            <a:off x="502024" y="1470212"/>
-            <a:ext cx="11187952" cy="5558117"/>
-          </a:xfrm>
-        </p:spPr>
-        <p:txBody>
-          <a:bodyPr>
-            <a:normAutofit fontScale="92500" lnSpcReduction="10000"/>
-          </a:bodyPr>
-          <a:lstStyle/>
-          <a:p>
-            <a:pPr marL="0" indent="0">
-              <a:buNone/>
-            </a:pPr>
-            <a:r>
-              <a:rPr lang="da-DK" dirty="0" err="1"/>
-              <a:t>Use</a:t>
-            </a:r>
-            <a:r>
-              <a:rPr lang="da-DK" dirty="0"/>
-              <a:t>-case: kortspillet krig</a:t>
-            </a:r>
-          </a:p>
-          <a:p>
-            <a:pPr marL="0" indent="0">
-              <a:buNone/>
-            </a:pPr>
-            <a:endParaRPr lang="da-DK" dirty="0"/>
-          </a:p>
-          <a:p>
-            <a:pPr marL="0" indent="0">
-              <a:buNone/>
-            </a:pPr>
-            <a:r>
-              <a:rPr lang="da-DK" dirty="0"/>
-              <a:t>Hver </a:t>
-            </a:r>
-            <a:r>
-              <a:rPr lang="da-DK" dirty="0">
-                <a:highlight>
-                  <a:srgbClr val="00FF00"/>
-                </a:highlight>
-              </a:rPr>
-              <a:t>spiller</a:t>
-            </a:r>
-            <a:r>
-              <a:rPr lang="da-DK" dirty="0"/>
-              <a:t> får 26 </a:t>
-            </a:r>
-            <a:r>
-              <a:rPr lang="da-DK" dirty="0">
-                <a:highlight>
-                  <a:srgbClr val="00FF00"/>
-                </a:highlight>
-              </a:rPr>
-              <a:t>kort</a:t>
-            </a:r>
-            <a:r>
-              <a:rPr lang="da-DK" dirty="0"/>
-              <a:t>, der placeres foran spilleren i én </a:t>
-            </a:r>
-            <a:r>
-              <a:rPr lang="da-DK" dirty="0">
-                <a:highlight>
-                  <a:srgbClr val="00FF00"/>
-                </a:highlight>
-              </a:rPr>
-              <a:t>bunke</a:t>
-            </a:r>
-            <a:r>
-              <a:rPr lang="da-DK" dirty="0"/>
-              <a:t> med </a:t>
-            </a:r>
-            <a:r>
-              <a:rPr lang="da-DK" dirty="0">
-                <a:highlight>
-                  <a:srgbClr val="00FF00"/>
-                </a:highlight>
-              </a:rPr>
-              <a:t>billedsiden</a:t>
-            </a:r>
-            <a:r>
-              <a:rPr lang="da-DK" dirty="0"/>
-              <a:t> nedad. Spillerne vender nu begge det øverste kort. Den, der har det højeste kort, vinder modstanderens kort. </a:t>
-            </a:r>
-          </a:p>
-          <a:p>
-            <a:pPr marL="0" indent="0">
-              <a:buNone/>
-            </a:pPr>
-            <a:endParaRPr lang="da-DK" dirty="0"/>
-          </a:p>
-          <a:p>
-            <a:pPr marL="0" indent="0">
-              <a:buNone/>
-            </a:pPr>
-            <a:r>
-              <a:rPr lang="da-DK" dirty="0"/>
-              <a:t>Når spillerne vender kort af samme </a:t>
-            </a:r>
-            <a:r>
-              <a:rPr lang="da-DK" dirty="0">
-                <a:highlight>
-                  <a:srgbClr val="00FF00"/>
-                </a:highlight>
-              </a:rPr>
-              <a:t>værdi</a:t>
-            </a:r>
-            <a:r>
-              <a:rPr lang="da-DK" dirty="0"/>
-              <a:t>, bliver der krig. Begge lægger nu yderligere 3 kort frem og der tredje afgør, hvem der vinder krigen. Vinderen tager alle de vendte kort fra modstanderen. Hvis det tredje kort ved hver spiller har samme værdi igen, fortsætter krigen og der vendes yderligere 3 kort (6 i alt pr. spiller). </a:t>
-            </a:r>
-          </a:p>
-          <a:p>
-            <a:pPr marL="0" indent="0">
-              <a:buNone/>
-            </a:pPr>
-            <a:endParaRPr lang="da-DK" dirty="0"/>
-          </a:p>
-          <a:p>
-            <a:pPr marL="0" indent="0">
-              <a:buNone/>
-            </a:pPr>
-            <a:r>
-              <a:rPr lang="da-DK" dirty="0"/>
-              <a:t>Vundne kort placeres med bagsiden opad i bunden af vinderens </a:t>
-            </a:r>
-            <a:r>
-              <a:rPr lang="da-DK" dirty="0">
-                <a:highlight>
-                  <a:srgbClr val="00FF00"/>
-                </a:highlight>
-              </a:rPr>
-              <a:t>kortstak</a:t>
-            </a:r>
-            <a:r>
-              <a:rPr lang="da-DK" dirty="0"/>
-              <a:t>. Der fortsættes til én af spillerne har vundet alle modstanderens kort.</a:t>
-            </a:r>
-          </a:p>
-          <a:p>
-            <a:pPr marL="0" indent="0">
-              <a:buNone/>
-            </a:pPr>
-            <a:endParaRPr lang="da-DK" dirty="0"/>
-          </a:p>
-          <a:p>
-            <a:pPr marL="0" indent="0">
-              <a:buNone/>
-            </a:pPr>
-            <a:endParaRPr lang="en-GB" dirty="0"/>
-          </a:p>
-        </p:txBody>
-      </p:sp>
-    </p:spTree>
-    <p:extLst>
-      <p:ext uri="{BB962C8B-B14F-4D97-AF65-F5344CB8AC3E}">
-        <p14:creationId xmlns:p14="http://schemas.microsoft.com/office/powerpoint/2010/main" val="3416210720"/>
-      </p:ext>
-    </p:extLst>
-  </p:cSld>
-  <p:clrMapOvr>
-    <a:masterClrMapping/>
-  </p:clrMapOvr>
-</p:sld>
-</file>
-
-<file path=ppt/slides/slide23.xml><?xml version="1.0" encoding="utf-8"?>
-<p:sld xmlns:a="http://schemas.openxmlformats.org/drawingml/2006/main" xmlns:r="http://schemas.openxmlformats.org/officeDocument/2006/relationships" xmlns:p="http://schemas.openxmlformats.org/presentationml/2006/main">
-  <p:cSld>
-    <p:spTree>
-      <p:nvGrpSpPr>
-        <p:cNvPr id="1" name=""/>
-        <p:cNvGrpSpPr/>
-        <p:nvPr/>
-      </p:nvGrpSpPr>
-      <p:grpSpPr>
-        <a:xfrm>
-          <a:off x="0" y="0"/>
-          <a:ext cx="0" cy="0"/>
-          <a:chOff x="0" y="0"/>
-          <a:chExt cx="0" cy="0"/>
-        </a:xfrm>
-      </p:grpSpPr>
-      <p:sp>
-        <p:nvSpPr>
-          <p:cNvPr id="2" name="Title 1">
-            <a:extLst>
-              <a:ext uri="{FF2B5EF4-FFF2-40B4-BE49-F238E27FC236}">
-                <a16:creationId xmlns:a16="http://schemas.microsoft.com/office/drawing/2014/main" id="{3DDD8F69-A5F5-A440-B6C3-31CD08D9894F}"/>
-              </a:ext>
-            </a:extLst>
-          </p:cNvPr>
-          <p:cNvSpPr>
-            <a:spLocks noGrp="1"/>
-          </p:cNvSpPr>
-          <p:nvPr>
-            <p:ph type="title"/>
-          </p:nvPr>
-        </p:nvSpPr>
-        <p:spPr/>
-        <p:txBody>
-          <a:bodyPr/>
-          <a:lstStyle/>
-          <a:p>
-            <a:r>
-              <a:rPr lang="en-GB" dirty="0"/>
-              <a:t>Design </a:t>
-            </a:r>
-            <a:r>
-              <a:rPr lang="en-GB" dirty="0" err="1"/>
-              <a:t>efter</a:t>
-            </a:r>
-            <a:r>
-              <a:rPr lang="en-GB" dirty="0"/>
-              <a:t> </a:t>
-            </a:r>
-            <a:r>
-              <a:rPr lang="en-GB" dirty="0" err="1">
-                <a:highlight>
-                  <a:srgbClr val="00FF00"/>
-                </a:highlight>
-              </a:rPr>
-              <a:t>navne</a:t>
-            </a:r>
-            <a:r>
-              <a:rPr lang="en-GB" dirty="0">
-                <a:highlight>
-                  <a:srgbClr val="00FF00"/>
-                </a:highlight>
-              </a:rPr>
-              <a:t>-</a:t>
-            </a:r>
-            <a:r>
-              <a:rPr lang="en-GB" dirty="0"/>
-              <a:t> </a:t>
-            </a:r>
-            <a:r>
-              <a:rPr lang="en-GB" dirty="0" err="1"/>
-              <a:t>og</a:t>
-            </a:r>
-            <a:r>
-              <a:rPr lang="en-GB" dirty="0"/>
-              <a:t> </a:t>
-            </a:r>
-            <a:r>
-              <a:rPr lang="en-GB" dirty="0" err="1">
-                <a:highlight>
-                  <a:srgbClr val="00FFFF"/>
-                </a:highlight>
-              </a:rPr>
-              <a:t>udsagsord</a:t>
-            </a:r>
-            <a:endParaRPr lang="en-GB" dirty="0">
-              <a:highlight>
-                <a:srgbClr val="00FFFF"/>
-              </a:highlight>
-            </a:endParaRPr>
-          </a:p>
-        </p:txBody>
-      </p:sp>
-      <p:sp>
-        <p:nvSpPr>
-          <p:cNvPr id="3" name="Content Placeholder 2">
-            <a:extLst>
-              <a:ext uri="{FF2B5EF4-FFF2-40B4-BE49-F238E27FC236}">
-                <a16:creationId xmlns:a16="http://schemas.microsoft.com/office/drawing/2014/main" id="{59E1CE74-0F34-5645-B910-493A3C4203A0}"/>
-              </a:ext>
-            </a:extLst>
-          </p:cNvPr>
-          <p:cNvSpPr>
-            <a:spLocks noGrp="1"/>
-          </p:cNvSpPr>
-          <p:nvPr>
-            <p:ph idx="1"/>
-          </p:nvPr>
-        </p:nvSpPr>
-        <p:spPr>
-          <a:xfrm>
-            <a:off x="502024" y="1470212"/>
-            <a:ext cx="11187952" cy="5558117"/>
-          </a:xfrm>
-        </p:spPr>
-        <p:txBody>
-          <a:bodyPr>
-            <a:normAutofit fontScale="92500" lnSpcReduction="10000"/>
-          </a:bodyPr>
-          <a:lstStyle/>
-          <a:p>
-            <a:pPr marL="0" indent="0">
-              <a:buNone/>
-            </a:pPr>
-            <a:r>
-              <a:rPr lang="da-DK" dirty="0" err="1"/>
-              <a:t>Use</a:t>
-            </a:r>
-            <a:r>
-              <a:rPr lang="da-DK" dirty="0"/>
-              <a:t>-case: kortspillet krig</a:t>
-            </a:r>
-          </a:p>
-          <a:p>
-            <a:pPr marL="0" indent="0">
-              <a:buNone/>
-            </a:pPr>
-            <a:endParaRPr lang="da-DK" dirty="0">
-              <a:highlight>
-                <a:srgbClr val="0000FF"/>
-              </a:highlight>
-            </a:endParaRPr>
-          </a:p>
-          <a:p>
-            <a:pPr marL="0" indent="0">
-              <a:buNone/>
-            </a:pPr>
-            <a:r>
-              <a:rPr lang="da-DK" dirty="0"/>
-              <a:t>Hver </a:t>
-            </a:r>
-            <a:r>
-              <a:rPr lang="da-DK" dirty="0">
-                <a:highlight>
-                  <a:srgbClr val="00FF00"/>
-                </a:highlight>
-              </a:rPr>
-              <a:t>spiller</a:t>
-            </a:r>
-            <a:r>
-              <a:rPr lang="da-DK" dirty="0"/>
-              <a:t> </a:t>
-            </a:r>
-            <a:r>
-              <a:rPr lang="da-DK" dirty="0">
-                <a:highlight>
-                  <a:srgbClr val="00FFFF"/>
-                </a:highlight>
-              </a:rPr>
-              <a:t>får</a:t>
-            </a:r>
-            <a:r>
-              <a:rPr lang="da-DK" dirty="0"/>
-              <a:t> 26 </a:t>
-            </a:r>
-            <a:r>
-              <a:rPr lang="da-DK" dirty="0">
-                <a:highlight>
-                  <a:srgbClr val="00FF00"/>
-                </a:highlight>
-              </a:rPr>
-              <a:t>kort</a:t>
-            </a:r>
-            <a:r>
-              <a:rPr lang="da-DK" dirty="0"/>
-              <a:t>, der </a:t>
-            </a:r>
-            <a:r>
-              <a:rPr lang="da-DK" dirty="0">
-                <a:highlight>
-                  <a:srgbClr val="00FFFF"/>
-                </a:highlight>
-              </a:rPr>
-              <a:t>placeres</a:t>
-            </a:r>
-            <a:r>
-              <a:rPr lang="da-DK" dirty="0"/>
-              <a:t> foran spilleren i én </a:t>
-            </a:r>
-            <a:r>
-              <a:rPr lang="da-DK" dirty="0">
-                <a:highlight>
-                  <a:srgbClr val="00FF00"/>
-                </a:highlight>
-              </a:rPr>
-              <a:t>bunke</a:t>
-            </a:r>
-            <a:r>
-              <a:rPr lang="da-DK" dirty="0"/>
-              <a:t> med </a:t>
-            </a:r>
-            <a:r>
-              <a:rPr lang="da-DK" dirty="0">
-                <a:highlight>
-                  <a:srgbClr val="00FF00"/>
-                </a:highlight>
-              </a:rPr>
-              <a:t>billedsiden</a:t>
-            </a:r>
-            <a:r>
-              <a:rPr lang="da-DK" dirty="0"/>
-              <a:t> nedad. Spillerne </a:t>
-            </a:r>
-            <a:r>
-              <a:rPr lang="da-DK" dirty="0">
-                <a:highlight>
-                  <a:srgbClr val="00FFFF"/>
-                </a:highlight>
-              </a:rPr>
-              <a:t>vender</a:t>
-            </a:r>
-            <a:r>
-              <a:rPr lang="da-DK" dirty="0"/>
-              <a:t> nu begge det øverste kort. Den, der </a:t>
-            </a:r>
-            <a:r>
-              <a:rPr lang="da-DK" dirty="0">
-                <a:highlight>
-                  <a:srgbClr val="00FFFF"/>
-                </a:highlight>
-              </a:rPr>
-              <a:t>har det højeste </a:t>
-            </a:r>
-            <a:r>
-              <a:rPr lang="da-DK" dirty="0"/>
-              <a:t>kort, </a:t>
-            </a:r>
-            <a:r>
-              <a:rPr lang="da-DK" dirty="0">
-                <a:highlight>
-                  <a:srgbClr val="00FFFF"/>
-                </a:highlight>
-              </a:rPr>
-              <a:t>vinder</a:t>
-            </a:r>
-            <a:r>
-              <a:rPr lang="da-DK" dirty="0"/>
-              <a:t> modstanderens kort. </a:t>
-            </a:r>
-          </a:p>
-          <a:p>
-            <a:pPr marL="0" indent="0">
-              <a:buNone/>
-            </a:pPr>
-            <a:endParaRPr lang="da-DK" dirty="0"/>
-          </a:p>
-          <a:p>
-            <a:pPr marL="0" indent="0">
-              <a:buNone/>
-            </a:pPr>
-            <a:r>
-              <a:rPr lang="da-DK" dirty="0"/>
-              <a:t>Når spillerne vender kort af samme </a:t>
-            </a:r>
-            <a:r>
-              <a:rPr lang="da-DK" dirty="0">
-                <a:highlight>
-                  <a:srgbClr val="00FF00"/>
-                </a:highlight>
-              </a:rPr>
-              <a:t>værdi</a:t>
-            </a:r>
-            <a:r>
-              <a:rPr lang="da-DK" dirty="0"/>
-              <a:t>, </a:t>
-            </a:r>
-            <a:r>
-              <a:rPr lang="da-DK" dirty="0">
-                <a:highlight>
-                  <a:srgbClr val="00FFFF"/>
-                </a:highlight>
-              </a:rPr>
-              <a:t>bliver der krig</a:t>
-            </a:r>
-            <a:r>
-              <a:rPr lang="da-DK" dirty="0"/>
-              <a:t>. Begge lægger nu yderligere 3 kort frem og der tredje afgør, hvem der vinder krigen. Vinderen </a:t>
-            </a:r>
-            <a:r>
-              <a:rPr lang="da-DK" dirty="0">
-                <a:highlight>
-                  <a:srgbClr val="00FFFF"/>
-                </a:highlight>
-              </a:rPr>
-              <a:t>tager alle de vendte kort fra modstanderen</a:t>
-            </a:r>
-            <a:r>
-              <a:rPr lang="da-DK" dirty="0"/>
-              <a:t>. Hvis det tredje kort ved hver spiller har samme værdi igen, fortsætter krigen og der vendes yderligere 3 kort (6 i alt pr. spiller). </a:t>
-            </a:r>
-          </a:p>
-          <a:p>
-            <a:pPr marL="0" indent="0">
-              <a:buNone/>
-            </a:pPr>
-            <a:endParaRPr lang="da-DK" dirty="0"/>
-          </a:p>
-          <a:p>
-            <a:pPr marL="0" indent="0">
-              <a:buNone/>
-            </a:pPr>
-            <a:r>
-              <a:rPr lang="da-DK" dirty="0"/>
-              <a:t>Vundne kort placeres med bagsiden opad i bunden af vinderens </a:t>
-            </a:r>
-            <a:r>
-              <a:rPr lang="da-DK" dirty="0">
-                <a:highlight>
-                  <a:srgbClr val="00FF00"/>
-                </a:highlight>
-              </a:rPr>
-              <a:t>kortstak</a:t>
-            </a:r>
-            <a:r>
-              <a:rPr lang="da-DK" dirty="0"/>
-              <a:t>. Der fortsættes til én af spillerne har vundet alle modstanderens kort.</a:t>
-            </a:r>
-          </a:p>
-          <a:p>
-            <a:pPr marL="0" indent="0">
-              <a:buNone/>
-            </a:pPr>
-            <a:endParaRPr lang="da-DK" dirty="0"/>
-          </a:p>
-          <a:p>
-            <a:pPr marL="0" indent="0">
-              <a:buNone/>
-            </a:pPr>
-            <a:endParaRPr lang="en-GB" dirty="0"/>
-          </a:p>
-        </p:txBody>
-      </p:sp>
-    </p:spTree>
-    <p:extLst>
-      <p:ext uri="{BB962C8B-B14F-4D97-AF65-F5344CB8AC3E}">
-        <p14:creationId xmlns:p14="http://schemas.microsoft.com/office/powerpoint/2010/main" val="481134370"/>
-      </p:ext>
-    </p:extLst>
-  </p:cSld>
-  <p:clrMapOvr>
-    <a:masterClrMapping/>
-  </p:clrMapOvr>
-</p:sld>
-</file>
-
-<file path=ppt/slides/slide24.xml><?xml version="1.0" encoding="utf-8"?>
-<p:sld xmlns:a="http://schemas.openxmlformats.org/drawingml/2006/main" xmlns:r="http://schemas.openxmlformats.org/officeDocument/2006/relationships" xmlns:p="http://schemas.openxmlformats.org/presentationml/2006/main">
-  <p:cSld>
-    <p:spTree>
-      <p:nvGrpSpPr>
-        <p:cNvPr id="1" name=""/>
-        <p:cNvGrpSpPr/>
-        <p:nvPr/>
-      </p:nvGrpSpPr>
-      <p:grpSpPr>
-        <a:xfrm>
-          <a:off x="0" y="0"/>
-          <a:ext cx="0" cy="0"/>
-          <a:chOff x="0" y="0"/>
-          <a:chExt cx="0" cy="0"/>
-        </a:xfrm>
-      </p:grpSpPr>
-      <p:sp>
-        <p:nvSpPr>
-          <p:cNvPr id="2" name="Title 1">
-            <a:extLst>
-              <a:ext uri="{FF2B5EF4-FFF2-40B4-BE49-F238E27FC236}">
-                <a16:creationId xmlns:a16="http://schemas.microsoft.com/office/drawing/2014/main" id="{3DDD8F69-A5F5-A440-B6C3-31CD08D9894F}"/>
-              </a:ext>
-            </a:extLst>
-          </p:cNvPr>
-          <p:cNvSpPr>
-            <a:spLocks noGrp="1"/>
-          </p:cNvSpPr>
-          <p:nvPr>
-            <p:ph type="title"/>
-          </p:nvPr>
-        </p:nvSpPr>
-        <p:spPr>
-          <a:xfrm>
-            <a:off x="107576" y="0"/>
-            <a:ext cx="5508812" cy="1325563"/>
-          </a:xfrm>
-        </p:spPr>
-        <p:txBody>
-          <a:bodyPr/>
-          <a:lstStyle/>
-          <a:p>
-            <a:r>
-              <a:rPr lang="en-GB" dirty="0" err="1"/>
-              <a:t>Kortspillet</a:t>
-            </a:r>
-            <a:r>
-              <a:rPr lang="en-GB" dirty="0"/>
-              <a:t> </a:t>
-            </a:r>
-            <a:r>
-              <a:rPr lang="en-GB" dirty="0" err="1"/>
-              <a:t>krig</a:t>
-            </a:r>
-            <a:endParaRPr lang="en-GB" dirty="0">
-              <a:highlight>
-                <a:srgbClr val="00FFFF"/>
-              </a:highlight>
-            </a:endParaRPr>
-          </a:p>
-        </p:txBody>
-      </p:sp>
-      <p:sp>
-        <p:nvSpPr>
-          <p:cNvPr id="3" name="Content Placeholder 2">
-            <a:extLst>
-              <a:ext uri="{FF2B5EF4-FFF2-40B4-BE49-F238E27FC236}">
-                <a16:creationId xmlns:a16="http://schemas.microsoft.com/office/drawing/2014/main" id="{59E1CE74-0F34-5645-B910-493A3C4203A0}"/>
-              </a:ext>
-            </a:extLst>
-          </p:cNvPr>
-          <p:cNvSpPr>
-            <a:spLocks noGrp="1"/>
-          </p:cNvSpPr>
-          <p:nvPr>
-            <p:ph idx="1"/>
-          </p:nvPr>
-        </p:nvSpPr>
-        <p:spPr>
-          <a:xfrm>
-            <a:off x="89649" y="1470212"/>
-            <a:ext cx="6651811" cy="5387788"/>
-          </a:xfrm>
-        </p:spPr>
-        <p:txBody>
-          <a:bodyPr>
-            <a:normAutofit fontScale="85000" lnSpcReduction="10000"/>
-          </a:bodyPr>
-          <a:lstStyle/>
-          <a:p>
-            <a:pPr marL="0" indent="0">
-              <a:buNone/>
-            </a:pPr>
-            <a:r>
-              <a:rPr lang="da-DK" dirty="0">
-                <a:highlight>
-                  <a:srgbClr val="00FF00"/>
-                </a:highlight>
-              </a:rPr>
-              <a:t>Spiller</a:t>
-            </a:r>
-            <a:r>
-              <a:rPr lang="da-DK" dirty="0"/>
-              <a:t> </a:t>
-            </a:r>
-          </a:p>
-          <a:p>
-            <a:pPr marL="0" indent="0">
-              <a:buNone/>
-            </a:pPr>
-            <a:r>
-              <a:rPr lang="da-DK" dirty="0">
-                <a:highlight>
-                  <a:srgbClr val="00FF00"/>
-                </a:highlight>
-              </a:rPr>
-              <a:t>Kort</a:t>
-            </a:r>
-          </a:p>
-          <a:p>
-            <a:pPr marL="0" indent="0">
-              <a:buNone/>
-            </a:pPr>
-            <a:r>
-              <a:rPr lang="da-DK" dirty="0">
-                <a:highlight>
-                  <a:srgbClr val="00FF00"/>
-                </a:highlight>
-              </a:rPr>
-              <a:t>Bunke/ kortstak</a:t>
-            </a:r>
-          </a:p>
-          <a:p>
-            <a:pPr marL="0" indent="0">
-              <a:buNone/>
-            </a:pPr>
-            <a:r>
-              <a:rPr lang="da-DK" dirty="0">
-                <a:highlight>
-                  <a:srgbClr val="00FF00"/>
-                </a:highlight>
-              </a:rPr>
-              <a:t>Billedsiden</a:t>
-            </a:r>
-          </a:p>
-          <a:p>
-            <a:pPr marL="0" indent="0">
-              <a:buNone/>
-            </a:pPr>
-            <a:r>
-              <a:rPr lang="da-DK" dirty="0">
-                <a:highlight>
-                  <a:srgbClr val="00FF00"/>
-                </a:highlight>
-              </a:rPr>
-              <a:t>Værdi</a:t>
-            </a:r>
-          </a:p>
-          <a:p>
-            <a:pPr marL="0" indent="0">
-              <a:buNone/>
-            </a:pPr>
-            <a:endParaRPr lang="da-DK" dirty="0">
-              <a:highlight>
-                <a:srgbClr val="00FFFF"/>
-              </a:highlight>
-            </a:endParaRPr>
-          </a:p>
-          <a:p>
-            <a:pPr marL="0" indent="0">
-              <a:buNone/>
-            </a:pPr>
-            <a:r>
-              <a:rPr lang="da-DK" dirty="0"/>
-              <a:t>Spiller </a:t>
-            </a:r>
-            <a:r>
-              <a:rPr lang="da-DK" dirty="0">
-                <a:highlight>
-                  <a:srgbClr val="00FFFF"/>
-                </a:highlight>
-              </a:rPr>
-              <a:t>får</a:t>
-            </a:r>
-            <a:r>
-              <a:rPr lang="da-DK" dirty="0"/>
-              <a:t> kort</a:t>
-            </a:r>
-          </a:p>
-          <a:p>
-            <a:pPr marL="0" indent="0">
-              <a:buNone/>
-            </a:pPr>
-            <a:r>
-              <a:rPr lang="da-DK" dirty="0"/>
-              <a:t>Kort </a:t>
-            </a:r>
-            <a:r>
-              <a:rPr lang="da-DK" dirty="0">
-                <a:highlight>
-                  <a:srgbClr val="00FFFF"/>
-                </a:highlight>
-              </a:rPr>
-              <a:t>placeres</a:t>
-            </a:r>
-            <a:r>
-              <a:rPr lang="da-DK" dirty="0"/>
-              <a:t> foran spiller</a:t>
-            </a:r>
-          </a:p>
-          <a:p>
-            <a:pPr marL="0" indent="0">
-              <a:buNone/>
-            </a:pPr>
-            <a:r>
-              <a:rPr lang="da-DK" dirty="0"/>
-              <a:t>Spiller </a:t>
-            </a:r>
-            <a:r>
-              <a:rPr lang="da-DK" dirty="0">
-                <a:highlight>
-                  <a:srgbClr val="00FFFF"/>
-                </a:highlight>
-              </a:rPr>
-              <a:t>vender</a:t>
-            </a:r>
-            <a:r>
-              <a:rPr lang="da-DK" dirty="0"/>
-              <a:t> det øverste kort. </a:t>
-            </a:r>
-          </a:p>
-          <a:p>
-            <a:pPr marL="0" indent="0">
-              <a:buNone/>
-            </a:pPr>
-            <a:r>
-              <a:rPr lang="da-DK" dirty="0"/>
-              <a:t>Spiller med det højeste </a:t>
-            </a:r>
-            <a:r>
-              <a:rPr lang="da-DK" dirty="0">
-                <a:highlight>
-                  <a:srgbClr val="00FFFF"/>
-                </a:highlight>
-              </a:rPr>
-              <a:t>vinder</a:t>
-            </a:r>
-            <a:r>
-              <a:rPr lang="da-DK" dirty="0"/>
-              <a:t> modstanderens kort. </a:t>
-            </a:r>
-          </a:p>
-          <a:p>
-            <a:pPr marL="0" indent="0">
-              <a:buNone/>
-            </a:pPr>
-            <a:r>
-              <a:rPr lang="da-DK" dirty="0"/>
-              <a:t>Når 2 kort af samme værdi vendes </a:t>
-            </a:r>
-            <a:r>
-              <a:rPr lang="da-DK" dirty="0">
-                <a:highlight>
-                  <a:srgbClr val="00FFFF"/>
-                </a:highlight>
-              </a:rPr>
-              <a:t>bliver der krig</a:t>
-            </a:r>
-            <a:r>
-              <a:rPr lang="da-DK" dirty="0"/>
-              <a:t>.</a:t>
-            </a:r>
-          </a:p>
-          <a:p>
-            <a:pPr marL="0" indent="0">
-              <a:buNone/>
-            </a:pPr>
-            <a:r>
-              <a:rPr lang="da-DK" dirty="0"/>
-              <a:t>I krig lægges yderligere 3 kort frem og den hvis tredje er størst </a:t>
-            </a:r>
-            <a:r>
-              <a:rPr lang="da-DK" dirty="0">
-                <a:highlight>
-                  <a:srgbClr val="00FFFF"/>
-                </a:highlight>
-              </a:rPr>
-              <a:t>tager alle de vendte kort</a:t>
-            </a:r>
-            <a:r>
-              <a:rPr lang="da-DK" dirty="0"/>
-              <a:t>.</a:t>
-            </a:r>
-          </a:p>
-          <a:p>
-            <a:pPr marL="0" indent="0">
-              <a:buNone/>
-            </a:pPr>
-            <a:endParaRPr lang="da-DK" dirty="0"/>
-          </a:p>
-          <a:p>
-            <a:pPr marL="0" indent="0">
-              <a:buNone/>
-            </a:pPr>
-            <a:endParaRPr lang="en-GB" dirty="0"/>
-          </a:p>
-        </p:txBody>
-      </p:sp>
-      <p:sp>
-        <p:nvSpPr>
-          <p:cNvPr id="5" name="Content Placeholder 2">
-            <a:extLst>
-              <a:ext uri="{FF2B5EF4-FFF2-40B4-BE49-F238E27FC236}">
-                <a16:creationId xmlns:a16="http://schemas.microsoft.com/office/drawing/2014/main" id="{5237BD66-DCCF-3A43-91CF-74C00C2CC7E2}"/>
-              </a:ext>
-            </a:extLst>
-          </p:cNvPr>
-          <p:cNvSpPr txBox="1">
-            <a:spLocks/>
-          </p:cNvSpPr>
-          <p:nvPr/>
-        </p:nvSpPr>
-        <p:spPr>
-          <a:xfrm>
-            <a:off x="5844988" y="251012"/>
-            <a:ext cx="6239436" cy="4518211"/>
-          </a:xfrm>
-          <a:prstGeom prst="rect">
-            <a:avLst/>
-          </a:prstGeom>
-          <a:ln>
-            <a:solidFill>
-              <a:schemeClr val="accent1"/>
-            </a:solidFill>
-          </a:ln>
-        </p:spPr>
-        <p:txBody>
-          <a:bodyPr vert="horz" lIns="91440" tIns="45720" rIns="91440" bIns="45720" rtlCol="0">
-            <a:normAutofit fontScale="77500" lnSpcReduction="20000"/>
-          </a:bodyPr>
-          <a:lstStyle>
-            <a:lvl1pPr marL="228600" indent="-228600" algn="l" defTabSz="914400" rtl="0" eaLnBrk="1" latinLnBrk="0" hangingPunct="1">
-              <a:lnSpc>
-                <a:spcPct val="90000"/>
-              </a:lnSpc>
-              <a:spcBef>
-                <a:spcPts val="1000"/>
-              </a:spcBef>
-              <a:buFont typeface="Arial" panose="020B0604020202020204" pitchFamily="34" charset="0"/>
-              <a:buChar char="•"/>
-              <a:defRPr sz="2800" kern="1200">
-                <a:solidFill>
-                  <a:schemeClr val="tx1"/>
-                </a:solidFill>
-                <a:latin typeface="+mn-lt"/>
-                <a:ea typeface="+mn-ea"/>
-                <a:cs typeface="+mn-cs"/>
-              </a:defRPr>
-            </a:lvl1pPr>
-            <a:lvl2pPr marL="685800" indent="-228600" algn="l" defTabSz="914400" rtl="0" eaLnBrk="1" latinLnBrk="0" hangingPunct="1">
-              <a:lnSpc>
-                <a:spcPct val="90000"/>
-              </a:lnSpc>
-              <a:spcBef>
-                <a:spcPts val="500"/>
-              </a:spcBef>
-              <a:buFont typeface="Arial" panose="020B0604020202020204" pitchFamily="34" charset="0"/>
-              <a:buChar char="•"/>
-              <a:defRPr sz="2400" kern="1200">
-                <a:solidFill>
-                  <a:schemeClr val="tx1"/>
-                </a:solidFill>
-                <a:latin typeface="+mn-lt"/>
-                <a:ea typeface="+mn-ea"/>
-                <a:cs typeface="+mn-cs"/>
-              </a:defRPr>
-            </a:lvl2pPr>
-            <a:lvl3pPr marL="1143000" indent="-228600" algn="l" defTabSz="914400" rtl="0" eaLnBrk="1" latinLnBrk="0" hangingPunct="1">
-              <a:lnSpc>
-                <a:spcPct val="90000"/>
-              </a:lnSpc>
-              <a:spcBef>
-                <a:spcPts val="500"/>
-              </a:spcBef>
-              <a:buFont typeface="Arial" panose="020B0604020202020204" pitchFamily="34" charset="0"/>
-              <a:buChar char="•"/>
-              <a:defRPr sz="2000" kern="1200">
-                <a:solidFill>
-                  <a:schemeClr val="tx1"/>
-                </a:solidFill>
-                <a:latin typeface="+mn-lt"/>
-                <a:ea typeface="+mn-ea"/>
-                <a:cs typeface="+mn-cs"/>
-              </a:defRPr>
-            </a:lvl3pPr>
-            <a:lvl4pPr marL="1600200" indent="-228600" algn="l" defTabSz="914400" rtl="0" eaLnBrk="1" latinLnBrk="0" hangingPunct="1">
-              <a:lnSpc>
-                <a:spcPct val="90000"/>
-              </a:lnSpc>
-              <a:spcBef>
-                <a:spcPts val="500"/>
-              </a:spcBef>
-              <a:buFont typeface="Arial" panose="020B0604020202020204" pitchFamily="34" charset="0"/>
-              <a:buChar char="•"/>
-              <a:defRPr sz="1800" kern="1200">
-                <a:solidFill>
-                  <a:schemeClr val="tx1"/>
-                </a:solidFill>
-                <a:latin typeface="+mn-lt"/>
-                <a:ea typeface="+mn-ea"/>
-                <a:cs typeface="+mn-cs"/>
-              </a:defRPr>
-            </a:lvl4pPr>
-            <a:lvl5pPr marL="2057400" indent="-228600" algn="l" defTabSz="914400" rtl="0" eaLnBrk="1" latinLnBrk="0" hangingPunct="1">
-              <a:lnSpc>
-                <a:spcPct val="90000"/>
-              </a:lnSpc>
-              <a:spcBef>
-                <a:spcPts val="500"/>
-              </a:spcBef>
-              <a:buFont typeface="Arial" panose="020B0604020202020204" pitchFamily="34" charset="0"/>
-              <a:buChar char="•"/>
-              <a:defRPr sz="1800" kern="1200">
-                <a:solidFill>
-                  <a:schemeClr val="tx1"/>
-                </a:solidFill>
-                <a:latin typeface="+mn-lt"/>
-                <a:ea typeface="+mn-ea"/>
-                <a:cs typeface="+mn-cs"/>
-              </a:defRPr>
-            </a:lvl5pPr>
-            <a:lvl6pPr marL="2514600" indent="-228600" algn="l" defTabSz="914400" rtl="0" eaLnBrk="1" latinLnBrk="0" hangingPunct="1">
-              <a:lnSpc>
-                <a:spcPct val="90000"/>
-              </a:lnSpc>
-              <a:spcBef>
-                <a:spcPts val="500"/>
-              </a:spcBef>
-              <a:buFont typeface="Arial" panose="020B0604020202020204" pitchFamily="34" charset="0"/>
-              <a:buChar char="•"/>
-              <a:defRPr sz="1800" kern="1200">
-                <a:solidFill>
-                  <a:schemeClr val="tx1"/>
-                </a:solidFill>
-                <a:latin typeface="+mn-lt"/>
-                <a:ea typeface="+mn-ea"/>
-                <a:cs typeface="+mn-cs"/>
-              </a:defRPr>
-            </a:lvl6pPr>
-            <a:lvl7pPr marL="2971800" indent="-228600" algn="l" defTabSz="914400" rtl="0" eaLnBrk="1" latinLnBrk="0" hangingPunct="1">
-              <a:lnSpc>
-                <a:spcPct val="90000"/>
-              </a:lnSpc>
-              <a:spcBef>
-                <a:spcPts val="500"/>
-              </a:spcBef>
-              <a:buFont typeface="Arial" panose="020B0604020202020204" pitchFamily="34" charset="0"/>
-              <a:buChar char="•"/>
-              <a:defRPr sz="1800" kern="1200">
-                <a:solidFill>
-                  <a:schemeClr val="tx1"/>
-                </a:solidFill>
-                <a:latin typeface="+mn-lt"/>
-                <a:ea typeface="+mn-ea"/>
-                <a:cs typeface="+mn-cs"/>
-              </a:defRPr>
-            </a:lvl7pPr>
-            <a:lvl8pPr marL="3429000" indent="-228600" algn="l" defTabSz="914400" rtl="0" eaLnBrk="1" latinLnBrk="0" hangingPunct="1">
-              <a:lnSpc>
-                <a:spcPct val="90000"/>
-              </a:lnSpc>
-              <a:spcBef>
-                <a:spcPts val="500"/>
-              </a:spcBef>
-              <a:buFont typeface="Arial" panose="020B0604020202020204" pitchFamily="34" charset="0"/>
-              <a:buChar char="•"/>
-              <a:defRPr sz="1800" kern="1200">
-                <a:solidFill>
-                  <a:schemeClr val="tx1"/>
-                </a:solidFill>
-                <a:latin typeface="+mn-lt"/>
-                <a:ea typeface="+mn-ea"/>
-                <a:cs typeface="+mn-cs"/>
-              </a:defRPr>
-            </a:lvl8pPr>
-            <a:lvl9pPr marL="3886200" indent="-228600" algn="l" defTabSz="914400" rtl="0" eaLnBrk="1" latinLnBrk="0" hangingPunct="1">
-              <a:lnSpc>
-                <a:spcPct val="90000"/>
-              </a:lnSpc>
-              <a:spcBef>
-                <a:spcPts val="500"/>
-              </a:spcBef>
-              <a:buFont typeface="Arial" panose="020B0604020202020204" pitchFamily="34" charset="0"/>
-              <a:buChar char="•"/>
-              <a:defRPr sz="1800" kern="1200">
-                <a:solidFill>
-                  <a:schemeClr val="tx1"/>
-                </a:solidFill>
-                <a:latin typeface="+mn-lt"/>
-                <a:ea typeface="+mn-ea"/>
-                <a:cs typeface="+mn-cs"/>
-              </a:defRPr>
-            </a:lvl9pPr>
-          </a:lstStyle>
-          <a:p>
-            <a:pPr marL="0" indent="0">
-              <a:buFont typeface="Arial" panose="020B0604020202020204" pitchFamily="34" charset="0"/>
-              <a:buNone/>
-            </a:pPr>
-            <a:r>
-              <a:rPr lang="da-DK" dirty="0"/>
-              <a:t>Hver </a:t>
-            </a:r>
-            <a:r>
-              <a:rPr lang="da-DK" dirty="0">
-                <a:highlight>
-                  <a:srgbClr val="00FF00"/>
-                </a:highlight>
-              </a:rPr>
-              <a:t>spiller</a:t>
-            </a:r>
-            <a:r>
-              <a:rPr lang="da-DK" dirty="0"/>
-              <a:t> </a:t>
-            </a:r>
-            <a:r>
-              <a:rPr lang="da-DK" dirty="0">
-                <a:highlight>
-                  <a:srgbClr val="00FFFF"/>
-                </a:highlight>
-              </a:rPr>
-              <a:t>får</a:t>
-            </a:r>
-            <a:r>
-              <a:rPr lang="da-DK" dirty="0"/>
-              <a:t> 26 </a:t>
-            </a:r>
-            <a:r>
-              <a:rPr lang="da-DK" dirty="0">
-                <a:highlight>
-                  <a:srgbClr val="00FF00"/>
-                </a:highlight>
-              </a:rPr>
-              <a:t>kort</a:t>
-            </a:r>
-            <a:r>
-              <a:rPr lang="da-DK" dirty="0"/>
-              <a:t>, der </a:t>
-            </a:r>
-            <a:r>
-              <a:rPr lang="da-DK" dirty="0">
-                <a:highlight>
-                  <a:srgbClr val="00FFFF"/>
-                </a:highlight>
-              </a:rPr>
-              <a:t>placeres</a:t>
-            </a:r>
-            <a:r>
-              <a:rPr lang="da-DK" dirty="0"/>
-              <a:t> foran spilleren i én </a:t>
-            </a:r>
-            <a:r>
-              <a:rPr lang="da-DK" dirty="0">
-                <a:highlight>
-                  <a:srgbClr val="00FF00"/>
-                </a:highlight>
-              </a:rPr>
-              <a:t>bunke</a:t>
-            </a:r>
-            <a:r>
-              <a:rPr lang="da-DK" dirty="0"/>
-              <a:t> med </a:t>
-            </a:r>
-            <a:r>
-              <a:rPr lang="da-DK" dirty="0">
-                <a:highlight>
-                  <a:srgbClr val="00FF00"/>
-                </a:highlight>
-              </a:rPr>
-              <a:t>billedsiden</a:t>
-            </a:r>
-            <a:r>
-              <a:rPr lang="da-DK" dirty="0"/>
-              <a:t> nedad. Spillerne </a:t>
-            </a:r>
-            <a:r>
-              <a:rPr lang="da-DK" dirty="0">
-                <a:highlight>
-                  <a:srgbClr val="00FFFF"/>
-                </a:highlight>
-              </a:rPr>
-              <a:t>vender</a:t>
-            </a:r>
-            <a:r>
-              <a:rPr lang="da-DK" dirty="0"/>
-              <a:t> nu begge det øverste kort. Den, der </a:t>
-            </a:r>
-            <a:r>
-              <a:rPr lang="da-DK" dirty="0">
-                <a:highlight>
-                  <a:srgbClr val="00FFFF"/>
-                </a:highlight>
-              </a:rPr>
-              <a:t>har det højeste </a:t>
-            </a:r>
-            <a:r>
-              <a:rPr lang="da-DK" dirty="0"/>
-              <a:t>kort, </a:t>
-            </a:r>
-            <a:r>
-              <a:rPr lang="da-DK" dirty="0">
-                <a:highlight>
-                  <a:srgbClr val="00FFFF"/>
-                </a:highlight>
-              </a:rPr>
-              <a:t>vinder</a:t>
-            </a:r>
-            <a:r>
-              <a:rPr lang="da-DK" dirty="0"/>
-              <a:t> modstanderens kort. </a:t>
-            </a:r>
-          </a:p>
-          <a:p>
-            <a:pPr marL="0" indent="0">
-              <a:buFont typeface="Arial" panose="020B0604020202020204" pitchFamily="34" charset="0"/>
-              <a:buNone/>
-            </a:pPr>
-            <a:endParaRPr lang="da-DK" dirty="0"/>
-          </a:p>
-          <a:p>
-            <a:pPr marL="0" indent="0">
-              <a:buFont typeface="Arial" panose="020B0604020202020204" pitchFamily="34" charset="0"/>
-              <a:buNone/>
-            </a:pPr>
-            <a:r>
-              <a:rPr lang="da-DK" dirty="0"/>
-              <a:t>Når spillerne vender kort af samme </a:t>
-            </a:r>
-            <a:r>
-              <a:rPr lang="da-DK" dirty="0">
-                <a:highlight>
-                  <a:srgbClr val="00FF00"/>
-                </a:highlight>
-              </a:rPr>
-              <a:t>værdi</a:t>
-            </a:r>
-            <a:r>
-              <a:rPr lang="da-DK" dirty="0"/>
-              <a:t>, </a:t>
-            </a:r>
-            <a:r>
-              <a:rPr lang="da-DK" dirty="0">
-                <a:highlight>
-                  <a:srgbClr val="00FFFF"/>
-                </a:highlight>
-              </a:rPr>
-              <a:t>bliver der krig</a:t>
-            </a:r>
-            <a:r>
-              <a:rPr lang="da-DK" dirty="0"/>
-              <a:t>. Begge lægger nu yderligere 3 kort frem og der tredje afgør, hvem der vinder krigen. Vinderen </a:t>
-            </a:r>
-            <a:r>
-              <a:rPr lang="da-DK" dirty="0">
-                <a:highlight>
-                  <a:srgbClr val="00FFFF"/>
-                </a:highlight>
-              </a:rPr>
-              <a:t>tager alle de vendte kort fra modstanderen</a:t>
-            </a:r>
-            <a:r>
-              <a:rPr lang="da-DK" dirty="0"/>
-              <a:t>. Hvis det tredje kort ved hver spiller har samme værdi igen, fortsætter krigen og der vendes yderligere 3 kort (6 i alt pr. spiller). </a:t>
-            </a:r>
-          </a:p>
-          <a:p>
-            <a:pPr marL="0" indent="0">
-              <a:buFont typeface="Arial" panose="020B0604020202020204" pitchFamily="34" charset="0"/>
-              <a:buNone/>
-            </a:pPr>
-            <a:endParaRPr lang="da-DK" dirty="0"/>
-          </a:p>
-          <a:p>
-            <a:pPr marL="0" indent="0">
-              <a:buFont typeface="Arial" panose="020B0604020202020204" pitchFamily="34" charset="0"/>
-              <a:buNone/>
-            </a:pPr>
-            <a:r>
-              <a:rPr lang="da-DK" dirty="0"/>
-              <a:t>Vundne kort placeres med bagsiden opad i bunden af vinderens </a:t>
-            </a:r>
-            <a:r>
-              <a:rPr lang="da-DK" dirty="0">
-                <a:highlight>
-                  <a:srgbClr val="00FF00"/>
-                </a:highlight>
-              </a:rPr>
-              <a:t>kortstak</a:t>
-            </a:r>
-            <a:r>
-              <a:rPr lang="da-DK" dirty="0"/>
-              <a:t>. Der fortsættes til én af spillerne har vundet alle modstanderens kort.</a:t>
-            </a:r>
-          </a:p>
-          <a:p>
-            <a:pPr marL="0" indent="0">
-              <a:buFont typeface="Arial" panose="020B0604020202020204" pitchFamily="34" charset="0"/>
-              <a:buNone/>
-            </a:pPr>
-            <a:endParaRPr lang="da-DK" dirty="0"/>
-          </a:p>
-          <a:p>
-            <a:pPr marL="0" indent="0">
-              <a:buFont typeface="Arial" panose="020B0604020202020204" pitchFamily="34" charset="0"/>
-              <a:buNone/>
-            </a:pPr>
-            <a:endParaRPr lang="en-GB" dirty="0"/>
-          </a:p>
-        </p:txBody>
-      </p:sp>
-    </p:spTree>
-    <p:extLst>
-      <p:ext uri="{BB962C8B-B14F-4D97-AF65-F5344CB8AC3E}">
-        <p14:creationId xmlns:p14="http://schemas.microsoft.com/office/powerpoint/2010/main" val="1810453594"/>
-      </p:ext>
-    </p:extLst>
-  </p:cSld>
-  <p:clrMapOvr>
-    <a:masterClrMapping/>
-  </p:clrMapOvr>
-</p:sld>
-</file>
-
-<file path=ppt/slides/slide25.xml><?xml version="1.0" encoding="utf-8"?>
-<p:sld xmlns:a="http://schemas.openxmlformats.org/drawingml/2006/main" xmlns:r="http://schemas.openxmlformats.org/officeDocument/2006/relationships" xmlns:p="http://schemas.openxmlformats.org/presentationml/2006/main">
-  <p:cSld>
-    <p:spTree>
-      <p:nvGrpSpPr>
-        <p:cNvPr id="1" name=""/>
-        <p:cNvGrpSpPr/>
-        <p:nvPr/>
-      </p:nvGrpSpPr>
-      <p:grpSpPr>
-        <a:xfrm>
-          <a:off x="0" y="0"/>
-          <a:ext cx="0" cy="0"/>
-          <a:chOff x="0" y="0"/>
-          <a:chExt cx="0" cy="0"/>
-        </a:xfrm>
-      </p:grpSpPr>
-      <p:sp>
-        <p:nvSpPr>
-          <p:cNvPr id="2" name="Title 1">
-            <a:extLst>
-              <a:ext uri="{FF2B5EF4-FFF2-40B4-BE49-F238E27FC236}">
-                <a16:creationId xmlns:a16="http://schemas.microsoft.com/office/drawing/2014/main" id="{62EFEAE1-6494-6743-93FA-B10A9913D1F6}"/>
-              </a:ext>
-            </a:extLst>
-          </p:cNvPr>
-          <p:cNvSpPr>
-            <a:spLocks noGrp="1"/>
-          </p:cNvSpPr>
-          <p:nvPr>
-            <p:ph type="title"/>
-          </p:nvPr>
-        </p:nvSpPr>
-        <p:spPr>
-          <a:xfrm>
-            <a:off x="838200" y="185837"/>
-            <a:ext cx="10515600" cy="1325563"/>
-          </a:xfrm>
-        </p:spPr>
-        <p:txBody>
-          <a:bodyPr/>
-          <a:lstStyle/>
-          <a:p>
-            <a:r>
-              <a:rPr lang="en-GB" dirty="0" err="1"/>
-              <a:t>Kortspillet</a:t>
-            </a:r>
-            <a:r>
-              <a:rPr lang="en-GB" dirty="0"/>
-              <a:t> </a:t>
-            </a:r>
-            <a:r>
-              <a:rPr lang="en-GB" dirty="0" err="1"/>
-              <a:t>krig</a:t>
-            </a:r>
-            <a:endParaRPr lang="en-GB" dirty="0"/>
-          </a:p>
-        </p:txBody>
-      </p:sp>
-      <p:pic>
-        <p:nvPicPr>
-          <p:cNvPr id="4" name="Picture 3">
-            <a:extLst>
-              <a:ext uri="{FF2B5EF4-FFF2-40B4-BE49-F238E27FC236}">
-                <a16:creationId xmlns:a16="http://schemas.microsoft.com/office/drawing/2014/main" id="{44E6EFB1-AE9C-F540-9CD7-C27BF59C7EC7}"/>
-              </a:ext>
-            </a:extLst>
-          </p:cNvPr>
-          <p:cNvPicPr>
-            <a:picLocks noChangeAspect="1"/>
-          </p:cNvPicPr>
-          <p:nvPr/>
-        </p:nvPicPr>
-        <p:blipFill>
-          <a:blip r:embed="rId2"/>
-          <a:stretch>
-            <a:fillRect/>
-          </a:stretch>
-        </p:blipFill>
-        <p:spPr>
-          <a:xfrm>
-            <a:off x="4884936" y="1144588"/>
-            <a:ext cx="7064270" cy="2925388"/>
-          </a:xfrm>
-          <a:prstGeom prst="rect">
-            <a:avLst/>
-          </a:prstGeom>
-        </p:spPr>
-      </p:pic>
-      <p:sp>
-        <p:nvSpPr>
-          <p:cNvPr id="6" name="Content Placeholder 2">
-            <a:extLst>
-              <a:ext uri="{FF2B5EF4-FFF2-40B4-BE49-F238E27FC236}">
-                <a16:creationId xmlns:a16="http://schemas.microsoft.com/office/drawing/2014/main" id="{5EA02F30-079A-F342-BDA6-60B074149078}"/>
-              </a:ext>
-            </a:extLst>
-          </p:cNvPr>
-          <p:cNvSpPr txBox="1">
-            <a:spLocks/>
-          </p:cNvSpPr>
-          <p:nvPr/>
-        </p:nvSpPr>
-        <p:spPr>
-          <a:xfrm>
-            <a:off x="89649" y="1470212"/>
-            <a:ext cx="6651811" cy="5387788"/>
-          </a:xfrm>
-          <a:prstGeom prst="rect">
-            <a:avLst/>
-          </a:prstGeom>
-        </p:spPr>
-        <p:txBody>
-          <a:bodyPr vert="horz" lIns="91440" tIns="45720" rIns="91440" bIns="45720" rtlCol="0">
-            <a:normAutofit fontScale="85000" lnSpcReduction="10000"/>
-          </a:bodyPr>
-          <a:lstStyle>
-            <a:lvl1pPr marL="228600" indent="-228600" algn="l" defTabSz="914400" rtl="0" eaLnBrk="1" latinLnBrk="0" hangingPunct="1">
-              <a:lnSpc>
-                <a:spcPct val="90000"/>
-              </a:lnSpc>
-              <a:spcBef>
-                <a:spcPts val="1000"/>
-              </a:spcBef>
-              <a:buFont typeface="Arial" panose="020B0604020202020204" pitchFamily="34" charset="0"/>
-              <a:buChar char="•"/>
-              <a:defRPr sz="2800" kern="1200">
-                <a:solidFill>
-                  <a:schemeClr val="tx1"/>
-                </a:solidFill>
-                <a:latin typeface="+mn-lt"/>
-                <a:ea typeface="+mn-ea"/>
-                <a:cs typeface="+mn-cs"/>
-              </a:defRPr>
-            </a:lvl1pPr>
-            <a:lvl2pPr marL="685800" indent="-228600" algn="l" defTabSz="914400" rtl="0" eaLnBrk="1" latinLnBrk="0" hangingPunct="1">
-              <a:lnSpc>
-                <a:spcPct val="90000"/>
-              </a:lnSpc>
-              <a:spcBef>
-                <a:spcPts val="500"/>
-              </a:spcBef>
-              <a:buFont typeface="Arial" panose="020B0604020202020204" pitchFamily="34" charset="0"/>
-              <a:buChar char="•"/>
-              <a:defRPr sz="2400" kern="1200">
-                <a:solidFill>
-                  <a:schemeClr val="tx1"/>
-                </a:solidFill>
-                <a:latin typeface="+mn-lt"/>
-                <a:ea typeface="+mn-ea"/>
-                <a:cs typeface="+mn-cs"/>
-              </a:defRPr>
-            </a:lvl2pPr>
-            <a:lvl3pPr marL="1143000" indent="-228600" algn="l" defTabSz="914400" rtl="0" eaLnBrk="1" latinLnBrk="0" hangingPunct="1">
-              <a:lnSpc>
-                <a:spcPct val="90000"/>
-              </a:lnSpc>
-              <a:spcBef>
-                <a:spcPts val="500"/>
-              </a:spcBef>
-              <a:buFont typeface="Arial" panose="020B0604020202020204" pitchFamily="34" charset="0"/>
-              <a:buChar char="•"/>
-              <a:defRPr sz="2000" kern="1200">
-                <a:solidFill>
-                  <a:schemeClr val="tx1"/>
-                </a:solidFill>
-                <a:latin typeface="+mn-lt"/>
-                <a:ea typeface="+mn-ea"/>
-                <a:cs typeface="+mn-cs"/>
-              </a:defRPr>
-            </a:lvl3pPr>
-            <a:lvl4pPr marL="1600200" indent="-228600" algn="l" defTabSz="914400" rtl="0" eaLnBrk="1" latinLnBrk="0" hangingPunct="1">
-              <a:lnSpc>
-                <a:spcPct val="90000"/>
-              </a:lnSpc>
-              <a:spcBef>
-                <a:spcPts val="500"/>
-              </a:spcBef>
-              <a:buFont typeface="Arial" panose="020B0604020202020204" pitchFamily="34" charset="0"/>
-              <a:buChar char="•"/>
-              <a:defRPr sz="1800" kern="1200">
-                <a:solidFill>
-                  <a:schemeClr val="tx1"/>
-                </a:solidFill>
-                <a:latin typeface="+mn-lt"/>
-                <a:ea typeface="+mn-ea"/>
-                <a:cs typeface="+mn-cs"/>
-              </a:defRPr>
-            </a:lvl4pPr>
-            <a:lvl5pPr marL="2057400" indent="-228600" algn="l" defTabSz="914400" rtl="0" eaLnBrk="1" latinLnBrk="0" hangingPunct="1">
-              <a:lnSpc>
-                <a:spcPct val="90000"/>
-              </a:lnSpc>
-              <a:spcBef>
-                <a:spcPts val="500"/>
-              </a:spcBef>
-              <a:buFont typeface="Arial" panose="020B0604020202020204" pitchFamily="34" charset="0"/>
-              <a:buChar char="•"/>
-              <a:defRPr sz="1800" kern="1200">
-                <a:solidFill>
-                  <a:schemeClr val="tx1"/>
-                </a:solidFill>
-                <a:latin typeface="+mn-lt"/>
-                <a:ea typeface="+mn-ea"/>
-                <a:cs typeface="+mn-cs"/>
-              </a:defRPr>
-            </a:lvl5pPr>
-            <a:lvl6pPr marL="2514600" indent="-228600" algn="l" defTabSz="914400" rtl="0" eaLnBrk="1" latinLnBrk="0" hangingPunct="1">
-              <a:lnSpc>
-                <a:spcPct val="90000"/>
-              </a:lnSpc>
-              <a:spcBef>
-                <a:spcPts val="500"/>
-              </a:spcBef>
-              <a:buFont typeface="Arial" panose="020B0604020202020204" pitchFamily="34" charset="0"/>
-              <a:buChar char="•"/>
-              <a:defRPr sz="1800" kern="1200">
-                <a:solidFill>
-                  <a:schemeClr val="tx1"/>
-                </a:solidFill>
-                <a:latin typeface="+mn-lt"/>
-                <a:ea typeface="+mn-ea"/>
-                <a:cs typeface="+mn-cs"/>
-              </a:defRPr>
-            </a:lvl6pPr>
-            <a:lvl7pPr marL="2971800" indent="-228600" algn="l" defTabSz="914400" rtl="0" eaLnBrk="1" latinLnBrk="0" hangingPunct="1">
-              <a:lnSpc>
-                <a:spcPct val="90000"/>
-              </a:lnSpc>
-              <a:spcBef>
-                <a:spcPts val="500"/>
-              </a:spcBef>
-              <a:buFont typeface="Arial" panose="020B0604020202020204" pitchFamily="34" charset="0"/>
-              <a:buChar char="•"/>
-              <a:defRPr sz="1800" kern="1200">
-                <a:solidFill>
-                  <a:schemeClr val="tx1"/>
-                </a:solidFill>
-                <a:latin typeface="+mn-lt"/>
-                <a:ea typeface="+mn-ea"/>
-                <a:cs typeface="+mn-cs"/>
-              </a:defRPr>
-            </a:lvl7pPr>
-            <a:lvl8pPr marL="3429000" indent="-228600" algn="l" defTabSz="914400" rtl="0" eaLnBrk="1" latinLnBrk="0" hangingPunct="1">
-              <a:lnSpc>
-                <a:spcPct val="90000"/>
-              </a:lnSpc>
-              <a:spcBef>
-                <a:spcPts val="500"/>
-              </a:spcBef>
-              <a:buFont typeface="Arial" panose="020B0604020202020204" pitchFamily="34" charset="0"/>
-              <a:buChar char="•"/>
-              <a:defRPr sz="1800" kern="1200">
-                <a:solidFill>
-                  <a:schemeClr val="tx1"/>
-                </a:solidFill>
-                <a:latin typeface="+mn-lt"/>
-                <a:ea typeface="+mn-ea"/>
-                <a:cs typeface="+mn-cs"/>
-              </a:defRPr>
-            </a:lvl8pPr>
-            <a:lvl9pPr marL="3886200" indent="-228600" algn="l" defTabSz="914400" rtl="0" eaLnBrk="1" latinLnBrk="0" hangingPunct="1">
-              <a:lnSpc>
-                <a:spcPct val="90000"/>
-              </a:lnSpc>
-              <a:spcBef>
-                <a:spcPts val="500"/>
-              </a:spcBef>
-              <a:buFont typeface="Arial" panose="020B0604020202020204" pitchFamily="34" charset="0"/>
-              <a:buChar char="•"/>
-              <a:defRPr sz="1800" kern="1200">
-                <a:solidFill>
-                  <a:schemeClr val="tx1"/>
-                </a:solidFill>
-                <a:latin typeface="+mn-lt"/>
-                <a:ea typeface="+mn-ea"/>
-                <a:cs typeface="+mn-cs"/>
-              </a:defRPr>
-            </a:lvl9pPr>
-          </a:lstStyle>
-          <a:p>
-            <a:pPr marL="0" indent="0">
-              <a:buFont typeface="Arial" panose="020B0604020202020204" pitchFamily="34" charset="0"/>
-              <a:buNone/>
-            </a:pPr>
-            <a:r>
-              <a:rPr lang="da-DK" dirty="0">
-                <a:highlight>
-                  <a:srgbClr val="00FF00"/>
-                </a:highlight>
-              </a:rPr>
-              <a:t>Spiller</a:t>
-            </a:r>
-            <a:r>
-              <a:rPr lang="da-DK" dirty="0"/>
-              <a:t> </a:t>
-            </a:r>
-          </a:p>
-          <a:p>
-            <a:pPr marL="0" indent="0">
-              <a:buFont typeface="Arial" panose="020B0604020202020204" pitchFamily="34" charset="0"/>
-              <a:buNone/>
-            </a:pPr>
-            <a:r>
-              <a:rPr lang="da-DK" dirty="0">
-                <a:highlight>
-                  <a:srgbClr val="00FF00"/>
-                </a:highlight>
-              </a:rPr>
-              <a:t>Kort</a:t>
-            </a:r>
-          </a:p>
-          <a:p>
-            <a:pPr marL="0" indent="0">
-              <a:buFont typeface="Arial" panose="020B0604020202020204" pitchFamily="34" charset="0"/>
-              <a:buNone/>
-            </a:pPr>
-            <a:r>
-              <a:rPr lang="da-DK" dirty="0">
-                <a:highlight>
-                  <a:srgbClr val="00FF00"/>
-                </a:highlight>
-              </a:rPr>
-              <a:t>Bunke/ kortstak</a:t>
-            </a:r>
-          </a:p>
-          <a:p>
-            <a:pPr marL="0" indent="0">
-              <a:buFont typeface="Arial" panose="020B0604020202020204" pitchFamily="34" charset="0"/>
-              <a:buNone/>
-            </a:pPr>
-            <a:r>
-              <a:rPr lang="da-DK" dirty="0">
-                <a:highlight>
-                  <a:srgbClr val="00FF00"/>
-                </a:highlight>
-              </a:rPr>
-              <a:t>Billedsiden</a:t>
-            </a:r>
-          </a:p>
-          <a:p>
-            <a:pPr marL="0" indent="0">
-              <a:buFont typeface="Arial" panose="020B0604020202020204" pitchFamily="34" charset="0"/>
-              <a:buNone/>
-            </a:pPr>
-            <a:r>
-              <a:rPr lang="da-DK" dirty="0">
-                <a:highlight>
-                  <a:srgbClr val="00FF00"/>
-                </a:highlight>
-              </a:rPr>
-              <a:t>Værdi</a:t>
-            </a:r>
-          </a:p>
-          <a:p>
-            <a:pPr marL="0" indent="0">
-              <a:buFont typeface="Arial" panose="020B0604020202020204" pitchFamily="34" charset="0"/>
-              <a:buNone/>
-            </a:pPr>
-            <a:endParaRPr lang="da-DK" dirty="0">
-              <a:highlight>
-                <a:srgbClr val="00FFFF"/>
-              </a:highlight>
-            </a:endParaRPr>
-          </a:p>
-          <a:p>
-            <a:pPr marL="0" indent="0">
-              <a:buFont typeface="Arial" panose="020B0604020202020204" pitchFamily="34" charset="0"/>
-              <a:buNone/>
-            </a:pPr>
-            <a:r>
-              <a:rPr lang="da-DK" dirty="0"/>
-              <a:t>Spiller </a:t>
-            </a:r>
-            <a:r>
-              <a:rPr lang="da-DK" dirty="0">
-                <a:highlight>
-                  <a:srgbClr val="00FFFF"/>
-                </a:highlight>
-              </a:rPr>
-              <a:t>får</a:t>
-            </a:r>
-            <a:r>
-              <a:rPr lang="da-DK" dirty="0"/>
-              <a:t> kort</a:t>
-            </a:r>
-          </a:p>
-          <a:p>
-            <a:pPr marL="0" indent="0">
-              <a:buFont typeface="Arial" panose="020B0604020202020204" pitchFamily="34" charset="0"/>
-              <a:buNone/>
-            </a:pPr>
-            <a:r>
-              <a:rPr lang="da-DK" dirty="0"/>
-              <a:t>Kort </a:t>
-            </a:r>
-            <a:r>
-              <a:rPr lang="da-DK" dirty="0">
-                <a:highlight>
-                  <a:srgbClr val="00FFFF"/>
-                </a:highlight>
-              </a:rPr>
-              <a:t>placeres</a:t>
-            </a:r>
-            <a:r>
-              <a:rPr lang="da-DK" dirty="0"/>
-              <a:t> foran spiller</a:t>
-            </a:r>
-          </a:p>
-          <a:p>
-            <a:pPr marL="0" indent="0">
-              <a:buFont typeface="Arial" panose="020B0604020202020204" pitchFamily="34" charset="0"/>
-              <a:buNone/>
-            </a:pPr>
-            <a:r>
-              <a:rPr lang="da-DK" dirty="0"/>
-              <a:t>Spiller </a:t>
-            </a:r>
-            <a:r>
-              <a:rPr lang="da-DK" dirty="0">
-                <a:highlight>
-                  <a:srgbClr val="00FFFF"/>
-                </a:highlight>
-              </a:rPr>
-              <a:t>vender</a:t>
-            </a:r>
-            <a:r>
-              <a:rPr lang="da-DK" dirty="0"/>
-              <a:t> det øverste kort. </a:t>
-            </a:r>
-          </a:p>
-          <a:p>
-            <a:pPr marL="0" indent="0">
-              <a:buFont typeface="Arial" panose="020B0604020202020204" pitchFamily="34" charset="0"/>
-              <a:buNone/>
-            </a:pPr>
-            <a:r>
-              <a:rPr lang="da-DK" dirty="0"/>
-              <a:t>Spiller med det højeste </a:t>
-            </a:r>
-            <a:r>
-              <a:rPr lang="da-DK" dirty="0">
-                <a:highlight>
-                  <a:srgbClr val="00FFFF"/>
-                </a:highlight>
-              </a:rPr>
-              <a:t>vinder</a:t>
-            </a:r>
-            <a:r>
-              <a:rPr lang="da-DK" dirty="0"/>
-              <a:t> modstanderens kort. </a:t>
-            </a:r>
-          </a:p>
-          <a:p>
-            <a:pPr marL="0" indent="0">
-              <a:buFont typeface="Arial" panose="020B0604020202020204" pitchFamily="34" charset="0"/>
-              <a:buNone/>
-            </a:pPr>
-            <a:r>
-              <a:rPr lang="da-DK" dirty="0"/>
-              <a:t>Når 2 kort af samme værdi vendes </a:t>
-            </a:r>
-            <a:r>
-              <a:rPr lang="da-DK" dirty="0">
-                <a:highlight>
-                  <a:srgbClr val="00FFFF"/>
-                </a:highlight>
-              </a:rPr>
-              <a:t>bliver der krig</a:t>
-            </a:r>
-            <a:r>
-              <a:rPr lang="da-DK" dirty="0"/>
-              <a:t>.</a:t>
-            </a:r>
-          </a:p>
-          <a:p>
-            <a:pPr marL="0" indent="0">
-              <a:buFont typeface="Arial" panose="020B0604020202020204" pitchFamily="34" charset="0"/>
-              <a:buNone/>
-            </a:pPr>
-            <a:r>
-              <a:rPr lang="da-DK" dirty="0"/>
-              <a:t>I krig lægges yderligere 3 kort frem og den hvis tredje er størst </a:t>
-            </a:r>
-            <a:r>
-              <a:rPr lang="da-DK" dirty="0">
-                <a:highlight>
-                  <a:srgbClr val="00FFFF"/>
-                </a:highlight>
-              </a:rPr>
-              <a:t>tager alle de vendte kort</a:t>
-            </a:r>
-            <a:r>
-              <a:rPr lang="da-DK" dirty="0"/>
-              <a:t>.</a:t>
-            </a:r>
-          </a:p>
-          <a:p>
-            <a:pPr marL="0" indent="0">
-              <a:buFont typeface="Arial" panose="020B0604020202020204" pitchFamily="34" charset="0"/>
-              <a:buNone/>
-            </a:pPr>
-            <a:endParaRPr lang="da-DK" dirty="0"/>
-          </a:p>
-          <a:p>
-            <a:pPr marL="0" indent="0">
-              <a:buFont typeface="Arial" panose="020B0604020202020204" pitchFamily="34" charset="0"/>
-              <a:buNone/>
-            </a:pPr>
-            <a:endParaRPr lang="en-GB" dirty="0"/>
-          </a:p>
-        </p:txBody>
-      </p:sp>
-    </p:spTree>
-    <p:extLst>
-      <p:ext uri="{BB962C8B-B14F-4D97-AF65-F5344CB8AC3E}">
-        <p14:creationId xmlns:p14="http://schemas.microsoft.com/office/powerpoint/2010/main" val="2689744170"/>
-      </p:ext>
-    </p:extLst>
-  </p:cSld>
-  <p:clrMapOvr>
-    <a:masterClrMapping/>
-  </p:clrMapOvr>
-</p:sld>
-</file>
-
-<file path=ppt/slides/slide26.xml><?xml version="1.0" encoding="utf-8"?>
-<p:sld xmlns:a="http://schemas.openxmlformats.org/drawingml/2006/main" xmlns:r="http://schemas.openxmlformats.org/officeDocument/2006/relationships" xmlns:p="http://schemas.openxmlformats.org/presentationml/2006/main">
-  <p:cSld>
-    <p:spTree>
-      <p:nvGrpSpPr>
-        <p:cNvPr id="1" name=""/>
-        <p:cNvGrpSpPr/>
-        <p:nvPr/>
-      </p:nvGrpSpPr>
-      <p:grpSpPr>
-        <a:xfrm>
-          <a:off x="0" y="0"/>
-          <a:ext cx="0" cy="0"/>
-          <a:chOff x="0" y="0"/>
-          <a:chExt cx="0" cy="0"/>
-        </a:xfrm>
-      </p:grpSpPr>
-      <p:sp>
-        <p:nvSpPr>
-          <p:cNvPr id="2" name="Title 1">
-            <a:extLst>
-              <a:ext uri="{FF2B5EF4-FFF2-40B4-BE49-F238E27FC236}">
-                <a16:creationId xmlns:a16="http://schemas.microsoft.com/office/drawing/2014/main" id="{62EFEAE1-6494-6743-93FA-B10A9913D1F6}"/>
-              </a:ext>
-            </a:extLst>
-          </p:cNvPr>
-          <p:cNvSpPr>
-            <a:spLocks noGrp="1"/>
-          </p:cNvSpPr>
-          <p:nvPr>
-            <p:ph type="title"/>
-          </p:nvPr>
-        </p:nvSpPr>
-        <p:spPr>
-          <a:xfrm>
-            <a:off x="838200" y="185836"/>
-            <a:ext cx="10515600" cy="1325563"/>
-          </a:xfrm>
-        </p:spPr>
-        <p:txBody>
-          <a:bodyPr/>
-          <a:lstStyle/>
-          <a:p>
-            <a:r>
-              <a:rPr lang="en-GB" dirty="0" err="1"/>
-              <a:t>Kortspillet</a:t>
-            </a:r>
-            <a:r>
-              <a:rPr lang="en-GB" dirty="0"/>
-              <a:t> </a:t>
-            </a:r>
-            <a:r>
-              <a:rPr lang="en-GB" dirty="0" err="1"/>
-              <a:t>krig</a:t>
-            </a:r>
-            <a:endParaRPr lang="en-GB" dirty="0"/>
-          </a:p>
-        </p:txBody>
-      </p:sp>
-      <p:pic>
-        <p:nvPicPr>
-          <p:cNvPr id="4" name="Picture 3">
-            <a:extLst>
-              <a:ext uri="{FF2B5EF4-FFF2-40B4-BE49-F238E27FC236}">
-                <a16:creationId xmlns:a16="http://schemas.microsoft.com/office/drawing/2014/main" id="{0524BF98-ACBA-684C-A7F9-6F68CDBB0D72}"/>
-              </a:ext>
-            </a:extLst>
-          </p:cNvPr>
-          <p:cNvPicPr>
-            <a:picLocks noChangeAspect="1"/>
-          </p:cNvPicPr>
-          <p:nvPr/>
-        </p:nvPicPr>
-        <p:blipFill>
-          <a:blip r:embed="rId2"/>
-          <a:stretch>
-            <a:fillRect/>
-          </a:stretch>
-        </p:blipFill>
-        <p:spPr>
-          <a:xfrm>
-            <a:off x="7886184" y="1027907"/>
-            <a:ext cx="3467616" cy="4274545"/>
-          </a:xfrm>
-          <a:prstGeom prst="rect">
-            <a:avLst/>
-          </a:prstGeom>
-        </p:spPr>
-      </p:pic>
-      <p:sp>
-        <p:nvSpPr>
-          <p:cNvPr id="5" name="Content Placeholder 2">
-            <a:extLst>
-              <a:ext uri="{FF2B5EF4-FFF2-40B4-BE49-F238E27FC236}">
-                <a16:creationId xmlns:a16="http://schemas.microsoft.com/office/drawing/2014/main" id="{B01182D7-293E-C244-9AE4-D31222941954}"/>
-              </a:ext>
-            </a:extLst>
-          </p:cNvPr>
-          <p:cNvSpPr txBox="1">
-            <a:spLocks/>
-          </p:cNvSpPr>
-          <p:nvPr/>
-        </p:nvSpPr>
-        <p:spPr>
-          <a:xfrm>
-            <a:off x="89649" y="1470212"/>
-            <a:ext cx="6651811" cy="5387788"/>
-          </a:xfrm>
-          <a:prstGeom prst="rect">
-            <a:avLst/>
-          </a:prstGeom>
-        </p:spPr>
-        <p:txBody>
-          <a:bodyPr vert="horz" lIns="91440" tIns="45720" rIns="91440" bIns="45720" rtlCol="0">
-            <a:normAutofit fontScale="85000" lnSpcReduction="10000"/>
-          </a:bodyPr>
-          <a:lstStyle>
-            <a:lvl1pPr marL="228600" indent="-228600" algn="l" defTabSz="914400" rtl="0" eaLnBrk="1" latinLnBrk="0" hangingPunct="1">
-              <a:lnSpc>
-                <a:spcPct val="90000"/>
-              </a:lnSpc>
-              <a:spcBef>
-                <a:spcPts val="1000"/>
-              </a:spcBef>
-              <a:buFont typeface="Arial" panose="020B0604020202020204" pitchFamily="34" charset="0"/>
-              <a:buChar char="•"/>
-              <a:defRPr sz="2800" kern="1200">
-                <a:solidFill>
-                  <a:schemeClr val="tx1"/>
-                </a:solidFill>
-                <a:latin typeface="+mn-lt"/>
-                <a:ea typeface="+mn-ea"/>
-                <a:cs typeface="+mn-cs"/>
-              </a:defRPr>
-            </a:lvl1pPr>
-            <a:lvl2pPr marL="685800" indent="-228600" algn="l" defTabSz="914400" rtl="0" eaLnBrk="1" latinLnBrk="0" hangingPunct="1">
-              <a:lnSpc>
-                <a:spcPct val="90000"/>
-              </a:lnSpc>
-              <a:spcBef>
-                <a:spcPts val="500"/>
-              </a:spcBef>
-              <a:buFont typeface="Arial" panose="020B0604020202020204" pitchFamily="34" charset="0"/>
-              <a:buChar char="•"/>
-              <a:defRPr sz="2400" kern="1200">
-                <a:solidFill>
-                  <a:schemeClr val="tx1"/>
-                </a:solidFill>
-                <a:latin typeface="+mn-lt"/>
-                <a:ea typeface="+mn-ea"/>
-                <a:cs typeface="+mn-cs"/>
-              </a:defRPr>
-            </a:lvl2pPr>
-            <a:lvl3pPr marL="1143000" indent="-228600" algn="l" defTabSz="914400" rtl="0" eaLnBrk="1" latinLnBrk="0" hangingPunct="1">
-              <a:lnSpc>
-                <a:spcPct val="90000"/>
-              </a:lnSpc>
-              <a:spcBef>
-                <a:spcPts val="500"/>
-              </a:spcBef>
-              <a:buFont typeface="Arial" panose="020B0604020202020204" pitchFamily="34" charset="0"/>
-              <a:buChar char="•"/>
-              <a:defRPr sz="2000" kern="1200">
-                <a:solidFill>
-                  <a:schemeClr val="tx1"/>
-                </a:solidFill>
-                <a:latin typeface="+mn-lt"/>
-                <a:ea typeface="+mn-ea"/>
-                <a:cs typeface="+mn-cs"/>
-              </a:defRPr>
-            </a:lvl3pPr>
-            <a:lvl4pPr marL="1600200" indent="-228600" algn="l" defTabSz="914400" rtl="0" eaLnBrk="1" latinLnBrk="0" hangingPunct="1">
-              <a:lnSpc>
-                <a:spcPct val="90000"/>
-              </a:lnSpc>
-              <a:spcBef>
-                <a:spcPts val="500"/>
-              </a:spcBef>
-              <a:buFont typeface="Arial" panose="020B0604020202020204" pitchFamily="34" charset="0"/>
-              <a:buChar char="•"/>
-              <a:defRPr sz="1800" kern="1200">
-                <a:solidFill>
-                  <a:schemeClr val="tx1"/>
-                </a:solidFill>
-                <a:latin typeface="+mn-lt"/>
-                <a:ea typeface="+mn-ea"/>
-                <a:cs typeface="+mn-cs"/>
-              </a:defRPr>
-            </a:lvl4pPr>
-            <a:lvl5pPr marL="2057400" indent="-228600" algn="l" defTabSz="914400" rtl="0" eaLnBrk="1" latinLnBrk="0" hangingPunct="1">
-              <a:lnSpc>
-                <a:spcPct val="90000"/>
-              </a:lnSpc>
-              <a:spcBef>
-                <a:spcPts val="500"/>
-              </a:spcBef>
-              <a:buFont typeface="Arial" panose="020B0604020202020204" pitchFamily="34" charset="0"/>
-              <a:buChar char="•"/>
-              <a:defRPr sz="1800" kern="1200">
-                <a:solidFill>
-                  <a:schemeClr val="tx1"/>
-                </a:solidFill>
-                <a:latin typeface="+mn-lt"/>
-                <a:ea typeface="+mn-ea"/>
-                <a:cs typeface="+mn-cs"/>
-              </a:defRPr>
-            </a:lvl5pPr>
-            <a:lvl6pPr marL="2514600" indent="-228600" algn="l" defTabSz="914400" rtl="0" eaLnBrk="1" latinLnBrk="0" hangingPunct="1">
-              <a:lnSpc>
-                <a:spcPct val="90000"/>
-              </a:lnSpc>
-              <a:spcBef>
-                <a:spcPts val="500"/>
-              </a:spcBef>
-              <a:buFont typeface="Arial" panose="020B0604020202020204" pitchFamily="34" charset="0"/>
-              <a:buChar char="•"/>
-              <a:defRPr sz="1800" kern="1200">
-                <a:solidFill>
-                  <a:schemeClr val="tx1"/>
-                </a:solidFill>
-                <a:latin typeface="+mn-lt"/>
-                <a:ea typeface="+mn-ea"/>
-                <a:cs typeface="+mn-cs"/>
-              </a:defRPr>
-            </a:lvl6pPr>
-            <a:lvl7pPr marL="2971800" indent="-228600" algn="l" defTabSz="914400" rtl="0" eaLnBrk="1" latinLnBrk="0" hangingPunct="1">
-              <a:lnSpc>
-                <a:spcPct val="90000"/>
-              </a:lnSpc>
-              <a:spcBef>
-                <a:spcPts val="500"/>
-              </a:spcBef>
-              <a:buFont typeface="Arial" panose="020B0604020202020204" pitchFamily="34" charset="0"/>
-              <a:buChar char="•"/>
-              <a:defRPr sz="1800" kern="1200">
-                <a:solidFill>
-                  <a:schemeClr val="tx1"/>
-                </a:solidFill>
-                <a:latin typeface="+mn-lt"/>
-                <a:ea typeface="+mn-ea"/>
-                <a:cs typeface="+mn-cs"/>
-              </a:defRPr>
-            </a:lvl7pPr>
-            <a:lvl8pPr marL="3429000" indent="-228600" algn="l" defTabSz="914400" rtl="0" eaLnBrk="1" latinLnBrk="0" hangingPunct="1">
-              <a:lnSpc>
-                <a:spcPct val="90000"/>
-              </a:lnSpc>
-              <a:spcBef>
-                <a:spcPts val="500"/>
-              </a:spcBef>
-              <a:buFont typeface="Arial" panose="020B0604020202020204" pitchFamily="34" charset="0"/>
-              <a:buChar char="•"/>
-              <a:defRPr sz="1800" kern="1200">
-                <a:solidFill>
-                  <a:schemeClr val="tx1"/>
-                </a:solidFill>
-                <a:latin typeface="+mn-lt"/>
-                <a:ea typeface="+mn-ea"/>
-                <a:cs typeface="+mn-cs"/>
-              </a:defRPr>
-            </a:lvl8pPr>
-            <a:lvl9pPr marL="3886200" indent="-228600" algn="l" defTabSz="914400" rtl="0" eaLnBrk="1" latinLnBrk="0" hangingPunct="1">
-              <a:lnSpc>
-                <a:spcPct val="90000"/>
-              </a:lnSpc>
-              <a:spcBef>
-                <a:spcPts val="500"/>
-              </a:spcBef>
-              <a:buFont typeface="Arial" panose="020B0604020202020204" pitchFamily="34" charset="0"/>
-              <a:buChar char="•"/>
-              <a:defRPr sz="1800" kern="1200">
-                <a:solidFill>
-                  <a:schemeClr val="tx1"/>
-                </a:solidFill>
-                <a:latin typeface="+mn-lt"/>
-                <a:ea typeface="+mn-ea"/>
-                <a:cs typeface="+mn-cs"/>
-              </a:defRPr>
-            </a:lvl9pPr>
-          </a:lstStyle>
-          <a:p>
-            <a:pPr marL="0" indent="0">
-              <a:buFont typeface="Arial" panose="020B0604020202020204" pitchFamily="34" charset="0"/>
-              <a:buNone/>
-            </a:pPr>
-            <a:r>
-              <a:rPr lang="da-DK" dirty="0">
-                <a:highlight>
-                  <a:srgbClr val="00FF00"/>
-                </a:highlight>
-              </a:rPr>
-              <a:t>Spiller</a:t>
-            </a:r>
-            <a:r>
-              <a:rPr lang="da-DK" dirty="0"/>
-              <a:t> </a:t>
-            </a:r>
-          </a:p>
-          <a:p>
-            <a:pPr marL="0" indent="0">
-              <a:buFont typeface="Arial" panose="020B0604020202020204" pitchFamily="34" charset="0"/>
-              <a:buNone/>
-            </a:pPr>
-            <a:r>
-              <a:rPr lang="da-DK" dirty="0">
-                <a:highlight>
-                  <a:srgbClr val="00FF00"/>
-                </a:highlight>
-              </a:rPr>
-              <a:t>Kort</a:t>
-            </a:r>
-          </a:p>
-          <a:p>
-            <a:pPr marL="0" indent="0">
-              <a:buFont typeface="Arial" panose="020B0604020202020204" pitchFamily="34" charset="0"/>
-              <a:buNone/>
-            </a:pPr>
-            <a:r>
-              <a:rPr lang="da-DK" dirty="0">
-                <a:highlight>
-                  <a:srgbClr val="00FF00"/>
-                </a:highlight>
-              </a:rPr>
-              <a:t>Bunke/ kortstak</a:t>
-            </a:r>
-          </a:p>
-          <a:p>
-            <a:pPr marL="0" indent="0">
-              <a:buFont typeface="Arial" panose="020B0604020202020204" pitchFamily="34" charset="0"/>
-              <a:buNone/>
-            </a:pPr>
-            <a:r>
-              <a:rPr lang="da-DK" dirty="0">
-                <a:highlight>
-                  <a:srgbClr val="00FF00"/>
-                </a:highlight>
-              </a:rPr>
-              <a:t>Billedsiden</a:t>
-            </a:r>
-          </a:p>
-          <a:p>
-            <a:pPr marL="0" indent="0">
-              <a:buFont typeface="Arial" panose="020B0604020202020204" pitchFamily="34" charset="0"/>
-              <a:buNone/>
-            </a:pPr>
-            <a:r>
-              <a:rPr lang="da-DK" dirty="0">
-                <a:highlight>
-                  <a:srgbClr val="00FF00"/>
-                </a:highlight>
-              </a:rPr>
-              <a:t>Værdi</a:t>
-            </a:r>
-          </a:p>
-          <a:p>
-            <a:pPr marL="0" indent="0">
-              <a:buFont typeface="Arial" panose="020B0604020202020204" pitchFamily="34" charset="0"/>
-              <a:buNone/>
-            </a:pPr>
-            <a:endParaRPr lang="da-DK" dirty="0">
-              <a:highlight>
-                <a:srgbClr val="00FFFF"/>
-              </a:highlight>
-            </a:endParaRPr>
-          </a:p>
-          <a:p>
-            <a:pPr marL="0" indent="0">
-              <a:buFont typeface="Arial" panose="020B0604020202020204" pitchFamily="34" charset="0"/>
-              <a:buNone/>
-            </a:pPr>
-            <a:r>
-              <a:rPr lang="da-DK" dirty="0"/>
-              <a:t>Spiller </a:t>
-            </a:r>
-            <a:r>
-              <a:rPr lang="da-DK" dirty="0">
-                <a:highlight>
-                  <a:srgbClr val="00FFFF"/>
-                </a:highlight>
-              </a:rPr>
-              <a:t>får</a:t>
-            </a:r>
-            <a:r>
-              <a:rPr lang="da-DK" dirty="0"/>
-              <a:t> kort</a:t>
-            </a:r>
-          </a:p>
-          <a:p>
-            <a:pPr marL="0" indent="0">
-              <a:buFont typeface="Arial" panose="020B0604020202020204" pitchFamily="34" charset="0"/>
-              <a:buNone/>
-            </a:pPr>
-            <a:r>
-              <a:rPr lang="da-DK" dirty="0"/>
-              <a:t>Kort </a:t>
-            </a:r>
-            <a:r>
-              <a:rPr lang="da-DK" dirty="0">
-                <a:highlight>
-                  <a:srgbClr val="00FFFF"/>
-                </a:highlight>
-              </a:rPr>
-              <a:t>placeres</a:t>
-            </a:r>
-            <a:r>
-              <a:rPr lang="da-DK" dirty="0"/>
-              <a:t> foran spiller</a:t>
-            </a:r>
-          </a:p>
-          <a:p>
-            <a:pPr marL="0" indent="0">
-              <a:buFont typeface="Arial" panose="020B0604020202020204" pitchFamily="34" charset="0"/>
-              <a:buNone/>
-            </a:pPr>
-            <a:r>
-              <a:rPr lang="da-DK" dirty="0"/>
-              <a:t>Spiller </a:t>
-            </a:r>
-            <a:r>
-              <a:rPr lang="da-DK" dirty="0">
-                <a:highlight>
-                  <a:srgbClr val="00FFFF"/>
-                </a:highlight>
-              </a:rPr>
-              <a:t>vender</a:t>
-            </a:r>
-            <a:r>
-              <a:rPr lang="da-DK" dirty="0"/>
-              <a:t> det øverste kort. </a:t>
-            </a:r>
-          </a:p>
-          <a:p>
-            <a:pPr marL="0" indent="0">
-              <a:buFont typeface="Arial" panose="020B0604020202020204" pitchFamily="34" charset="0"/>
-              <a:buNone/>
-            </a:pPr>
-            <a:r>
-              <a:rPr lang="da-DK" dirty="0"/>
-              <a:t>Spiller med det højeste </a:t>
-            </a:r>
-            <a:r>
-              <a:rPr lang="da-DK" dirty="0">
-                <a:highlight>
-                  <a:srgbClr val="00FFFF"/>
-                </a:highlight>
-              </a:rPr>
-              <a:t>vinder</a:t>
-            </a:r>
-            <a:r>
-              <a:rPr lang="da-DK" dirty="0"/>
-              <a:t> modstanderens kort. </a:t>
-            </a:r>
-          </a:p>
-          <a:p>
-            <a:pPr marL="0" indent="0">
-              <a:buFont typeface="Arial" panose="020B0604020202020204" pitchFamily="34" charset="0"/>
-              <a:buNone/>
-            </a:pPr>
-            <a:r>
-              <a:rPr lang="da-DK" dirty="0"/>
-              <a:t>Når 2 kort af samme værdi vendes </a:t>
-            </a:r>
-            <a:r>
-              <a:rPr lang="da-DK" dirty="0">
-                <a:highlight>
-                  <a:srgbClr val="00FFFF"/>
-                </a:highlight>
-              </a:rPr>
-              <a:t>bliver der krig</a:t>
-            </a:r>
-            <a:r>
-              <a:rPr lang="da-DK" dirty="0"/>
-              <a:t>.</a:t>
-            </a:r>
-          </a:p>
-          <a:p>
-            <a:pPr marL="0" indent="0">
-              <a:buFont typeface="Arial" panose="020B0604020202020204" pitchFamily="34" charset="0"/>
-              <a:buNone/>
-            </a:pPr>
-            <a:r>
-              <a:rPr lang="da-DK" dirty="0"/>
-              <a:t>I krig lægges yderligere 3 kort frem og den hvis tredje er størst </a:t>
-            </a:r>
-            <a:r>
-              <a:rPr lang="da-DK" dirty="0">
-                <a:highlight>
-                  <a:srgbClr val="00FFFF"/>
-                </a:highlight>
-              </a:rPr>
-              <a:t>tager alle de vendte kort</a:t>
-            </a:r>
-            <a:r>
-              <a:rPr lang="da-DK" dirty="0"/>
-              <a:t>.</a:t>
-            </a:r>
-          </a:p>
-          <a:p>
-            <a:pPr marL="0" indent="0">
-              <a:buFont typeface="Arial" panose="020B0604020202020204" pitchFamily="34" charset="0"/>
-              <a:buNone/>
-            </a:pPr>
-            <a:endParaRPr lang="da-DK" dirty="0"/>
-          </a:p>
-          <a:p>
-            <a:pPr marL="0" indent="0">
-              <a:buFont typeface="Arial" panose="020B0604020202020204" pitchFamily="34" charset="0"/>
-              <a:buNone/>
-            </a:pPr>
-            <a:endParaRPr lang="en-GB" dirty="0"/>
-          </a:p>
-        </p:txBody>
-      </p:sp>
-    </p:spTree>
-    <p:extLst>
-      <p:ext uri="{BB962C8B-B14F-4D97-AF65-F5344CB8AC3E}">
-        <p14:creationId xmlns:p14="http://schemas.microsoft.com/office/powerpoint/2010/main" val="807919550"/>
-      </p:ext>
-    </p:extLst>
-  </p:cSld>
-  <p:clrMapOvr>
-    <a:masterClrMapping/>
-  </p:clrMapOvr>
-</p:sld>
-</file>
-
-<file path=ppt/slides/slide27.xml><?xml version="1.0" encoding="utf-8"?>
-<p:sld xmlns:a="http://schemas.openxmlformats.org/drawingml/2006/main" xmlns:r="http://schemas.openxmlformats.org/officeDocument/2006/relationships" xmlns:p="http://schemas.openxmlformats.org/presentationml/2006/main">
-  <p:cSld>
-    <p:spTree>
-      <p:nvGrpSpPr>
-        <p:cNvPr id="1" name=""/>
-        <p:cNvGrpSpPr/>
-        <p:nvPr/>
-      </p:nvGrpSpPr>
-      <p:grpSpPr>
-        <a:xfrm>
-          <a:off x="0" y="0"/>
-          <a:ext cx="0" cy="0"/>
-          <a:chOff x="0" y="0"/>
-          <a:chExt cx="0" cy="0"/>
-        </a:xfrm>
-      </p:grpSpPr>
-      <p:sp>
-        <p:nvSpPr>
-          <p:cNvPr id="2" name="Title 1">
-            <a:extLst>
-              <a:ext uri="{FF2B5EF4-FFF2-40B4-BE49-F238E27FC236}">
-                <a16:creationId xmlns:a16="http://schemas.microsoft.com/office/drawing/2014/main" id="{62EFEAE1-6494-6743-93FA-B10A9913D1F6}"/>
-              </a:ext>
-            </a:extLst>
-          </p:cNvPr>
-          <p:cNvSpPr>
-            <a:spLocks noGrp="1"/>
-          </p:cNvSpPr>
-          <p:nvPr>
-            <p:ph type="title"/>
-          </p:nvPr>
-        </p:nvSpPr>
-        <p:spPr>
-          <a:xfrm>
-            <a:off x="838200" y="132047"/>
-            <a:ext cx="10515600" cy="1325563"/>
-          </a:xfrm>
-        </p:spPr>
-        <p:txBody>
-          <a:bodyPr/>
-          <a:lstStyle/>
-          <a:p>
-            <a:r>
-              <a:rPr lang="en-GB" dirty="0" err="1"/>
-              <a:t>Kortspillet</a:t>
-            </a:r>
-            <a:r>
-              <a:rPr lang="en-GB" dirty="0"/>
-              <a:t> </a:t>
-            </a:r>
-            <a:r>
-              <a:rPr lang="en-GB" dirty="0" err="1"/>
-              <a:t>krig</a:t>
-            </a:r>
-            <a:endParaRPr lang="en-GB" dirty="0"/>
-          </a:p>
-        </p:txBody>
-      </p:sp>
-      <p:pic>
-        <p:nvPicPr>
-          <p:cNvPr id="4" name="Picture 3">
-            <a:extLst>
-              <a:ext uri="{FF2B5EF4-FFF2-40B4-BE49-F238E27FC236}">
-                <a16:creationId xmlns:a16="http://schemas.microsoft.com/office/drawing/2014/main" id="{09C753C6-8FDB-674C-B724-F13F601A93D7}"/>
-              </a:ext>
-            </a:extLst>
-          </p:cNvPr>
-          <p:cNvPicPr>
-            <a:picLocks noChangeAspect="1"/>
-          </p:cNvPicPr>
-          <p:nvPr/>
-        </p:nvPicPr>
-        <p:blipFill>
-          <a:blip r:embed="rId2"/>
-          <a:stretch>
-            <a:fillRect/>
-          </a:stretch>
-        </p:blipFill>
-        <p:spPr>
-          <a:xfrm>
-            <a:off x="8081682" y="1027908"/>
-            <a:ext cx="3272118" cy="4006247"/>
-          </a:xfrm>
-          <a:prstGeom prst="rect">
-            <a:avLst/>
-          </a:prstGeom>
-        </p:spPr>
-      </p:pic>
-      <p:sp>
-        <p:nvSpPr>
-          <p:cNvPr id="5" name="Content Placeholder 2">
-            <a:extLst>
-              <a:ext uri="{FF2B5EF4-FFF2-40B4-BE49-F238E27FC236}">
-                <a16:creationId xmlns:a16="http://schemas.microsoft.com/office/drawing/2014/main" id="{3EADAAFE-C890-C947-9367-7782008BA298}"/>
-              </a:ext>
-            </a:extLst>
-          </p:cNvPr>
-          <p:cNvSpPr txBox="1">
-            <a:spLocks/>
-          </p:cNvSpPr>
-          <p:nvPr/>
-        </p:nvSpPr>
-        <p:spPr>
-          <a:xfrm>
-            <a:off x="89649" y="1470212"/>
-            <a:ext cx="6651811" cy="5387788"/>
-          </a:xfrm>
-          <a:prstGeom prst="rect">
-            <a:avLst/>
-          </a:prstGeom>
-        </p:spPr>
-        <p:txBody>
-          <a:bodyPr vert="horz" lIns="91440" tIns="45720" rIns="91440" bIns="45720" rtlCol="0">
-            <a:normAutofit fontScale="85000" lnSpcReduction="10000"/>
-          </a:bodyPr>
-          <a:lstStyle>
-            <a:lvl1pPr marL="228600" indent="-228600" algn="l" defTabSz="914400" rtl="0" eaLnBrk="1" latinLnBrk="0" hangingPunct="1">
-              <a:lnSpc>
-                <a:spcPct val="90000"/>
-              </a:lnSpc>
-              <a:spcBef>
-                <a:spcPts val="1000"/>
-              </a:spcBef>
-              <a:buFont typeface="Arial" panose="020B0604020202020204" pitchFamily="34" charset="0"/>
-              <a:buChar char="•"/>
-              <a:defRPr sz="2800" kern="1200">
-                <a:solidFill>
-                  <a:schemeClr val="tx1"/>
-                </a:solidFill>
-                <a:latin typeface="+mn-lt"/>
-                <a:ea typeface="+mn-ea"/>
-                <a:cs typeface="+mn-cs"/>
-              </a:defRPr>
-            </a:lvl1pPr>
-            <a:lvl2pPr marL="685800" indent="-228600" algn="l" defTabSz="914400" rtl="0" eaLnBrk="1" latinLnBrk="0" hangingPunct="1">
-              <a:lnSpc>
-                <a:spcPct val="90000"/>
-              </a:lnSpc>
-              <a:spcBef>
-                <a:spcPts val="500"/>
-              </a:spcBef>
-              <a:buFont typeface="Arial" panose="020B0604020202020204" pitchFamily="34" charset="0"/>
-              <a:buChar char="•"/>
-              <a:defRPr sz="2400" kern="1200">
-                <a:solidFill>
-                  <a:schemeClr val="tx1"/>
-                </a:solidFill>
-                <a:latin typeface="+mn-lt"/>
-                <a:ea typeface="+mn-ea"/>
-                <a:cs typeface="+mn-cs"/>
-              </a:defRPr>
-            </a:lvl2pPr>
-            <a:lvl3pPr marL="1143000" indent="-228600" algn="l" defTabSz="914400" rtl="0" eaLnBrk="1" latinLnBrk="0" hangingPunct="1">
-              <a:lnSpc>
-                <a:spcPct val="90000"/>
-              </a:lnSpc>
-              <a:spcBef>
-                <a:spcPts val="500"/>
-              </a:spcBef>
-              <a:buFont typeface="Arial" panose="020B0604020202020204" pitchFamily="34" charset="0"/>
-              <a:buChar char="•"/>
-              <a:defRPr sz="2000" kern="1200">
-                <a:solidFill>
-                  <a:schemeClr val="tx1"/>
-                </a:solidFill>
-                <a:latin typeface="+mn-lt"/>
-                <a:ea typeface="+mn-ea"/>
-                <a:cs typeface="+mn-cs"/>
-              </a:defRPr>
-            </a:lvl3pPr>
-            <a:lvl4pPr marL="1600200" indent="-228600" algn="l" defTabSz="914400" rtl="0" eaLnBrk="1" latinLnBrk="0" hangingPunct="1">
-              <a:lnSpc>
-                <a:spcPct val="90000"/>
-              </a:lnSpc>
-              <a:spcBef>
-                <a:spcPts val="500"/>
-              </a:spcBef>
-              <a:buFont typeface="Arial" panose="020B0604020202020204" pitchFamily="34" charset="0"/>
-              <a:buChar char="•"/>
-              <a:defRPr sz="1800" kern="1200">
-                <a:solidFill>
-                  <a:schemeClr val="tx1"/>
-                </a:solidFill>
-                <a:latin typeface="+mn-lt"/>
-                <a:ea typeface="+mn-ea"/>
-                <a:cs typeface="+mn-cs"/>
-              </a:defRPr>
-            </a:lvl4pPr>
-            <a:lvl5pPr marL="2057400" indent="-228600" algn="l" defTabSz="914400" rtl="0" eaLnBrk="1" latinLnBrk="0" hangingPunct="1">
-              <a:lnSpc>
-                <a:spcPct val="90000"/>
-              </a:lnSpc>
-              <a:spcBef>
-                <a:spcPts val="500"/>
-              </a:spcBef>
-              <a:buFont typeface="Arial" panose="020B0604020202020204" pitchFamily="34" charset="0"/>
-              <a:buChar char="•"/>
-              <a:defRPr sz="1800" kern="1200">
-                <a:solidFill>
-                  <a:schemeClr val="tx1"/>
-                </a:solidFill>
-                <a:latin typeface="+mn-lt"/>
-                <a:ea typeface="+mn-ea"/>
-                <a:cs typeface="+mn-cs"/>
-              </a:defRPr>
-            </a:lvl5pPr>
-            <a:lvl6pPr marL="2514600" indent="-228600" algn="l" defTabSz="914400" rtl="0" eaLnBrk="1" latinLnBrk="0" hangingPunct="1">
-              <a:lnSpc>
-                <a:spcPct val="90000"/>
-              </a:lnSpc>
-              <a:spcBef>
-                <a:spcPts val="500"/>
-              </a:spcBef>
-              <a:buFont typeface="Arial" panose="020B0604020202020204" pitchFamily="34" charset="0"/>
-              <a:buChar char="•"/>
-              <a:defRPr sz="1800" kern="1200">
-                <a:solidFill>
-                  <a:schemeClr val="tx1"/>
-                </a:solidFill>
-                <a:latin typeface="+mn-lt"/>
-                <a:ea typeface="+mn-ea"/>
-                <a:cs typeface="+mn-cs"/>
-              </a:defRPr>
-            </a:lvl6pPr>
-            <a:lvl7pPr marL="2971800" indent="-228600" algn="l" defTabSz="914400" rtl="0" eaLnBrk="1" latinLnBrk="0" hangingPunct="1">
-              <a:lnSpc>
-                <a:spcPct val="90000"/>
-              </a:lnSpc>
-              <a:spcBef>
-                <a:spcPts val="500"/>
-              </a:spcBef>
-              <a:buFont typeface="Arial" panose="020B0604020202020204" pitchFamily="34" charset="0"/>
-              <a:buChar char="•"/>
-              <a:defRPr sz="1800" kern="1200">
-                <a:solidFill>
-                  <a:schemeClr val="tx1"/>
-                </a:solidFill>
-                <a:latin typeface="+mn-lt"/>
-                <a:ea typeface="+mn-ea"/>
-                <a:cs typeface="+mn-cs"/>
-              </a:defRPr>
-            </a:lvl7pPr>
-            <a:lvl8pPr marL="3429000" indent="-228600" algn="l" defTabSz="914400" rtl="0" eaLnBrk="1" latinLnBrk="0" hangingPunct="1">
-              <a:lnSpc>
-                <a:spcPct val="90000"/>
-              </a:lnSpc>
-              <a:spcBef>
-                <a:spcPts val="500"/>
-              </a:spcBef>
-              <a:buFont typeface="Arial" panose="020B0604020202020204" pitchFamily="34" charset="0"/>
-              <a:buChar char="•"/>
-              <a:defRPr sz="1800" kern="1200">
-                <a:solidFill>
-                  <a:schemeClr val="tx1"/>
-                </a:solidFill>
-                <a:latin typeface="+mn-lt"/>
-                <a:ea typeface="+mn-ea"/>
-                <a:cs typeface="+mn-cs"/>
-              </a:defRPr>
-            </a:lvl8pPr>
-            <a:lvl9pPr marL="3886200" indent="-228600" algn="l" defTabSz="914400" rtl="0" eaLnBrk="1" latinLnBrk="0" hangingPunct="1">
-              <a:lnSpc>
-                <a:spcPct val="90000"/>
-              </a:lnSpc>
-              <a:spcBef>
-                <a:spcPts val="500"/>
-              </a:spcBef>
-              <a:buFont typeface="Arial" panose="020B0604020202020204" pitchFamily="34" charset="0"/>
-              <a:buChar char="•"/>
-              <a:defRPr sz="1800" kern="1200">
-                <a:solidFill>
-                  <a:schemeClr val="tx1"/>
-                </a:solidFill>
-                <a:latin typeface="+mn-lt"/>
-                <a:ea typeface="+mn-ea"/>
-                <a:cs typeface="+mn-cs"/>
-              </a:defRPr>
-            </a:lvl9pPr>
-          </a:lstStyle>
-          <a:p>
-            <a:pPr marL="0" indent="0">
-              <a:buFont typeface="Arial" panose="020B0604020202020204" pitchFamily="34" charset="0"/>
-              <a:buNone/>
-            </a:pPr>
-            <a:r>
-              <a:rPr lang="da-DK" dirty="0">
-                <a:highlight>
-                  <a:srgbClr val="00FF00"/>
-                </a:highlight>
-              </a:rPr>
-              <a:t>Spiller</a:t>
-            </a:r>
-            <a:r>
-              <a:rPr lang="da-DK" dirty="0"/>
-              <a:t> </a:t>
-            </a:r>
-          </a:p>
-          <a:p>
-            <a:pPr marL="0" indent="0">
-              <a:buFont typeface="Arial" panose="020B0604020202020204" pitchFamily="34" charset="0"/>
-              <a:buNone/>
-            </a:pPr>
-            <a:r>
-              <a:rPr lang="da-DK" dirty="0">
-                <a:highlight>
-                  <a:srgbClr val="00FF00"/>
-                </a:highlight>
-              </a:rPr>
-              <a:t>Kort</a:t>
-            </a:r>
-          </a:p>
-          <a:p>
-            <a:pPr marL="0" indent="0">
-              <a:buFont typeface="Arial" panose="020B0604020202020204" pitchFamily="34" charset="0"/>
-              <a:buNone/>
-            </a:pPr>
-            <a:r>
-              <a:rPr lang="da-DK" dirty="0">
-                <a:highlight>
-                  <a:srgbClr val="00FF00"/>
-                </a:highlight>
-              </a:rPr>
-              <a:t>Bunke/ kortstak</a:t>
-            </a:r>
-          </a:p>
-          <a:p>
-            <a:pPr marL="0" indent="0">
-              <a:buFont typeface="Arial" panose="020B0604020202020204" pitchFamily="34" charset="0"/>
-              <a:buNone/>
-            </a:pPr>
-            <a:r>
-              <a:rPr lang="da-DK" dirty="0">
-                <a:highlight>
-                  <a:srgbClr val="00FF00"/>
-                </a:highlight>
-              </a:rPr>
-              <a:t>Billedsiden</a:t>
-            </a:r>
-          </a:p>
-          <a:p>
-            <a:pPr marL="0" indent="0">
-              <a:buFont typeface="Arial" panose="020B0604020202020204" pitchFamily="34" charset="0"/>
-              <a:buNone/>
-            </a:pPr>
-            <a:r>
-              <a:rPr lang="da-DK" dirty="0">
-                <a:highlight>
-                  <a:srgbClr val="00FF00"/>
-                </a:highlight>
-              </a:rPr>
-              <a:t>Værdi</a:t>
-            </a:r>
-          </a:p>
-          <a:p>
-            <a:pPr marL="0" indent="0">
-              <a:buFont typeface="Arial" panose="020B0604020202020204" pitchFamily="34" charset="0"/>
-              <a:buNone/>
-            </a:pPr>
-            <a:endParaRPr lang="da-DK" dirty="0">
-              <a:highlight>
-                <a:srgbClr val="00FFFF"/>
-              </a:highlight>
-            </a:endParaRPr>
-          </a:p>
-          <a:p>
-            <a:pPr marL="0" indent="0">
-              <a:buFont typeface="Arial" panose="020B0604020202020204" pitchFamily="34" charset="0"/>
-              <a:buNone/>
-            </a:pPr>
-            <a:r>
-              <a:rPr lang="da-DK" dirty="0"/>
-              <a:t>Spiller </a:t>
-            </a:r>
-            <a:r>
-              <a:rPr lang="da-DK" dirty="0">
-                <a:highlight>
-                  <a:srgbClr val="00FFFF"/>
-                </a:highlight>
-              </a:rPr>
-              <a:t>får</a:t>
-            </a:r>
-            <a:r>
-              <a:rPr lang="da-DK" dirty="0"/>
-              <a:t> kort</a:t>
-            </a:r>
-          </a:p>
-          <a:p>
-            <a:pPr marL="0" indent="0">
-              <a:buFont typeface="Arial" panose="020B0604020202020204" pitchFamily="34" charset="0"/>
-              <a:buNone/>
-            </a:pPr>
-            <a:r>
-              <a:rPr lang="da-DK" dirty="0"/>
-              <a:t>Kort </a:t>
-            </a:r>
-            <a:r>
-              <a:rPr lang="da-DK" dirty="0">
-                <a:highlight>
-                  <a:srgbClr val="00FFFF"/>
-                </a:highlight>
-              </a:rPr>
-              <a:t>placeres</a:t>
-            </a:r>
-            <a:r>
-              <a:rPr lang="da-DK" dirty="0"/>
-              <a:t> foran spiller</a:t>
-            </a:r>
-          </a:p>
-          <a:p>
-            <a:pPr marL="0" indent="0">
-              <a:buFont typeface="Arial" panose="020B0604020202020204" pitchFamily="34" charset="0"/>
-              <a:buNone/>
-            </a:pPr>
-            <a:r>
-              <a:rPr lang="da-DK" dirty="0"/>
-              <a:t>Spiller </a:t>
-            </a:r>
-            <a:r>
-              <a:rPr lang="da-DK" dirty="0">
-                <a:highlight>
-                  <a:srgbClr val="00FFFF"/>
-                </a:highlight>
-              </a:rPr>
-              <a:t>vender</a:t>
-            </a:r>
-            <a:r>
-              <a:rPr lang="da-DK" dirty="0"/>
-              <a:t> det øverste kort. </a:t>
-            </a:r>
-          </a:p>
-          <a:p>
-            <a:pPr marL="0" indent="0">
-              <a:buFont typeface="Arial" panose="020B0604020202020204" pitchFamily="34" charset="0"/>
-              <a:buNone/>
-            </a:pPr>
-            <a:r>
-              <a:rPr lang="da-DK" dirty="0"/>
-              <a:t>Spiller med det højeste </a:t>
-            </a:r>
-            <a:r>
-              <a:rPr lang="da-DK" dirty="0">
-                <a:highlight>
-                  <a:srgbClr val="00FFFF"/>
-                </a:highlight>
-              </a:rPr>
-              <a:t>vinder</a:t>
-            </a:r>
-            <a:r>
-              <a:rPr lang="da-DK" dirty="0"/>
-              <a:t> modstanderens kort. </a:t>
-            </a:r>
-          </a:p>
-          <a:p>
-            <a:pPr marL="0" indent="0">
-              <a:buFont typeface="Arial" panose="020B0604020202020204" pitchFamily="34" charset="0"/>
-              <a:buNone/>
-            </a:pPr>
-            <a:r>
-              <a:rPr lang="da-DK" dirty="0"/>
-              <a:t>Når 2 kort af samme værdi vendes </a:t>
-            </a:r>
-            <a:r>
-              <a:rPr lang="da-DK" dirty="0">
-                <a:highlight>
-                  <a:srgbClr val="00FFFF"/>
-                </a:highlight>
-              </a:rPr>
-              <a:t>bliver der krig</a:t>
-            </a:r>
-            <a:r>
-              <a:rPr lang="da-DK" dirty="0"/>
-              <a:t>.</a:t>
-            </a:r>
-          </a:p>
-          <a:p>
-            <a:pPr marL="0" indent="0">
-              <a:buFont typeface="Arial" panose="020B0604020202020204" pitchFamily="34" charset="0"/>
-              <a:buNone/>
-            </a:pPr>
-            <a:r>
-              <a:rPr lang="da-DK" dirty="0"/>
-              <a:t>I krig lægges yderligere 3 kort frem og den hvis tredje er størst </a:t>
-            </a:r>
-            <a:r>
-              <a:rPr lang="da-DK" dirty="0">
-                <a:highlight>
-                  <a:srgbClr val="00FFFF"/>
-                </a:highlight>
-              </a:rPr>
-              <a:t>tager alle de vendte kort</a:t>
-            </a:r>
-            <a:r>
-              <a:rPr lang="da-DK" dirty="0"/>
-              <a:t>.</a:t>
-            </a:r>
-          </a:p>
-          <a:p>
-            <a:pPr marL="0" indent="0">
-              <a:buFont typeface="Arial" panose="020B0604020202020204" pitchFamily="34" charset="0"/>
-              <a:buNone/>
-            </a:pPr>
-            <a:endParaRPr lang="da-DK" dirty="0"/>
-          </a:p>
-          <a:p>
-            <a:pPr marL="0" indent="0">
-              <a:buFont typeface="Arial" panose="020B0604020202020204" pitchFamily="34" charset="0"/>
-              <a:buNone/>
-            </a:pPr>
-            <a:endParaRPr lang="en-GB" dirty="0"/>
-          </a:p>
-        </p:txBody>
-      </p:sp>
-    </p:spTree>
-    <p:extLst>
-      <p:ext uri="{BB962C8B-B14F-4D97-AF65-F5344CB8AC3E}">
-        <p14:creationId xmlns:p14="http://schemas.microsoft.com/office/powerpoint/2010/main" val="3388062326"/>
       </p:ext>
     </p:extLst>
   </p:cSld>

--- a/lectures/13.1-3/lecture13.2.pptx
+++ b/lectures/13.1-3/lecture13.2.pptx
@@ -5,7 +5,7 @@
     <p:sldMasterId id="2147483648" r:id="rId1"/>
   </p:sldMasterIdLst>
   <p:notesMasterIdLst>
-    <p:notesMasterId r:id="rId16"/>
+    <p:notesMasterId r:id="rId21"/>
   </p:notesMasterIdLst>
   <p:sldIdLst>
     <p:sldId id="256" r:id="rId2"/>
@@ -21,7 +21,12 @@
     <p:sldId id="258" r:id="rId12"/>
     <p:sldId id="260" r:id="rId13"/>
     <p:sldId id="268" r:id="rId14"/>
-    <p:sldId id="291" r:id="rId15"/>
+    <p:sldId id="293" r:id="rId15"/>
+    <p:sldId id="292" r:id="rId16"/>
+    <p:sldId id="294" r:id="rId17"/>
+    <p:sldId id="295" r:id="rId18"/>
+    <p:sldId id="297" r:id="rId19"/>
+    <p:sldId id="296" r:id="rId20"/>
   </p:sldIdLst>
   <p:sldSz cx="12192000" cy="6858000"/>
   <p:notesSz cx="6858000" cy="9144000"/>
@@ -476,6 +481,90 @@
     </a:lvl9pPr>
   </p:notesStyle>
 </p:notesMaster>
+</file>
+
+<file path=ppt/notesSlides/notesSlide1.xml><?xml version="1.0" encoding="utf-8"?>
+<p:notes xmlns:a="http://schemas.openxmlformats.org/drawingml/2006/main" xmlns:r="http://schemas.openxmlformats.org/officeDocument/2006/relationships" xmlns:p="http://schemas.openxmlformats.org/presentationml/2006/main">
+  <p:cSld>
+    <p:spTree>
+      <p:nvGrpSpPr>
+        <p:cNvPr id="1" name=""/>
+        <p:cNvGrpSpPr/>
+        <p:nvPr/>
+      </p:nvGrpSpPr>
+      <p:grpSpPr>
+        <a:xfrm>
+          <a:off x="0" y="0"/>
+          <a:ext cx="0" cy="0"/>
+          <a:chOff x="0" y="0"/>
+          <a:chExt cx="0" cy="0"/>
+        </a:xfrm>
+      </p:grpSpPr>
+      <p:sp>
+        <p:nvSpPr>
+          <p:cNvPr id="2" name="Slide Image Placeholder 1"/>
+          <p:cNvSpPr>
+            <a:spLocks noGrp="1" noRot="1" noChangeAspect="1"/>
+          </p:cNvSpPr>
+          <p:nvPr>
+            <p:ph type="sldImg"/>
+          </p:nvPr>
+        </p:nvSpPr>
+        <p:spPr/>
+      </p:sp>
+      <p:sp>
+        <p:nvSpPr>
+          <p:cNvPr id="3" name="Notes Placeholder 2"/>
+          <p:cNvSpPr>
+            <a:spLocks noGrp="1"/>
+          </p:cNvSpPr>
+          <p:nvPr>
+            <p:ph type="body" idx="1"/>
+          </p:nvPr>
+        </p:nvSpPr>
+        <p:spPr/>
+        <p:txBody>
+          <a:bodyPr/>
+          <a:lstStyle/>
+          <a:p>
+            <a:endParaRPr lang="en-GB" dirty="0"/>
+          </a:p>
+        </p:txBody>
+      </p:sp>
+      <p:sp>
+        <p:nvSpPr>
+          <p:cNvPr id="4" name="Slide Number Placeholder 3"/>
+          <p:cNvSpPr>
+            <a:spLocks noGrp="1"/>
+          </p:cNvSpPr>
+          <p:nvPr>
+            <p:ph type="sldNum" sz="quarter" idx="5"/>
+          </p:nvPr>
+        </p:nvSpPr>
+        <p:spPr/>
+        <p:txBody>
+          <a:bodyPr/>
+          <a:lstStyle/>
+          <a:p>
+            <a:fld id="{186431B5-AB57-3E4A-80D5-B6800CF8539B}" type="slidenum">
+              <a:rPr lang="en-GB" smtClean="0"/>
+              <a:t>19</a:t>
+            </a:fld>
+            <a:endParaRPr lang="en-GB"/>
+          </a:p>
+        </p:txBody>
+      </p:sp>
+    </p:spTree>
+    <p:extLst>
+      <p:ext uri="{BB962C8B-B14F-4D97-AF65-F5344CB8AC3E}">
+        <p14:creationId xmlns:p14="http://schemas.microsoft.com/office/powerpoint/2010/main" val="989988572"/>
+      </p:ext>
+    </p:extLst>
+  </p:cSld>
+  <p:clrMapOvr>
+    <a:masterClrMapping/>
+  </p:clrMapOvr>
+</p:notes>
 </file>
 
 <file path=ppt/slideLayouts/slideLayout1.xml><?xml version="1.0" encoding="utf-8"?>
@@ -3807,6 +3896,36 @@
           <a:chExt cx="0" cy="0"/>
         </a:xfrm>
       </p:grpSpPr>
+      <p:pic>
+        <p:nvPicPr>
+          <p:cNvPr id="18" name="Picture 17">
+            <a:extLst>
+              <a:ext uri="{FF2B5EF4-FFF2-40B4-BE49-F238E27FC236}">
+                <a16:creationId xmlns:a16="http://schemas.microsoft.com/office/drawing/2014/main" id="{CF3AC575-D531-4B49-B723-DA54E480ECC4}"/>
+              </a:ext>
+            </a:extLst>
+          </p:cNvPr>
+          <p:cNvPicPr>
+            <a:picLocks noChangeAspect="1"/>
+          </p:cNvPicPr>
+          <p:nvPr/>
+        </p:nvPicPr>
+        <p:blipFill>
+          <a:blip r:embed="rId2"/>
+          <a:stretch>
+            <a:fillRect/>
+          </a:stretch>
+        </p:blipFill>
+        <p:spPr>
+          <a:xfrm>
+            <a:off x="397672" y="4451739"/>
+            <a:ext cx="6362700" cy="2133600"/>
+          </a:xfrm>
+          <a:prstGeom prst="rect">
+            <a:avLst/>
+          </a:prstGeom>
+        </p:spPr>
+      </p:pic>
       <p:sp>
         <p:nvSpPr>
           <p:cNvPr id="8" name="Title 1">
@@ -3882,36 +4001,6 @@
           </a:p>
         </p:txBody>
       </p:sp>
-      <p:pic>
-        <p:nvPicPr>
-          <p:cNvPr id="62" name="Picture 61">
-            <a:extLst>
-              <a:ext uri="{FF2B5EF4-FFF2-40B4-BE49-F238E27FC236}">
-                <a16:creationId xmlns:a16="http://schemas.microsoft.com/office/drawing/2014/main" id="{D2D8C1C3-E691-3145-A543-E728DD37910D}"/>
-              </a:ext>
-            </a:extLst>
-          </p:cNvPr>
-          <p:cNvPicPr>
-            <a:picLocks noChangeAspect="1"/>
-          </p:cNvPicPr>
-          <p:nvPr/>
-        </p:nvPicPr>
-        <p:blipFill>
-          <a:blip r:embed="rId2"/>
-          <a:stretch>
-            <a:fillRect/>
-          </a:stretch>
-        </p:blipFill>
-        <p:spPr>
-          <a:xfrm>
-            <a:off x="484837" y="4743505"/>
-            <a:ext cx="5688564" cy="1564355"/>
-          </a:xfrm>
-          <a:prstGeom prst="rect">
-            <a:avLst/>
-          </a:prstGeom>
-        </p:spPr>
-      </p:pic>
       <p:graphicFrame>
         <p:nvGraphicFramePr>
           <p:cNvPr id="63" name="Table 62">
@@ -6305,7 +6394,7 @@
                             </p:stCondLst>
                             <p:childTnLst>
                               <p:par>
-                                <p:cTn id="5" presetID="1" presetClass="entr" presetSubtype="0" fill="hold" nodeType="clickEffect">
+                                <p:cTn id="5" presetID="1" presetClass="entr" presetSubtype="0" fill="hold" grpId="0" nodeType="clickEffect">
                                   <p:stCondLst>
                                     <p:cond delay="0"/>
                                   </p:stCondLst>
@@ -6313,51 +6402,6 @@
                                     <p:set>
                                       <p:cBhvr>
                                         <p:cTn id="6" dur="1" fill="hold">
-                                          <p:stCondLst>
-                                            <p:cond delay="0"/>
-                                          </p:stCondLst>
-                                        </p:cTn>
-                                        <p:tgtEl>
-                                          <p:spTgt spid="62"/>
-                                        </p:tgtEl>
-                                        <p:attrNameLst>
-                                          <p:attrName>style.visibility</p:attrName>
-                                        </p:attrNameLst>
-                                      </p:cBhvr>
-                                      <p:to>
-                                        <p:strVal val="visible"/>
-                                      </p:to>
-                                    </p:set>
-                                  </p:childTnLst>
-                                </p:cTn>
-                              </p:par>
-                            </p:childTnLst>
-                          </p:cTn>
-                        </p:par>
-                      </p:childTnLst>
-                    </p:cTn>
-                  </p:par>
-                  <p:par>
-                    <p:cTn id="7" fill="hold">
-                      <p:stCondLst>
-                        <p:cond delay="indefinite"/>
-                      </p:stCondLst>
-                      <p:childTnLst>
-                        <p:par>
-                          <p:cTn id="8" fill="hold">
-                            <p:stCondLst>
-                              <p:cond delay="0"/>
-                            </p:stCondLst>
-                            <p:childTnLst>
-                              <p:par>
-                                <p:cTn id="9" presetID="1" presetClass="entr" presetSubtype="0" fill="hold" grpId="0" nodeType="clickEffect">
-                                  <p:stCondLst>
-                                    <p:cond delay="0"/>
-                                  </p:stCondLst>
-                                  <p:childTnLst>
-                                    <p:set>
-                                      <p:cBhvr>
-                                        <p:cTn id="10" dur="1" fill="hold">
                                           <p:stCondLst>
                                             <p:cond delay="0"/>
                                           </p:stCondLst>
@@ -6448,6 +6492,10 @@
           <a:bodyPr/>
           <a:lstStyle/>
           <a:p>
+            <a:r>
+              <a:rPr lang="en-GB" dirty="0"/>
+              <a:t>Intermezzo: </a:t>
+            </a:r>
             <a:r>
               <a:rPr lang="en-GB" dirty="0" err="1"/>
               <a:t>Relationer</a:t>
@@ -7168,10 +7216,3761 @@
       </p:grpSpPr>
       <p:sp>
         <p:nvSpPr>
+          <p:cNvPr id="8" name="Title 1">
+            <a:extLst>
+              <a:ext uri="{FF2B5EF4-FFF2-40B4-BE49-F238E27FC236}">
+                <a16:creationId xmlns:a16="http://schemas.microsoft.com/office/drawing/2014/main" id="{9BC41EBE-0CFC-BB44-ABFD-042EF58D24BB}"/>
+              </a:ext>
+            </a:extLst>
+          </p:cNvPr>
+          <p:cNvSpPr txBox="1">
+            <a:spLocks/>
+          </p:cNvSpPr>
+          <p:nvPr/>
+        </p:nvSpPr>
+        <p:spPr>
+          <a:xfrm>
+            <a:off x="89648" y="32523"/>
+            <a:ext cx="11472087" cy="1084122"/>
+          </a:xfrm>
+          <a:prstGeom prst="rect">
+            <a:avLst/>
+          </a:prstGeom>
+        </p:spPr>
+        <p:txBody>
+          <a:bodyPr vert="horz" lIns="91440" tIns="45720" rIns="91440" bIns="45720" rtlCol="0" anchor="ctr">
+            <a:normAutofit/>
+          </a:bodyPr>
+          <a:lstStyle>
+            <a:lvl1pPr algn="l" defTabSz="914400" rtl="0" eaLnBrk="1" latinLnBrk="0" hangingPunct="1">
+              <a:lnSpc>
+                <a:spcPct val="90000"/>
+              </a:lnSpc>
+              <a:spcBef>
+                <a:spcPct val="0"/>
+              </a:spcBef>
+              <a:buNone/>
+              <a:defRPr sz="4400" kern="1200">
+                <a:solidFill>
+                  <a:schemeClr val="tx1"/>
+                </a:solidFill>
+                <a:latin typeface="+mj-lt"/>
+                <a:ea typeface="+mj-ea"/>
+                <a:cs typeface="+mj-cs"/>
+              </a:defRPr>
+            </a:lvl1pPr>
+          </a:lstStyle>
+          <a:p>
+            <a:r>
+              <a:rPr lang="da-DK" dirty="0"/>
+              <a:t>Princip: simple klasser nederst</a:t>
+            </a:r>
+          </a:p>
+        </p:txBody>
+      </p:sp>
+      <p:pic>
+        <p:nvPicPr>
+          <p:cNvPr id="3" name="Picture 2">
+            <a:extLst>
+              <a:ext uri="{FF2B5EF4-FFF2-40B4-BE49-F238E27FC236}">
+                <a16:creationId xmlns:a16="http://schemas.microsoft.com/office/drawing/2014/main" id="{715B58E2-7322-EE42-A8CA-2E7D0B0991A7}"/>
+              </a:ext>
+            </a:extLst>
+          </p:cNvPr>
+          <p:cNvPicPr>
+            <a:picLocks noChangeAspect="1"/>
+          </p:cNvPicPr>
+          <p:nvPr/>
+        </p:nvPicPr>
+        <p:blipFill>
+          <a:blip r:embed="rId2"/>
+          <a:stretch>
+            <a:fillRect/>
+          </a:stretch>
+        </p:blipFill>
+        <p:spPr>
+          <a:xfrm>
+            <a:off x="495703" y="980677"/>
+            <a:ext cx="5329988" cy="2149911"/>
+          </a:xfrm>
+          <a:prstGeom prst="rect">
+            <a:avLst/>
+          </a:prstGeom>
+        </p:spPr>
+      </p:pic>
+      <p:pic>
+        <p:nvPicPr>
+          <p:cNvPr id="4" name="Picture 3">
+            <a:extLst>
+              <a:ext uri="{FF2B5EF4-FFF2-40B4-BE49-F238E27FC236}">
+                <a16:creationId xmlns:a16="http://schemas.microsoft.com/office/drawing/2014/main" id="{E99E1945-E7ED-D34F-876E-2882739B2FBA}"/>
+              </a:ext>
+            </a:extLst>
+          </p:cNvPr>
+          <p:cNvPicPr>
+            <a:picLocks noChangeAspect="1"/>
+          </p:cNvPicPr>
+          <p:nvPr/>
+        </p:nvPicPr>
+        <p:blipFill>
+          <a:blip r:embed="rId3"/>
+          <a:stretch>
+            <a:fillRect/>
+          </a:stretch>
+        </p:blipFill>
+        <p:spPr>
+          <a:xfrm>
+            <a:off x="5540966" y="3429000"/>
+            <a:ext cx="6286500" cy="2273300"/>
+          </a:xfrm>
+          <a:prstGeom prst="rect">
+            <a:avLst/>
+          </a:prstGeom>
+        </p:spPr>
+      </p:pic>
+      <p:sp>
+        <p:nvSpPr>
+          <p:cNvPr id="5" name="TextBox 4">
+            <a:extLst>
+              <a:ext uri="{FF2B5EF4-FFF2-40B4-BE49-F238E27FC236}">
+                <a16:creationId xmlns:a16="http://schemas.microsoft.com/office/drawing/2014/main" id="{4870FAA1-81E4-E240-A6ED-8F09E555B9E0}"/>
+              </a:ext>
+            </a:extLst>
+          </p:cNvPr>
+          <p:cNvSpPr txBox="1"/>
+          <p:nvPr/>
+        </p:nvSpPr>
+        <p:spPr>
+          <a:xfrm>
+            <a:off x="550933" y="5144532"/>
+            <a:ext cx="8343374" cy="1446550"/>
+          </a:xfrm>
+          <a:prstGeom prst="rect">
+            <a:avLst/>
+          </a:prstGeom>
+          <a:noFill/>
+        </p:spPr>
+        <p:txBody>
+          <a:bodyPr wrap="none" rtlCol="0">
+            <a:spAutoFit/>
+          </a:bodyPr>
+          <a:lstStyle/>
+          <a:p>
+            <a:r>
+              <a:rPr lang="en-GB" sz="2200" dirty="0"/>
+              <a:t>Ide: </a:t>
+            </a:r>
+          </a:p>
+          <a:p>
+            <a:pPr marL="285750" indent="-285750">
+              <a:buFont typeface="Arial" panose="020B0604020202020204" pitchFamily="34" charset="0"/>
+              <a:buChar char="•"/>
+            </a:pPr>
+            <a:r>
+              <a:rPr lang="en-GB" sz="2200" dirty="0" err="1"/>
+              <a:t>Skibe</a:t>
+            </a:r>
+            <a:r>
+              <a:rPr lang="en-GB" sz="2200" dirty="0"/>
+              <a:t> har </a:t>
+            </a:r>
+            <a:r>
+              <a:rPr lang="en-GB" sz="2200" dirty="0" err="1"/>
+              <a:t>en</a:t>
+            </a:r>
+            <a:r>
+              <a:rPr lang="en-GB" sz="2200" dirty="0"/>
+              <a:t> </a:t>
+            </a:r>
+            <a:r>
+              <a:rPr lang="en-GB" sz="2200" dirty="0" err="1"/>
+              <a:t>størrelse</a:t>
+            </a:r>
+            <a:r>
+              <a:rPr lang="en-GB" sz="2200" dirty="0"/>
+              <a:t>, </a:t>
+            </a:r>
+          </a:p>
+          <a:p>
+            <a:pPr marL="285750" indent="-285750">
+              <a:buFont typeface="Arial" panose="020B0604020202020204" pitchFamily="34" charset="0"/>
+              <a:buChar char="•"/>
+            </a:pPr>
+            <a:r>
+              <a:rPr lang="en-GB" sz="2200" dirty="0"/>
+              <a:t>de </a:t>
+            </a:r>
+            <a:r>
+              <a:rPr lang="en-GB" sz="2200" dirty="0" err="1"/>
+              <a:t>kan</a:t>
+            </a:r>
+            <a:r>
+              <a:rPr lang="en-GB" sz="2200" dirty="0"/>
+              <a:t> </a:t>
+            </a:r>
+            <a:r>
+              <a:rPr lang="en-GB" sz="2200" dirty="0" err="1"/>
+              <a:t>tage</a:t>
+            </a:r>
+            <a:r>
+              <a:rPr lang="en-GB" sz="2200" dirty="0"/>
+              <a:t> </a:t>
+            </a:r>
+            <a:r>
+              <a:rPr lang="en-GB" sz="2200" dirty="0" err="1"/>
+              <a:t>en</a:t>
+            </a:r>
+            <a:r>
+              <a:rPr lang="en-GB" sz="2200" dirty="0"/>
+              <a:t> </a:t>
+            </a:r>
+            <a:r>
+              <a:rPr lang="en-GB" sz="2200" dirty="0" err="1"/>
+              <a:t>antal</a:t>
+            </a:r>
+            <a:r>
+              <a:rPr lang="en-GB" sz="2200" dirty="0"/>
+              <a:t> hits, </a:t>
+            </a:r>
+          </a:p>
+          <a:p>
+            <a:pPr marL="285750" indent="-285750">
+              <a:buFont typeface="Arial" panose="020B0604020202020204" pitchFamily="34" charset="0"/>
+              <a:buChar char="•"/>
+            </a:pPr>
+            <a:r>
+              <a:rPr lang="en-GB" sz="2200" dirty="0" err="1"/>
+              <a:t>når</a:t>
+            </a:r>
+            <a:r>
+              <a:rPr lang="en-GB" sz="2200" dirty="0"/>
+              <a:t> </a:t>
+            </a:r>
+            <a:r>
+              <a:rPr lang="en-GB" sz="2200" dirty="0" err="1"/>
+              <a:t>antallet</a:t>
+            </a:r>
+            <a:r>
+              <a:rPr lang="en-GB" sz="2200" dirty="0"/>
+              <a:t> </a:t>
+            </a:r>
+            <a:r>
+              <a:rPr lang="en-GB" sz="2200" dirty="0" err="1"/>
+              <a:t>af</a:t>
+            </a:r>
+            <a:r>
+              <a:rPr lang="en-GB" sz="2200" dirty="0"/>
+              <a:t> hits </a:t>
+            </a:r>
+            <a:r>
+              <a:rPr lang="en-GB" sz="2200" dirty="0" err="1"/>
+              <a:t>er</a:t>
+            </a:r>
+            <a:r>
+              <a:rPr lang="en-GB" sz="2200" dirty="0"/>
+              <a:t> </a:t>
+            </a:r>
+            <a:r>
+              <a:rPr lang="en-GB" sz="2200" dirty="0" err="1"/>
+              <a:t>større</a:t>
+            </a:r>
+            <a:r>
+              <a:rPr lang="en-GB" sz="2200" dirty="0"/>
+              <a:t> end </a:t>
+            </a:r>
+            <a:r>
+              <a:rPr lang="en-GB" sz="2200" dirty="0" err="1"/>
+              <a:t>skibets</a:t>
+            </a:r>
+            <a:r>
+              <a:rPr lang="en-GB" sz="2200" dirty="0"/>
+              <a:t> </a:t>
+            </a:r>
+            <a:r>
+              <a:rPr lang="en-GB" sz="2200" dirty="0" err="1"/>
+              <a:t>størrelse</a:t>
+            </a:r>
+            <a:r>
+              <a:rPr lang="en-GB" sz="2200" dirty="0"/>
+              <a:t>, </a:t>
+            </a:r>
+            <a:r>
+              <a:rPr lang="en-GB" sz="2200" dirty="0" err="1"/>
+              <a:t>så</a:t>
+            </a:r>
+            <a:r>
+              <a:rPr lang="en-GB" sz="2200" dirty="0"/>
+              <a:t> </a:t>
+            </a:r>
+            <a:r>
+              <a:rPr lang="en-GB" sz="2200" dirty="0" err="1"/>
+              <a:t>er</a:t>
+            </a:r>
+            <a:r>
+              <a:rPr lang="en-GB" sz="2200" dirty="0"/>
+              <a:t> </a:t>
+            </a:r>
+            <a:r>
+              <a:rPr lang="en-GB" sz="2200" dirty="0" err="1"/>
+              <a:t>skibet</a:t>
+            </a:r>
+            <a:r>
+              <a:rPr lang="en-GB" sz="2200" dirty="0"/>
+              <a:t> </a:t>
+            </a:r>
+            <a:r>
+              <a:rPr lang="en-GB" sz="2200" dirty="0" err="1"/>
+              <a:t>sunket</a:t>
+            </a:r>
+            <a:r>
+              <a:rPr lang="en-GB" sz="2200" dirty="0"/>
+              <a:t>.</a:t>
+            </a:r>
+          </a:p>
+        </p:txBody>
+      </p:sp>
+    </p:spTree>
+    <p:extLst>
+      <p:ext uri="{BB962C8B-B14F-4D97-AF65-F5344CB8AC3E}">
+        <p14:creationId xmlns:p14="http://schemas.microsoft.com/office/powerpoint/2010/main" val="4252697688"/>
+      </p:ext>
+    </p:extLst>
+  </p:cSld>
+  <p:clrMapOvr>
+    <a:masterClrMapping/>
+  </p:clrMapOvr>
+  <p:timing>
+    <p:tnLst>
+      <p:par>
+        <p:cTn id="1" dur="indefinite" restart="never" nodeType="tmRoot">
+          <p:childTnLst>
+            <p:seq concurrent="1" nextAc="seek">
+              <p:cTn id="2" dur="indefinite" nodeType="mainSeq">
+                <p:childTnLst>
+                  <p:par>
+                    <p:cTn id="3" fill="hold">
+                      <p:stCondLst>
+                        <p:cond delay="indefinite"/>
+                      </p:stCondLst>
+                      <p:childTnLst>
+                        <p:par>
+                          <p:cTn id="4" fill="hold">
+                            <p:stCondLst>
+                              <p:cond delay="0"/>
+                            </p:stCondLst>
+                            <p:childTnLst>
+                              <p:par>
+                                <p:cTn id="5" presetID="1" presetClass="entr" presetSubtype="0" fill="hold" grpId="0" nodeType="clickEffect">
+                                  <p:stCondLst>
+                                    <p:cond delay="0"/>
+                                  </p:stCondLst>
+                                  <p:childTnLst>
+                                    <p:set>
+                                      <p:cBhvr>
+                                        <p:cTn id="6" dur="1" fill="hold">
+                                          <p:stCondLst>
+                                            <p:cond delay="0"/>
+                                          </p:stCondLst>
+                                        </p:cTn>
+                                        <p:tgtEl>
+                                          <p:spTgt spid="5"/>
+                                        </p:tgtEl>
+                                        <p:attrNameLst>
+                                          <p:attrName>style.visibility</p:attrName>
+                                        </p:attrNameLst>
+                                      </p:cBhvr>
+                                      <p:to>
+                                        <p:strVal val="visible"/>
+                                      </p:to>
+                                    </p:set>
+                                  </p:childTnLst>
+                                </p:cTn>
+                              </p:par>
+                            </p:childTnLst>
+                          </p:cTn>
+                        </p:par>
+                      </p:childTnLst>
+                    </p:cTn>
+                  </p:par>
+                  <p:par>
+                    <p:cTn id="7" fill="hold">
+                      <p:stCondLst>
+                        <p:cond delay="indefinite"/>
+                      </p:stCondLst>
+                      <p:childTnLst>
+                        <p:par>
+                          <p:cTn id="8" fill="hold">
+                            <p:stCondLst>
+                              <p:cond delay="0"/>
+                            </p:stCondLst>
+                            <p:childTnLst>
+                              <p:par>
+                                <p:cTn id="9" presetID="1" presetClass="entr" presetSubtype="0" fill="hold" nodeType="clickEffect">
+                                  <p:stCondLst>
+                                    <p:cond delay="0"/>
+                                  </p:stCondLst>
+                                  <p:childTnLst>
+                                    <p:set>
+                                      <p:cBhvr>
+                                        <p:cTn id="10" dur="1" fill="hold">
+                                          <p:stCondLst>
+                                            <p:cond delay="0"/>
+                                          </p:stCondLst>
+                                        </p:cTn>
+                                        <p:tgtEl>
+                                          <p:spTgt spid="4"/>
+                                        </p:tgtEl>
+                                        <p:attrNameLst>
+                                          <p:attrName>style.visibility</p:attrName>
+                                        </p:attrNameLst>
+                                      </p:cBhvr>
+                                      <p:to>
+                                        <p:strVal val="visible"/>
+                                      </p:to>
+                                    </p:set>
+                                  </p:childTnLst>
+                                </p:cTn>
+                              </p:par>
+                            </p:childTnLst>
+                          </p:cTn>
+                        </p:par>
+                      </p:childTnLst>
+                    </p:cTn>
+                  </p:par>
+                </p:childTnLst>
+              </p:cTn>
+              <p:prevCondLst>
+                <p:cond evt="onPrev" delay="0">
+                  <p:tgtEl>
+                    <p:sldTgt/>
+                  </p:tgtEl>
+                </p:cond>
+              </p:prevCondLst>
+              <p:nextCondLst>
+                <p:cond evt="onNext" delay="0">
+                  <p:tgtEl>
+                    <p:sldTgt/>
+                  </p:tgtEl>
+                </p:cond>
+              </p:nextCondLst>
+            </p:seq>
+          </p:childTnLst>
+        </p:cTn>
+      </p:par>
+    </p:tnLst>
+    <p:bldLst>
+      <p:bldP spid="5" grpId="0"/>
+    </p:bldLst>
+  </p:timing>
+</p:sld>
+</file>
+
+<file path=ppt/slides/slide15.xml><?xml version="1.0" encoding="utf-8"?>
+<p:sld xmlns:a="http://schemas.openxmlformats.org/drawingml/2006/main" xmlns:r="http://schemas.openxmlformats.org/officeDocument/2006/relationships" xmlns:p="http://schemas.openxmlformats.org/presentationml/2006/main">
+  <p:cSld>
+    <p:spTree>
+      <p:nvGrpSpPr>
+        <p:cNvPr id="1" name=""/>
+        <p:cNvGrpSpPr/>
+        <p:nvPr/>
+      </p:nvGrpSpPr>
+      <p:grpSpPr>
+        <a:xfrm>
+          <a:off x="0" y="0"/>
+          <a:ext cx="0" cy="0"/>
+          <a:chOff x="0" y="0"/>
+          <a:chExt cx="0" cy="0"/>
+        </a:xfrm>
+      </p:grpSpPr>
+      <p:sp>
+        <p:nvSpPr>
+          <p:cNvPr id="8" name="Title 1">
+            <a:extLst>
+              <a:ext uri="{FF2B5EF4-FFF2-40B4-BE49-F238E27FC236}">
+                <a16:creationId xmlns:a16="http://schemas.microsoft.com/office/drawing/2014/main" id="{9BC41EBE-0CFC-BB44-ABFD-042EF58D24BB}"/>
+              </a:ext>
+            </a:extLst>
+          </p:cNvPr>
+          <p:cNvSpPr txBox="1">
+            <a:spLocks/>
+          </p:cNvSpPr>
+          <p:nvPr/>
+        </p:nvSpPr>
+        <p:spPr>
+          <a:xfrm>
+            <a:off x="89649" y="32522"/>
+            <a:ext cx="5010596" cy="1242595"/>
+          </a:xfrm>
+          <a:prstGeom prst="rect">
+            <a:avLst/>
+          </a:prstGeom>
+        </p:spPr>
+        <p:txBody>
+          <a:bodyPr vert="horz" lIns="91440" tIns="45720" rIns="91440" bIns="45720" rtlCol="0" anchor="ctr">
+            <a:normAutofit lnSpcReduction="10000"/>
+          </a:bodyPr>
+          <a:lstStyle>
+            <a:lvl1pPr algn="l" defTabSz="914400" rtl="0" eaLnBrk="1" latinLnBrk="0" hangingPunct="1">
+              <a:lnSpc>
+                <a:spcPct val="90000"/>
+              </a:lnSpc>
+              <a:spcBef>
+                <a:spcPct val="0"/>
+              </a:spcBef>
+              <a:buNone/>
+              <a:defRPr sz="4400" kern="1200">
+                <a:solidFill>
+                  <a:schemeClr val="tx1"/>
+                </a:solidFill>
+                <a:latin typeface="+mj-lt"/>
+                <a:ea typeface="+mj-ea"/>
+                <a:cs typeface="+mj-cs"/>
+              </a:defRPr>
+            </a:lvl1pPr>
+          </a:lstStyle>
+          <a:p>
+            <a:r>
+              <a:rPr lang="da-DK" dirty="0"/>
+              <a:t>Sænke slagskibe: </a:t>
+            </a:r>
+            <a:r>
+              <a:rPr lang="en-GB" i="1" dirty="0" err="1"/>
+              <a:t>ToString</a:t>
+            </a:r>
+            <a:r>
+              <a:rPr lang="en-GB" i="1" dirty="0"/>
+              <a:t>()</a:t>
+            </a:r>
+            <a:endParaRPr lang="da-DK" dirty="0"/>
+          </a:p>
+        </p:txBody>
+      </p:sp>
+      <p:graphicFrame>
+        <p:nvGraphicFramePr>
+          <p:cNvPr id="63" name="Table 62">
+            <a:extLst>
+              <a:ext uri="{FF2B5EF4-FFF2-40B4-BE49-F238E27FC236}">
+                <a16:creationId xmlns:a16="http://schemas.microsoft.com/office/drawing/2014/main" id="{F2970603-E811-7A41-986D-8B0CD37FD73C}"/>
+              </a:ext>
+            </a:extLst>
+          </p:cNvPr>
+          <p:cNvGraphicFramePr>
+            <a:graphicFrameLocks noGrp="1"/>
+          </p:cNvGraphicFramePr>
+          <p:nvPr>
+            <p:extLst>
+              <p:ext uri="{D42A27DB-BD31-4B8C-83A1-F6EECF244321}">
+                <p14:modId xmlns:p14="http://schemas.microsoft.com/office/powerpoint/2010/main" val="192522213"/>
+              </p:ext>
+            </p:extLst>
+          </p:nvPr>
+        </p:nvGraphicFramePr>
+        <p:xfrm>
+          <a:off x="900640" y="2197682"/>
+          <a:ext cx="4199604" cy="3087660"/>
+        </p:xfrm>
+        <a:graphic>
+          <a:graphicData uri="http://schemas.openxmlformats.org/drawingml/2006/table">
+            <a:tbl>
+              <a:tblPr firstRow="1" bandRow="1">
+                <a:tableStyleId>{2D5ABB26-0587-4C30-8999-92F81FD0307C}</a:tableStyleId>
+              </a:tblPr>
+              <a:tblGrid>
+                <a:gridCol w="699934">
+                  <a:extLst>
+                    <a:ext uri="{9D8B030D-6E8A-4147-A177-3AD203B41FA5}">
+                      <a16:colId xmlns:a16="http://schemas.microsoft.com/office/drawing/2014/main" val="3880725768"/>
+                    </a:ext>
+                  </a:extLst>
+                </a:gridCol>
+                <a:gridCol w="699934">
+                  <a:extLst>
+                    <a:ext uri="{9D8B030D-6E8A-4147-A177-3AD203B41FA5}">
+                      <a16:colId xmlns:a16="http://schemas.microsoft.com/office/drawing/2014/main" val="3374527806"/>
+                    </a:ext>
+                  </a:extLst>
+                </a:gridCol>
+                <a:gridCol w="699934">
+                  <a:extLst>
+                    <a:ext uri="{9D8B030D-6E8A-4147-A177-3AD203B41FA5}">
+                      <a16:colId xmlns:a16="http://schemas.microsoft.com/office/drawing/2014/main" val="2418372968"/>
+                    </a:ext>
+                  </a:extLst>
+                </a:gridCol>
+                <a:gridCol w="699934">
+                  <a:extLst>
+                    <a:ext uri="{9D8B030D-6E8A-4147-A177-3AD203B41FA5}">
+                      <a16:colId xmlns:a16="http://schemas.microsoft.com/office/drawing/2014/main" val="961054593"/>
+                    </a:ext>
+                  </a:extLst>
+                </a:gridCol>
+                <a:gridCol w="699934">
+                  <a:extLst>
+                    <a:ext uri="{9D8B030D-6E8A-4147-A177-3AD203B41FA5}">
+                      <a16:colId xmlns:a16="http://schemas.microsoft.com/office/drawing/2014/main" val="3798740948"/>
+                    </a:ext>
+                  </a:extLst>
+                </a:gridCol>
+                <a:gridCol w="699934">
+                  <a:extLst>
+                    <a:ext uri="{9D8B030D-6E8A-4147-A177-3AD203B41FA5}">
+                      <a16:colId xmlns:a16="http://schemas.microsoft.com/office/drawing/2014/main" val="58108870"/>
+                    </a:ext>
+                  </a:extLst>
+                </a:gridCol>
+              </a:tblGrid>
+              <a:tr h="617532">
+                <a:tc>
+                  <a:txBody>
+                    <a:bodyPr/>
+                    <a:lstStyle/>
+                    <a:p>
+                      <a:pPr algn="ctr"/>
+                      <a:r>
+                        <a:rPr lang="en-GB" dirty="0"/>
+                        <a:t>(f, S  )</a:t>
+                      </a:r>
+                    </a:p>
+                  </a:txBody>
+                  <a:tcPr anchor="ctr">
+                    <a:lnL w="12700" cap="flat" cmpd="sng" algn="ctr">
+                      <a:solidFill>
+                        <a:schemeClr val="tx1"/>
+                      </a:solidFill>
+                      <a:prstDash val="solid"/>
+                      <a:round/>
+                      <a:headEnd type="none" w="med" len="med"/>
+                      <a:tailEnd type="none" w="med" len="med"/>
+                    </a:lnL>
+                    <a:lnR w="12700" cap="flat" cmpd="sng" algn="ctr">
+                      <a:solidFill>
+                        <a:schemeClr val="tx1"/>
+                      </a:solidFill>
+                      <a:prstDash val="solid"/>
+                      <a:round/>
+                      <a:headEnd type="none" w="med" len="med"/>
+                      <a:tailEnd type="none" w="med" len="med"/>
+                    </a:lnR>
+                    <a:lnT w="12700" cap="flat" cmpd="sng" algn="ctr">
+                      <a:solidFill>
+                        <a:schemeClr val="tx1"/>
+                      </a:solidFill>
+                      <a:prstDash val="solid"/>
+                      <a:round/>
+                      <a:headEnd type="none" w="med" len="med"/>
+                      <a:tailEnd type="none" w="med" len="med"/>
+                    </a:lnT>
+                    <a:lnB w="12700" cap="flat" cmpd="sng" algn="ctr">
+                      <a:solidFill>
+                        <a:schemeClr val="tx1"/>
+                      </a:solidFill>
+                      <a:prstDash val="solid"/>
+                      <a:round/>
+                      <a:headEnd type="none" w="med" len="med"/>
+                      <a:tailEnd type="none" w="med" len="med"/>
+                    </a:lnB>
+                  </a:tcPr>
+                </a:tc>
+                <a:tc>
+                  <a:txBody>
+                    <a:bodyPr/>
+                    <a:lstStyle/>
+                    <a:p>
+                      <a:pPr algn="ctr"/>
+                      <a:r>
+                        <a:rPr lang="en-GB" dirty="0"/>
+                        <a:t>(f, S  )</a:t>
+                      </a:r>
+                    </a:p>
+                  </a:txBody>
+                  <a:tcPr anchor="ctr">
+                    <a:lnL w="12700" cap="flat" cmpd="sng" algn="ctr">
+                      <a:solidFill>
+                        <a:schemeClr val="tx1"/>
+                      </a:solidFill>
+                      <a:prstDash val="solid"/>
+                      <a:round/>
+                      <a:headEnd type="none" w="med" len="med"/>
+                      <a:tailEnd type="none" w="med" len="med"/>
+                    </a:lnL>
+                    <a:lnR w="12700" cap="flat" cmpd="sng" algn="ctr">
+                      <a:solidFill>
+                        <a:schemeClr val="tx1"/>
+                      </a:solidFill>
+                      <a:prstDash val="solid"/>
+                      <a:round/>
+                      <a:headEnd type="none" w="med" len="med"/>
+                      <a:tailEnd type="none" w="med" len="med"/>
+                    </a:lnR>
+                    <a:lnT w="12700" cap="flat" cmpd="sng" algn="ctr">
+                      <a:solidFill>
+                        <a:schemeClr val="tx1"/>
+                      </a:solidFill>
+                      <a:prstDash val="solid"/>
+                      <a:round/>
+                      <a:headEnd type="none" w="med" len="med"/>
+                      <a:tailEnd type="none" w="med" len="med"/>
+                    </a:lnT>
+                    <a:lnB w="12700" cap="flat" cmpd="sng" algn="ctr">
+                      <a:solidFill>
+                        <a:schemeClr val="tx1"/>
+                      </a:solidFill>
+                      <a:prstDash val="solid"/>
+                      <a:round/>
+                      <a:headEnd type="none" w="med" len="med"/>
+                      <a:tailEnd type="none" w="med" len="med"/>
+                    </a:lnB>
+                  </a:tcPr>
+                </a:tc>
+                <a:tc>
+                  <a:txBody>
+                    <a:bodyPr/>
+                    <a:lstStyle/>
+                    <a:p>
+                      <a:pPr algn="ctr"/>
+                      <a:r>
+                        <a:rPr lang="en-GB" dirty="0"/>
+                        <a:t>(f, S  )</a:t>
+                      </a:r>
+                    </a:p>
+                  </a:txBody>
+                  <a:tcPr anchor="ctr">
+                    <a:lnL w="12700" cap="flat" cmpd="sng" algn="ctr">
+                      <a:solidFill>
+                        <a:schemeClr val="tx1"/>
+                      </a:solidFill>
+                      <a:prstDash val="solid"/>
+                      <a:round/>
+                      <a:headEnd type="none" w="med" len="med"/>
+                      <a:tailEnd type="none" w="med" len="med"/>
+                    </a:lnL>
+                    <a:lnR w="12700" cap="flat" cmpd="sng" algn="ctr">
+                      <a:solidFill>
+                        <a:schemeClr val="tx1"/>
+                      </a:solidFill>
+                      <a:prstDash val="solid"/>
+                      <a:round/>
+                      <a:headEnd type="none" w="med" len="med"/>
+                      <a:tailEnd type="none" w="med" len="med"/>
+                    </a:lnR>
+                    <a:lnT w="12700" cap="flat" cmpd="sng" algn="ctr">
+                      <a:solidFill>
+                        <a:schemeClr val="tx1"/>
+                      </a:solidFill>
+                      <a:prstDash val="solid"/>
+                      <a:round/>
+                      <a:headEnd type="none" w="med" len="med"/>
+                      <a:tailEnd type="none" w="med" len="med"/>
+                    </a:lnT>
+                    <a:lnB w="12700" cap="flat" cmpd="sng" algn="ctr">
+                      <a:solidFill>
+                        <a:schemeClr val="tx1"/>
+                      </a:solidFill>
+                      <a:prstDash val="solid"/>
+                      <a:round/>
+                      <a:headEnd type="none" w="med" len="med"/>
+                      <a:tailEnd type="none" w="med" len="med"/>
+                    </a:lnB>
+                  </a:tcPr>
+                </a:tc>
+                <a:tc>
+                  <a:txBody>
+                    <a:bodyPr/>
+                    <a:lstStyle/>
+                    <a:p>
+                      <a:r>
+                        <a:rPr lang="en-GB" dirty="0"/>
+                        <a:t>(</a:t>
+                      </a:r>
+                      <a:r>
+                        <a:rPr lang="en-GB" dirty="0" err="1"/>
+                        <a:t>f,N</a:t>
+                      </a:r>
+                      <a:r>
+                        <a:rPr lang="en-GB" dirty="0"/>
+                        <a:t>)</a:t>
+                      </a:r>
+                    </a:p>
+                  </a:txBody>
+                  <a:tcPr anchor="ctr">
+                    <a:lnL w="12700" cap="flat" cmpd="sng" algn="ctr">
+                      <a:solidFill>
+                        <a:schemeClr val="tx1"/>
+                      </a:solidFill>
+                      <a:prstDash val="solid"/>
+                      <a:round/>
+                      <a:headEnd type="none" w="med" len="med"/>
+                      <a:tailEnd type="none" w="med" len="med"/>
+                    </a:lnL>
+                    <a:lnR w="12700" cap="flat" cmpd="sng" algn="ctr">
+                      <a:solidFill>
+                        <a:schemeClr val="tx1"/>
+                      </a:solidFill>
+                      <a:prstDash val="solid"/>
+                      <a:round/>
+                      <a:headEnd type="none" w="med" len="med"/>
+                      <a:tailEnd type="none" w="med" len="med"/>
+                    </a:lnR>
+                    <a:lnT w="12700" cap="flat" cmpd="sng" algn="ctr">
+                      <a:solidFill>
+                        <a:schemeClr val="tx1"/>
+                      </a:solidFill>
+                      <a:prstDash val="solid"/>
+                      <a:round/>
+                      <a:headEnd type="none" w="med" len="med"/>
+                      <a:tailEnd type="none" w="med" len="med"/>
+                    </a:lnT>
+                    <a:lnB w="12700" cap="flat" cmpd="sng" algn="ctr">
+                      <a:solidFill>
+                        <a:schemeClr val="tx1"/>
+                      </a:solidFill>
+                      <a:prstDash val="solid"/>
+                      <a:round/>
+                      <a:headEnd type="none" w="med" len="med"/>
+                      <a:tailEnd type="none" w="med" len="med"/>
+                    </a:lnB>
+                  </a:tcPr>
+                </a:tc>
+                <a:tc>
+                  <a:txBody>
+                    <a:bodyPr/>
+                    <a:lstStyle/>
+                    <a:p>
+                      <a:r>
+                        <a:rPr lang="en-GB" dirty="0"/>
+                        <a:t>(</a:t>
+                      </a:r>
+                      <a:r>
+                        <a:rPr lang="en-GB" dirty="0" err="1"/>
+                        <a:t>f,N</a:t>
+                      </a:r>
+                      <a:r>
+                        <a:rPr lang="en-GB" dirty="0"/>
+                        <a:t>)</a:t>
+                      </a:r>
+                    </a:p>
+                  </a:txBody>
+                  <a:tcPr anchor="ctr">
+                    <a:lnL w="12700" cap="flat" cmpd="sng" algn="ctr">
+                      <a:solidFill>
+                        <a:schemeClr val="tx1"/>
+                      </a:solidFill>
+                      <a:prstDash val="solid"/>
+                      <a:round/>
+                      <a:headEnd type="none" w="med" len="med"/>
+                      <a:tailEnd type="none" w="med" len="med"/>
+                    </a:lnL>
+                    <a:lnR w="12700" cap="flat" cmpd="sng" algn="ctr">
+                      <a:solidFill>
+                        <a:schemeClr val="tx1"/>
+                      </a:solidFill>
+                      <a:prstDash val="solid"/>
+                      <a:round/>
+                      <a:headEnd type="none" w="med" len="med"/>
+                      <a:tailEnd type="none" w="med" len="med"/>
+                    </a:lnR>
+                    <a:lnT w="12700" cap="flat" cmpd="sng" algn="ctr">
+                      <a:solidFill>
+                        <a:schemeClr val="tx1"/>
+                      </a:solidFill>
+                      <a:prstDash val="solid"/>
+                      <a:round/>
+                      <a:headEnd type="none" w="med" len="med"/>
+                      <a:tailEnd type="none" w="med" len="med"/>
+                    </a:lnT>
+                    <a:lnB w="12700" cap="flat" cmpd="sng" algn="ctr">
+                      <a:solidFill>
+                        <a:schemeClr val="tx1"/>
+                      </a:solidFill>
+                      <a:prstDash val="solid"/>
+                      <a:round/>
+                      <a:headEnd type="none" w="med" len="med"/>
+                      <a:tailEnd type="none" w="med" len="med"/>
+                    </a:lnB>
+                  </a:tcPr>
+                </a:tc>
+                <a:tc>
+                  <a:txBody>
+                    <a:bodyPr/>
+                    <a:lstStyle/>
+                    <a:p>
+                      <a:r>
+                        <a:rPr lang="en-GB" dirty="0"/>
+                        <a:t>(</a:t>
+                      </a:r>
+                      <a:r>
+                        <a:rPr lang="en-GB" dirty="0" err="1"/>
+                        <a:t>f,N</a:t>
+                      </a:r>
+                      <a:r>
+                        <a:rPr lang="en-GB" dirty="0"/>
+                        <a:t>)</a:t>
+                      </a:r>
+                    </a:p>
+                  </a:txBody>
+                  <a:tcPr anchor="ctr">
+                    <a:lnL w="12700" cap="flat" cmpd="sng" algn="ctr">
+                      <a:solidFill>
+                        <a:schemeClr val="tx1"/>
+                      </a:solidFill>
+                      <a:prstDash val="solid"/>
+                      <a:round/>
+                      <a:headEnd type="none" w="med" len="med"/>
+                      <a:tailEnd type="none" w="med" len="med"/>
+                    </a:lnL>
+                    <a:lnR w="12700" cap="flat" cmpd="sng" algn="ctr">
+                      <a:solidFill>
+                        <a:schemeClr val="tx1"/>
+                      </a:solidFill>
+                      <a:prstDash val="solid"/>
+                      <a:round/>
+                      <a:headEnd type="none" w="med" len="med"/>
+                      <a:tailEnd type="none" w="med" len="med"/>
+                    </a:lnR>
+                    <a:lnT w="12700" cap="flat" cmpd="sng" algn="ctr">
+                      <a:solidFill>
+                        <a:schemeClr val="tx1"/>
+                      </a:solidFill>
+                      <a:prstDash val="solid"/>
+                      <a:round/>
+                      <a:headEnd type="none" w="med" len="med"/>
+                      <a:tailEnd type="none" w="med" len="med"/>
+                    </a:lnT>
+                    <a:lnB w="12700" cap="flat" cmpd="sng" algn="ctr">
+                      <a:solidFill>
+                        <a:schemeClr val="tx1"/>
+                      </a:solidFill>
+                      <a:prstDash val="solid"/>
+                      <a:round/>
+                      <a:headEnd type="none" w="med" len="med"/>
+                      <a:tailEnd type="none" w="med" len="med"/>
+                    </a:lnB>
+                  </a:tcPr>
+                </a:tc>
+                <a:extLst>
+                  <a:ext uri="{0D108BD9-81ED-4DB2-BD59-A6C34878D82A}">
+                    <a16:rowId xmlns:a16="http://schemas.microsoft.com/office/drawing/2014/main" val="2677689572"/>
+                  </a:ext>
+                </a:extLst>
+              </a:tr>
+              <a:tr h="617532">
+                <a:tc>
+                  <a:txBody>
+                    <a:bodyPr/>
+                    <a:lstStyle/>
+                    <a:p>
+                      <a:r>
+                        <a:rPr lang="en-GB" dirty="0"/>
+                        <a:t>(</a:t>
+                      </a:r>
+                      <a:r>
+                        <a:rPr lang="en-GB" dirty="0" err="1"/>
+                        <a:t>f,N</a:t>
+                      </a:r>
+                      <a:r>
+                        <a:rPr lang="en-GB" dirty="0"/>
+                        <a:t>)</a:t>
+                      </a:r>
+                    </a:p>
+                  </a:txBody>
+                  <a:tcPr anchor="ctr">
+                    <a:lnL w="12700" cap="flat" cmpd="sng" algn="ctr">
+                      <a:solidFill>
+                        <a:schemeClr val="tx1"/>
+                      </a:solidFill>
+                      <a:prstDash val="solid"/>
+                      <a:round/>
+                      <a:headEnd type="none" w="med" len="med"/>
+                      <a:tailEnd type="none" w="med" len="med"/>
+                    </a:lnL>
+                    <a:lnR w="12700" cap="flat" cmpd="sng" algn="ctr">
+                      <a:solidFill>
+                        <a:schemeClr val="tx1"/>
+                      </a:solidFill>
+                      <a:prstDash val="solid"/>
+                      <a:round/>
+                      <a:headEnd type="none" w="med" len="med"/>
+                      <a:tailEnd type="none" w="med" len="med"/>
+                    </a:lnR>
+                    <a:lnT w="12700" cap="flat" cmpd="sng" algn="ctr">
+                      <a:solidFill>
+                        <a:schemeClr val="tx1"/>
+                      </a:solidFill>
+                      <a:prstDash val="solid"/>
+                      <a:round/>
+                      <a:headEnd type="none" w="med" len="med"/>
+                      <a:tailEnd type="none" w="med" len="med"/>
+                    </a:lnT>
+                    <a:lnB w="12700" cap="flat" cmpd="sng" algn="ctr">
+                      <a:solidFill>
+                        <a:schemeClr val="tx1"/>
+                      </a:solidFill>
+                      <a:prstDash val="solid"/>
+                      <a:round/>
+                      <a:headEnd type="none" w="med" len="med"/>
+                      <a:tailEnd type="none" w="med" len="med"/>
+                    </a:lnB>
+                  </a:tcPr>
+                </a:tc>
+                <a:tc>
+                  <a:txBody>
+                    <a:bodyPr/>
+                    <a:lstStyle/>
+                    <a:p>
+                      <a:r>
+                        <a:rPr lang="en-GB" dirty="0"/>
+                        <a:t>(</a:t>
+                      </a:r>
+                      <a:r>
+                        <a:rPr lang="en-GB" dirty="0" err="1"/>
+                        <a:t>f,N</a:t>
+                      </a:r>
+                      <a:r>
+                        <a:rPr lang="en-GB" dirty="0"/>
+                        <a:t>)</a:t>
+                      </a:r>
+                    </a:p>
+                  </a:txBody>
+                  <a:tcPr anchor="ctr">
+                    <a:lnL w="12700" cap="flat" cmpd="sng" algn="ctr">
+                      <a:solidFill>
+                        <a:schemeClr val="tx1"/>
+                      </a:solidFill>
+                      <a:prstDash val="solid"/>
+                      <a:round/>
+                      <a:headEnd type="none" w="med" len="med"/>
+                      <a:tailEnd type="none" w="med" len="med"/>
+                    </a:lnL>
+                    <a:lnR w="12700" cap="flat" cmpd="sng" algn="ctr">
+                      <a:solidFill>
+                        <a:schemeClr val="tx1"/>
+                      </a:solidFill>
+                      <a:prstDash val="solid"/>
+                      <a:round/>
+                      <a:headEnd type="none" w="med" len="med"/>
+                      <a:tailEnd type="none" w="med" len="med"/>
+                    </a:lnR>
+                    <a:lnT w="12700" cap="flat" cmpd="sng" algn="ctr">
+                      <a:solidFill>
+                        <a:schemeClr val="tx1"/>
+                      </a:solidFill>
+                      <a:prstDash val="solid"/>
+                      <a:round/>
+                      <a:headEnd type="none" w="med" len="med"/>
+                      <a:tailEnd type="none" w="med" len="med"/>
+                    </a:lnT>
+                    <a:lnB w="12700" cap="flat" cmpd="sng" algn="ctr">
+                      <a:solidFill>
+                        <a:schemeClr val="tx1"/>
+                      </a:solidFill>
+                      <a:prstDash val="solid"/>
+                      <a:round/>
+                      <a:headEnd type="none" w="med" len="med"/>
+                      <a:tailEnd type="none" w="med" len="med"/>
+                    </a:lnB>
+                  </a:tcPr>
+                </a:tc>
+                <a:tc>
+                  <a:txBody>
+                    <a:bodyPr/>
+                    <a:lstStyle/>
+                    <a:p>
+                      <a:r>
+                        <a:rPr lang="en-GB" dirty="0"/>
+                        <a:t>(</a:t>
+                      </a:r>
+                      <a:r>
+                        <a:rPr lang="en-GB" dirty="0" err="1"/>
+                        <a:t>f,N</a:t>
+                      </a:r>
+                      <a:r>
+                        <a:rPr lang="en-GB" dirty="0"/>
+                        <a:t>)</a:t>
+                      </a:r>
+                    </a:p>
+                  </a:txBody>
+                  <a:tcPr anchor="ctr">
+                    <a:lnL w="12700" cap="flat" cmpd="sng" algn="ctr">
+                      <a:solidFill>
+                        <a:schemeClr val="tx1"/>
+                      </a:solidFill>
+                      <a:prstDash val="solid"/>
+                      <a:round/>
+                      <a:headEnd type="none" w="med" len="med"/>
+                      <a:tailEnd type="none" w="med" len="med"/>
+                    </a:lnL>
+                    <a:lnR w="12700" cap="flat" cmpd="sng" algn="ctr">
+                      <a:solidFill>
+                        <a:schemeClr val="tx1"/>
+                      </a:solidFill>
+                      <a:prstDash val="solid"/>
+                      <a:round/>
+                      <a:headEnd type="none" w="med" len="med"/>
+                      <a:tailEnd type="none" w="med" len="med"/>
+                    </a:lnR>
+                    <a:lnT w="12700" cap="flat" cmpd="sng" algn="ctr">
+                      <a:solidFill>
+                        <a:schemeClr val="tx1"/>
+                      </a:solidFill>
+                      <a:prstDash val="solid"/>
+                      <a:round/>
+                      <a:headEnd type="none" w="med" len="med"/>
+                      <a:tailEnd type="none" w="med" len="med"/>
+                    </a:lnT>
+                    <a:lnB w="12700" cap="flat" cmpd="sng" algn="ctr">
+                      <a:solidFill>
+                        <a:schemeClr val="tx1"/>
+                      </a:solidFill>
+                      <a:prstDash val="solid"/>
+                      <a:round/>
+                      <a:headEnd type="none" w="med" len="med"/>
+                      <a:tailEnd type="none" w="med" len="med"/>
+                    </a:lnB>
+                  </a:tcPr>
+                </a:tc>
+                <a:tc>
+                  <a:txBody>
+                    <a:bodyPr/>
+                    <a:lstStyle/>
+                    <a:p>
+                      <a:r>
+                        <a:rPr lang="en-GB" dirty="0"/>
+                        <a:t>(</a:t>
+                      </a:r>
+                      <a:r>
+                        <a:rPr lang="en-GB" dirty="0" err="1"/>
+                        <a:t>f,N</a:t>
+                      </a:r>
+                      <a:r>
+                        <a:rPr lang="en-GB" dirty="0"/>
+                        <a:t>)</a:t>
+                      </a:r>
+                    </a:p>
+                  </a:txBody>
+                  <a:tcPr anchor="ctr">
+                    <a:lnL w="12700" cap="flat" cmpd="sng" algn="ctr">
+                      <a:solidFill>
+                        <a:schemeClr val="tx1"/>
+                      </a:solidFill>
+                      <a:prstDash val="solid"/>
+                      <a:round/>
+                      <a:headEnd type="none" w="med" len="med"/>
+                      <a:tailEnd type="none" w="med" len="med"/>
+                    </a:lnL>
+                    <a:lnR w="12700" cap="flat" cmpd="sng" algn="ctr">
+                      <a:solidFill>
+                        <a:schemeClr val="tx1"/>
+                      </a:solidFill>
+                      <a:prstDash val="solid"/>
+                      <a:round/>
+                      <a:headEnd type="none" w="med" len="med"/>
+                      <a:tailEnd type="none" w="med" len="med"/>
+                    </a:lnR>
+                    <a:lnT w="12700" cap="flat" cmpd="sng" algn="ctr">
+                      <a:solidFill>
+                        <a:schemeClr val="tx1"/>
+                      </a:solidFill>
+                      <a:prstDash val="solid"/>
+                      <a:round/>
+                      <a:headEnd type="none" w="med" len="med"/>
+                      <a:tailEnd type="none" w="med" len="med"/>
+                    </a:lnT>
+                    <a:lnB w="12700" cap="flat" cmpd="sng" algn="ctr">
+                      <a:solidFill>
+                        <a:schemeClr val="tx1"/>
+                      </a:solidFill>
+                      <a:prstDash val="solid"/>
+                      <a:round/>
+                      <a:headEnd type="none" w="med" len="med"/>
+                      <a:tailEnd type="none" w="med" len="med"/>
+                    </a:lnB>
+                  </a:tcPr>
+                </a:tc>
+                <a:tc>
+                  <a:txBody>
+                    <a:bodyPr/>
+                    <a:lstStyle/>
+                    <a:p>
+                      <a:r>
+                        <a:rPr lang="en-GB" dirty="0"/>
+                        <a:t>(</a:t>
+                      </a:r>
+                      <a:r>
+                        <a:rPr lang="en-GB" dirty="0" err="1"/>
+                        <a:t>f,N</a:t>
+                      </a:r>
+                      <a:r>
+                        <a:rPr lang="en-GB" dirty="0"/>
+                        <a:t>)</a:t>
+                      </a:r>
+                    </a:p>
+                  </a:txBody>
+                  <a:tcPr anchor="ctr">
+                    <a:lnL w="12700" cap="flat" cmpd="sng" algn="ctr">
+                      <a:solidFill>
+                        <a:schemeClr val="tx1"/>
+                      </a:solidFill>
+                      <a:prstDash val="solid"/>
+                      <a:round/>
+                      <a:headEnd type="none" w="med" len="med"/>
+                      <a:tailEnd type="none" w="med" len="med"/>
+                    </a:lnL>
+                    <a:lnR w="12700" cap="flat" cmpd="sng" algn="ctr">
+                      <a:solidFill>
+                        <a:schemeClr val="tx1"/>
+                      </a:solidFill>
+                      <a:prstDash val="solid"/>
+                      <a:round/>
+                      <a:headEnd type="none" w="med" len="med"/>
+                      <a:tailEnd type="none" w="med" len="med"/>
+                    </a:lnR>
+                    <a:lnT w="12700" cap="flat" cmpd="sng" algn="ctr">
+                      <a:solidFill>
+                        <a:schemeClr val="tx1"/>
+                      </a:solidFill>
+                      <a:prstDash val="solid"/>
+                      <a:round/>
+                      <a:headEnd type="none" w="med" len="med"/>
+                      <a:tailEnd type="none" w="med" len="med"/>
+                    </a:lnT>
+                    <a:lnB w="12700" cap="flat" cmpd="sng" algn="ctr">
+                      <a:solidFill>
+                        <a:schemeClr val="tx1"/>
+                      </a:solidFill>
+                      <a:prstDash val="solid"/>
+                      <a:round/>
+                      <a:headEnd type="none" w="med" len="med"/>
+                      <a:tailEnd type="none" w="med" len="med"/>
+                    </a:lnB>
+                  </a:tcPr>
+                </a:tc>
+                <a:tc>
+                  <a:txBody>
+                    <a:bodyPr/>
+                    <a:lstStyle/>
+                    <a:p>
+                      <a:r>
+                        <a:rPr lang="en-GB" dirty="0"/>
+                        <a:t>(</a:t>
+                      </a:r>
+                      <a:r>
+                        <a:rPr lang="en-GB" dirty="0" err="1"/>
+                        <a:t>f,N</a:t>
+                      </a:r>
+                      <a:r>
+                        <a:rPr lang="en-GB" dirty="0"/>
+                        <a:t>)</a:t>
+                      </a:r>
+                    </a:p>
+                  </a:txBody>
+                  <a:tcPr anchor="ctr">
+                    <a:lnL w="12700" cap="flat" cmpd="sng" algn="ctr">
+                      <a:solidFill>
+                        <a:schemeClr val="tx1"/>
+                      </a:solidFill>
+                      <a:prstDash val="solid"/>
+                      <a:round/>
+                      <a:headEnd type="none" w="med" len="med"/>
+                      <a:tailEnd type="none" w="med" len="med"/>
+                    </a:lnL>
+                    <a:lnR w="12700" cap="flat" cmpd="sng" algn="ctr">
+                      <a:solidFill>
+                        <a:schemeClr val="tx1"/>
+                      </a:solidFill>
+                      <a:prstDash val="solid"/>
+                      <a:round/>
+                      <a:headEnd type="none" w="med" len="med"/>
+                      <a:tailEnd type="none" w="med" len="med"/>
+                    </a:lnR>
+                    <a:lnT w="12700" cap="flat" cmpd="sng" algn="ctr">
+                      <a:solidFill>
+                        <a:schemeClr val="tx1"/>
+                      </a:solidFill>
+                      <a:prstDash val="solid"/>
+                      <a:round/>
+                      <a:headEnd type="none" w="med" len="med"/>
+                      <a:tailEnd type="none" w="med" len="med"/>
+                    </a:lnT>
+                    <a:lnB w="12700" cap="flat" cmpd="sng" algn="ctr">
+                      <a:solidFill>
+                        <a:schemeClr val="tx1"/>
+                      </a:solidFill>
+                      <a:prstDash val="solid"/>
+                      <a:round/>
+                      <a:headEnd type="none" w="med" len="med"/>
+                      <a:tailEnd type="none" w="med" len="med"/>
+                    </a:lnB>
+                  </a:tcPr>
+                </a:tc>
+                <a:extLst>
+                  <a:ext uri="{0D108BD9-81ED-4DB2-BD59-A6C34878D82A}">
+                    <a16:rowId xmlns:a16="http://schemas.microsoft.com/office/drawing/2014/main" val="3018837350"/>
+                  </a:ext>
+                </a:extLst>
+              </a:tr>
+              <a:tr h="617532">
+                <a:tc>
+                  <a:txBody>
+                    <a:bodyPr/>
+                    <a:lstStyle/>
+                    <a:p>
+                      <a:r>
+                        <a:rPr lang="en-GB" dirty="0"/>
+                        <a:t>(</a:t>
+                      </a:r>
+                      <a:r>
+                        <a:rPr lang="en-GB" dirty="0" err="1"/>
+                        <a:t>f,N</a:t>
+                      </a:r>
+                      <a:r>
+                        <a:rPr lang="en-GB" dirty="0"/>
+                        <a:t>)</a:t>
+                      </a:r>
+                    </a:p>
+                  </a:txBody>
+                  <a:tcPr anchor="ctr">
+                    <a:lnL w="12700" cap="flat" cmpd="sng" algn="ctr">
+                      <a:solidFill>
+                        <a:schemeClr val="tx1"/>
+                      </a:solidFill>
+                      <a:prstDash val="solid"/>
+                      <a:round/>
+                      <a:headEnd type="none" w="med" len="med"/>
+                      <a:tailEnd type="none" w="med" len="med"/>
+                    </a:lnL>
+                    <a:lnR w="12700" cap="flat" cmpd="sng" algn="ctr">
+                      <a:solidFill>
+                        <a:schemeClr val="tx1"/>
+                      </a:solidFill>
+                      <a:prstDash val="solid"/>
+                      <a:round/>
+                      <a:headEnd type="none" w="med" len="med"/>
+                      <a:tailEnd type="none" w="med" len="med"/>
+                    </a:lnR>
+                    <a:lnT w="12700" cap="flat" cmpd="sng" algn="ctr">
+                      <a:solidFill>
+                        <a:schemeClr val="tx1"/>
+                      </a:solidFill>
+                      <a:prstDash val="solid"/>
+                      <a:round/>
+                      <a:headEnd type="none" w="med" len="med"/>
+                      <a:tailEnd type="none" w="med" len="med"/>
+                    </a:lnT>
+                    <a:lnB w="12700" cap="flat" cmpd="sng" algn="ctr">
+                      <a:solidFill>
+                        <a:schemeClr val="tx1"/>
+                      </a:solidFill>
+                      <a:prstDash val="solid"/>
+                      <a:round/>
+                      <a:headEnd type="none" w="med" len="med"/>
+                      <a:tailEnd type="none" w="med" len="med"/>
+                    </a:lnB>
+                  </a:tcPr>
+                </a:tc>
+                <a:tc>
+                  <a:txBody>
+                    <a:bodyPr/>
+                    <a:lstStyle/>
+                    <a:p>
+                      <a:pPr algn="ctr"/>
+                      <a:r>
+                        <a:rPr lang="en-GB" dirty="0"/>
+                        <a:t>(f, S  )</a:t>
+                      </a:r>
+                    </a:p>
+                  </a:txBody>
+                  <a:tcPr anchor="ctr">
+                    <a:lnL w="12700" cap="flat" cmpd="sng" algn="ctr">
+                      <a:solidFill>
+                        <a:schemeClr val="tx1"/>
+                      </a:solidFill>
+                      <a:prstDash val="solid"/>
+                      <a:round/>
+                      <a:headEnd type="none" w="med" len="med"/>
+                      <a:tailEnd type="none" w="med" len="med"/>
+                    </a:lnL>
+                    <a:lnR w="12700" cap="flat" cmpd="sng" algn="ctr">
+                      <a:solidFill>
+                        <a:schemeClr val="tx1"/>
+                      </a:solidFill>
+                      <a:prstDash val="solid"/>
+                      <a:round/>
+                      <a:headEnd type="none" w="med" len="med"/>
+                      <a:tailEnd type="none" w="med" len="med"/>
+                    </a:lnR>
+                    <a:lnT w="12700" cap="flat" cmpd="sng" algn="ctr">
+                      <a:solidFill>
+                        <a:schemeClr val="tx1"/>
+                      </a:solidFill>
+                      <a:prstDash val="solid"/>
+                      <a:round/>
+                      <a:headEnd type="none" w="med" len="med"/>
+                      <a:tailEnd type="none" w="med" len="med"/>
+                    </a:lnT>
+                    <a:lnB w="12700" cap="flat" cmpd="sng" algn="ctr">
+                      <a:solidFill>
+                        <a:schemeClr val="tx1"/>
+                      </a:solidFill>
+                      <a:prstDash val="solid"/>
+                      <a:round/>
+                      <a:headEnd type="none" w="med" len="med"/>
+                      <a:tailEnd type="none" w="med" len="med"/>
+                    </a:lnB>
+                  </a:tcPr>
+                </a:tc>
+                <a:tc>
+                  <a:txBody>
+                    <a:bodyPr/>
+                    <a:lstStyle/>
+                    <a:p>
+                      <a:pPr algn="ctr"/>
+                      <a:r>
+                        <a:rPr lang="en-GB" dirty="0"/>
+                        <a:t>(f, S  )</a:t>
+                      </a:r>
+                    </a:p>
+                  </a:txBody>
+                  <a:tcPr anchor="ctr">
+                    <a:lnL w="12700" cap="flat" cmpd="sng" algn="ctr">
+                      <a:solidFill>
+                        <a:schemeClr val="tx1"/>
+                      </a:solidFill>
+                      <a:prstDash val="solid"/>
+                      <a:round/>
+                      <a:headEnd type="none" w="med" len="med"/>
+                      <a:tailEnd type="none" w="med" len="med"/>
+                    </a:lnL>
+                    <a:lnR w="12700" cap="flat" cmpd="sng" algn="ctr">
+                      <a:solidFill>
+                        <a:schemeClr val="tx1"/>
+                      </a:solidFill>
+                      <a:prstDash val="solid"/>
+                      <a:round/>
+                      <a:headEnd type="none" w="med" len="med"/>
+                      <a:tailEnd type="none" w="med" len="med"/>
+                    </a:lnR>
+                    <a:lnT w="12700" cap="flat" cmpd="sng" algn="ctr">
+                      <a:solidFill>
+                        <a:schemeClr val="tx1"/>
+                      </a:solidFill>
+                      <a:prstDash val="solid"/>
+                      <a:round/>
+                      <a:headEnd type="none" w="med" len="med"/>
+                      <a:tailEnd type="none" w="med" len="med"/>
+                    </a:lnT>
+                    <a:lnB w="12700" cap="flat" cmpd="sng" algn="ctr">
+                      <a:solidFill>
+                        <a:schemeClr val="tx1"/>
+                      </a:solidFill>
+                      <a:prstDash val="solid"/>
+                      <a:round/>
+                      <a:headEnd type="none" w="med" len="med"/>
+                      <a:tailEnd type="none" w="med" len="med"/>
+                    </a:lnB>
+                  </a:tcPr>
+                </a:tc>
+                <a:tc>
+                  <a:txBody>
+                    <a:bodyPr/>
+                    <a:lstStyle/>
+                    <a:p>
+                      <a:r>
+                        <a:rPr lang="en-GB" dirty="0"/>
+                        <a:t>(</a:t>
+                      </a:r>
+                      <a:r>
+                        <a:rPr lang="en-GB" dirty="0" err="1"/>
+                        <a:t>f,N</a:t>
+                      </a:r>
+                      <a:r>
+                        <a:rPr lang="en-GB" dirty="0"/>
+                        <a:t>)</a:t>
+                      </a:r>
+                    </a:p>
+                  </a:txBody>
+                  <a:tcPr anchor="ctr">
+                    <a:lnL w="12700" cap="flat" cmpd="sng" algn="ctr">
+                      <a:solidFill>
+                        <a:schemeClr val="tx1"/>
+                      </a:solidFill>
+                      <a:prstDash val="solid"/>
+                      <a:round/>
+                      <a:headEnd type="none" w="med" len="med"/>
+                      <a:tailEnd type="none" w="med" len="med"/>
+                    </a:lnL>
+                    <a:lnR w="12700" cap="flat" cmpd="sng" algn="ctr">
+                      <a:solidFill>
+                        <a:schemeClr val="tx1"/>
+                      </a:solidFill>
+                      <a:prstDash val="solid"/>
+                      <a:round/>
+                      <a:headEnd type="none" w="med" len="med"/>
+                      <a:tailEnd type="none" w="med" len="med"/>
+                    </a:lnR>
+                    <a:lnT w="12700" cap="flat" cmpd="sng" algn="ctr">
+                      <a:solidFill>
+                        <a:schemeClr val="tx1"/>
+                      </a:solidFill>
+                      <a:prstDash val="solid"/>
+                      <a:round/>
+                      <a:headEnd type="none" w="med" len="med"/>
+                      <a:tailEnd type="none" w="med" len="med"/>
+                    </a:lnT>
+                    <a:lnB w="12700" cap="flat" cmpd="sng" algn="ctr">
+                      <a:solidFill>
+                        <a:schemeClr val="tx1"/>
+                      </a:solidFill>
+                      <a:prstDash val="solid"/>
+                      <a:round/>
+                      <a:headEnd type="none" w="med" len="med"/>
+                      <a:tailEnd type="none" w="med" len="med"/>
+                    </a:lnB>
+                  </a:tcPr>
+                </a:tc>
+                <a:tc>
+                  <a:txBody>
+                    <a:bodyPr/>
+                    <a:lstStyle/>
+                    <a:p>
+                      <a:r>
+                        <a:rPr lang="en-GB" dirty="0"/>
+                        <a:t>(</a:t>
+                      </a:r>
+                      <a:r>
+                        <a:rPr lang="en-GB" dirty="0" err="1"/>
+                        <a:t>f,N</a:t>
+                      </a:r>
+                      <a:r>
+                        <a:rPr lang="en-GB" dirty="0"/>
+                        <a:t>)</a:t>
+                      </a:r>
+                    </a:p>
+                  </a:txBody>
+                  <a:tcPr anchor="ctr">
+                    <a:lnL w="12700" cap="flat" cmpd="sng" algn="ctr">
+                      <a:solidFill>
+                        <a:schemeClr val="tx1"/>
+                      </a:solidFill>
+                      <a:prstDash val="solid"/>
+                      <a:round/>
+                      <a:headEnd type="none" w="med" len="med"/>
+                      <a:tailEnd type="none" w="med" len="med"/>
+                    </a:lnL>
+                    <a:lnR w="12700" cap="flat" cmpd="sng" algn="ctr">
+                      <a:solidFill>
+                        <a:schemeClr val="tx1"/>
+                      </a:solidFill>
+                      <a:prstDash val="solid"/>
+                      <a:round/>
+                      <a:headEnd type="none" w="med" len="med"/>
+                      <a:tailEnd type="none" w="med" len="med"/>
+                    </a:lnR>
+                    <a:lnT w="12700" cap="flat" cmpd="sng" algn="ctr">
+                      <a:solidFill>
+                        <a:schemeClr val="tx1"/>
+                      </a:solidFill>
+                      <a:prstDash val="solid"/>
+                      <a:round/>
+                      <a:headEnd type="none" w="med" len="med"/>
+                      <a:tailEnd type="none" w="med" len="med"/>
+                    </a:lnT>
+                    <a:lnB w="12700" cap="flat" cmpd="sng" algn="ctr">
+                      <a:solidFill>
+                        <a:schemeClr val="tx1"/>
+                      </a:solidFill>
+                      <a:prstDash val="solid"/>
+                      <a:round/>
+                      <a:headEnd type="none" w="med" len="med"/>
+                      <a:tailEnd type="none" w="med" len="med"/>
+                    </a:lnB>
+                  </a:tcPr>
+                </a:tc>
+                <a:tc>
+                  <a:txBody>
+                    <a:bodyPr/>
+                    <a:lstStyle/>
+                    <a:p>
+                      <a:r>
+                        <a:rPr lang="en-GB" dirty="0"/>
+                        <a:t>(</a:t>
+                      </a:r>
+                      <a:r>
+                        <a:rPr lang="en-GB" dirty="0" err="1"/>
+                        <a:t>f,N</a:t>
+                      </a:r>
+                      <a:r>
+                        <a:rPr lang="en-GB" dirty="0"/>
+                        <a:t>)</a:t>
+                      </a:r>
+                    </a:p>
+                  </a:txBody>
+                  <a:tcPr anchor="ctr">
+                    <a:lnL w="12700" cap="flat" cmpd="sng" algn="ctr">
+                      <a:solidFill>
+                        <a:schemeClr val="tx1"/>
+                      </a:solidFill>
+                      <a:prstDash val="solid"/>
+                      <a:round/>
+                      <a:headEnd type="none" w="med" len="med"/>
+                      <a:tailEnd type="none" w="med" len="med"/>
+                    </a:lnL>
+                    <a:lnR w="12700" cap="flat" cmpd="sng" algn="ctr">
+                      <a:solidFill>
+                        <a:schemeClr val="tx1"/>
+                      </a:solidFill>
+                      <a:prstDash val="solid"/>
+                      <a:round/>
+                      <a:headEnd type="none" w="med" len="med"/>
+                      <a:tailEnd type="none" w="med" len="med"/>
+                    </a:lnR>
+                    <a:lnT w="12700" cap="flat" cmpd="sng" algn="ctr">
+                      <a:solidFill>
+                        <a:schemeClr val="tx1"/>
+                      </a:solidFill>
+                      <a:prstDash val="solid"/>
+                      <a:round/>
+                      <a:headEnd type="none" w="med" len="med"/>
+                      <a:tailEnd type="none" w="med" len="med"/>
+                    </a:lnT>
+                    <a:lnB w="12700" cap="flat" cmpd="sng" algn="ctr">
+                      <a:solidFill>
+                        <a:schemeClr val="tx1"/>
+                      </a:solidFill>
+                      <a:prstDash val="solid"/>
+                      <a:round/>
+                      <a:headEnd type="none" w="med" len="med"/>
+                      <a:tailEnd type="none" w="med" len="med"/>
+                    </a:lnB>
+                  </a:tcPr>
+                </a:tc>
+                <a:extLst>
+                  <a:ext uri="{0D108BD9-81ED-4DB2-BD59-A6C34878D82A}">
+                    <a16:rowId xmlns:a16="http://schemas.microsoft.com/office/drawing/2014/main" val="3546296"/>
+                  </a:ext>
+                </a:extLst>
+              </a:tr>
+              <a:tr h="617532">
+                <a:tc>
+                  <a:txBody>
+                    <a:bodyPr/>
+                    <a:lstStyle/>
+                    <a:p>
+                      <a:r>
+                        <a:rPr lang="en-GB" dirty="0"/>
+                        <a:t>(</a:t>
+                      </a:r>
+                      <a:r>
+                        <a:rPr lang="en-GB" dirty="0" err="1"/>
+                        <a:t>f,N</a:t>
+                      </a:r>
+                      <a:r>
+                        <a:rPr lang="en-GB" dirty="0"/>
+                        <a:t>)</a:t>
+                      </a:r>
+                    </a:p>
+                  </a:txBody>
+                  <a:tcPr anchor="ctr">
+                    <a:lnL w="12700" cap="flat" cmpd="sng" algn="ctr">
+                      <a:solidFill>
+                        <a:schemeClr val="tx1"/>
+                      </a:solidFill>
+                      <a:prstDash val="solid"/>
+                      <a:round/>
+                      <a:headEnd type="none" w="med" len="med"/>
+                      <a:tailEnd type="none" w="med" len="med"/>
+                    </a:lnL>
+                    <a:lnR w="12700" cap="flat" cmpd="sng" algn="ctr">
+                      <a:solidFill>
+                        <a:schemeClr val="tx1"/>
+                      </a:solidFill>
+                      <a:prstDash val="solid"/>
+                      <a:round/>
+                      <a:headEnd type="none" w="med" len="med"/>
+                      <a:tailEnd type="none" w="med" len="med"/>
+                    </a:lnR>
+                    <a:lnT w="12700" cap="flat" cmpd="sng" algn="ctr">
+                      <a:solidFill>
+                        <a:schemeClr val="tx1"/>
+                      </a:solidFill>
+                      <a:prstDash val="solid"/>
+                      <a:round/>
+                      <a:headEnd type="none" w="med" len="med"/>
+                      <a:tailEnd type="none" w="med" len="med"/>
+                    </a:lnT>
+                    <a:lnB w="12700" cap="flat" cmpd="sng" algn="ctr">
+                      <a:solidFill>
+                        <a:schemeClr val="tx1"/>
+                      </a:solidFill>
+                      <a:prstDash val="solid"/>
+                      <a:round/>
+                      <a:headEnd type="none" w="med" len="med"/>
+                      <a:tailEnd type="none" w="med" len="med"/>
+                    </a:lnB>
+                  </a:tcPr>
+                </a:tc>
+                <a:tc>
+                  <a:txBody>
+                    <a:bodyPr/>
+                    <a:lstStyle/>
+                    <a:p>
+                      <a:r>
+                        <a:rPr lang="en-GB" dirty="0"/>
+                        <a:t>(</a:t>
+                      </a:r>
+                      <a:r>
+                        <a:rPr lang="en-GB" dirty="0" err="1"/>
+                        <a:t>f,N</a:t>
+                      </a:r>
+                      <a:r>
+                        <a:rPr lang="en-GB" dirty="0"/>
+                        <a:t>)</a:t>
+                      </a:r>
+                    </a:p>
+                  </a:txBody>
+                  <a:tcPr anchor="ctr">
+                    <a:lnL w="12700" cap="flat" cmpd="sng" algn="ctr">
+                      <a:solidFill>
+                        <a:schemeClr val="tx1"/>
+                      </a:solidFill>
+                      <a:prstDash val="solid"/>
+                      <a:round/>
+                      <a:headEnd type="none" w="med" len="med"/>
+                      <a:tailEnd type="none" w="med" len="med"/>
+                    </a:lnL>
+                    <a:lnR w="12700" cap="flat" cmpd="sng" algn="ctr">
+                      <a:solidFill>
+                        <a:schemeClr val="tx1"/>
+                      </a:solidFill>
+                      <a:prstDash val="solid"/>
+                      <a:round/>
+                      <a:headEnd type="none" w="med" len="med"/>
+                      <a:tailEnd type="none" w="med" len="med"/>
+                    </a:lnR>
+                    <a:lnT w="12700" cap="flat" cmpd="sng" algn="ctr">
+                      <a:solidFill>
+                        <a:schemeClr val="tx1"/>
+                      </a:solidFill>
+                      <a:prstDash val="solid"/>
+                      <a:round/>
+                      <a:headEnd type="none" w="med" len="med"/>
+                      <a:tailEnd type="none" w="med" len="med"/>
+                    </a:lnT>
+                    <a:lnB w="12700" cap="flat" cmpd="sng" algn="ctr">
+                      <a:solidFill>
+                        <a:schemeClr val="tx1"/>
+                      </a:solidFill>
+                      <a:prstDash val="solid"/>
+                      <a:round/>
+                      <a:headEnd type="none" w="med" len="med"/>
+                      <a:tailEnd type="none" w="med" len="med"/>
+                    </a:lnB>
+                  </a:tcPr>
+                </a:tc>
+                <a:tc>
+                  <a:txBody>
+                    <a:bodyPr/>
+                    <a:lstStyle/>
+                    <a:p>
+                      <a:r>
+                        <a:rPr lang="en-GB" dirty="0"/>
+                        <a:t>(</a:t>
+                      </a:r>
+                      <a:r>
+                        <a:rPr lang="en-GB" dirty="0" err="1"/>
+                        <a:t>f,N</a:t>
+                      </a:r>
+                      <a:r>
+                        <a:rPr lang="en-GB" dirty="0"/>
+                        <a:t>)</a:t>
+                      </a:r>
+                    </a:p>
+                  </a:txBody>
+                  <a:tcPr anchor="ctr">
+                    <a:lnL w="12700" cap="flat" cmpd="sng" algn="ctr">
+                      <a:solidFill>
+                        <a:schemeClr val="tx1"/>
+                      </a:solidFill>
+                      <a:prstDash val="solid"/>
+                      <a:round/>
+                      <a:headEnd type="none" w="med" len="med"/>
+                      <a:tailEnd type="none" w="med" len="med"/>
+                    </a:lnL>
+                    <a:lnR w="12700" cap="flat" cmpd="sng" algn="ctr">
+                      <a:solidFill>
+                        <a:schemeClr val="tx1"/>
+                      </a:solidFill>
+                      <a:prstDash val="solid"/>
+                      <a:round/>
+                      <a:headEnd type="none" w="med" len="med"/>
+                      <a:tailEnd type="none" w="med" len="med"/>
+                    </a:lnR>
+                    <a:lnT w="12700" cap="flat" cmpd="sng" algn="ctr">
+                      <a:solidFill>
+                        <a:schemeClr val="tx1"/>
+                      </a:solidFill>
+                      <a:prstDash val="solid"/>
+                      <a:round/>
+                      <a:headEnd type="none" w="med" len="med"/>
+                      <a:tailEnd type="none" w="med" len="med"/>
+                    </a:lnT>
+                    <a:lnB w="12700" cap="flat" cmpd="sng" algn="ctr">
+                      <a:solidFill>
+                        <a:schemeClr val="tx1"/>
+                      </a:solidFill>
+                      <a:prstDash val="solid"/>
+                      <a:round/>
+                      <a:headEnd type="none" w="med" len="med"/>
+                      <a:tailEnd type="none" w="med" len="med"/>
+                    </a:lnB>
+                  </a:tcPr>
+                </a:tc>
+                <a:tc>
+                  <a:txBody>
+                    <a:bodyPr/>
+                    <a:lstStyle/>
+                    <a:p>
+                      <a:r>
+                        <a:rPr lang="en-GB" dirty="0"/>
+                        <a:t>(</a:t>
+                      </a:r>
+                      <a:r>
+                        <a:rPr lang="en-GB" dirty="0" err="1"/>
+                        <a:t>f,N</a:t>
+                      </a:r>
+                      <a:r>
+                        <a:rPr lang="en-GB" dirty="0"/>
+                        <a:t>)</a:t>
+                      </a:r>
+                    </a:p>
+                  </a:txBody>
+                  <a:tcPr anchor="ctr">
+                    <a:lnL w="12700" cap="flat" cmpd="sng" algn="ctr">
+                      <a:solidFill>
+                        <a:schemeClr val="tx1"/>
+                      </a:solidFill>
+                      <a:prstDash val="solid"/>
+                      <a:round/>
+                      <a:headEnd type="none" w="med" len="med"/>
+                      <a:tailEnd type="none" w="med" len="med"/>
+                    </a:lnL>
+                    <a:lnR w="12700" cap="flat" cmpd="sng" algn="ctr">
+                      <a:solidFill>
+                        <a:schemeClr val="tx1"/>
+                      </a:solidFill>
+                      <a:prstDash val="solid"/>
+                      <a:round/>
+                      <a:headEnd type="none" w="med" len="med"/>
+                      <a:tailEnd type="none" w="med" len="med"/>
+                    </a:lnR>
+                    <a:lnT w="12700" cap="flat" cmpd="sng" algn="ctr">
+                      <a:solidFill>
+                        <a:schemeClr val="tx1"/>
+                      </a:solidFill>
+                      <a:prstDash val="solid"/>
+                      <a:round/>
+                      <a:headEnd type="none" w="med" len="med"/>
+                      <a:tailEnd type="none" w="med" len="med"/>
+                    </a:lnT>
+                    <a:lnB w="12700" cap="flat" cmpd="sng" algn="ctr">
+                      <a:solidFill>
+                        <a:schemeClr val="tx1"/>
+                      </a:solidFill>
+                      <a:prstDash val="solid"/>
+                      <a:round/>
+                      <a:headEnd type="none" w="med" len="med"/>
+                      <a:tailEnd type="none" w="med" len="med"/>
+                    </a:lnB>
+                  </a:tcPr>
+                </a:tc>
+                <a:tc>
+                  <a:txBody>
+                    <a:bodyPr/>
+                    <a:lstStyle/>
+                    <a:p>
+                      <a:pPr algn="ctr"/>
+                      <a:r>
+                        <a:rPr lang="en-GB" dirty="0"/>
+                        <a:t>(f, S  )</a:t>
+                      </a:r>
+                    </a:p>
+                  </a:txBody>
+                  <a:tcPr anchor="ctr">
+                    <a:lnL w="12700" cap="flat" cmpd="sng" algn="ctr">
+                      <a:solidFill>
+                        <a:schemeClr val="tx1"/>
+                      </a:solidFill>
+                      <a:prstDash val="solid"/>
+                      <a:round/>
+                      <a:headEnd type="none" w="med" len="med"/>
+                      <a:tailEnd type="none" w="med" len="med"/>
+                    </a:lnL>
+                    <a:lnR w="12700" cap="flat" cmpd="sng" algn="ctr">
+                      <a:solidFill>
+                        <a:schemeClr val="tx1"/>
+                      </a:solidFill>
+                      <a:prstDash val="solid"/>
+                      <a:round/>
+                      <a:headEnd type="none" w="med" len="med"/>
+                      <a:tailEnd type="none" w="med" len="med"/>
+                    </a:lnR>
+                    <a:lnT w="12700" cap="flat" cmpd="sng" algn="ctr">
+                      <a:solidFill>
+                        <a:schemeClr val="tx1"/>
+                      </a:solidFill>
+                      <a:prstDash val="solid"/>
+                      <a:round/>
+                      <a:headEnd type="none" w="med" len="med"/>
+                      <a:tailEnd type="none" w="med" len="med"/>
+                    </a:lnT>
+                    <a:lnB w="12700" cap="flat" cmpd="sng" algn="ctr">
+                      <a:solidFill>
+                        <a:schemeClr val="tx1"/>
+                      </a:solidFill>
+                      <a:prstDash val="solid"/>
+                      <a:round/>
+                      <a:headEnd type="none" w="med" len="med"/>
+                      <a:tailEnd type="none" w="med" len="med"/>
+                    </a:lnB>
+                  </a:tcPr>
+                </a:tc>
+                <a:tc>
+                  <a:txBody>
+                    <a:bodyPr/>
+                    <a:lstStyle/>
+                    <a:p>
+                      <a:r>
+                        <a:rPr lang="en-GB" dirty="0"/>
+                        <a:t>(</a:t>
+                      </a:r>
+                      <a:r>
+                        <a:rPr lang="en-GB" dirty="0" err="1"/>
+                        <a:t>f,N</a:t>
+                      </a:r>
+                      <a:r>
+                        <a:rPr lang="en-GB" dirty="0"/>
+                        <a:t>)</a:t>
+                      </a:r>
+                    </a:p>
+                  </a:txBody>
+                  <a:tcPr anchor="ctr">
+                    <a:lnL w="12700" cap="flat" cmpd="sng" algn="ctr">
+                      <a:solidFill>
+                        <a:schemeClr val="tx1"/>
+                      </a:solidFill>
+                      <a:prstDash val="solid"/>
+                      <a:round/>
+                      <a:headEnd type="none" w="med" len="med"/>
+                      <a:tailEnd type="none" w="med" len="med"/>
+                    </a:lnL>
+                    <a:lnR w="12700" cap="flat" cmpd="sng" algn="ctr">
+                      <a:solidFill>
+                        <a:schemeClr val="tx1"/>
+                      </a:solidFill>
+                      <a:prstDash val="solid"/>
+                      <a:round/>
+                      <a:headEnd type="none" w="med" len="med"/>
+                      <a:tailEnd type="none" w="med" len="med"/>
+                    </a:lnR>
+                    <a:lnT w="12700" cap="flat" cmpd="sng" algn="ctr">
+                      <a:solidFill>
+                        <a:schemeClr val="tx1"/>
+                      </a:solidFill>
+                      <a:prstDash val="solid"/>
+                      <a:round/>
+                      <a:headEnd type="none" w="med" len="med"/>
+                      <a:tailEnd type="none" w="med" len="med"/>
+                    </a:lnT>
+                    <a:lnB w="12700" cap="flat" cmpd="sng" algn="ctr">
+                      <a:solidFill>
+                        <a:schemeClr val="tx1"/>
+                      </a:solidFill>
+                      <a:prstDash val="solid"/>
+                      <a:round/>
+                      <a:headEnd type="none" w="med" len="med"/>
+                      <a:tailEnd type="none" w="med" len="med"/>
+                    </a:lnB>
+                  </a:tcPr>
+                </a:tc>
+                <a:extLst>
+                  <a:ext uri="{0D108BD9-81ED-4DB2-BD59-A6C34878D82A}">
+                    <a16:rowId xmlns:a16="http://schemas.microsoft.com/office/drawing/2014/main" val="3647717143"/>
+                  </a:ext>
+                </a:extLst>
+              </a:tr>
+              <a:tr h="617532">
+                <a:tc>
+                  <a:txBody>
+                    <a:bodyPr/>
+                    <a:lstStyle/>
+                    <a:p>
+                      <a:r>
+                        <a:rPr lang="en-GB" dirty="0"/>
+                        <a:t>(</a:t>
+                      </a:r>
+                      <a:r>
+                        <a:rPr lang="en-GB" dirty="0" err="1"/>
+                        <a:t>f,N</a:t>
+                      </a:r>
+                      <a:r>
+                        <a:rPr lang="en-GB" dirty="0"/>
+                        <a:t>)</a:t>
+                      </a:r>
+                    </a:p>
+                  </a:txBody>
+                  <a:tcPr anchor="ctr">
+                    <a:lnL w="12700" cap="flat" cmpd="sng" algn="ctr">
+                      <a:solidFill>
+                        <a:schemeClr val="tx1"/>
+                      </a:solidFill>
+                      <a:prstDash val="solid"/>
+                      <a:round/>
+                      <a:headEnd type="none" w="med" len="med"/>
+                      <a:tailEnd type="none" w="med" len="med"/>
+                    </a:lnL>
+                    <a:lnR w="12700" cap="flat" cmpd="sng" algn="ctr">
+                      <a:solidFill>
+                        <a:schemeClr val="tx1"/>
+                      </a:solidFill>
+                      <a:prstDash val="solid"/>
+                      <a:round/>
+                      <a:headEnd type="none" w="med" len="med"/>
+                      <a:tailEnd type="none" w="med" len="med"/>
+                    </a:lnR>
+                    <a:lnT w="12700" cap="flat" cmpd="sng" algn="ctr">
+                      <a:solidFill>
+                        <a:schemeClr val="tx1"/>
+                      </a:solidFill>
+                      <a:prstDash val="solid"/>
+                      <a:round/>
+                      <a:headEnd type="none" w="med" len="med"/>
+                      <a:tailEnd type="none" w="med" len="med"/>
+                    </a:lnT>
+                    <a:lnB w="12700" cap="flat" cmpd="sng" algn="ctr">
+                      <a:solidFill>
+                        <a:schemeClr val="tx1"/>
+                      </a:solidFill>
+                      <a:prstDash val="solid"/>
+                      <a:round/>
+                      <a:headEnd type="none" w="med" len="med"/>
+                      <a:tailEnd type="none" w="med" len="med"/>
+                    </a:lnB>
+                  </a:tcPr>
+                </a:tc>
+                <a:tc>
+                  <a:txBody>
+                    <a:bodyPr/>
+                    <a:lstStyle/>
+                    <a:p>
+                      <a:pPr marL="0" marR="0" lvl="0" indent="0" algn="l" defTabSz="914400" rtl="0" eaLnBrk="1" fontAlgn="auto" latinLnBrk="0" hangingPunct="1">
+                        <a:lnSpc>
+                          <a:spcPct val="100000"/>
+                        </a:lnSpc>
+                        <a:spcBef>
+                          <a:spcPts val="0"/>
+                        </a:spcBef>
+                        <a:spcAft>
+                          <a:spcPts val="0"/>
+                        </a:spcAft>
+                        <a:buClrTx/>
+                        <a:buSzTx/>
+                        <a:buFontTx/>
+                        <a:buNone/>
+                        <a:tabLst/>
+                        <a:defRPr/>
+                      </a:pPr>
+                      <a:r>
+                        <a:rPr lang="en-GB" dirty="0"/>
+                        <a:t>(</a:t>
+                      </a:r>
+                      <a:r>
+                        <a:rPr lang="en-GB" dirty="0" err="1"/>
+                        <a:t>f,N</a:t>
+                      </a:r>
+                      <a:r>
+                        <a:rPr lang="en-GB" dirty="0"/>
+                        <a:t>)</a:t>
+                      </a:r>
+                    </a:p>
+                  </a:txBody>
+                  <a:tcPr anchor="ctr">
+                    <a:lnL w="12700" cap="flat" cmpd="sng" algn="ctr">
+                      <a:solidFill>
+                        <a:schemeClr val="tx1"/>
+                      </a:solidFill>
+                      <a:prstDash val="solid"/>
+                      <a:round/>
+                      <a:headEnd type="none" w="med" len="med"/>
+                      <a:tailEnd type="none" w="med" len="med"/>
+                    </a:lnL>
+                    <a:lnR w="12700" cap="flat" cmpd="sng" algn="ctr">
+                      <a:solidFill>
+                        <a:schemeClr val="tx1"/>
+                      </a:solidFill>
+                      <a:prstDash val="solid"/>
+                      <a:round/>
+                      <a:headEnd type="none" w="med" len="med"/>
+                      <a:tailEnd type="none" w="med" len="med"/>
+                    </a:lnR>
+                    <a:lnT w="12700" cap="flat" cmpd="sng" algn="ctr">
+                      <a:solidFill>
+                        <a:schemeClr val="tx1"/>
+                      </a:solidFill>
+                      <a:prstDash val="solid"/>
+                      <a:round/>
+                      <a:headEnd type="none" w="med" len="med"/>
+                      <a:tailEnd type="none" w="med" len="med"/>
+                    </a:lnT>
+                    <a:lnB w="12700" cap="flat" cmpd="sng" algn="ctr">
+                      <a:solidFill>
+                        <a:schemeClr val="tx1"/>
+                      </a:solidFill>
+                      <a:prstDash val="solid"/>
+                      <a:round/>
+                      <a:headEnd type="none" w="med" len="med"/>
+                      <a:tailEnd type="none" w="med" len="med"/>
+                    </a:lnB>
+                  </a:tcPr>
+                </a:tc>
+                <a:tc>
+                  <a:txBody>
+                    <a:bodyPr/>
+                    <a:lstStyle/>
+                    <a:p>
+                      <a:pPr marL="0" marR="0" lvl="0" indent="0" algn="l" defTabSz="914400" rtl="0" eaLnBrk="1" fontAlgn="auto" latinLnBrk="0" hangingPunct="1">
+                        <a:lnSpc>
+                          <a:spcPct val="100000"/>
+                        </a:lnSpc>
+                        <a:spcBef>
+                          <a:spcPts val="0"/>
+                        </a:spcBef>
+                        <a:spcAft>
+                          <a:spcPts val="0"/>
+                        </a:spcAft>
+                        <a:buClrTx/>
+                        <a:buSzTx/>
+                        <a:buFontTx/>
+                        <a:buNone/>
+                        <a:tabLst/>
+                        <a:defRPr/>
+                      </a:pPr>
+                      <a:r>
+                        <a:rPr lang="en-GB" dirty="0"/>
+                        <a:t>(</a:t>
+                      </a:r>
+                      <a:r>
+                        <a:rPr lang="en-GB" dirty="0" err="1"/>
+                        <a:t>f,N</a:t>
+                      </a:r>
+                      <a:r>
+                        <a:rPr lang="en-GB" dirty="0"/>
+                        <a:t>)</a:t>
+                      </a:r>
+                    </a:p>
+                  </a:txBody>
+                  <a:tcPr anchor="ctr">
+                    <a:lnL w="12700" cap="flat" cmpd="sng" algn="ctr">
+                      <a:solidFill>
+                        <a:schemeClr val="tx1"/>
+                      </a:solidFill>
+                      <a:prstDash val="solid"/>
+                      <a:round/>
+                      <a:headEnd type="none" w="med" len="med"/>
+                      <a:tailEnd type="none" w="med" len="med"/>
+                    </a:lnL>
+                    <a:lnR w="12700" cap="flat" cmpd="sng" algn="ctr">
+                      <a:solidFill>
+                        <a:schemeClr val="tx1"/>
+                      </a:solidFill>
+                      <a:prstDash val="solid"/>
+                      <a:round/>
+                      <a:headEnd type="none" w="med" len="med"/>
+                      <a:tailEnd type="none" w="med" len="med"/>
+                    </a:lnR>
+                    <a:lnT w="12700" cap="flat" cmpd="sng" algn="ctr">
+                      <a:solidFill>
+                        <a:schemeClr val="tx1"/>
+                      </a:solidFill>
+                      <a:prstDash val="solid"/>
+                      <a:round/>
+                      <a:headEnd type="none" w="med" len="med"/>
+                      <a:tailEnd type="none" w="med" len="med"/>
+                    </a:lnT>
+                    <a:lnB w="12700" cap="flat" cmpd="sng" algn="ctr">
+                      <a:solidFill>
+                        <a:schemeClr val="tx1"/>
+                      </a:solidFill>
+                      <a:prstDash val="solid"/>
+                      <a:round/>
+                      <a:headEnd type="none" w="med" len="med"/>
+                      <a:tailEnd type="none" w="med" len="med"/>
+                    </a:lnB>
+                  </a:tcPr>
+                </a:tc>
+                <a:tc>
+                  <a:txBody>
+                    <a:bodyPr/>
+                    <a:lstStyle/>
+                    <a:p>
+                      <a:r>
+                        <a:rPr lang="en-GB" dirty="0"/>
+                        <a:t>(</a:t>
+                      </a:r>
+                      <a:r>
+                        <a:rPr lang="en-GB" dirty="0" err="1"/>
+                        <a:t>f,N</a:t>
+                      </a:r>
+                      <a:r>
+                        <a:rPr lang="en-GB" dirty="0"/>
+                        <a:t>)</a:t>
+                      </a:r>
+                    </a:p>
+                  </a:txBody>
+                  <a:tcPr anchor="ctr">
+                    <a:lnL w="12700" cap="flat" cmpd="sng" algn="ctr">
+                      <a:solidFill>
+                        <a:schemeClr val="tx1"/>
+                      </a:solidFill>
+                      <a:prstDash val="solid"/>
+                      <a:round/>
+                      <a:headEnd type="none" w="med" len="med"/>
+                      <a:tailEnd type="none" w="med" len="med"/>
+                    </a:lnL>
+                    <a:lnR w="12700" cap="flat" cmpd="sng" algn="ctr">
+                      <a:solidFill>
+                        <a:schemeClr val="tx1"/>
+                      </a:solidFill>
+                      <a:prstDash val="solid"/>
+                      <a:round/>
+                      <a:headEnd type="none" w="med" len="med"/>
+                      <a:tailEnd type="none" w="med" len="med"/>
+                    </a:lnR>
+                    <a:lnT w="12700" cap="flat" cmpd="sng" algn="ctr">
+                      <a:solidFill>
+                        <a:schemeClr val="tx1"/>
+                      </a:solidFill>
+                      <a:prstDash val="solid"/>
+                      <a:round/>
+                      <a:headEnd type="none" w="med" len="med"/>
+                      <a:tailEnd type="none" w="med" len="med"/>
+                    </a:lnT>
+                    <a:lnB w="12700" cap="flat" cmpd="sng" algn="ctr">
+                      <a:solidFill>
+                        <a:schemeClr val="tx1"/>
+                      </a:solidFill>
+                      <a:prstDash val="solid"/>
+                      <a:round/>
+                      <a:headEnd type="none" w="med" len="med"/>
+                      <a:tailEnd type="none" w="med" len="med"/>
+                    </a:lnB>
+                  </a:tcPr>
+                </a:tc>
+                <a:tc>
+                  <a:txBody>
+                    <a:bodyPr/>
+                    <a:lstStyle/>
+                    <a:p>
+                      <a:pPr algn="ctr"/>
+                      <a:r>
+                        <a:rPr lang="en-GB" dirty="0"/>
+                        <a:t>(f, S  )</a:t>
+                      </a:r>
+                    </a:p>
+                  </a:txBody>
+                  <a:tcPr anchor="ctr">
+                    <a:lnL w="12700" cap="flat" cmpd="sng" algn="ctr">
+                      <a:solidFill>
+                        <a:schemeClr val="tx1"/>
+                      </a:solidFill>
+                      <a:prstDash val="solid"/>
+                      <a:round/>
+                      <a:headEnd type="none" w="med" len="med"/>
+                      <a:tailEnd type="none" w="med" len="med"/>
+                    </a:lnL>
+                    <a:lnR w="12700" cap="flat" cmpd="sng" algn="ctr">
+                      <a:solidFill>
+                        <a:schemeClr val="tx1"/>
+                      </a:solidFill>
+                      <a:prstDash val="solid"/>
+                      <a:round/>
+                      <a:headEnd type="none" w="med" len="med"/>
+                      <a:tailEnd type="none" w="med" len="med"/>
+                    </a:lnR>
+                    <a:lnT w="12700" cap="flat" cmpd="sng" algn="ctr">
+                      <a:solidFill>
+                        <a:schemeClr val="tx1"/>
+                      </a:solidFill>
+                      <a:prstDash val="solid"/>
+                      <a:round/>
+                      <a:headEnd type="none" w="med" len="med"/>
+                      <a:tailEnd type="none" w="med" len="med"/>
+                    </a:lnT>
+                    <a:lnB w="12700" cap="flat" cmpd="sng" algn="ctr">
+                      <a:solidFill>
+                        <a:schemeClr val="tx1"/>
+                      </a:solidFill>
+                      <a:prstDash val="solid"/>
+                      <a:round/>
+                      <a:headEnd type="none" w="med" len="med"/>
+                      <a:tailEnd type="none" w="med" len="med"/>
+                    </a:lnB>
+                  </a:tcPr>
+                </a:tc>
+                <a:tc>
+                  <a:txBody>
+                    <a:bodyPr/>
+                    <a:lstStyle/>
+                    <a:p>
+                      <a:r>
+                        <a:rPr lang="en-GB" dirty="0"/>
+                        <a:t>(</a:t>
+                      </a:r>
+                      <a:r>
+                        <a:rPr lang="en-GB" dirty="0" err="1"/>
+                        <a:t>f,N</a:t>
+                      </a:r>
+                      <a:r>
+                        <a:rPr lang="en-GB" dirty="0"/>
+                        <a:t>)</a:t>
+                      </a:r>
+                    </a:p>
+                  </a:txBody>
+                  <a:tcPr anchor="ctr">
+                    <a:lnL w="12700" cap="flat" cmpd="sng" algn="ctr">
+                      <a:solidFill>
+                        <a:schemeClr val="tx1"/>
+                      </a:solidFill>
+                      <a:prstDash val="solid"/>
+                      <a:round/>
+                      <a:headEnd type="none" w="med" len="med"/>
+                      <a:tailEnd type="none" w="med" len="med"/>
+                    </a:lnL>
+                    <a:lnR w="12700" cap="flat" cmpd="sng" algn="ctr">
+                      <a:solidFill>
+                        <a:schemeClr val="tx1"/>
+                      </a:solidFill>
+                      <a:prstDash val="solid"/>
+                      <a:round/>
+                      <a:headEnd type="none" w="med" len="med"/>
+                      <a:tailEnd type="none" w="med" len="med"/>
+                    </a:lnR>
+                    <a:lnT w="12700" cap="flat" cmpd="sng" algn="ctr">
+                      <a:solidFill>
+                        <a:schemeClr val="tx1"/>
+                      </a:solidFill>
+                      <a:prstDash val="solid"/>
+                      <a:round/>
+                      <a:headEnd type="none" w="med" len="med"/>
+                      <a:tailEnd type="none" w="med" len="med"/>
+                    </a:lnT>
+                    <a:lnB w="12700" cap="flat" cmpd="sng" algn="ctr">
+                      <a:solidFill>
+                        <a:schemeClr val="tx1"/>
+                      </a:solidFill>
+                      <a:prstDash val="solid"/>
+                      <a:round/>
+                      <a:headEnd type="none" w="med" len="med"/>
+                      <a:tailEnd type="none" w="med" len="med"/>
+                    </a:lnB>
+                  </a:tcPr>
+                </a:tc>
+                <a:extLst>
+                  <a:ext uri="{0D108BD9-81ED-4DB2-BD59-A6C34878D82A}">
+                    <a16:rowId xmlns:a16="http://schemas.microsoft.com/office/drawing/2014/main" val="2906104394"/>
+                  </a:ext>
+                </a:extLst>
+              </a:tr>
+            </a:tbl>
+          </a:graphicData>
+        </a:graphic>
+      </p:graphicFrame>
+      <p:sp>
+        <p:nvSpPr>
+          <p:cNvPr id="13" name="TextBox 12">
+            <a:extLst>
+              <a:ext uri="{FF2B5EF4-FFF2-40B4-BE49-F238E27FC236}">
+                <a16:creationId xmlns:a16="http://schemas.microsoft.com/office/drawing/2014/main" id="{B2F4C4BA-91DA-7E4B-B319-9CB942896E7E}"/>
+              </a:ext>
+            </a:extLst>
+          </p:cNvPr>
+          <p:cNvSpPr txBox="1"/>
+          <p:nvPr/>
+        </p:nvSpPr>
+        <p:spPr>
+          <a:xfrm>
+            <a:off x="900640" y="1766355"/>
+            <a:ext cx="704039" cy="369332"/>
+          </a:xfrm>
+          <a:prstGeom prst="rect">
+            <a:avLst/>
+          </a:prstGeom>
+          <a:noFill/>
+        </p:spPr>
+        <p:txBody>
+          <a:bodyPr wrap="none" rtlCol="0">
+            <a:spAutoFit/>
+          </a:bodyPr>
+          <a:lstStyle/>
+          <a:p>
+            <a:r>
+              <a:rPr lang="en-GB" dirty="0"/>
+              <a:t>Ship1</a:t>
+            </a:r>
+          </a:p>
+        </p:txBody>
+      </p:sp>
+      <p:sp>
+        <p:nvSpPr>
+          <p:cNvPr id="46" name="TextBox 45">
+            <a:extLst>
+              <a:ext uri="{FF2B5EF4-FFF2-40B4-BE49-F238E27FC236}">
+                <a16:creationId xmlns:a16="http://schemas.microsoft.com/office/drawing/2014/main" id="{9CD8C4A7-FF6F-FD43-A4F7-CAE574127734}"/>
+              </a:ext>
+            </a:extLst>
+          </p:cNvPr>
+          <p:cNvSpPr txBox="1"/>
+          <p:nvPr/>
+        </p:nvSpPr>
+        <p:spPr>
+          <a:xfrm>
+            <a:off x="1604679" y="1748687"/>
+            <a:ext cx="704039" cy="369332"/>
+          </a:xfrm>
+          <a:prstGeom prst="rect">
+            <a:avLst/>
+          </a:prstGeom>
+          <a:noFill/>
+        </p:spPr>
+        <p:txBody>
+          <a:bodyPr wrap="none" rtlCol="0">
+            <a:spAutoFit/>
+          </a:bodyPr>
+          <a:lstStyle/>
+          <a:p>
+            <a:r>
+              <a:rPr lang="en-GB" dirty="0"/>
+              <a:t>Ship2</a:t>
+            </a:r>
+          </a:p>
+        </p:txBody>
+      </p:sp>
+      <p:sp>
+        <p:nvSpPr>
+          <p:cNvPr id="47" name="TextBox 46">
+            <a:extLst>
+              <a:ext uri="{FF2B5EF4-FFF2-40B4-BE49-F238E27FC236}">
+                <a16:creationId xmlns:a16="http://schemas.microsoft.com/office/drawing/2014/main" id="{998D2619-01BC-F948-8786-DA7AF93E5198}"/>
+              </a:ext>
+            </a:extLst>
+          </p:cNvPr>
+          <p:cNvSpPr txBox="1"/>
+          <p:nvPr/>
+        </p:nvSpPr>
+        <p:spPr>
+          <a:xfrm>
+            <a:off x="2214022" y="1731019"/>
+            <a:ext cx="704039" cy="369332"/>
+          </a:xfrm>
+          <a:prstGeom prst="rect">
+            <a:avLst/>
+          </a:prstGeom>
+          <a:noFill/>
+        </p:spPr>
+        <p:txBody>
+          <a:bodyPr wrap="none" rtlCol="0">
+            <a:spAutoFit/>
+          </a:bodyPr>
+          <a:lstStyle/>
+          <a:p>
+            <a:r>
+              <a:rPr lang="en-GB" dirty="0"/>
+              <a:t>Ship3</a:t>
+            </a:r>
+          </a:p>
+        </p:txBody>
+      </p:sp>
+      <p:cxnSp>
+        <p:nvCxnSpPr>
+          <p:cNvPr id="16" name="Straight Arrow Connector 15">
+            <a:extLst>
+              <a:ext uri="{FF2B5EF4-FFF2-40B4-BE49-F238E27FC236}">
+                <a16:creationId xmlns:a16="http://schemas.microsoft.com/office/drawing/2014/main" id="{B0D593F3-D67E-5B4E-AD7B-C0822FB81D50}"/>
+              </a:ext>
+            </a:extLst>
+          </p:cNvPr>
+          <p:cNvCxnSpPr>
+            <a:cxnSpLocks/>
+            <a:endCxn id="13" idx="2"/>
+          </p:cNvCxnSpPr>
+          <p:nvPr/>
+        </p:nvCxnSpPr>
+        <p:spPr>
+          <a:xfrm flipH="1" flipV="1">
+            <a:off x="1252660" y="2135687"/>
+            <a:ext cx="131026" cy="347417"/>
+          </a:xfrm>
+          <a:prstGeom prst="straightConnector1">
+            <a:avLst/>
+          </a:prstGeom>
+          <a:ln w="38100">
+            <a:tailEnd type="triangle"/>
+          </a:ln>
+        </p:spPr>
+        <p:style>
+          <a:lnRef idx="1">
+            <a:schemeClr val="accent1"/>
+          </a:lnRef>
+          <a:fillRef idx="0">
+            <a:schemeClr val="accent1"/>
+          </a:fillRef>
+          <a:effectRef idx="0">
+            <a:schemeClr val="accent1"/>
+          </a:effectRef>
+          <a:fontRef idx="minor">
+            <a:schemeClr val="tx1"/>
+          </a:fontRef>
+        </p:style>
+      </p:cxnSp>
+      <p:cxnSp>
+        <p:nvCxnSpPr>
+          <p:cNvPr id="49" name="Straight Arrow Connector 48">
+            <a:extLst>
+              <a:ext uri="{FF2B5EF4-FFF2-40B4-BE49-F238E27FC236}">
+                <a16:creationId xmlns:a16="http://schemas.microsoft.com/office/drawing/2014/main" id="{19D53B73-7949-9447-8B00-E738A4D6A797}"/>
+              </a:ext>
+            </a:extLst>
+          </p:cNvPr>
+          <p:cNvCxnSpPr>
+            <a:cxnSpLocks/>
+            <a:endCxn id="13" idx="2"/>
+          </p:cNvCxnSpPr>
+          <p:nvPr/>
+        </p:nvCxnSpPr>
+        <p:spPr>
+          <a:xfrm flipH="1" flipV="1">
+            <a:off x="1252660" y="2135687"/>
+            <a:ext cx="832701" cy="411384"/>
+          </a:xfrm>
+          <a:prstGeom prst="straightConnector1">
+            <a:avLst/>
+          </a:prstGeom>
+          <a:ln w="38100">
+            <a:tailEnd type="triangle"/>
+          </a:ln>
+        </p:spPr>
+        <p:style>
+          <a:lnRef idx="1">
+            <a:schemeClr val="accent1"/>
+          </a:lnRef>
+          <a:fillRef idx="0">
+            <a:schemeClr val="accent1"/>
+          </a:fillRef>
+          <a:effectRef idx="0">
+            <a:schemeClr val="accent1"/>
+          </a:effectRef>
+          <a:fontRef idx="minor">
+            <a:schemeClr val="tx1"/>
+          </a:fontRef>
+        </p:style>
+      </p:cxnSp>
+      <p:cxnSp>
+        <p:nvCxnSpPr>
+          <p:cNvPr id="50" name="Straight Arrow Connector 49">
+            <a:extLst>
+              <a:ext uri="{FF2B5EF4-FFF2-40B4-BE49-F238E27FC236}">
+                <a16:creationId xmlns:a16="http://schemas.microsoft.com/office/drawing/2014/main" id="{D516F96C-CE44-A34F-B320-DFF3E6FC0E48}"/>
+              </a:ext>
+            </a:extLst>
+          </p:cNvPr>
+          <p:cNvCxnSpPr>
+            <a:cxnSpLocks/>
+          </p:cNvCxnSpPr>
+          <p:nvPr/>
+        </p:nvCxnSpPr>
+        <p:spPr>
+          <a:xfrm flipH="1" flipV="1">
+            <a:off x="1223408" y="2135687"/>
+            <a:ext cx="1591103" cy="432874"/>
+          </a:xfrm>
+          <a:prstGeom prst="straightConnector1">
+            <a:avLst/>
+          </a:prstGeom>
+          <a:ln w="38100">
+            <a:tailEnd type="triangle"/>
+          </a:ln>
+        </p:spPr>
+        <p:style>
+          <a:lnRef idx="1">
+            <a:schemeClr val="accent1"/>
+          </a:lnRef>
+          <a:fillRef idx="0">
+            <a:schemeClr val="accent1"/>
+          </a:fillRef>
+          <a:effectRef idx="0">
+            <a:schemeClr val="accent1"/>
+          </a:effectRef>
+          <a:fontRef idx="minor">
+            <a:schemeClr val="tx1"/>
+          </a:fontRef>
+        </p:style>
+      </p:cxnSp>
+      <p:cxnSp>
+        <p:nvCxnSpPr>
+          <p:cNvPr id="55" name="Straight Arrow Connector 54">
+            <a:extLst>
+              <a:ext uri="{FF2B5EF4-FFF2-40B4-BE49-F238E27FC236}">
+                <a16:creationId xmlns:a16="http://schemas.microsoft.com/office/drawing/2014/main" id="{F5DD9CC2-75B0-154D-A555-AA8B264FB5F2}"/>
+              </a:ext>
+            </a:extLst>
+          </p:cNvPr>
+          <p:cNvCxnSpPr>
+            <a:cxnSpLocks/>
+            <a:endCxn id="46" idx="2"/>
+          </p:cNvCxnSpPr>
+          <p:nvPr/>
+        </p:nvCxnSpPr>
+        <p:spPr>
+          <a:xfrm flipH="1" flipV="1">
+            <a:off x="1956699" y="2118019"/>
+            <a:ext cx="163955" cy="1690277"/>
+          </a:xfrm>
+          <a:prstGeom prst="straightConnector1">
+            <a:avLst/>
+          </a:prstGeom>
+          <a:ln w="38100">
+            <a:tailEnd type="triangle"/>
+          </a:ln>
+        </p:spPr>
+        <p:style>
+          <a:lnRef idx="1">
+            <a:schemeClr val="accent1"/>
+          </a:lnRef>
+          <a:fillRef idx="0">
+            <a:schemeClr val="accent1"/>
+          </a:fillRef>
+          <a:effectRef idx="0">
+            <a:schemeClr val="accent1"/>
+          </a:effectRef>
+          <a:fontRef idx="minor">
+            <a:schemeClr val="tx1"/>
+          </a:fontRef>
+        </p:style>
+      </p:cxnSp>
+      <p:cxnSp>
+        <p:nvCxnSpPr>
+          <p:cNvPr id="61" name="Straight Arrow Connector 60">
+            <a:extLst>
+              <a:ext uri="{FF2B5EF4-FFF2-40B4-BE49-F238E27FC236}">
+                <a16:creationId xmlns:a16="http://schemas.microsoft.com/office/drawing/2014/main" id="{9D08D027-395E-0D41-B778-EDBB6B417DA4}"/>
+              </a:ext>
+            </a:extLst>
+          </p:cNvPr>
+          <p:cNvCxnSpPr>
+            <a:cxnSpLocks/>
+          </p:cNvCxnSpPr>
+          <p:nvPr/>
+        </p:nvCxnSpPr>
+        <p:spPr>
+          <a:xfrm flipH="1" flipV="1">
+            <a:off x="1985952" y="2118020"/>
+            <a:ext cx="837414" cy="1690276"/>
+          </a:xfrm>
+          <a:prstGeom prst="straightConnector1">
+            <a:avLst/>
+          </a:prstGeom>
+          <a:ln w="38100">
+            <a:tailEnd type="triangle"/>
+          </a:ln>
+        </p:spPr>
+        <p:style>
+          <a:lnRef idx="1">
+            <a:schemeClr val="accent1"/>
+          </a:lnRef>
+          <a:fillRef idx="0">
+            <a:schemeClr val="accent1"/>
+          </a:fillRef>
+          <a:effectRef idx="0">
+            <a:schemeClr val="accent1"/>
+          </a:effectRef>
+          <a:fontRef idx="minor">
+            <a:schemeClr val="tx1"/>
+          </a:fontRef>
+        </p:style>
+      </p:cxnSp>
+      <p:cxnSp>
+        <p:nvCxnSpPr>
+          <p:cNvPr id="64" name="Straight Arrow Connector 63">
+            <a:extLst>
+              <a:ext uri="{FF2B5EF4-FFF2-40B4-BE49-F238E27FC236}">
+                <a16:creationId xmlns:a16="http://schemas.microsoft.com/office/drawing/2014/main" id="{BE9F95BD-CC9B-D042-BC23-29018E8CF468}"/>
+              </a:ext>
+            </a:extLst>
+          </p:cNvPr>
+          <p:cNvCxnSpPr>
+            <a:cxnSpLocks/>
+            <a:endCxn id="47" idx="2"/>
+          </p:cNvCxnSpPr>
+          <p:nvPr/>
+        </p:nvCxnSpPr>
+        <p:spPr>
+          <a:xfrm flipH="1" flipV="1">
+            <a:off x="2566042" y="2100351"/>
+            <a:ext cx="1582248" cy="2235152"/>
+          </a:xfrm>
+          <a:prstGeom prst="straightConnector1">
+            <a:avLst/>
+          </a:prstGeom>
+          <a:ln w="38100">
+            <a:tailEnd type="triangle"/>
+          </a:ln>
+        </p:spPr>
+        <p:style>
+          <a:lnRef idx="1">
+            <a:schemeClr val="accent1"/>
+          </a:lnRef>
+          <a:fillRef idx="0">
+            <a:schemeClr val="accent1"/>
+          </a:fillRef>
+          <a:effectRef idx="0">
+            <a:schemeClr val="accent1"/>
+          </a:effectRef>
+          <a:fontRef idx="minor">
+            <a:schemeClr val="tx1"/>
+          </a:fontRef>
+        </p:style>
+      </p:cxnSp>
+      <p:cxnSp>
+        <p:nvCxnSpPr>
+          <p:cNvPr id="66" name="Straight Arrow Connector 65">
+            <a:extLst>
+              <a:ext uri="{FF2B5EF4-FFF2-40B4-BE49-F238E27FC236}">
+                <a16:creationId xmlns:a16="http://schemas.microsoft.com/office/drawing/2014/main" id="{EB491639-CC08-4446-8443-F013B04329EB}"/>
+              </a:ext>
+            </a:extLst>
+          </p:cNvPr>
+          <p:cNvCxnSpPr>
+            <a:cxnSpLocks/>
+            <a:endCxn id="47" idx="2"/>
+          </p:cNvCxnSpPr>
+          <p:nvPr/>
+        </p:nvCxnSpPr>
+        <p:spPr>
+          <a:xfrm flipH="1" flipV="1">
+            <a:off x="2566042" y="2100351"/>
+            <a:ext cx="1613713" cy="2933293"/>
+          </a:xfrm>
+          <a:prstGeom prst="straightConnector1">
+            <a:avLst/>
+          </a:prstGeom>
+          <a:ln w="38100">
+            <a:tailEnd type="triangle"/>
+          </a:ln>
+        </p:spPr>
+        <p:style>
+          <a:lnRef idx="1">
+            <a:schemeClr val="accent1"/>
+          </a:lnRef>
+          <a:fillRef idx="0">
+            <a:schemeClr val="accent1"/>
+          </a:fillRef>
+          <a:effectRef idx="0">
+            <a:schemeClr val="accent1"/>
+          </a:effectRef>
+          <a:fontRef idx="minor">
+            <a:schemeClr val="tx1"/>
+          </a:fontRef>
+        </p:style>
+      </p:cxnSp>
+      <p:sp>
+        <p:nvSpPr>
+          <p:cNvPr id="2" name="TextBox 1">
+            <a:extLst>
+              <a:ext uri="{FF2B5EF4-FFF2-40B4-BE49-F238E27FC236}">
+                <a16:creationId xmlns:a16="http://schemas.microsoft.com/office/drawing/2014/main" id="{D5D65E24-527D-5147-A7F2-A419700FA72B}"/>
+              </a:ext>
+            </a:extLst>
+          </p:cNvPr>
+          <p:cNvSpPr txBox="1"/>
+          <p:nvPr/>
+        </p:nvSpPr>
+        <p:spPr>
+          <a:xfrm>
+            <a:off x="6671842" y="3597468"/>
+            <a:ext cx="2276585" cy="646331"/>
+          </a:xfrm>
+          <a:prstGeom prst="rect">
+            <a:avLst/>
+          </a:prstGeom>
+          <a:noFill/>
+        </p:spPr>
+        <p:txBody>
+          <a:bodyPr wrap="none" rtlCol="0">
+            <a:spAutoFit/>
+          </a:bodyPr>
+          <a:lstStyle/>
+          <a:p>
+            <a:r>
+              <a:rPr lang="en-GB" dirty="0">
+                <a:latin typeface="Lucida Sans Typewriter" panose="020B0509030504030204" pitchFamily="49" charset="77"/>
+              </a:rPr>
+              <a:t>let b = board()</a:t>
+            </a:r>
+          </a:p>
+          <a:p>
+            <a:r>
+              <a:rPr lang="en-GB" dirty="0" err="1">
+                <a:latin typeface="Lucida Sans Typewriter" panose="020B0509030504030204" pitchFamily="49" charset="77"/>
+              </a:rPr>
+              <a:t>printfn</a:t>
+            </a:r>
+            <a:r>
+              <a:rPr lang="en-GB" dirty="0">
+                <a:latin typeface="Lucida Sans Typewriter" panose="020B0509030504030204" pitchFamily="49" charset="77"/>
+              </a:rPr>
+              <a:t> “%A” b </a:t>
+            </a:r>
+          </a:p>
+        </p:txBody>
+      </p:sp>
+      <p:sp>
+        <p:nvSpPr>
+          <p:cNvPr id="4" name="TextBox 3">
+            <a:extLst>
+              <a:ext uri="{FF2B5EF4-FFF2-40B4-BE49-F238E27FC236}">
+                <a16:creationId xmlns:a16="http://schemas.microsoft.com/office/drawing/2014/main" id="{46C9B6DA-3299-3544-892D-98BAA1BC48E9}"/>
+              </a:ext>
+            </a:extLst>
+          </p:cNvPr>
+          <p:cNvSpPr txBox="1"/>
+          <p:nvPr/>
+        </p:nvSpPr>
+        <p:spPr>
+          <a:xfrm>
+            <a:off x="6245796" y="3144392"/>
+            <a:ext cx="2940677" cy="430887"/>
+          </a:xfrm>
+          <a:prstGeom prst="rect">
+            <a:avLst/>
+          </a:prstGeom>
+          <a:noFill/>
+        </p:spPr>
+        <p:txBody>
+          <a:bodyPr wrap="none" rtlCol="0">
+            <a:spAutoFit/>
+          </a:bodyPr>
+          <a:lstStyle/>
+          <a:p>
+            <a:r>
+              <a:rPr lang="en-GB" sz="2200" dirty="0" err="1"/>
+              <a:t>Understøttelse</a:t>
+            </a:r>
+            <a:r>
+              <a:rPr lang="en-GB" sz="2200" dirty="0"/>
+              <a:t> </a:t>
+            </a:r>
+            <a:r>
+              <a:rPr lang="en-GB" sz="2200" dirty="0" err="1"/>
+              <a:t>af</a:t>
+            </a:r>
+            <a:r>
+              <a:rPr lang="en-GB" sz="2200" dirty="0"/>
+              <a:t> </a:t>
+            </a:r>
+            <a:r>
+              <a:rPr lang="en-GB" sz="2200" dirty="0" err="1"/>
+              <a:t>printf</a:t>
+            </a:r>
+            <a:r>
+              <a:rPr lang="en-GB" sz="2200" dirty="0"/>
+              <a:t>:</a:t>
+            </a:r>
+          </a:p>
+        </p:txBody>
+      </p:sp>
+      <p:sp>
+        <p:nvSpPr>
+          <p:cNvPr id="12" name="TextBox 11">
+            <a:extLst>
+              <a:ext uri="{FF2B5EF4-FFF2-40B4-BE49-F238E27FC236}">
+                <a16:creationId xmlns:a16="http://schemas.microsoft.com/office/drawing/2014/main" id="{F6EF7DCF-F27F-624B-A88D-A041806C1605}"/>
+              </a:ext>
+            </a:extLst>
+          </p:cNvPr>
+          <p:cNvSpPr txBox="1"/>
+          <p:nvPr/>
+        </p:nvSpPr>
+        <p:spPr>
+          <a:xfrm>
+            <a:off x="6245797" y="4441911"/>
+            <a:ext cx="5532916" cy="1785104"/>
+          </a:xfrm>
+          <a:prstGeom prst="rect">
+            <a:avLst/>
+          </a:prstGeom>
+          <a:noFill/>
+        </p:spPr>
+        <p:txBody>
+          <a:bodyPr wrap="square" rtlCol="0">
+            <a:spAutoFit/>
+          </a:bodyPr>
+          <a:lstStyle/>
+          <a:p>
+            <a:pPr marL="342900" indent="-342900">
+              <a:buFont typeface="Arial" panose="020B0604020202020204" pitchFamily="34" charset="0"/>
+              <a:buChar char="•"/>
+            </a:pPr>
+            <a:r>
+              <a:rPr lang="en-GB" sz="2200" dirty="0" err="1"/>
+              <a:t>Alle</a:t>
+            </a:r>
+            <a:r>
+              <a:rPr lang="en-GB" sz="2200" dirty="0"/>
+              <a:t> </a:t>
+            </a:r>
+            <a:r>
+              <a:rPr lang="en-GB" sz="2200" dirty="0" err="1"/>
+              <a:t>klasser</a:t>
+            </a:r>
+            <a:r>
+              <a:rPr lang="en-GB" sz="2200" dirty="0"/>
+              <a:t> </a:t>
+            </a:r>
+            <a:r>
+              <a:rPr lang="en-GB" sz="2200" dirty="0" err="1"/>
+              <a:t>nedarver</a:t>
+            </a:r>
+            <a:r>
+              <a:rPr lang="en-GB" sz="2200" dirty="0"/>
+              <a:t> </a:t>
+            </a:r>
+            <a:r>
+              <a:rPr lang="en-GB" sz="2200" dirty="0" err="1"/>
+              <a:t>fra</a:t>
+            </a:r>
+            <a:r>
+              <a:rPr lang="en-GB" sz="2200" dirty="0"/>
+              <a:t> </a:t>
+            </a:r>
+            <a:r>
+              <a:rPr lang="en-GB" sz="2200" dirty="0" err="1"/>
+              <a:t>System.Object</a:t>
+            </a:r>
+            <a:r>
+              <a:rPr lang="en-GB" sz="2200" dirty="0"/>
+              <a:t> </a:t>
+            </a:r>
+            <a:r>
+              <a:rPr lang="en-GB" sz="2200" dirty="0" err="1"/>
+              <a:t>klassen</a:t>
+            </a:r>
+            <a:r>
+              <a:rPr lang="en-GB" sz="2200" dirty="0"/>
+              <a:t>.</a:t>
+            </a:r>
+          </a:p>
+          <a:p>
+            <a:pPr marL="342900" indent="-342900">
+              <a:buFont typeface="Arial" panose="020B0604020202020204" pitchFamily="34" charset="0"/>
+              <a:buChar char="•"/>
+            </a:pPr>
+            <a:r>
+              <a:rPr lang="en-GB" sz="2200" dirty="0" err="1"/>
+              <a:t>System.Object</a:t>
+            </a:r>
+            <a:r>
+              <a:rPr lang="en-GB" sz="2200" dirty="0"/>
+              <a:t> har member: “</a:t>
+            </a:r>
+            <a:r>
+              <a:rPr lang="en-GB" sz="2200" dirty="0" err="1"/>
+              <a:t>ToString</a:t>
+            </a:r>
+            <a:r>
+              <a:rPr lang="en-GB" sz="2200" dirty="0"/>
+              <a:t>()”.</a:t>
+            </a:r>
+          </a:p>
+          <a:p>
+            <a:pPr marL="342900" indent="-342900">
+              <a:buFont typeface="Arial" panose="020B0604020202020204" pitchFamily="34" charset="0"/>
+              <a:buChar char="•"/>
+            </a:pPr>
+            <a:r>
+              <a:rPr lang="en-GB" sz="2200" dirty="0" err="1"/>
+              <a:t>Nedarvede</a:t>
+            </a:r>
+            <a:r>
+              <a:rPr lang="en-GB" sz="2200" dirty="0"/>
+              <a:t> members </a:t>
+            </a:r>
+            <a:r>
+              <a:rPr lang="en-GB" sz="2200" dirty="0" err="1"/>
+              <a:t>kan</a:t>
+            </a:r>
+            <a:r>
+              <a:rPr lang="en-GB" sz="2200" dirty="0"/>
+              <a:t> </a:t>
+            </a:r>
+            <a:r>
+              <a:rPr lang="en-GB" sz="2200" dirty="0" err="1"/>
+              <a:t>overskrives</a:t>
+            </a:r>
+            <a:r>
+              <a:rPr lang="en-GB" sz="2200" dirty="0"/>
+              <a:t> med “override”</a:t>
+            </a:r>
+          </a:p>
+        </p:txBody>
+      </p:sp>
+      <p:pic>
+        <p:nvPicPr>
+          <p:cNvPr id="33" name="Picture 32">
+            <a:extLst>
+              <a:ext uri="{FF2B5EF4-FFF2-40B4-BE49-F238E27FC236}">
+                <a16:creationId xmlns:a16="http://schemas.microsoft.com/office/drawing/2014/main" id="{101CA0C1-35F8-0946-9233-B68479C8D985}"/>
+              </a:ext>
+            </a:extLst>
+          </p:cNvPr>
+          <p:cNvPicPr>
+            <a:picLocks noChangeAspect="1"/>
+          </p:cNvPicPr>
+          <p:nvPr/>
+        </p:nvPicPr>
+        <p:blipFill>
+          <a:blip r:embed="rId2"/>
+          <a:stretch>
+            <a:fillRect/>
+          </a:stretch>
+        </p:blipFill>
+        <p:spPr>
+          <a:xfrm>
+            <a:off x="5497072" y="570345"/>
+            <a:ext cx="6362700" cy="2133600"/>
+          </a:xfrm>
+          <a:prstGeom prst="rect">
+            <a:avLst/>
+          </a:prstGeom>
+        </p:spPr>
+      </p:pic>
+      <p:pic>
+        <p:nvPicPr>
+          <p:cNvPr id="21" name="Picture 20">
+            <a:extLst>
+              <a:ext uri="{FF2B5EF4-FFF2-40B4-BE49-F238E27FC236}">
+                <a16:creationId xmlns:a16="http://schemas.microsoft.com/office/drawing/2014/main" id="{A5C28CBE-3A69-C144-905E-C24F091D9B1A}"/>
+              </a:ext>
+            </a:extLst>
+          </p:cNvPr>
+          <p:cNvPicPr>
+            <a:picLocks noChangeAspect="1"/>
+          </p:cNvPicPr>
+          <p:nvPr/>
+        </p:nvPicPr>
+        <p:blipFill>
+          <a:blip r:embed="rId3"/>
+          <a:stretch>
+            <a:fillRect/>
+          </a:stretch>
+        </p:blipFill>
+        <p:spPr>
+          <a:xfrm>
+            <a:off x="5452264" y="411047"/>
+            <a:ext cx="6400800" cy="6311900"/>
+          </a:xfrm>
+          <a:prstGeom prst="rect">
+            <a:avLst/>
+          </a:prstGeom>
+          <a:ln>
+            <a:solidFill>
+              <a:schemeClr val="accent1"/>
+            </a:solidFill>
+          </a:ln>
+        </p:spPr>
+      </p:pic>
+    </p:spTree>
+    <p:extLst>
+      <p:ext uri="{BB962C8B-B14F-4D97-AF65-F5344CB8AC3E}">
+        <p14:creationId xmlns:p14="http://schemas.microsoft.com/office/powerpoint/2010/main" val="2681321298"/>
+      </p:ext>
+    </p:extLst>
+  </p:cSld>
+  <p:clrMapOvr>
+    <a:masterClrMapping/>
+  </p:clrMapOvr>
+  <p:timing>
+    <p:tnLst>
+      <p:par>
+        <p:cTn id="1" dur="indefinite" restart="never" nodeType="tmRoot">
+          <p:childTnLst>
+            <p:seq concurrent="1" nextAc="seek">
+              <p:cTn id="2" dur="indefinite" nodeType="mainSeq">
+                <p:childTnLst>
+                  <p:par>
+                    <p:cTn id="3" fill="hold">
+                      <p:stCondLst>
+                        <p:cond delay="indefinite"/>
+                      </p:stCondLst>
+                      <p:childTnLst>
+                        <p:par>
+                          <p:cTn id="4" fill="hold">
+                            <p:stCondLst>
+                              <p:cond delay="0"/>
+                            </p:stCondLst>
+                            <p:childTnLst>
+                              <p:par>
+                                <p:cTn id="5" presetID="1" presetClass="entr" presetSubtype="0" fill="hold" grpId="0" nodeType="clickEffect">
+                                  <p:stCondLst>
+                                    <p:cond delay="0"/>
+                                  </p:stCondLst>
+                                  <p:childTnLst>
+                                    <p:set>
+                                      <p:cBhvr>
+                                        <p:cTn id="6" dur="1" fill="hold">
+                                          <p:stCondLst>
+                                            <p:cond delay="0"/>
+                                          </p:stCondLst>
+                                        </p:cTn>
+                                        <p:tgtEl>
+                                          <p:spTgt spid="4"/>
+                                        </p:tgtEl>
+                                        <p:attrNameLst>
+                                          <p:attrName>style.visibility</p:attrName>
+                                        </p:attrNameLst>
+                                      </p:cBhvr>
+                                      <p:to>
+                                        <p:strVal val="visible"/>
+                                      </p:to>
+                                    </p:set>
+                                  </p:childTnLst>
+                                </p:cTn>
+                              </p:par>
+                              <p:par>
+                                <p:cTn id="7" presetID="1" presetClass="entr" presetSubtype="0" fill="hold" grpId="0" nodeType="withEffect">
+                                  <p:stCondLst>
+                                    <p:cond delay="0"/>
+                                  </p:stCondLst>
+                                  <p:childTnLst>
+                                    <p:set>
+                                      <p:cBhvr>
+                                        <p:cTn id="8" dur="1" fill="hold">
+                                          <p:stCondLst>
+                                            <p:cond delay="0"/>
+                                          </p:stCondLst>
+                                        </p:cTn>
+                                        <p:tgtEl>
+                                          <p:spTgt spid="2"/>
+                                        </p:tgtEl>
+                                        <p:attrNameLst>
+                                          <p:attrName>style.visibility</p:attrName>
+                                        </p:attrNameLst>
+                                      </p:cBhvr>
+                                      <p:to>
+                                        <p:strVal val="visible"/>
+                                      </p:to>
+                                    </p:set>
+                                  </p:childTnLst>
+                                </p:cTn>
+                              </p:par>
+                            </p:childTnLst>
+                          </p:cTn>
+                        </p:par>
+                      </p:childTnLst>
+                    </p:cTn>
+                  </p:par>
+                  <p:par>
+                    <p:cTn id="9" fill="hold">
+                      <p:stCondLst>
+                        <p:cond delay="indefinite"/>
+                      </p:stCondLst>
+                      <p:childTnLst>
+                        <p:par>
+                          <p:cTn id="10" fill="hold">
+                            <p:stCondLst>
+                              <p:cond delay="0"/>
+                            </p:stCondLst>
+                            <p:childTnLst>
+                              <p:par>
+                                <p:cTn id="11" presetID="1" presetClass="entr" presetSubtype="0" fill="hold" grpId="0" nodeType="clickEffect">
+                                  <p:stCondLst>
+                                    <p:cond delay="0"/>
+                                  </p:stCondLst>
+                                  <p:childTnLst>
+                                    <p:set>
+                                      <p:cBhvr>
+                                        <p:cTn id="12" dur="1" fill="hold">
+                                          <p:stCondLst>
+                                            <p:cond delay="0"/>
+                                          </p:stCondLst>
+                                        </p:cTn>
+                                        <p:tgtEl>
+                                          <p:spTgt spid="12"/>
+                                        </p:tgtEl>
+                                        <p:attrNameLst>
+                                          <p:attrName>style.visibility</p:attrName>
+                                        </p:attrNameLst>
+                                      </p:cBhvr>
+                                      <p:to>
+                                        <p:strVal val="visible"/>
+                                      </p:to>
+                                    </p:set>
+                                  </p:childTnLst>
+                                </p:cTn>
+                              </p:par>
+                            </p:childTnLst>
+                          </p:cTn>
+                        </p:par>
+                      </p:childTnLst>
+                    </p:cTn>
+                  </p:par>
+                  <p:par>
+                    <p:cTn id="13" fill="hold">
+                      <p:stCondLst>
+                        <p:cond delay="indefinite"/>
+                      </p:stCondLst>
+                      <p:childTnLst>
+                        <p:par>
+                          <p:cTn id="14" fill="hold">
+                            <p:stCondLst>
+                              <p:cond delay="0"/>
+                            </p:stCondLst>
+                            <p:childTnLst>
+                              <p:par>
+                                <p:cTn id="15" presetID="1" presetClass="entr" presetSubtype="0" fill="hold" nodeType="clickEffect">
+                                  <p:stCondLst>
+                                    <p:cond delay="0"/>
+                                  </p:stCondLst>
+                                  <p:childTnLst>
+                                    <p:set>
+                                      <p:cBhvr>
+                                        <p:cTn id="16" dur="1" fill="hold">
+                                          <p:stCondLst>
+                                            <p:cond delay="0"/>
+                                          </p:stCondLst>
+                                        </p:cTn>
+                                        <p:tgtEl>
+                                          <p:spTgt spid="21"/>
+                                        </p:tgtEl>
+                                        <p:attrNameLst>
+                                          <p:attrName>style.visibility</p:attrName>
+                                        </p:attrNameLst>
+                                      </p:cBhvr>
+                                      <p:to>
+                                        <p:strVal val="visible"/>
+                                      </p:to>
+                                    </p:set>
+                                  </p:childTnLst>
+                                </p:cTn>
+                              </p:par>
+                            </p:childTnLst>
+                          </p:cTn>
+                        </p:par>
+                      </p:childTnLst>
+                    </p:cTn>
+                  </p:par>
+                </p:childTnLst>
+              </p:cTn>
+              <p:prevCondLst>
+                <p:cond evt="onPrev" delay="0">
+                  <p:tgtEl>
+                    <p:sldTgt/>
+                  </p:tgtEl>
+                </p:cond>
+              </p:prevCondLst>
+              <p:nextCondLst>
+                <p:cond evt="onNext" delay="0">
+                  <p:tgtEl>
+                    <p:sldTgt/>
+                  </p:tgtEl>
+                </p:cond>
+              </p:nextCondLst>
+            </p:seq>
+          </p:childTnLst>
+        </p:cTn>
+      </p:par>
+    </p:tnLst>
+    <p:bldLst>
+      <p:bldP spid="2" grpId="0"/>
+      <p:bldP spid="4" grpId="0"/>
+      <p:bldP spid="12" grpId="0"/>
+    </p:bldLst>
+  </p:timing>
+</p:sld>
+</file>
+
+<file path=ppt/slides/slide16.xml><?xml version="1.0" encoding="utf-8"?>
+<p:sld xmlns:a="http://schemas.openxmlformats.org/drawingml/2006/main" xmlns:r="http://schemas.openxmlformats.org/officeDocument/2006/relationships" xmlns:p="http://schemas.openxmlformats.org/presentationml/2006/main">
+  <p:cSld>
+    <p:spTree>
+      <p:nvGrpSpPr>
+        <p:cNvPr id="1" name=""/>
+        <p:cNvGrpSpPr/>
+        <p:nvPr/>
+      </p:nvGrpSpPr>
+      <p:grpSpPr>
+        <a:xfrm>
+          <a:off x="0" y="0"/>
+          <a:ext cx="0" cy="0"/>
+          <a:chOff x="0" y="0"/>
+          <a:chExt cx="0" cy="0"/>
+        </a:xfrm>
+      </p:grpSpPr>
+      <p:sp>
+        <p:nvSpPr>
+          <p:cNvPr id="8" name="Title 1">
+            <a:extLst>
+              <a:ext uri="{FF2B5EF4-FFF2-40B4-BE49-F238E27FC236}">
+                <a16:creationId xmlns:a16="http://schemas.microsoft.com/office/drawing/2014/main" id="{9BC41EBE-0CFC-BB44-ABFD-042EF58D24BB}"/>
+              </a:ext>
+            </a:extLst>
+          </p:cNvPr>
+          <p:cNvSpPr txBox="1">
+            <a:spLocks/>
+          </p:cNvSpPr>
+          <p:nvPr/>
+        </p:nvSpPr>
+        <p:spPr>
+          <a:xfrm>
+            <a:off x="89648" y="32523"/>
+            <a:ext cx="11472087" cy="1084122"/>
+          </a:xfrm>
+          <a:prstGeom prst="rect">
+            <a:avLst/>
+          </a:prstGeom>
+        </p:spPr>
+        <p:txBody>
+          <a:bodyPr vert="horz" lIns="91440" tIns="45720" rIns="91440" bIns="45720" rtlCol="0" anchor="ctr">
+            <a:normAutofit/>
+          </a:bodyPr>
+          <a:lstStyle>
+            <a:lvl1pPr algn="l" defTabSz="914400" rtl="0" eaLnBrk="1" latinLnBrk="0" hangingPunct="1">
+              <a:lnSpc>
+                <a:spcPct val="90000"/>
+              </a:lnSpc>
+              <a:spcBef>
+                <a:spcPct val="0"/>
+              </a:spcBef>
+              <a:buNone/>
+              <a:defRPr sz="4400" kern="1200">
+                <a:solidFill>
+                  <a:schemeClr val="tx1"/>
+                </a:solidFill>
+                <a:latin typeface="+mj-lt"/>
+                <a:ea typeface="+mj-ea"/>
+                <a:cs typeface="+mj-cs"/>
+              </a:defRPr>
+            </a:lvl1pPr>
+          </a:lstStyle>
+          <a:p>
+            <a:r>
+              <a:rPr lang="da-DK" dirty="0"/>
+              <a:t>Metode: programmér bagfra</a:t>
+            </a:r>
+          </a:p>
+        </p:txBody>
+      </p:sp>
+      <p:pic>
+        <p:nvPicPr>
+          <p:cNvPr id="11" name="Picture 10">
+            <a:extLst>
+              <a:ext uri="{FF2B5EF4-FFF2-40B4-BE49-F238E27FC236}">
+                <a16:creationId xmlns:a16="http://schemas.microsoft.com/office/drawing/2014/main" id="{5B56CD91-251C-D042-82DD-FCA766C20C2B}"/>
+              </a:ext>
+            </a:extLst>
+          </p:cNvPr>
+          <p:cNvPicPr>
+            <a:picLocks noChangeAspect="1"/>
+          </p:cNvPicPr>
+          <p:nvPr/>
+        </p:nvPicPr>
+        <p:blipFill>
+          <a:blip r:embed="rId2"/>
+          <a:stretch>
+            <a:fillRect/>
+          </a:stretch>
+        </p:blipFill>
+        <p:spPr>
+          <a:xfrm>
+            <a:off x="2512016" y="5491783"/>
+            <a:ext cx="4292600" cy="673100"/>
+          </a:xfrm>
+          <a:prstGeom prst="rect">
+            <a:avLst/>
+          </a:prstGeom>
+        </p:spPr>
+      </p:pic>
+      <p:pic>
+        <p:nvPicPr>
+          <p:cNvPr id="15" name="Picture 14">
+            <a:extLst>
+              <a:ext uri="{FF2B5EF4-FFF2-40B4-BE49-F238E27FC236}">
+                <a16:creationId xmlns:a16="http://schemas.microsoft.com/office/drawing/2014/main" id="{74F95678-52EB-3242-80F8-6CF6EFF98843}"/>
+              </a:ext>
+            </a:extLst>
+          </p:cNvPr>
+          <p:cNvPicPr>
+            <a:picLocks noChangeAspect="1"/>
+          </p:cNvPicPr>
+          <p:nvPr/>
+        </p:nvPicPr>
+        <p:blipFill>
+          <a:blip r:embed="rId3"/>
+          <a:stretch>
+            <a:fillRect/>
+          </a:stretch>
+        </p:blipFill>
+        <p:spPr>
+          <a:xfrm>
+            <a:off x="2512016" y="1034083"/>
+            <a:ext cx="6438900" cy="2057400"/>
+          </a:xfrm>
+          <a:prstGeom prst="rect">
+            <a:avLst/>
+          </a:prstGeom>
+        </p:spPr>
+      </p:pic>
+      <p:sp>
+        <p:nvSpPr>
+          <p:cNvPr id="18" name="TextBox 17">
+            <a:extLst>
+              <a:ext uri="{FF2B5EF4-FFF2-40B4-BE49-F238E27FC236}">
+                <a16:creationId xmlns:a16="http://schemas.microsoft.com/office/drawing/2014/main" id="{9F674774-AE7A-134F-97EB-65C31880BC53}"/>
+              </a:ext>
+            </a:extLst>
+          </p:cNvPr>
+          <p:cNvSpPr txBox="1"/>
+          <p:nvPr/>
+        </p:nvSpPr>
+        <p:spPr>
+          <a:xfrm>
+            <a:off x="3099660" y="4068440"/>
+            <a:ext cx="3385863" cy="430887"/>
+          </a:xfrm>
+          <a:prstGeom prst="rect">
+            <a:avLst/>
+          </a:prstGeom>
+          <a:noFill/>
+        </p:spPr>
+        <p:txBody>
+          <a:bodyPr wrap="none" rtlCol="0">
+            <a:spAutoFit/>
+          </a:bodyPr>
+          <a:lstStyle/>
+          <a:p>
+            <a:r>
+              <a:rPr lang="en-GB" sz="2200" dirty="0" err="1"/>
+              <a:t>Rekursion</a:t>
+            </a:r>
+            <a:r>
+              <a:rPr lang="en-GB" sz="2200" dirty="0"/>
+              <a:t> </a:t>
+            </a:r>
+            <a:r>
+              <a:rPr lang="en-GB" sz="2200" dirty="0" err="1"/>
+              <a:t>eller</a:t>
+            </a:r>
+            <a:r>
+              <a:rPr lang="en-GB" sz="2200" dirty="0"/>
+              <a:t> while-</a:t>
+            </a:r>
+            <a:r>
+              <a:rPr lang="en-GB" sz="2200" dirty="0" err="1"/>
+              <a:t>løkke</a:t>
+            </a:r>
+            <a:r>
+              <a:rPr lang="en-GB" sz="2200" dirty="0"/>
+              <a:t>?</a:t>
+            </a:r>
+          </a:p>
+        </p:txBody>
+      </p:sp>
+      <p:pic>
+        <p:nvPicPr>
+          <p:cNvPr id="17" name="Picture 16">
+            <a:extLst>
+              <a:ext uri="{FF2B5EF4-FFF2-40B4-BE49-F238E27FC236}">
+                <a16:creationId xmlns:a16="http://schemas.microsoft.com/office/drawing/2014/main" id="{90852809-8F2E-6E41-AF73-E42E58C0A711}"/>
+              </a:ext>
+            </a:extLst>
+          </p:cNvPr>
+          <p:cNvPicPr>
+            <a:picLocks noChangeAspect="1"/>
+          </p:cNvPicPr>
+          <p:nvPr/>
+        </p:nvPicPr>
+        <p:blipFill>
+          <a:blip r:embed="rId4"/>
+          <a:stretch>
+            <a:fillRect/>
+          </a:stretch>
+        </p:blipFill>
+        <p:spPr>
+          <a:xfrm>
+            <a:off x="2512016" y="3075985"/>
+            <a:ext cx="6921500" cy="2400300"/>
+          </a:xfrm>
+          <a:prstGeom prst="rect">
+            <a:avLst/>
+          </a:prstGeom>
+        </p:spPr>
+      </p:pic>
+      <p:sp>
+        <p:nvSpPr>
+          <p:cNvPr id="19" name="TextBox 18">
+            <a:extLst>
+              <a:ext uri="{FF2B5EF4-FFF2-40B4-BE49-F238E27FC236}">
+                <a16:creationId xmlns:a16="http://schemas.microsoft.com/office/drawing/2014/main" id="{E53D584C-A062-5545-8E03-3341CADE8D3D}"/>
+              </a:ext>
+            </a:extLst>
+          </p:cNvPr>
+          <p:cNvSpPr txBox="1"/>
+          <p:nvPr/>
+        </p:nvSpPr>
+        <p:spPr>
+          <a:xfrm>
+            <a:off x="2285482" y="6268576"/>
+            <a:ext cx="6478890" cy="369332"/>
+          </a:xfrm>
+          <a:prstGeom prst="rect">
+            <a:avLst/>
+          </a:prstGeom>
+          <a:noFill/>
+          <a:ln>
+            <a:solidFill>
+              <a:schemeClr val="accent1"/>
+            </a:solidFill>
+          </a:ln>
+        </p:spPr>
+        <p:txBody>
+          <a:bodyPr wrap="none" rtlCol="0">
+            <a:spAutoFit/>
+          </a:bodyPr>
+          <a:lstStyle/>
+          <a:p>
+            <a:r>
+              <a:rPr lang="en-GB" dirty="0" err="1"/>
+              <a:t>Konsekvens</a:t>
+            </a:r>
+            <a:r>
+              <a:rPr lang="en-GB" dirty="0"/>
+              <a:t>: spiller </a:t>
+            </a:r>
+            <a:r>
+              <a:rPr lang="en-GB" dirty="0" err="1"/>
+              <a:t>behøver</a:t>
+            </a:r>
+            <a:r>
+              <a:rPr lang="en-GB" dirty="0"/>
+              <a:t> </a:t>
+            </a:r>
+            <a:r>
+              <a:rPr lang="en-GB" dirty="0" err="1"/>
+              <a:t>ikke</a:t>
+            </a:r>
+            <a:r>
+              <a:rPr lang="en-GB" dirty="0"/>
+              <a:t> at have association </a:t>
+            </a:r>
+            <a:r>
+              <a:rPr lang="en-GB" dirty="0" err="1"/>
+              <a:t>til</a:t>
+            </a:r>
+            <a:r>
+              <a:rPr lang="en-GB" dirty="0"/>
+              <a:t> </a:t>
+            </a:r>
+            <a:r>
+              <a:rPr lang="en-GB" dirty="0" err="1"/>
+              <a:t>modstander</a:t>
+            </a:r>
+            <a:endParaRPr lang="en-GB" dirty="0"/>
+          </a:p>
+        </p:txBody>
+      </p:sp>
+    </p:spTree>
+    <p:extLst>
+      <p:ext uri="{BB962C8B-B14F-4D97-AF65-F5344CB8AC3E}">
+        <p14:creationId xmlns:p14="http://schemas.microsoft.com/office/powerpoint/2010/main" val="1838624959"/>
+      </p:ext>
+    </p:extLst>
+  </p:cSld>
+  <p:clrMapOvr>
+    <a:masterClrMapping/>
+  </p:clrMapOvr>
+  <p:timing>
+    <p:tnLst>
+      <p:par>
+        <p:cTn id="1" dur="indefinite" restart="never" nodeType="tmRoot">
+          <p:childTnLst>
+            <p:seq concurrent="1" nextAc="seek">
+              <p:cTn id="2" dur="indefinite" nodeType="mainSeq">
+                <p:childTnLst>
+                  <p:par>
+                    <p:cTn id="3" fill="hold">
+                      <p:stCondLst>
+                        <p:cond delay="indefinite"/>
+                      </p:stCondLst>
+                      <p:childTnLst>
+                        <p:par>
+                          <p:cTn id="4" fill="hold">
+                            <p:stCondLst>
+                              <p:cond delay="0"/>
+                            </p:stCondLst>
+                            <p:childTnLst>
+                              <p:par>
+                                <p:cTn id="5" presetID="1" presetClass="entr" presetSubtype="0" fill="hold" grpId="0" nodeType="clickEffect">
+                                  <p:stCondLst>
+                                    <p:cond delay="0"/>
+                                  </p:stCondLst>
+                                  <p:childTnLst>
+                                    <p:set>
+                                      <p:cBhvr>
+                                        <p:cTn id="6" dur="1" fill="hold">
+                                          <p:stCondLst>
+                                            <p:cond delay="0"/>
+                                          </p:stCondLst>
+                                        </p:cTn>
+                                        <p:tgtEl>
+                                          <p:spTgt spid="18"/>
+                                        </p:tgtEl>
+                                        <p:attrNameLst>
+                                          <p:attrName>style.visibility</p:attrName>
+                                        </p:attrNameLst>
+                                      </p:cBhvr>
+                                      <p:to>
+                                        <p:strVal val="visible"/>
+                                      </p:to>
+                                    </p:set>
+                                  </p:childTnLst>
+                                </p:cTn>
+                              </p:par>
+                              <p:par>
+                                <p:cTn id="7" presetID="1" presetClass="entr" presetSubtype="0" fill="hold" nodeType="withEffect">
+                                  <p:stCondLst>
+                                    <p:cond delay="0"/>
+                                  </p:stCondLst>
+                                  <p:childTnLst>
+                                    <p:set>
+                                      <p:cBhvr>
+                                        <p:cTn id="8" dur="1" fill="hold">
+                                          <p:stCondLst>
+                                            <p:cond delay="0"/>
+                                          </p:stCondLst>
+                                        </p:cTn>
+                                        <p:tgtEl>
+                                          <p:spTgt spid="15"/>
+                                        </p:tgtEl>
+                                        <p:attrNameLst>
+                                          <p:attrName>style.visibility</p:attrName>
+                                        </p:attrNameLst>
+                                      </p:cBhvr>
+                                      <p:to>
+                                        <p:strVal val="visible"/>
+                                      </p:to>
+                                    </p:set>
+                                  </p:childTnLst>
+                                </p:cTn>
+                              </p:par>
+                            </p:childTnLst>
+                          </p:cTn>
+                        </p:par>
+                      </p:childTnLst>
+                    </p:cTn>
+                  </p:par>
+                  <p:par>
+                    <p:cTn id="9" fill="hold">
+                      <p:stCondLst>
+                        <p:cond delay="indefinite"/>
+                      </p:stCondLst>
+                      <p:childTnLst>
+                        <p:par>
+                          <p:cTn id="10" fill="hold">
+                            <p:stCondLst>
+                              <p:cond delay="0"/>
+                            </p:stCondLst>
+                            <p:childTnLst>
+                              <p:par>
+                                <p:cTn id="11" presetID="1" presetClass="entr" presetSubtype="0" fill="hold" nodeType="clickEffect">
+                                  <p:stCondLst>
+                                    <p:cond delay="0"/>
+                                  </p:stCondLst>
+                                  <p:childTnLst>
+                                    <p:set>
+                                      <p:cBhvr>
+                                        <p:cTn id="12" dur="1" fill="hold">
+                                          <p:stCondLst>
+                                            <p:cond delay="0"/>
+                                          </p:stCondLst>
+                                        </p:cTn>
+                                        <p:tgtEl>
+                                          <p:spTgt spid="17"/>
+                                        </p:tgtEl>
+                                        <p:attrNameLst>
+                                          <p:attrName>style.visibility</p:attrName>
+                                        </p:attrNameLst>
+                                      </p:cBhvr>
+                                      <p:to>
+                                        <p:strVal val="visible"/>
+                                      </p:to>
+                                    </p:set>
+                                  </p:childTnLst>
+                                </p:cTn>
+                              </p:par>
+                            </p:childTnLst>
+                          </p:cTn>
+                        </p:par>
+                      </p:childTnLst>
+                    </p:cTn>
+                  </p:par>
+                </p:childTnLst>
+              </p:cTn>
+              <p:prevCondLst>
+                <p:cond evt="onPrev" delay="0">
+                  <p:tgtEl>
+                    <p:sldTgt/>
+                  </p:tgtEl>
+                </p:cond>
+              </p:prevCondLst>
+              <p:nextCondLst>
+                <p:cond evt="onNext" delay="0">
+                  <p:tgtEl>
+                    <p:sldTgt/>
+                  </p:tgtEl>
+                </p:cond>
+              </p:nextCondLst>
+            </p:seq>
+          </p:childTnLst>
+        </p:cTn>
+      </p:par>
+    </p:tnLst>
+    <p:bldLst>
+      <p:bldP spid="18" grpId="0"/>
+    </p:bldLst>
+  </p:timing>
+</p:sld>
+</file>
+
+<file path=ppt/slides/slide17.xml><?xml version="1.0" encoding="utf-8"?>
+<p:sld xmlns:a="http://schemas.openxmlformats.org/drawingml/2006/main" xmlns:r="http://schemas.openxmlformats.org/officeDocument/2006/relationships" xmlns:p="http://schemas.openxmlformats.org/presentationml/2006/main">
+  <p:cSld>
+    <p:spTree>
+      <p:nvGrpSpPr>
+        <p:cNvPr id="1" name=""/>
+        <p:cNvGrpSpPr/>
+        <p:nvPr/>
+      </p:nvGrpSpPr>
+      <p:grpSpPr>
+        <a:xfrm>
+          <a:off x="0" y="0"/>
+          <a:ext cx="0" cy="0"/>
+          <a:chOff x="0" y="0"/>
+          <a:chExt cx="0" cy="0"/>
+        </a:xfrm>
+      </p:grpSpPr>
+      <p:sp>
+        <p:nvSpPr>
           <p:cNvPr id="2" name="Title 1">
             <a:extLst>
               <a:ext uri="{FF2B5EF4-FFF2-40B4-BE49-F238E27FC236}">
-                <a16:creationId xmlns:a16="http://schemas.microsoft.com/office/drawing/2014/main" id="{3CDCCBFB-3F82-5643-9375-A226D1C598B8}"/>
+                <a16:creationId xmlns:a16="http://schemas.microsoft.com/office/drawing/2014/main" id="{8ED769BC-89DE-BC40-9961-E6BFB69B357B}"/>
               </a:ext>
             </a:extLst>
           </p:cNvPr>
@@ -7187,16 +10986,190 @@
           <a:bodyPr/>
           <a:lstStyle/>
           <a:p>
-            <a:endParaRPr lang="en-GB"/>
+            <a:r>
+              <a:rPr lang="en-GB" dirty="0"/>
+              <a:t>Final design</a:t>
+            </a:r>
           </a:p>
         </p:txBody>
       </p:sp>
+      <p:pic>
+        <p:nvPicPr>
+          <p:cNvPr id="7" name="Picture 6">
+            <a:extLst>
+              <a:ext uri="{FF2B5EF4-FFF2-40B4-BE49-F238E27FC236}">
+                <a16:creationId xmlns:a16="http://schemas.microsoft.com/office/drawing/2014/main" id="{5EBFAFCD-FB2B-F846-8763-6F4DEEBAAC01}"/>
+              </a:ext>
+            </a:extLst>
+          </p:cNvPr>
+          <p:cNvPicPr>
+            <a:picLocks noChangeAspect="1"/>
+          </p:cNvPicPr>
+          <p:nvPr/>
+        </p:nvPicPr>
+        <p:blipFill>
+          <a:blip r:embed="rId2"/>
+          <a:stretch>
+            <a:fillRect/>
+          </a:stretch>
+        </p:blipFill>
+        <p:spPr>
+          <a:xfrm>
+            <a:off x="1394847" y="2171808"/>
+            <a:ext cx="4165600" cy="3289300"/>
+          </a:xfrm>
+          <a:prstGeom prst="rect">
+            <a:avLst/>
+          </a:prstGeom>
+        </p:spPr>
+      </p:pic>
+      <p:pic>
+        <p:nvPicPr>
+          <p:cNvPr id="11" name="Picture 10">
+            <a:extLst>
+              <a:ext uri="{FF2B5EF4-FFF2-40B4-BE49-F238E27FC236}">
+                <a16:creationId xmlns:a16="http://schemas.microsoft.com/office/drawing/2014/main" id="{46AE0F0A-583A-2741-9E65-E644FC62DC66}"/>
+              </a:ext>
+            </a:extLst>
+          </p:cNvPr>
+          <p:cNvPicPr>
+            <a:picLocks noChangeAspect="1"/>
+          </p:cNvPicPr>
+          <p:nvPr/>
+        </p:nvPicPr>
+        <p:blipFill>
+          <a:blip r:embed="rId3"/>
+          <a:stretch>
+            <a:fillRect/>
+          </a:stretch>
+        </p:blipFill>
+        <p:spPr>
+          <a:xfrm>
+            <a:off x="5910020" y="1363851"/>
+            <a:ext cx="6047067" cy="4451110"/>
+          </a:xfrm>
+          <a:prstGeom prst="rect">
+            <a:avLst/>
+          </a:prstGeom>
+        </p:spPr>
+      </p:pic>
+    </p:spTree>
+    <p:extLst>
+      <p:ext uri="{BB962C8B-B14F-4D97-AF65-F5344CB8AC3E}">
+        <p14:creationId xmlns:p14="http://schemas.microsoft.com/office/powerpoint/2010/main" val="1951820460"/>
+      </p:ext>
+    </p:extLst>
+  </p:cSld>
+  <p:clrMapOvr>
+    <a:masterClrMapping/>
+  </p:clrMapOvr>
+</p:sld>
+</file>
+
+<file path=ppt/slides/slide18.xml><?xml version="1.0" encoding="utf-8"?>
+<p:sld xmlns:a="http://schemas.openxmlformats.org/drawingml/2006/main" xmlns:r="http://schemas.openxmlformats.org/officeDocument/2006/relationships" xmlns:p="http://schemas.openxmlformats.org/presentationml/2006/main">
+  <p:cSld>
+    <p:spTree>
+      <p:nvGrpSpPr>
+        <p:cNvPr id="1" name=""/>
+        <p:cNvGrpSpPr/>
+        <p:nvPr/>
+      </p:nvGrpSpPr>
+      <p:grpSpPr>
+        <a:xfrm>
+          <a:off x="0" y="0"/>
+          <a:ext cx="0" cy="0"/>
+          <a:chOff x="0" y="0"/>
+          <a:chExt cx="0" cy="0"/>
+        </a:xfrm>
+      </p:grpSpPr>
       <p:sp>
         <p:nvSpPr>
-          <p:cNvPr id="3" name="Content Placeholder 2">
+          <p:cNvPr id="8" name="TextBox 7">
             <a:extLst>
               <a:ext uri="{FF2B5EF4-FFF2-40B4-BE49-F238E27FC236}">
-                <a16:creationId xmlns:a16="http://schemas.microsoft.com/office/drawing/2014/main" id="{68FF5571-952C-1044-BAC6-DF11C1ABC36D}"/>
+                <a16:creationId xmlns:a16="http://schemas.microsoft.com/office/drawing/2014/main" id="{C8A2375D-97D8-B14C-B05F-A07523AF8D7E}"/>
+              </a:ext>
+            </a:extLst>
+          </p:cNvPr>
+          <p:cNvSpPr txBox="1"/>
+          <p:nvPr/>
+        </p:nvSpPr>
+        <p:spPr>
+          <a:xfrm>
+            <a:off x="1007390" y="5129939"/>
+            <a:ext cx="2137124" cy="646331"/>
+          </a:xfrm>
+          <a:prstGeom prst="rect">
+            <a:avLst/>
+          </a:prstGeom>
+          <a:noFill/>
+        </p:spPr>
+        <p:txBody>
+          <a:bodyPr wrap="none" rtlCol="0">
+            <a:spAutoFit/>
+          </a:bodyPr>
+          <a:lstStyle/>
+          <a:p>
+            <a:r>
+              <a:rPr lang="en-GB" dirty="0" err="1">
+                <a:latin typeface="Lucida Sans Typewriter" panose="020B0509030504030204" pitchFamily="49" charset="77"/>
+              </a:rPr>
+              <a:t>battleship.tex</a:t>
+            </a:r>
+            <a:endParaRPr lang="en-GB" dirty="0">
+              <a:latin typeface="Lucida Sans Typewriter" panose="020B0509030504030204" pitchFamily="49" charset="77"/>
+            </a:endParaRPr>
+          </a:p>
+          <a:p>
+            <a:r>
+              <a:rPr lang="en-GB" dirty="0" err="1">
+                <a:latin typeface="Lucida Sans Typewriter" panose="020B0509030504030204" pitchFamily="49" charset="77"/>
+              </a:rPr>
+              <a:t>battleship.fsx</a:t>
+            </a:r>
+            <a:endParaRPr lang="en-GB" dirty="0">
+              <a:latin typeface="Lucida Sans Typewriter" panose="020B0509030504030204" pitchFamily="49" charset="77"/>
+            </a:endParaRPr>
+          </a:p>
+        </p:txBody>
+      </p:sp>
+      <p:pic>
+        <p:nvPicPr>
+          <p:cNvPr id="10" name="Picture 9">
+            <a:extLst>
+              <a:ext uri="{FF2B5EF4-FFF2-40B4-BE49-F238E27FC236}">
+                <a16:creationId xmlns:a16="http://schemas.microsoft.com/office/drawing/2014/main" id="{2658E5A9-6798-F543-A4B2-5EB9DDFB37F8}"/>
+              </a:ext>
+            </a:extLst>
+          </p:cNvPr>
+          <p:cNvPicPr>
+            <a:picLocks noChangeAspect="1"/>
+          </p:cNvPicPr>
+          <p:nvPr/>
+        </p:nvPicPr>
+        <p:blipFill>
+          <a:blip r:embed="rId2"/>
+          <a:stretch>
+            <a:fillRect/>
+          </a:stretch>
+        </p:blipFill>
+        <p:spPr>
+          <a:xfrm>
+            <a:off x="4708367" y="0"/>
+            <a:ext cx="7127171" cy="6858000"/>
+          </a:xfrm>
+          <a:prstGeom prst="rect">
+            <a:avLst/>
+          </a:prstGeom>
+        </p:spPr>
+      </p:pic>
+      <p:sp>
+        <p:nvSpPr>
+          <p:cNvPr id="2" name="Title 1">
+            <a:extLst>
+              <a:ext uri="{FF2B5EF4-FFF2-40B4-BE49-F238E27FC236}">
+                <a16:creationId xmlns:a16="http://schemas.microsoft.com/office/drawing/2014/main" id="{8ED769BC-89DE-BC40-9961-E6BFB69B357B}"/>
               </a:ext>
             </a:extLst>
           </p:cNvPr>
@@ -7204,51 +11177,32 @@
             <a:spLocks noGrp="1"/>
           </p:cNvSpPr>
           <p:nvPr>
-            <p:ph idx="1"/>
+            <p:ph type="title"/>
           </p:nvPr>
         </p:nvSpPr>
-        <p:spPr/>
+        <p:spPr>
+          <a:xfrm>
+            <a:off x="838200" y="365127"/>
+            <a:ext cx="4570708" cy="2409070"/>
+          </a:xfrm>
+        </p:spPr>
         <p:txBody>
-          <a:bodyPr/>
+          <a:bodyPr>
+            <a:normAutofit/>
+          </a:bodyPr>
           <a:lstStyle/>
           <a:p>
             <a:r>
               <a:rPr lang="en-GB" dirty="0"/>
-              <a:t>Override </a:t>
+              <a:t>Final design, with </a:t>
             </a:r>
             <a:r>
               <a:rPr lang="en-GB" dirty="0" err="1"/>
-              <a:t>ToString</a:t>
+              <a:t>properites</a:t>
             </a:r>
             <a:r>
               <a:rPr lang="en-GB" dirty="0"/>
-              <a:t>()</a:t>
-            </a:r>
-          </a:p>
-          <a:p>
-            <a:r>
-              <a:rPr lang="en-GB" dirty="0"/>
-              <a:t>Overload, currying</a:t>
-            </a:r>
-          </a:p>
-          <a:p>
-            <a:r>
-              <a:rPr lang="en-GB" dirty="0"/>
-              <a:t>Simple to complicated class-design</a:t>
-            </a:r>
-          </a:p>
-          <a:p>
-            <a:r>
-              <a:rPr lang="en-GB" dirty="0"/>
-              <a:t>Since opponent’s board is copied, no need for the players to </a:t>
-            </a:r>
-            <a:r>
-              <a:rPr lang="en-GB"/>
-              <a:t>know associate </a:t>
-            </a:r>
-            <a:r>
-              <a:rPr lang="en-GB" dirty="0"/>
-              <a:t>the opponent.</a:t>
+              <a:t> and methods</a:t>
             </a:r>
           </a:p>
         </p:txBody>
@@ -7256,7 +11210,488 @@
     </p:spTree>
     <p:extLst>
       <p:ext uri="{BB962C8B-B14F-4D97-AF65-F5344CB8AC3E}">
-        <p14:creationId xmlns:p14="http://schemas.microsoft.com/office/powerpoint/2010/main" val="3345976999"/>
+        <p14:creationId xmlns:p14="http://schemas.microsoft.com/office/powerpoint/2010/main" val="1176876175"/>
+      </p:ext>
+    </p:extLst>
+  </p:cSld>
+  <p:clrMapOvr>
+    <a:masterClrMapping/>
+  </p:clrMapOvr>
+  <p:timing>
+    <p:tnLst>
+      <p:par>
+        <p:cTn id="1" dur="indefinite" restart="never" nodeType="tmRoot">
+          <p:childTnLst>
+            <p:seq concurrent="1" nextAc="seek">
+              <p:cTn id="2" dur="indefinite" nodeType="mainSeq">
+                <p:childTnLst>
+                  <p:par>
+                    <p:cTn id="3" fill="hold">
+                      <p:stCondLst>
+                        <p:cond delay="indefinite"/>
+                      </p:stCondLst>
+                      <p:childTnLst>
+                        <p:par>
+                          <p:cTn id="4" fill="hold">
+                            <p:stCondLst>
+                              <p:cond delay="0"/>
+                            </p:stCondLst>
+                            <p:childTnLst>
+                              <p:par>
+                                <p:cTn id="5" presetID="1" presetClass="entr" presetSubtype="0" fill="hold" grpId="0" nodeType="clickEffect">
+                                  <p:stCondLst>
+                                    <p:cond delay="0"/>
+                                  </p:stCondLst>
+                                  <p:childTnLst>
+                                    <p:set>
+                                      <p:cBhvr>
+                                        <p:cTn id="6" dur="1" fill="hold">
+                                          <p:stCondLst>
+                                            <p:cond delay="0"/>
+                                          </p:stCondLst>
+                                        </p:cTn>
+                                        <p:tgtEl>
+                                          <p:spTgt spid="8"/>
+                                        </p:tgtEl>
+                                        <p:attrNameLst>
+                                          <p:attrName>style.visibility</p:attrName>
+                                        </p:attrNameLst>
+                                      </p:cBhvr>
+                                      <p:to>
+                                        <p:strVal val="visible"/>
+                                      </p:to>
+                                    </p:set>
+                                  </p:childTnLst>
+                                </p:cTn>
+                              </p:par>
+                            </p:childTnLst>
+                          </p:cTn>
+                        </p:par>
+                      </p:childTnLst>
+                    </p:cTn>
+                  </p:par>
+                </p:childTnLst>
+              </p:cTn>
+              <p:prevCondLst>
+                <p:cond evt="onPrev" delay="0">
+                  <p:tgtEl>
+                    <p:sldTgt/>
+                  </p:tgtEl>
+                </p:cond>
+              </p:prevCondLst>
+              <p:nextCondLst>
+                <p:cond evt="onNext" delay="0">
+                  <p:tgtEl>
+                    <p:sldTgt/>
+                  </p:tgtEl>
+                </p:cond>
+              </p:nextCondLst>
+            </p:seq>
+          </p:childTnLst>
+        </p:cTn>
+      </p:par>
+    </p:tnLst>
+    <p:bldLst>
+      <p:bldP spid="8" grpId="0"/>
+    </p:bldLst>
+  </p:timing>
+</p:sld>
+</file>
+
+<file path=ppt/slides/slide19.xml><?xml version="1.0" encoding="utf-8"?>
+<p:sld xmlns:a="http://schemas.openxmlformats.org/drawingml/2006/main" xmlns:r="http://schemas.openxmlformats.org/officeDocument/2006/relationships" xmlns:p="http://schemas.openxmlformats.org/presentationml/2006/main">
+  <p:cSld>
+    <p:spTree>
+      <p:nvGrpSpPr>
+        <p:cNvPr id="1" name=""/>
+        <p:cNvGrpSpPr/>
+        <p:nvPr/>
+      </p:nvGrpSpPr>
+      <p:grpSpPr>
+        <a:xfrm>
+          <a:off x="0" y="0"/>
+          <a:ext cx="0" cy="0"/>
+          <a:chOff x="0" y="0"/>
+          <a:chExt cx="0" cy="0"/>
+        </a:xfrm>
+      </p:grpSpPr>
+      <p:sp>
+        <p:nvSpPr>
+          <p:cNvPr id="2" name="Title 1">
+            <a:extLst>
+              <a:ext uri="{FF2B5EF4-FFF2-40B4-BE49-F238E27FC236}">
+                <a16:creationId xmlns:a16="http://schemas.microsoft.com/office/drawing/2014/main" id="{8ED769BC-89DE-BC40-9961-E6BFB69B357B}"/>
+              </a:ext>
+            </a:extLst>
+          </p:cNvPr>
+          <p:cNvSpPr>
+            <a:spLocks noGrp="1"/>
+          </p:cNvSpPr>
+          <p:nvPr>
+            <p:ph type="title"/>
+          </p:nvPr>
+        </p:nvSpPr>
+        <p:spPr>
+          <a:xfrm>
+            <a:off x="838200" y="365127"/>
+            <a:ext cx="10444566" cy="967727"/>
+          </a:xfrm>
+        </p:spPr>
+        <p:txBody>
+          <a:bodyPr>
+            <a:normAutofit/>
+          </a:bodyPr>
+          <a:lstStyle/>
+          <a:p>
+            <a:r>
+              <a:rPr lang="en-GB" dirty="0"/>
+              <a:t>Function overloading</a:t>
+            </a:r>
+          </a:p>
+        </p:txBody>
+      </p:sp>
+      <p:pic>
+        <p:nvPicPr>
+          <p:cNvPr id="6" name="Picture 5">
+            <a:extLst>
+              <a:ext uri="{FF2B5EF4-FFF2-40B4-BE49-F238E27FC236}">
+                <a16:creationId xmlns:a16="http://schemas.microsoft.com/office/drawing/2014/main" id="{4064B490-586F-9D4B-967C-24354ED32C84}"/>
+              </a:ext>
+            </a:extLst>
+          </p:cNvPr>
+          <p:cNvPicPr>
+            <a:picLocks noChangeAspect="1"/>
+          </p:cNvPicPr>
+          <p:nvPr/>
+        </p:nvPicPr>
+        <p:blipFill>
+          <a:blip r:embed="rId3"/>
+          <a:stretch>
+            <a:fillRect/>
+          </a:stretch>
+        </p:blipFill>
+        <p:spPr>
+          <a:xfrm>
+            <a:off x="6060483" y="4538212"/>
+            <a:ext cx="6146800" cy="1257300"/>
+          </a:xfrm>
+          <a:prstGeom prst="rect">
+            <a:avLst/>
+          </a:prstGeom>
+        </p:spPr>
+      </p:pic>
+      <p:sp>
+        <p:nvSpPr>
+          <p:cNvPr id="8" name="TextBox 7">
+            <a:extLst>
+              <a:ext uri="{FF2B5EF4-FFF2-40B4-BE49-F238E27FC236}">
+                <a16:creationId xmlns:a16="http://schemas.microsoft.com/office/drawing/2014/main" id="{C8A2375D-97D8-B14C-B05F-A07523AF8D7E}"/>
+              </a:ext>
+            </a:extLst>
+          </p:cNvPr>
+          <p:cNvSpPr txBox="1"/>
+          <p:nvPr/>
+        </p:nvSpPr>
+        <p:spPr>
+          <a:xfrm>
+            <a:off x="9674551" y="202659"/>
+            <a:ext cx="2137124" cy="646331"/>
+          </a:xfrm>
+          <a:prstGeom prst="rect">
+            <a:avLst/>
+          </a:prstGeom>
+          <a:noFill/>
+        </p:spPr>
+        <p:txBody>
+          <a:bodyPr wrap="none" rtlCol="0">
+            <a:spAutoFit/>
+          </a:bodyPr>
+          <a:lstStyle/>
+          <a:p>
+            <a:r>
+              <a:rPr lang="en-GB" dirty="0" err="1">
+                <a:latin typeface="Lucida Sans Typewriter" panose="020B0509030504030204" pitchFamily="49" charset="77"/>
+              </a:rPr>
+              <a:t>battleship.tex</a:t>
+            </a:r>
+            <a:endParaRPr lang="en-GB" dirty="0">
+              <a:latin typeface="Lucida Sans Typewriter" panose="020B0509030504030204" pitchFamily="49" charset="77"/>
+            </a:endParaRPr>
+          </a:p>
+          <a:p>
+            <a:r>
+              <a:rPr lang="en-GB" dirty="0" err="1">
+                <a:latin typeface="Lucida Sans Typewriter" panose="020B0509030504030204" pitchFamily="49" charset="77"/>
+              </a:rPr>
+              <a:t>battleship.fsx</a:t>
+            </a:r>
+            <a:endParaRPr lang="en-GB" dirty="0">
+              <a:latin typeface="Lucida Sans Typewriter" panose="020B0509030504030204" pitchFamily="49" charset="77"/>
+            </a:endParaRPr>
+          </a:p>
+        </p:txBody>
+      </p:sp>
+      <p:pic>
+        <p:nvPicPr>
+          <p:cNvPr id="10" name="Picture 9">
+            <a:extLst>
+              <a:ext uri="{FF2B5EF4-FFF2-40B4-BE49-F238E27FC236}">
+                <a16:creationId xmlns:a16="http://schemas.microsoft.com/office/drawing/2014/main" id="{2658E5A9-6798-F543-A4B2-5EB9DDFB37F8}"/>
+              </a:ext>
+            </a:extLst>
+          </p:cNvPr>
+          <p:cNvPicPr>
+            <a:picLocks noChangeAspect="1"/>
+          </p:cNvPicPr>
+          <p:nvPr/>
+        </p:nvPicPr>
+        <p:blipFill rotWithShape="1">
+          <a:blip r:embed="rId4"/>
+          <a:srcRect l="-30812" t="62599" r="30812" b="-48691"/>
+          <a:stretch/>
+        </p:blipFill>
+        <p:spPr>
+          <a:xfrm>
+            <a:off x="-1436425" y="3865176"/>
+            <a:ext cx="7127171" cy="5903999"/>
+          </a:xfrm>
+          <a:prstGeom prst="rect">
+            <a:avLst/>
+          </a:prstGeom>
+        </p:spPr>
+      </p:pic>
+      <p:sp>
+        <p:nvSpPr>
+          <p:cNvPr id="12" name="TextBox 11">
+            <a:extLst>
+              <a:ext uri="{FF2B5EF4-FFF2-40B4-BE49-F238E27FC236}">
+                <a16:creationId xmlns:a16="http://schemas.microsoft.com/office/drawing/2014/main" id="{AB7F9688-4829-5E47-BEF5-80C223F1B6D1}"/>
+              </a:ext>
+            </a:extLst>
+          </p:cNvPr>
+          <p:cNvSpPr txBox="1"/>
+          <p:nvPr/>
+        </p:nvSpPr>
+        <p:spPr>
+          <a:xfrm>
+            <a:off x="909234" y="1295254"/>
+            <a:ext cx="9563024" cy="2123658"/>
+          </a:xfrm>
+          <a:prstGeom prst="rect">
+            <a:avLst/>
+          </a:prstGeom>
+          <a:noFill/>
+        </p:spPr>
+        <p:txBody>
+          <a:bodyPr wrap="square" rtlCol="0">
+            <a:spAutoFit/>
+          </a:bodyPr>
+          <a:lstStyle/>
+          <a:p>
+            <a:r>
+              <a:rPr lang="en-GB" sz="2200" dirty="0"/>
+              <a:t>Problem: </a:t>
+            </a:r>
+          </a:p>
+          <a:p>
+            <a:r>
+              <a:rPr lang="en-GB" sz="2200" dirty="0" err="1"/>
+              <a:t>Modstanders</a:t>
+            </a:r>
+            <a:r>
+              <a:rPr lang="en-GB" sz="2200" dirty="0"/>
+              <a:t> </a:t>
+            </a:r>
+            <a:r>
+              <a:rPr lang="en-GB" sz="2200" dirty="0" err="1"/>
+              <a:t>plade</a:t>
+            </a:r>
+            <a:r>
+              <a:rPr lang="en-GB" sz="2200" dirty="0"/>
+              <a:t> </a:t>
+            </a:r>
+            <a:r>
+              <a:rPr lang="en-GB" sz="2200" dirty="0" err="1"/>
+              <a:t>kendes</a:t>
+            </a:r>
+            <a:r>
+              <a:rPr lang="en-GB" sz="2200" dirty="0"/>
+              <a:t> </a:t>
+            </a:r>
+            <a:r>
+              <a:rPr lang="en-GB" sz="2200" dirty="0" err="1"/>
+              <a:t>kun</a:t>
+            </a:r>
+            <a:r>
+              <a:rPr lang="en-GB" sz="2200" dirty="0"/>
+              <a:t> </a:t>
+            </a:r>
+            <a:r>
+              <a:rPr lang="en-GB" sz="2200" dirty="0" err="1"/>
+              <a:t>delvist</a:t>
+            </a:r>
+            <a:r>
+              <a:rPr lang="en-GB" sz="2200" dirty="0"/>
+              <a:t>, men </a:t>
+            </a:r>
+            <a:r>
+              <a:rPr lang="en-GB" sz="2200" dirty="0" err="1"/>
+              <a:t>ToString</a:t>
+            </a:r>
+            <a:r>
+              <a:rPr lang="en-GB" sz="2200" dirty="0"/>
+              <a:t>() </a:t>
+            </a:r>
+            <a:r>
+              <a:rPr lang="en-GB" sz="2200" dirty="0" err="1"/>
+              <a:t>afhænger</a:t>
+            </a:r>
+            <a:r>
+              <a:rPr lang="en-GB" sz="2200" dirty="0"/>
+              <a:t> </a:t>
+            </a:r>
+            <a:r>
+              <a:rPr lang="en-GB" sz="2200" dirty="0" err="1"/>
+              <a:t>af</a:t>
+            </a:r>
+            <a:r>
+              <a:rPr lang="en-GB" sz="2200" dirty="0"/>
+              <a:t> </a:t>
+            </a:r>
+            <a:r>
+              <a:rPr lang="en-GB" sz="2200" dirty="0" err="1"/>
+              <a:t>viden</a:t>
+            </a:r>
+            <a:r>
+              <a:rPr lang="en-GB" sz="2200" dirty="0"/>
+              <a:t> om der </a:t>
+            </a:r>
+            <a:r>
+              <a:rPr lang="en-GB" sz="2200" dirty="0" err="1"/>
+              <a:t>er</a:t>
+            </a:r>
+            <a:r>
+              <a:rPr lang="en-GB" sz="2200" dirty="0"/>
+              <a:t> et </a:t>
+            </a:r>
+            <a:r>
+              <a:rPr lang="en-GB" sz="2200" dirty="0" err="1"/>
+              <a:t>skib</a:t>
+            </a:r>
+            <a:r>
+              <a:rPr lang="en-GB" sz="2200" dirty="0"/>
+              <a:t> </a:t>
+            </a:r>
+            <a:r>
+              <a:rPr lang="en-GB" sz="2200" dirty="0" err="1"/>
+              <a:t>eller</a:t>
+            </a:r>
+            <a:r>
+              <a:rPr lang="en-GB" sz="2200" dirty="0"/>
+              <a:t> </a:t>
+            </a:r>
+            <a:r>
+              <a:rPr lang="en-GB" sz="2200" dirty="0" err="1"/>
+              <a:t>ej</a:t>
+            </a:r>
+            <a:r>
+              <a:rPr lang="en-GB" sz="2200" dirty="0"/>
+              <a:t>.</a:t>
+            </a:r>
+          </a:p>
+          <a:p>
+            <a:endParaRPr lang="en-GB" sz="2200" dirty="0"/>
+          </a:p>
+          <a:p>
+            <a:r>
+              <a:rPr lang="en-GB" sz="2200" dirty="0" err="1"/>
+              <a:t>Løsning</a:t>
+            </a:r>
+            <a:r>
+              <a:rPr lang="en-GB" sz="2200" dirty="0"/>
+              <a:t>: </a:t>
+            </a:r>
+          </a:p>
+          <a:p>
+            <a:r>
+              <a:rPr lang="en-GB" sz="2200" dirty="0" err="1"/>
+              <a:t>Opret</a:t>
+            </a:r>
+            <a:r>
+              <a:rPr lang="en-GB" sz="2200" dirty="0"/>
+              <a:t> et ‘dummy’ </a:t>
+            </a:r>
+            <a:r>
+              <a:rPr lang="en-GB" sz="2200" dirty="0" err="1"/>
+              <a:t>skib</a:t>
+            </a:r>
+            <a:r>
+              <a:rPr lang="en-GB" sz="2200" dirty="0"/>
+              <a:t>, </a:t>
+            </a:r>
+            <a:r>
+              <a:rPr lang="en-GB" sz="2200" dirty="0" err="1"/>
+              <a:t>og</a:t>
+            </a:r>
+            <a:r>
+              <a:rPr lang="en-GB" sz="2200" dirty="0"/>
+              <a:t> </a:t>
+            </a:r>
+            <a:r>
+              <a:rPr lang="en-GB" sz="2200" dirty="0" err="1"/>
+              <a:t>indsæt</a:t>
+            </a:r>
+            <a:r>
+              <a:rPr lang="en-GB" sz="2200" dirty="0"/>
+              <a:t> </a:t>
+            </a:r>
+            <a:r>
+              <a:rPr lang="en-GB" sz="2200" dirty="0" err="1"/>
+              <a:t>ved</a:t>
+            </a:r>
+            <a:r>
+              <a:rPr lang="en-GB" sz="2200" dirty="0"/>
+              <a:t> hit </a:t>
+            </a:r>
+            <a:r>
+              <a:rPr lang="en-GB" sz="2200" dirty="0" err="1"/>
+              <a:t>på</a:t>
+            </a:r>
+            <a:r>
+              <a:rPr lang="en-GB" sz="2200" dirty="0"/>
+              <a:t> spillers kopi </a:t>
+            </a:r>
+            <a:r>
+              <a:rPr lang="en-GB" sz="2200" dirty="0" err="1"/>
+              <a:t>af</a:t>
+            </a:r>
+            <a:r>
+              <a:rPr lang="en-GB" sz="2200" dirty="0"/>
+              <a:t> </a:t>
+            </a:r>
+            <a:r>
+              <a:rPr lang="en-GB" sz="2200" dirty="0" err="1"/>
+              <a:t>modstanders</a:t>
+            </a:r>
+            <a:r>
+              <a:rPr lang="en-GB" sz="2200" dirty="0"/>
+              <a:t> </a:t>
+            </a:r>
+            <a:r>
+              <a:rPr lang="en-GB" sz="2200" dirty="0" err="1"/>
+              <a:t>bræt</a:t>
+            </a:r>
+            <a:r>
+              <a:rPr lang="en-GB" sz="2200" dirty="0"/>
+              <a:t>.</a:t>
+            </a:r>
+          </a:p>
+        </p:txBody>
+      </p:sp>
+    </p:spTree>
+    <p:extLst>
+      <p:ext uri="{BB962C8B-B14F-4D97-AF65-F5344CB8AC3E}">
+        <p14:creationId xmlns:p14="http://schemas.microsoft.com/office/powerpoint/2010/main" val="2949659741"/>
       </p:ext>
     </p:extLst>
   </p:cSld>
